--- a/Présentation/Web Project.pptx
+++ b/Présentation/Web Project.pptx
@@ -5,10 +5,10 @@
     <p:sldMasterId id="2147483648" r:id="rId1"/>
   </p:sldMasterIdLst>
   <p:notesMasterIdLst>
-    <p:notesMasterId r:id="rId10"/>
+    <p:notesMasterId r:id="rId21"/>
   </p:notesMasterIdLst>
   <p:handoutMasterIdLst>
-    <p:handoutMasterId r:id="rId11"/>
+    <p:handoutMasterId r:id="rId22"/>
   </p:handoutMasterIdLst>
   <p:sldIdLst>
     <p:sldId id="261" r:id="rId2"/>
@@ -18,7 +18,18 @@
     <p:sldId id="305" r:id="rId6"/>
     <p:sldId id="306" r:id="rId7"/>
     <p:sldId id="308" r:id="rId8"/>
-    <p:sldId id="307" r:id="rId9"/>
+    <p:sldId id="315" r:id="rId9"/>
+    <p:sldId id="313" r:id="rId10"/>
+    <p:sldId id="314" r:id="rId11"/>
+    <p:sldId id="310" r:id="rId12"/>
+    <p:sldId id="311" r:id="rId13"/>
+    <p:sldId id="312" r:id="rId14"/>
+    <p:sldId id="316" r:id="rId15"/>
+    <p:sldId id="317" r:id="rId16"/>
+    <p:sldId id="318" r:id="rId17"/>
+    <p:sldId id="319" r:id="rId18"/>
+    <p:sldId id="309" r:id="rId19"/>
+    <p:sldId id="307" r:id="rId20"/>
   </p:sldIdLst>
   <p:sldSz cx="12192000" cy="6858000"/>
   <p:notesSz cx="6858000" cy="9144000"/>
@@ -5713,7 +5724,7 @@
             <a:pPr rtl="0"/>
             <a:fld id="{B7ED9B38-3B2C-499F-B1DF-08089C0C689D}" type="datetime1">
               <a:rPr lang="fr-FR" smtClean="0"/>
-              <a:t>29/01/2019</a:t>
+              <a:t>01/02/2019</a:t>
             </a:fld>
             <a:endParaRPr lang="fr-FR"/>
           </a:p>
@@ -5883,7 +5894,7 @@
             <a:pPr rtl="0"/>
             <a:fld id="{1D5D9EE4-FD73-441F-9FE4-28084827734D}" type="datetime1">
               <a:rPr lang="fr-FR" noProof="0" smtClean="0"/>
-              <a:t>29/01/2019</a:t>
+              <a:t>01/02/2019</a:t>
             </a:fld>
             <a:endParaRPr lang="fr-FR" noProof="0"/>
           </a:p>
@@ -6230,6 +6241,866 @@
     <p:extLst>
       <p:ext uri="{BB962C8B-B14F-4D97-AF65-F5344CB8AC3E}">
         <p14:creationId xmlns:p14="http://schemas.microsoft.com/office/powerpoint/2010/main" val="2597313609"/>
+      </p:ext>
+    </p:extLst>
+  </p:cSld>
+  <p:clrMapOvr>
+    <a:masterClrMapping/>
+  </p:clrMapOvr>
+</p:notes>
+</file>
+
+<file path=ppt/notesSlides/notesSlide10.xml><?xml version="1.0" encoding="utf-8"?>
+<p:notes xmlns:a="http://schemas.openxmlformats.org/drawingml/2006/main" xmlns:r="http://schemas.openxmlformats.org/officeDocument/2006/relationships" xmlns:p="http://schemas.openxmlformats.org/presentationml/2006/main">
+  <p:cSld>
+    <p:spTree>
+      <p:nvGrpSpPr>
+        <p:cNvPr id="1" name=""/>
+        <p:cNvGrpSpPr/>
+        <p:nvPr/>
+      </p:nvGrpSpPr>
+      <p:grpSpPr>
+        <a:xfrm>
+          <a:off x="0" y="0"/>
+          <a:ext cx="0" cy="0"/>
+          <a:chOff x="0" y="0"/>
+          <a:chExt cx="0" cy="0"/>
+        </a:xfrm>
+      </p:grpSpPr>
+      <p:sp>
+        <p:nvSpPr>
+          <p:cNvPr id="2" name="Espace réservé de l’image des diapositives 1"/>
+          <p:cNvSpPr>
+            <a:spLocks noGrp="1" noRot="1" noChangeAspect="1"/>
+          </p:cNvSpPr>
+          <p:nvPr>
+            <p:ph type="sldImg"/>
+          </p:nvPr>
+        </p:nvSpPr>
+        <p:spPr/>
+      </p:sp>
+      <p:sp>
+        <p:nvSpPr>
+          <p:cNvPr id="3" name="Espace réservé des commentaires 2"/>
+          <p:cNvSpPr>
+            <a:spLocks noGrp="1"/>
+          </p:cNvSpPr>
+          <p:nvPr>
+            <p:ph type="body" idx="1"/>
+          </p:nvPr>
+        </p:nvSpPr>
+        <p:spPr/>
+        <p:txBody>
+          <a:bodyPr rtlCol="0"/>
+          <a:lstStyle/>
+          <a:p>
+            <a:pPr rtl="0"/>
+            <a:endParaRPr lang="fr-FR"/>
+          </a:p>
+        </p:txBody>
+      </p:sp>
+      <p:sp>
+        <p:nvSpPr>
+          <p:cNvPr id="4" name="Espace réservé du numéro de diapositive 3"/>
+          <p:cNvSpPr>
+            <a:spLocks noGrp="1"/>
+          </p:cNvSpPr>
+          <p:nvPr>
+            <p:ph type="sldNum" sz="quarter" idx="10"/>
+          </p:nvPr>
+        </p:nvSpPr>
+        <p:spPr/>
+        <p:txBody>
+          <a:bodyPr rtlCol="0"/>
+          <a:lstStyle/>
+          <a:p>
+            <a:pPr rtl="0"/>
+            <a:fld id="{82869989-EB00-4EE7-BCB5-25BDC5BB29F8}" type="slidenum">
+              <a:rPr lang="fr-FR" smtClean="0"/>
+              <a:t>10</a:t>
+            </a:fld>
+            <a:endParaRPr lang="fr-FR"/>
+          </a:p>
+        </p:txBody>
+      </p:sp>
+    </p:spTree>
+    <p:extLst>
+      <p:ext uri="{BB962C8B-B14F-4D97-AF65-F5344CB8AC3E}">
+        <p14:creationId xmlns:p14="http://schemas.microsoft.com/office/powerpoint/2010/main" val="37653776"/>
+      </p:ext>
+    </p:extLst>
+  </p:cSld>
+  <p:clrMapOvr>
+    <a:masterClrMapping/>
+  </p:clrMapOvr>
+</p:notes>
+</file>
+
+<file path=ppt/notesSlides/notesSlide11.xml><?xml version="1.0" encoding="utf-8"?>
+<p:notes xmlns:a="http://schemas.openxmlformats.org/drawingml/2006/main" xmlns:r="http://schemas.openxmlformats.org/officeDocument/2006/relationships" xmlns:p="http://schemas.openxmlformats.org/presentationml/2006/main">
+  <p:cSld>
+    <p:spTree>
+      <p:nvGrpSpPr>
+        <p:cNvPr id="1" name=""/>
+        <p:cNvGrpSpPr/>
+        <p:nvPr/>
+      </p:nvGrpSpPr>
+      <p:grpSpPr>
+        <a:xfrm>
+          <a:off x="0" y="0"/>
+          <a:ext cx="0" cy="0"/>
+          <a:chOff x="0" y="0"/>
+          <a:chExt cx="0" cy="0"/>
+        </a:xfrm>
+      </p:grpSpPr>
+      <p:sp>
+        <p:nvSpPr>
+          <p:cNvPr id="2" name="Espace réservé de l’image des diapositives 1"/>
+          <p:cNvSpPr>
+            <a:spLocks noGrp="1" noRot="1" noChangeAspect="1"/>
+          </p:cNvSpPr>
+          <p:nvPr>
+            <p:ph type="sldImg"/>
+          </p:nvPr>
+        </p:nvSpPr>
+        <p:spPr/>
+      </p:sp>
+      <p:sp>
+        <p:nvSpPr>
+          <p:cNvPr id="3" name="Espace réservé des commentaires 2"/>
+          <p:cNvSpPr>
+            <a:spLocks noGrp="1"/>
+          </p:cNvSpPr>
+          <p:nvPr>
+            <p:ph type="body" idx="1"/>
+          </p:nvPr>
+        </p:nvSpPr>
+        <p:spPr/>
+        <p:txBody>
+          <a:bodyPr rtlCol="0"/>
+          <a:lstStyle/>
+          <a:p>
+            <a:pPr rtl="0"/>
+            <a:endParaRPr lang="fr-FR"/>
+          </a:p>
+        </p:txBody>
+      </p:sp>
+      <p:sp>
+        <p:nvSpPr>
+          <p:cNvPr id="4" name="Espace réservé du numéro de diapositive 3"/>
+          <p:cNvSpPr>
+            <a:spLocks noGrp="1"/>
+          </p:cNvSpPr>
+          <p:nvPr>
+            <p:ph type="sldNum" sz="quarter" idx="10"/>
+          </p:nvPr>
+        </p:nvSpPr>
+        <p:spPr/>
+        <p:txBody>
+          <a:bodyPr rtlCol="0"/>
+          <a:lstStyle/>
+          <a:p>
+            <a:pPr rtl="0"/>
+            <a:fld id="{82869989-EB00-4EE7-BCB5-25BDC5BB29F8}" type="slidenum">
+              <a:rPr lang="fr-FR" smtClean="0"/>
+              <a:t>11</a:t>
+            </a:fld>
+            <a:endParaRPr lang="fr-FR"/>
+          </a:p>
+        </p:txBody>
+      </p:sp>
+    </p:spTree>
+    <p:extLst>
+      <p:ext uri="{BB962C8B-B14F-4D97-AF65-F5344CB8AC3E}">
+        <p14:creationId xmlns:p14="http://schemas.microsoft.com/office/powerpoint/2010/main" val="1529347314"/>
+      </p:ext>
+    </p:extLst>
+  </p:cSld>
+  <p:clrMapOvr>
+    <a:masterClrMapping/>
+  </p:clrMapOvr>
+</p:notes>
+</file>
+
+<file path=ppt/notesSlides/notesSlide12.xml><?xml version="1.0" encoding="utf-8"?>
+<p:notes xmlns:a="http://schemas.openxmlformats.org/drawingml/2006/main" xmlns:r="http://schemas.openxmlformats.org/officeDocument/2006/relationships" xmlns:p="http://schemas.openxmlformats.org/presentationml/2006/main">
+  <p:cSld>
+    <p:spTree>
+      <p:nvGrpSpPr>
+        <p:cNvPr id="1" name=""/>
+        <p:cNvGrpSpPr/>
+        <p:nvPr/>
+      </p:nvGrpSpPr>
+      <p:grpSpPr>
+        <a:xfrm>
+          <a:off x="0" y="0"/>
+          <a:ext cx="0" cy="0"/>
+          <a:chOff x="0" y="0"/>
+          <a:chExt cx="0" cy="0"/>
+        </a:xfrm>
+      </p:grpSpPr>
+      <p:sp>
+        <p:nvSpPr>
+          <p:cNvPr id="2" name="Espace réservé de l’image des diapositives 1"/>
+          <p:cNvSpPr>
+            <a:spLocks noGrp="1" noRot="1" noChangeAspect="1"/>
+          </p:cNvSpPr>
+          <p:nvPr>
+            <p:ph type="sldImg"/>
+          </p:nvPr>
+        </p:nvSpPr>
+        <p:spPr/>
+      </p:sp>
+      <p:sp>
+        <p:nvSpPr>
+          <p:cNvPr id="3" name="Espace réservé des commentaires 2"/>
+          <p:cNvSpPr>
+            <a:spLocks noGrp="1"/>
+          </p:cNvSpPr>
+          <p:nvPr>
+            <p:ph type="body" idx="1"/>
+          </p:nvPr>
+        </p:nvSpPr>
+        <p:spPr/>
+        <p:txBody>
+          <a:bodyPr rtlCol="0"/>
+          <a:lstStyle/>
+          <a:p>
+            <a:pPr rtl="0"/>
+            <a:endParaRPr lang="fr-FR"/>
+          </a:p>
+        </p:txBody>
+      </p:sp>
+      <p:sp>
+        <p:nvSpPr>
+          <p:cNvPr id="4" name="Espace réservé du numéro de diapositive 3"/>
+          <p:cNvSpPr>
+            <a:spLocks noGrp="1"/>
+          </p:cNvSpPr>
+          <p:nvPr>
+            <p:ph type="sldNum" sz="quarter" idx="10"/>
+          </p:nvPr>
+        </p:nvSpPr>
+        <p:spPr/>
+        <p:txBody>
+          <a:bodyPr rtlCol="0"/>
+          <a:lstStyle/>
+          <a:p>
+            <a:pPr rtl="0"/>
+            <a:fld id="{82869989-EB00-4EE7-BCB5-25BDC5BB29F8}" type="slidenum">
+              <a:rPr lang="fr-FR" smtClean="0"/>
+              <a:t>12</a:t>
+            </a:fld>
+            <a:endParaRPr lang="fr-FR"/>
+          </a:p>
+        </p:txBody>
+      </p:sp>
+    </p:spTree>
+    <p:extLst>
+      <p:ext uri="{BB962C8B-B14F-4D97-AF65-F5344CB8AC3E}">
+        <p14:creationId xmlns:p14="http://schemas.microsoft.com/office/powerpoint/2010/main" val="3294751541"/>
+      </p:ext>
+    </p:extLst>
+  </p:cSld>
+  <p:clrMapOvr>
+    <a:masterClrMapping/>
+  </p:clrMapOvr>
+</p:notes>
+</file>
+
+<file path=ppt/notesSlides/notesSlide13.xml><?xml version="1.0" encoding="utf-8"?>
+<p:notes xmlns:a="http://schemas.openxmlformats.org/drawingml/2006/main" xmlns:r="http://schemas.openxmlformats.org/officeDocument/2006/relationships" xmlns:p="http://schemas.openxmlformats.org/presentationml/2006/main">
+  <p:cSld>
+    <p:spTree>
+      <p:nvGrpSpPr>
+        <p:cNvPr id="1" name=""/>
+        <p:cNvGrpSpPr/>
+        <p:nvPr/>
+      </p:nvGrpSpPr>
+      <p:grpSpPr>
+        <a:xfrm>
+          <a:off x="0" y="0"/>
+          <a:ext cx="0" cy="0"/>
+          <a:chOff x="0" y="0"/>
+          <a:chExt cx="0" cy="0"/>
+        </a:xfrm>
+      </p:grpSpPr>
+      <p:sp>
+        <p:nvSpPr>
+          <p:cNvPr id="2" name="Espace réservé de l’image des diapositives 1"/>
+          <p:cNvSpPr>
+            <a:spLocks noGrp="1" noRot="1" noChangeAspect="1"/>
+          </p:cNvSpPr>
+          <p:nvPr>
+            <p:ph type="sldImg"/>
+          </p:nvPr>
+        </p:nvSpPr>
+        <p:spPr/>
+      </p:sp>
+      <p:sp>
+        <p:nvSpPr>
+          <p:cNvPr id="3" name="Espace réservé des commentaires 2"/>
+          <p:cNvSpPr>
+            <a:spLocks noGrp="1"/>
+          </p:cNvSpPr>
+          <p:nvPr>
+            <p:ph type="body" idx="1"/>
+          </p:nvPr>
+        </p:nvSpPr>
+        <p:spPr/>
+        <p:txBody>
+          <a:bodyPr rtlCol="0"/>
+          <a:lstStyle/>
+          <a:p>
+            <a:pPr rtl="0"/>
+            <a:endParaRPr lang="fr-FR"/>
+          </a:p>
+        </p:txBody>
+      </p:sp>
+      <p:sp>
+        <p:nvSpPr>
+          <p:cNvPr id="4" name="Espace réservé du numéro de diapositive 3"/>
+          <p:cNvSpPr>
+            <a:spLocks noGrp="1"/>
+          </p:cNvSpPr>
+          <p:nvPr>
+            <p:ph type="sldNum" sz="quarter" idx="10"/>
+          </p:nvPr>
+        </p:nvSpPr>
+        <p:spPr/>
+        <p:txBody>
+          <a:bodyPr rtlCol="0"/>
+          <a:lstStyle/>
+          <a:p>
+            <a:pPr rtl="0"/>
+            <a:fld id="{82869989-EB00-4EE7-BCB5-25BDC5BB29F8}" type="slidenum">
+              <a:rPr lang="fr-FR" smtClean="0"/>
+              <a:t>13</a:t>
+            </a:fld>
+            <a:endParaRPr lang="fr-FR"/>
+          </a:p>
+        </p:txBody>
+      </p:sp>
+    </p:spTree>
+    <p:extLst>
+      <p:ext uri="{BB962C8B-B14F-4D97-AF65-F5344CB8AC3E}">
+        <p14:creationId xmlns:p14="http://schemas.microsoft.com/office/powerpoint/2010/main" val="1344062037"/>
+      </p:ext>
+    </p:extLst>
+  </p:cSld>
+  <p:clrMapOvr>
+    <a:masterClrMapping/>
+  </p:clrMapOvr>
+</p:notes>
+</file>
+
+<file path=ppt/notesSlides/notesSlide14.xml><?xml version="1.0" encoding="utf-8"?>
+<p:notes xmlns:a="http://schemas.openxmlformats.org/drawingml/2006/main" xmlns:r="http://schemas.openxmlformats.org/officeDocument/2006/relationships" xmlns:p="http://schemas.openxmlformats.org/presentationml/2006/main">
+  <p:cSld>
+    <p:spTree>
+      <p:nvGrpSpPr>
+        <p:cNvPr id="1" name=""/>
+        <p:cNvGrpSpPr/>
+        <p:nvPr/>
+      </p:nvGrpSpPr>
+      <p:grpSpPr>
+        <a:xfrm>
+          <a:off x="0" y="0"/>
+          <a:ext cx="0" cy="0"/>
+          <a:chOff x="0" y="0"/>
+          <a:chExt cx="0" cy="0"/>
+        </a:xfrm>
+      </p:grpSpPr>
+      <p:sp>
+        <p:nvSpPr>
+          <p:cNvPr id="2" name="Espace réservé de l’image des diapositives 1"/>
+          <p:cNvSpPr>
+            <a:spLocks noGrp="1" noRot="1" noChangeAspect="1"/>
+          </p:cNvSpPr>
+          <p:nvPr>
+            <p:ph type="sldImg"/>
+          </p:nvPr>
+        </p:nvSpPr>
+        <p:spPr/>
+      </p:sp>
+      <p:sp>
+        <p:nvSpPr>
+          <p:cNvPr id="3" name="Espace réservé des commentaires 2"/>
+          <p:cNvSpPr>
+            <a:spLocks noGrp="1"/>
+          </p:cNvSpPr>
+          <p:nvPr>
+            <p:ph type="body" idx="1"/>
+          </p:nvPr>
+        </p:nvSpPr>
+        <p:spPr/>
+        <p:txBody>
+          <a:bodyPr rtlCol="0"/>
+          <a:lstStyle/>
+          <a:p>
+            <a:pPr rtl="0"/>
+            <a:endParaRPr lang="fr-FR"/>
+          </a:p>
+        </p:txBody>
+      </p:sp>
+      <p:sp>
+        <p:nvSpPr>
+          <p:cNvPr id="4" name="Espace réservé du numéro de diapositive 3"/>
+          <p:cNvSpPr>
+            <a:spLocks noGrp="1"/>
+          </p:cNvSpPr>
+          <p:nvPr>
+            <p:ph type="sldNum" sz="quarter" idx="10"/>
+          </p:nvPr>
+        </p:nvSpPr>
+        <p:spPr/>
+        <p:txBody>
+          <a:bodyPr rtlCol="0"/>
+          <a:lstStyle/>
+          <a:p>
+            <a:pPr rtl="0"/>
+            <a:fld id="{82869989-EB00-4EE7-BCB5-25BDC5BB29F8}" type="slidenum">
+              <a:rPr lang="fr-FR" smtClean="0"/>
+              <a:t>14</a:t>
+            </a:fld>
+            <a:endParaRPr lang="fr-FR"/>
+          </a:p>
+        </p:txBody>
+      </p:sp>
+    </p:spTree>
+    <p:extLst>
+      <p:ext uri="{BB962C8B-B14F-4D97-AF65-F5344CB8AC3E}">
+        <p14:creationId xmlns:p14="http://schemas.microsoft.com/office/powerpoint/2010/main" val="4169813092"/>
+      </p:ext>
+    </p:extLst>
+  </p:cSld>
+  <p:clrMapOvr>
+    <a:masterClrMapping/>
+  </p:clrMapOvr>
+</p:notes>
+</file>
+
+<file path=ppt/notesSlides/notesSlide15.xml><?xml version="1.0" encoding="utf-8"?>
+<p:notes xmlns:a="http://schemas.openxmlformats.org/drawingml/2006/main" xmlns:r="http://schemas.openxmlformats.org/officeDocument/2006/relationships" xmlns:p="http://schemas.openxmlformats.org/presentationml/2006/main">
+  <p:cSld>
+    <p:spTree>
+      <p:nvGrpSpPr>
+        <p:cNvPr id="1" name=""/>
+        <p:cNvGrpSpPr/>
+        <p:nvPr/>
+      </p:nvGrpSpPr>
+      <p:grpSpPr>
+        <a:xfrm>
+          <a:off x="0" y="0"/>
+          <a:ext cx="0" cy="0"/>
+          <a:chOff x="0" y="0"/>
+          <a:chExt cx="0" cy="0"/>
+        </a:xfrm>
+      </p:grpSpPr>
+      <p:sp>
+        <p:nvSpPr>
+          <p:cNvPr id="2" name="Espace réservé de l’image des diapositives 1"/>
+          <p:cNvSpPr>
+            <a:spLocks noGrp="1" noRot="1" noChangeAspect="1"/>
+          </p:cNvSpPr>
+          <p:nvPr>
+            <p:ph type="sldImg"/>
+          </p:nvPr>
+        </p:nvSpPr>
+        <p:spPr/>
+      </p:sp>
+      <p:sp>
+        <p:nvSpPr>
+          <p:cNvPr id="3" name="Espace réservé des commentaires 2"/>
+          <p:cNvSpPr>
+            <a:spLocks noGrp="1"/>
+          </p:cNvSpPr>
+          <p:nvPr>
+            <p:ph type="body" idx="1"/>
+          </p:nvPr>
+        </p:nvSpPr>
+        <p:spPr/>
+        <p:txBody>
+          <a:bodyPr rtlCol="0"/>
+          <a:lstStyle/>
+          <a:p>
+            <a:pPr rtl="0"/>
+            <a:endParaRPr lang="fr-FR"/>
+          </a:p>
+        </p:txBody>
+      </p:sp>
+      <p:sp>
+        <p:nvSpPr>
+          <p:cNvPr id="4" name="Espace réservé du numéro de diapositive 3"/>
+          <p:cNvSpPr>
+            <a:spLocks noGrp="1"/>
+          </p:cNvSpPr>
+          <p:nvPr>
+            <p:ph type="sldNum" sz="quarter" idx="10"/>
+          </p:nvPr>
+        </p:nvSpPr>
+        <p:spPr/>
+        <p:txBody>
+          <a:bodyPr rtlCol="0"/>
+          <a:lstStyle/>
+          <a:p>
+            <a:pPr rtl="0"/>
+            <a:fld id="{82869989-EB00-4EE7-BCB5-25BDC5BB29F8}" type="slidenum">
+              <a:rPr lang="fr-FR" smtClean="0"/>
+              <a:t>15</a:t>
+            </a:fld>
+            <a:endParaRPr lang="fr-FR"/>
+          </a:p>
+        </p:txBody>
+      </p:sp>
+    </p:spTree>
+    <p:extLst>
+      <p:ext uri="{BB962C8B-B14F-4D97-AF65-F5344CB8AC3E}">
+        <p14:creationId xmlns:p14="http://schemas.microsoft.com/office/powerpoint/2010/main" val="2219821476"/>
+      </p:ext>
+    </p:extLst>
+  </p:cSld>
+  <p:clrMapOvr>
+    <a:masterClrMapping/>
+  </p:clrMapOvr>
+</p:notes>
+</file>
+
+<file path=ppt/notesSlides/notesSlide16.xml><?xml version="1.0" encoding="utf-8"?>
+<p:notes xmlns:a="http://schemas.openxmlformats.org/drawingml/2006/main" xmlns:r="http://schemas.openxmlformats.org/officeDocument/2006/relationships" xmlns:p="http://schemas.openxmlformats.org/presentationml/2006/main">
+  <p:cSld>
+    <p:spTree>
+      <p:nvGrpSpPr>
+        <p:cNvPr id="1" name=""/>
+        <p:cNvGrpSpPr/>
+        <p:nvPr/>
+      </p:nvGrpSpPr>
+      <p:grpSpPr>
+        <a:xfrm>
+          <a:off x="0" y="0"/>
+          <a:ext cx="0" cy="0"/>
+          <a:chOff x="0" y="0"/>
+          <a:chExt cx="0" cy="0"/>
+        </a:xfrm>
+      </p:grpSpPr>
+      <p:sp>
+        <p:nvSpPr>
+          <p:cNvPr id="2" name="Espace réservé de l’image des diapositives 1"/>
+          <p:cNvSpPr>
+            <a:spLocks noGrp="1" noRot="1" noChangeAspect="1"/>
+          </p:cNvSpPr>
+          <p:nvPr>
+            <p:ph type="sldImg"/>
+          </p:nvPr>
+        </p:nvSpPr>
+        <p:spPr/>
+      </p:sp>
+      <p:sp>
+        <p:nvSpPr>
+          <p:cNvPr id="3" name="Espace réservé des commentaires 2"/>
+          <p:cNvSpPr>
+            <a:spLocks noGrp="1"/>
+          </p:cNvSpPr>
+          <p:nvPr>
+            <p:ph type="body" idx="1"/>
+          </p:nvPr>
+        </p:nvSpPr>
+        <p:spPr/>
+        <p:txBody>
+          <a:bodyPr rtlCol="0"/>
+          <a:lstStyle/>
+          <a:p>
+            <a:pPr rtl="0"/>
+            <a:endParaRPr lang="fr-FR"/>
+          </a:p>
+        </p:txBody>
+      </p:sp>
+      <p:sp>
+        <p:nvSpPr>
+          <p:cNvPr id="4" name="Espace réservé du numéro de diapositive 3"/>
+          <p:cNvSpPr>
+            <a:spLocks noGrp="1"/>
+          </p:cNvSpPr>
+          <p:nvPr>
+            <p:ph type="sldNum" sz="quarter" idx="10"/>
+          </p:nvPr>
+        </p:nvSpPr>
+        <p:spPr/>
+        <p:txBody>
+          <a:bodyPr rtlCol="0"/>
+          <a:lstStyle/>
+          <a:p>
+            <a:pPr rtl="0"/>
+            <a:fld id="{82869989-EB00-4EE7-BCB5-25BDC5BB29F8}" type="slidenum">
+              <a:rPr lang="fr-FR" smtClean="0"/>
+              <a:t>16</a:t>
+            </a:fld>
+            <a:endParaRPr lang="fr-FR"/>
+          </a:p>
+        </p:txBody>
+      </p:sp>
+    </p:spTree>
+    <p:extLst>
+      <p:ext uri="{BB962C8B-B14F-4D97-AF65-F5344CB8AC3E}">
+        <p14:creationId xmlns:p14="http://schemas.microsoft.com/office/powerpoint/2010/main" val="119312736"/>
+      </p:ext>
+    </p:extLst>
+  </p:cSld>
+  <p:clrMapOvr>
+    <a:masterClrMapping/>
+  </p:clrMapOvr>
+</p:notes>
+</file>
+
+<file path=ppt/notesSlides/notesSlide17.xml><?xml version="1.0" encoding="utf-8"?>
+<p:notes xmlns:a="http://schemas.openxmlformats.org/drawingml/2006/main" xmlns:r="http://schemas.openxmlformats.org/officeDocument/2006/relationships" xmlns:p="http://schemas.openxmlformats.org/presentationml/2006/main">
+  <p:cSld>
+    <p:spTree>
+      <p:nvGrpSpPr>
+        <p:cNvPr id="1" name=""/>
+        <p:cNvGrpSpPr/>
+        <p:nvPr/>
+      </p:nvGrpSpPr>
+      <p:grpSpPr>
+        <a:xfrm>
+          <a:off x="0" y="0"/>
+          <a:ext cx="0" cy="0"/>
+          <a:chOff x="0" y="0"/>
+          <a:chExt cx="0" cy="0"/>
+        </a:xfrm>
+      </p:grpSpPr>
+      <p:sp>
+        <p:nvSpPr>
+          <p:cNvPr id="2" name="Espace réservé de l’image des diapositives 1"/>
+          <p:cNvSpPr>
+            <a:spLocks noGrp="1" noRot="1" noChangeAspect="1"/>
+          </p:cNvSpPr>
+          <p:nvPr>
+            <p:ph type="sldImg"/>
+          </p:nvPr>
+        </p:nvSpPr>
+        <p:spPr/>
+      </p:sp>
+      <p:sp>
+        <p:nvSpPr>
+          <p:cNvPr id="3" name="Espace réservé des commentaires 2"/>
+          <p:cNvSpPr>
+            <a:spLocks noGrp="1"/>
+          </p:cNvSpPr>
+          <p:nvPr>
+            <p:ph type="body" idx="1"/>
+          </p:nvPr>
+        </p:nvSpPr>
+        <p:spPr/>
+        <p:txBody>
+          <a:bodyPr rtlCol="0"/>
+          <a:lstStyle/>
+          <a:p>
+            <a:pPr rtl="0"/>
+            <a:endParaRPr lang="fr-FR"/>
+          </a:p>
+        </p:txBody>
+      </p:sp>
+      <p:sp>
+        <p:nvSpPr>
+          <p:cNvPr id="4" name="Espace réservé du numéro de diapositive 3"/>
+          <p:cNvSpPr>
+            <a:spLocks noGrp="1"/>
+          </p:cNvSpPr>
+          <p:nvPr>
+            <p:ph type="sldNum" sz="quarter" idx="10"/>
+          </p:nvPr>
+        </p:nvSpPr>
+        <p:spPr/>
+        <p:txBody>
+          <a:bodyPr rtlCol="0"/>
+          <a:lstStyle/>
+          <a:p>
+            <a:pPr rtl="0"/>
+            <a:fld id="{82869989-EB00-4EE7-BCB5-25BDC5BB29F8}" type="slidenum">
+              <a:rPr lang="fr-FR" smtClean="0"/>
+              <a:t>17</a:t>
+            </a:fld>
+            <a:endParaRPr lang="fr-FR"/>
+          </a:p>
+        </p:txBody>
+      </p:sp>
+    </p:spTree>
+    <p:extLst>
+      <p:ext uri="{BB962C8B-B14F-4D97-AF65-F5344CB8AC3E}">
+        <p14:creationId xmlns:p14="http://schemas.microsoft.com/office/powerpoint/2010/main" val="3331815480"/>
+      </p:ext>
+    </p:extLst>
+  </p:cSld>
+  <p:clrMapOvr>
+    <a:masterClrMapping/>
+  </p:clrMapOvr>
+</p:notes>
+</file>
+
+<file path=ppt/notesSlides/notesSlide18.xml><?xml version="1.0" encoding="utf-8"?>
+<p:notes xmlns:a="http://schemas.openxmlformats.org/drawingml/2006/main" xmlns:r="http://schemas.openxmlformats.org/officeDocument/2006/relationships" xmlns:p="http://schemas.openxmlformats.org/presentationml/2006/main">
+  <p:cSld>
+    <p:spTree>
+      <p:nvGrpSpPr>
+        <p:cNvPr id="1" name=""/>
+        <p:cNvGrpSpPr/>
+        <p:nvPr/>
+      </p:nvGrpSpPr>
+      <p:grpSpPr>
+        <a:xfrm>
+          <a:off x="0" y="0"/>
+          <a:ext cx="0" cy="0"/>
+          <a:chOff x="0" y="0"/>
+          <a:chExt cx="0" cy="0"/>
+        </a:xfrm>
+      </p:grpSpPr>
+      <p:sp>
+        <p:nvSpPr>
+          <p:cNvPr id="2" name="Espace réservé de l’image des diapositives 1"/>
+          <p:cNvSpPr>
+            <a:spLocks noGrp="1" noRot="1" noChangeAspect="1"/>
+          </p:cNvSpPr>
+          <p:nvPr>
+            <p:ph type="sldImg"/>
+          </p:nvPr>
+        </p:nvSpPr>
+        <p:spPr/>
+      </p:sp>
+      <p:sp>
+        <p:nvSpPr>
+          <p:cNvPr id="3" name="Espace réservé des commentaires 2"/>
+          <p:cNvSpPr>
+            <a:spLocks noGrp="1"/>
+          </p:cNvSpPr>
+          <p:nvPr>
+            <p:ph type="body" idx="1"/>
+          </p:nvPr>
+        </p:nvSpPr>
+        <p:spPr/>
+        <p:txBody>
+          <a:bodyPr rtlCol="0"/>
+          <a:lstStyle/>
+          <a:p>
+            <a:pPr rtl="0"/>
+            <a:endParaRPr lang="fr-FR"/>
+          </a:p>
+        </p:txBody>
+      </p:sp>
+      <p:sp>
+        <p:nvSpPr>
+          <p:cNvPr id="4" name="Espace réservé du numéro de diapositive 3"/>
+          <p:cNvSpPr>
+            <a:spLocks noGrp="1"/>
+          </p:cNvSpPr>
+          <p:nvPr>
+            <p:ph type="sldNum" sz="quarter" idx="10"/>
+          </p:nvPr>
+        </p:nvSpPr>
+        <p:spPr/>
+        <p:txBody>
+          <a:bodyPr rtlCol="0"/>
+          <a:lstStyle/>
+          <a:p>
+            <a:pPr rtl="0"/>
+            <a:fld id="{82869989-EB00-4EE7-BCB5-25BDC5BB29F8}" type="slidenum">
+              <a:rPr lang="fr-FR" smtClean="0"/>
+              <a:t>18</a:t>
+            </a:fld>
+            <a:endParaRPr lang="fr-FR"/>
+          </a:p>
+        </p:txBody>
+      </p:sp>
+    </p:spTree>
+    <p:extLst>
+      <p:ext uri="{BB962C8B-B14F-4D97-AF65-F5344CB8AC3E}">
+        <p14:creationId xmlns:p14="http://schemas.microsoft.com/office/powerpoint/2010/main" val="1001483520"/>
+      </p:ext>
+    </p:extLst>
+  </p:cSld>
+  <p:clrMapOvr>
+    <a:masterClrMapping/>
+  </p:clrMapOvr>
+</p:notes>
+</file>
+
+<file path=ppt/notesSlides/notesSlide19.xml><?xml version="1.0" encoding="utf-8"?>
+<p:notes xmlns:a="http://schemas.openxmlformats.org/drawingml/2006/main" xmlns:r="http://schemas.openxmlformats.org/officeDocument/2006/relationships" xmlns:p="http://schemas.openxmlformats.org/presentationml/2006/main">
+  <p:cSld>
+    <p:spTree>
+      <p:nvGrpSpPr>
+        <p:cNvPr id="1" name=""/>
+        <p:cNvGrpSpPr/>
+        <p:nvPr/>
+      </p:nvGrpSpPr>
+      <p:grpSpPr>
+        <a:xfrm>
+          <a:off x="0" y="0"/>
+          <a:ext cx="0" cy="0"/>
+          <a:chOff x="0" y="0"/>
+          <a:chExt cx="0" cy="0"/>
+        </a:xfrm>
+      </p:grpSpPr>
+      <p:sp>
+        <p:nvSpPr>
+          <p:cNvPr id="2" name="Espace réservé de l’image des diapositives 1"/>
+          <p:cNvSpPr>
+            <a:spLocks noGrp="1" noRot="1" noChangeAspect="1"/>
+          </p:cNvSpPr>
+          <p:nvPr>
+            <p:ph type="sldImg"/>
+          </p:nvPr>
+        </p:nvSpPr>
+        <p:spPr/>
+      </p:sp>
+      <p:sp>
+        <p:nvSpPr>
+          <p:cNvPr id="3" name="Espace réservé des commentaires 2"/>
+          <p:cNvSpPr>
+            <a:spLocks noGrp="1"/>
+          </p:cNvSpPr>
+          <p:nvPr>
+            <p:ph type="body" idx="1"/>
+          </p:nvPr>
+        </p:nvSpPr>
+        <p:spPr/>
+        <p:txBody>
+          <a:bodyPr rtlCol="0"/>
+          <a:lstStyle/>
+          <a:p>
+            <a:pPr rtl="0"/>
+            <a:endParaRPr lang="fr-FR"/>
+          </a:p>
+        </p:txBody>
+      </p:sp>
+      <p:sp>
+        <p:nvSpPr>
+          <p:cNvPr id="4" name="Espace réservé du numéro de diapositive 3"/>
+          <p:cNvSpPr>
+            <a:spLocks noGrp="1"/>
+          </p:cNvSpPr>
+          <p:nvPr>
+            <p:ph type="sldNum" sz="quarter" idx="10"/>
+          </p:nvPr>
+        </p:nvSpPr>
+        <p:spPr/>
+        <p:txBody>
+          <a:bodyPr rtlCol="0"/>
+          <a:lstStyle/>
+          <a:p>
+            <a:pPr rtl="0"/>
+            <a:fld id="{82869989-EB00-4EE7-BCB5-25BDC5BB29F8}" type="slidenum">
+              <a:rPr lang="fr-FR" smtClean="0"/>
+              <a:t>19</a:t>
+            </a:fld>
+            <a:endParaRPr lang="fr-FR"/>
+          </a:p>
+        </p:txBody>
+      </p:sp>
+    </p:spTree>
+    <p:extLst>
+      <p:ext uri="{BB962C8B-B14F-4D97-AF65-F5344CB8AC3E}">
+        <p14:creationId xmlns:p14="http://schemas.microsoft.com/office/powerpoint/2010/main" val="2182563699"/>
       </p:ext>
     </p:extLst>
   </p:cSld>
@@ -6835,7 +7706,93 @@
     </p:spTree>
     <p:extLst>
       <p:ext uri="{BB962C8B-B14F-4D97-AF65-F5344CB8AC3E}">
-        <p14:creationId xmlns:p14="http://schemas.microsoft.com/office/powerpoint/2010/main" val="2182563699"/>
+        <p14:creationId xmlns:p14="http://schemas.microsoft.com/office/powerpoint/2010/main" val="873243940"/>
+      </p:ext>
+    </p:extLst>
+  </p:cSld>
+  <p:clrMapOvr>
+    <a:masterClrMapping/>
+  </p:clrMapOvr>
+</p:notes>
+</file>
+
+<file path=ppt/notesSlides/notesSlide9.xml><?xml version="1.0" encoding="utf-8"?>
+<p:notes xmlns:a="http://schemas.openxmlformats.org/drawingml/2006/main" xmlns:r="http://schemas.openxmlformats.org/officeDocument/2006/relationships" xmlns:p="http://schemas.openxmlformats.org/presentationml/2006/main">
+  <p:cSld>
+    <p:spTree>
+      <p:nvGrpSpPr>
+        <p:cNvPr id="1" name=""/>
+        <p:cNvGrpSpPr/>
+        <p:nvPr/>
+      </p:nvGrpSpPr>
+      <p:grpSpPr>
+        <a:xfrm>
+          <a:off x="0" y="0"/>
+          <a:ext cx="0" cy="0"/>
+          <a:chOff x="0" y="0"/>
+          <a:chExt cx="0" cy="0"/>
+        </a:xfrm>
+      </p:grpSpPr>
+      <p:sp>
+        <p:nvSpPr>
+          <p:cNvPr id="2" name="Espace réservé de l’image des diapositives 1"/>
+          <p:cNvSpPr>
+            <a:spLocks noGrp="1" noRot="1" noChangeAspect="1"/>
+          </p:cNvSpPr>
+          <p:nvPr>
+            <p:ph type="sldImg"/>
+          </p:nvPr>
+        </p:nvSpPr>
+        <p:spPr/>
+      </p:sp>
+      <p:sp>
+        <p:nvSpPr>
+          <p:cNvPr id="3" name="Espace réservé des commentaires 2"/>
+          <p:cNvSpPr>
+            <a:spLocks noGrp="1"/>
+          </p:cNvSpPr>
+          <p:nvPr>
+            <p:ph type="body" idx="1"/>
+          </p:nvPr>
+        </p:nvSpPr>
+        <p:spPr/>
+        <p:txBody>
+          <a:bodyPr rtlCol="0"/>
+          <a:lstStyle/>
+          <a:p>
+            <a:pPr rtl="0"/>
+            <a:endParaRPr lang="fr-FR"/>
+          </a:p>
+        </p:txBody>
+      </p:sp>
+      <p:sp>
+        <p:nvSpPr>
+          <p:cNvPr id="4" name="Espace réservé du numéro de diapositive 3"/>
+          <p:cNvSpPr>
+            <a:spLocks noGrp="1"/>
+          </p:cNvSpPr>
+          <p:nvPr>
+            <p:ph type="sldNum" sz="quarter" idx="10"/>
+          </p:nvPr>
+        </p:nvSpPr>
+        <p:spPr/>
+        <p:txBody>
+          <a:bodyPr rtlCol="0"/>
+          <a:lstStyle/>
+          <a:p>
+            <a:pPr rtl="0"/>
+            <a:fld id="{82869989-EB00-4EE7-BCB5-25BDC5BB29F8}" type="slidenum">
+              <a:rPr lang="fr-FR" smtClean="0"/>
+              <a:t>9</a:t>
+            </a:fld>
+            <a:endParaRPr lang="fr-FR"/>
+          </a:p>
+        </p:txBody>
+      </p:sp>
+    </p:spTree>
+    <p:extLst>
+      <p:ext uri="{BB962C8B-B14F-4D97-AF65-F5344CB8AC3E}">
+        <p14:creationId xmlns:p14="http://schemas.microsoft.com/office/powerpoint/2010/main" val="2910795403"/>
       </p:ext>
     </p:extLst>
   </p:cSld>
@@ -8995,7 +9952,7 @@
             <a:pPr rtl="0"/>
             <a:fld id="{DEA176B0-965F-4544-9616-EE8544EE860F}" type="datetime1">
               <a:rPr lang="fr-FR" noProof="0" smtClean="0"/>
-              <a:t>29/01/2019</a:t>
+              <a:t>01/02/2019</a:t>
             </a:fld>
             <a:endParaRPr lang="fr-FR" noProof="0"/>
           </a:p>
@@ -9197,7 +10154,7 @@
             <a:pPr rtl="0"/>
             <a:fld id="{B45A31EB-8F5C-49D8-8080-687668AB0A8C}" type="datetime1">
               <a:rPr lang="fr-FR" noProof="0" smtClean="0"/>
-              <a:t>29/01/2019</a:t>
+              <a:t>01/02/2019</a:t>
             </a:fld>
             <a:endParaRPr lang="fr-FR" noProof="0"/>
           </a:p>
@@ -9389,7 +10346,7 @@
             <a:pPr rtl="0"/>
             <a:fld id="{3B6FA4CD-DBE0-4CD8-AEA3-2D799EE913BB}" type="datetime1">
               <a:rPr lang="fr-FR" noProof="0" smtClean="0"/>
-              <a:t>29/01/2019</a:t>
+              <a:t>01/02/2019</a:t>
             </a:fld>
             <a:endParaRPr lang="fr-FR" noProof="0"/>
           </a:p>
@@ -11735,7 +12692,7 @@
             <a:pPr rtl="0"/>
             <a:fld id="{8282A9C6-3B25-49D1-863F-791EDBD0D7D5}" type="datetime1">
               <a:rPr lang="fr-FR" noProof="0" smtClean="0"/>
-              <a:t>29/01/2019</a:t>
+              <a:t>01/02/2019</a:t>
             </a:fld>
             <a:endParaRPr lang="fr-FR" noProof="0"/>
           </a:p>
@@ -12193,7 +13150,7 @@
             <a:pPr rtl="0"/>
             <a:fld id="{E4A54AC9-7D47-4695-A129-61BA9779EB6D}" type="datetime1">
               <a:rPr lang="fr-FR" noProof="0" smtClean="0"/>
-              <a:t>29/01/2019</a:t>
+              <a:t>01/02/2019</a:t>
             </a:fld>
             <a:endParaRPr lang="fr-FR" noProof="0"/>
           </a:p>
@@ -12329,7 +13286,7 @@
             <a:pPr rtl="0"/>
             <a:fld id="{65F5F17E-FFD4-4872-AC74-0DC9CC658C9B}" type="datetime1">
               <a:rPr lang="fr-FR" noProof="0" smtClean="0"/>
-              <a:t>29/01/2019</a:t>
+              <a:t>01/02/2019</a:t>
             </a:fld>
             <a:endParaRPr lang="fr-FR" noProof="0"/>
           </a:p>
@@ -14265,7 +15222,7 @@
             <a:pPr rtl="0"/>
             <a:fld id="{74CEC4A0-C81D-4419-8162-7B2ED7F46E28}" type="datetime1">
               <a:rPr lang="fr-FR" noProof="0" smtClean="0"/>
-              <a:t>29/01/2019</a:t>
+              <a:t>01/02/2019</a:t>
             </a:fld>
             <a:endParaRPr lang="fr-FR" noProof="0"/>
           </a:p>
@@ -16526,7 +17483,7 @@
             <a:pPr rtl="0"/>
             <a:fld id="{375B3617-D427-45E8-BE98-B12BF76A8059}" type="datetime1">
               <a:rPr lang="fr-FR" noProof="0" smtClean="0"/>
-              <a:t>29/01/2019</a:t>
+              <a:t>01/02/2019</a:t>
             </a:fld>
             <a:endParaRPr lang="fr-FR" noProof="0"/>
           </a:p>
@@ -20824,7 +21781,7 @@
             <a:pPr rtl="0"/>
             <a:fld id="{43BA60B4-2820-4CAD-9F04-053483DCA915}" type="datetime1">
               <a:rPr lang="fr-FR" noProof="0" smtClean="0"/>
-              <a:t>29/01/2019</a:t>
+              <a:t>01/02/2019</a:t>
             </a:fld>
             <a:endParaRPr lang="fr-FR" noProof="0"/>
           </a:p>
@@ -21351,6 +22308,949 @@
 </p:sld>
 </file>
 
+<file path=ppt/slides/slide10.xml><?xml version="1.0" encoding="utf-8"?>
+<p:sld xmlns:a="http://schemas.openxmlformats.org/drawingml/2006/main" xmlns:r="http://schemas.openxmlformats.org/officeDocument/2006/relationships" xmlns:p="http://schemas.openxmlformats.org/presentationml/2006/main">
+  <p:cSld>
+    <p:spTree>
+      <p:nvGrpSpPr>
+        <p:cNvPr id="1" name=""/>
+        <p:cNvGrpSpPr/>
+        <p:nvPr/>
+      </p:nvGrpSpPr>
+      <p:grpSpPr>
+        <a:xfrm>
+          <a:off x="0" y="0"/>
+          <a:ext cx="0" cy="0"/>
+          <a:chOff x="0" y="0"/>
+          <a:chExt cx="0" cy="0"/>
+        </a:xfrm>
+      </p:grpSpPr>
+      <p:sp>
+        <p:nvSpPr>
+          <p:cNvPr id="2" name="Titre 1"/>
+          <p:cNvSpPr>
+            <a:spLocks noGrp="1"/>
+          </p:cNvSpPr>
+          <p:nvPr>
+            <p:ph type="title"/>
+          </p:nvPr>
+        </p:nvSpPr>
+        <p:spPr/>
+        <p:txBody>
+          <a:bodyPr rtlCol="0"/>
+          <a:lstStyle/>
+          <a:p>
+            <a:pPr rtl="0"/>
+            <a:r>
+              <a:rPr lang="en-US" dirty="0"/>
+              <a:t>Presentation of the website | Host</a:t>
+            </a:r>
+          </a:p>
+        </p:txBody>
+      </p:sp>
+      <p:pic>
+        <p:nvPicPr>
+          <p:cNvPr id="5" name="Espace réservé du contenu 4">
+            <a:extLst>
+              <a:ext uri="{FF2B5EF4-FFF2-40B4-BE49-F238E27FC236}">
+                <a16:creationId xmlns:a16="http://schemas.microsoft.com/office/drawing/2014/main" id="{EE58694E-E6CD-4C98-8305-2AF75B376B47}"/>
+              </a:ext>
+            </a:extLst>
+          </p:cNvPr>
+          <p:cNvPicPr>
+            <a:picLocks noGrp="1" noChangeAspect="1"/>
+          </p:cNvPicPr>
+          <p:nvPr>
+            <p:ph idx="1"/>
+          </p:nvPr>
+        </p:nvPicPr>
+        <p:blipFill rotWithShape="1">
+          <a:blip r:embed="rId3"/>
+          <a:srcRect t="7417" b="9166"/>
+          <a:stretch/>
+        </p:blipFill>
+        <p:spPr>
+          <a:xfrm>
+            <a:off x="2649356" y="1811044"/>
+            <a:ext cx="6893287" cy="4171280"/>
+          </a:xfrm>
+          <a:prstGeom prst="rect">
+            <a:avLst/>
+          </a:prstGeom>
+        </p:spPr>
+      </p:pic>
+    </p:spTree>
+    <p:extLst>
+      <p:ext uri="{BB962C8B-B14F-4D97-AF65-F5344CB8AC3E}">
+        <p14:creationId xmlns:p14="http://schemas.microsoft.com/office/powerpoint/2010/main" val="1571326820"/>
+      </p:ext>
+    </p:extLst>
+  </p:cSld>
+  <p:clrMapOvr>
+    <a:masterClrMapping/>
+  </p:clrMapOvr>
+  <mc:AlternateContent xmlns:mc="http://schemas.openxmlformats.org/markup-compatibility/2006" xmlns:p14="http://schemas.microsoft.com/office/powerpoint/2010/main">
+    <mc:Choice Requires="p14">
+      <p:transition spd="med" p14:dur="700">
+        <p:fade/>
+      </p:transition>
+    </mc:Choice>
+    <mc:Fallback xmlns="">
+      <p:transition spd="med">
+        <p:fade/>
+      </p:transition>
+    </mc:Fallback>
+  </mc:AlternateContent>
+</p:sld>
+</file>
+
+<file path=ppt/slides/slide11.xml><?xml version="1.0" encoding="utf-8"?>
+<p:sld xmlns:a="http://schemas.openxmlformats.org/drawingml/2006/main" xmlns:r="http://schemas.openxmlformats.org/officeDocument/2006/relationships" xmlns:p="http://schemas.openxmlformats.org/presentationml/2006/main">
+  <p:cSld>
+    <p:spTree>
+      <p:nvGrpSpPr>
+        <p:cNvPr id="1" name=""/>
+        <p:cNvGrpSpPr/>
+        <p:nvPr/>
+      </p:nvGrpSpPr>
+      <p:grpSpPr>
+        <a:xfrm>
+          <a:off x="0" y="0"/>
+          <a:ext cx="0" cy="0"/>
+          <a:chOff x="0" y="0"/>
+          <a:chExt cx="0" cy="0"/>
+        </a:xfrm>
+      </p:grpSpPr>
+      <p:sp>
+        <p:nvSpPr>
+          <p:cNvPr id="2" name="Titre 1"/>
+          <p:cNvSpPr>
+            <a:spLocks noGrp="1"/>
+          </p:cNvSpPr>
+          <p:nvPr>
+            <p:ph type="title"/>
+          </p:nvPr>
+        </p:nvSpPr>
+        <p:spPr/>
+        <p:txBody>
+          <a:bodyPr rtlCol="0"/>
+          <a:lstStyle/>
+          <a:p>
+            <a:pPr rtl="0"/>
+            <a:r>
+              <a:rPr lang="en-US" dirty="0"/>
+              <a:t>Presentation of the website | Events</a:t>
+            </a:r>
+          </a:p>
+        </p:txBody>
+      </p:sp>
+      <p:pic>
+        <p:nvPicPr>
+          <p:cNvPr id="6" name="Espace réservé du contenu 5">
+            <a:extLst>
+              <a:ext uri="{FF2B5EF4-FFF2-40B4-BE49-F238E27FC236}">
+                <a16:creationId xmlns:a16="http://schemas.microsoft.com/office/drawing/2014/main" id="{7530F84D-5223-4CA4-8670-DA96C40F7CAC}"/>
+              </a:ext>
+            </a:extLst>
+          </p:cNvPr>
+          <p:cNvPicPr>
+            <a:picLocks noGrp="1" noChangeAspect="1"/>
+          </p:cNvPicPr>
+          <p:nvPr>
+            <p:ph idx="1"/>
+          </p:nvPr>
+        </p:nvPicPr>
+        <p:blipFill>
+          <a:blip r:embed="rId3"/>
+          <a:stretch>
+            <a:fillRect/>
+          </a:stretch>
+        </p:blipFill>
+        <p:spPr>
+          <a:xfrm>
+            <a:off x="2682027" y="1646238"/>
+            <a:ext cx="6827946" cy="4422940"/>
+          </a:xfrm>
+          <a:prstGeom prst="rect">
+            <a:avLst/>
+          </a:prstGeom>
+        </p:spPr>
+      </p:pic>
+    </p:spTree>
+    <p:extLst>
+      <p:ext uri="{BB962C8B-B14F-4D97-AF65-F5344CB8AC3E}">
+        <p14:creationId xmlns:p14="http://schemas.microsoft.com/office/powerpoint/2010/main" val="824868732"/>
+      </p:ext>
+    </p:extLst>
+  </p:cSld>
+  <p:clrMapOvr>
+    <a:masterClrMapping/>
+  </p:clrMapOvr>
+  <mc:AlternateContent xmlns:mc="http://schemas.openxmlformats.org/markup-compatibility/2006" xmlns:p14="http://schemas.microsoft.com/office/powerpoint/2010/main">
+    <mc:Choice Requires="p14">
+      <p:transition spd="med" p14:dur="700">
+        <p:fade/>
+      </p:transition>
+    </mc:Choice>
+    <mc:Fallback xmlns="">
+      <p:transition spd="med">
+        <p:fade/>
+      </p:transition>
+    </mc:Fallback>
+  </mc:AlternateContent>
+</p:sld>
+</file>
+
+<file path=ppt/slides/slide12.xml><?xml version="1.0" encoding="utf-8"?>
+<p:sld xmlns:a="http://schemas.openxmlformats.org/drawingml/2006/main" xmlns:r="http://schemas.openxmlformats.org/officeDocument/2006/relationships" xmlns:p="http://schemas.openxmlformats.org/presentationml/2006/main">
+  <p:cSld>
+    <p:spTree>
+      <p:nvGrpSpPr>
+        <p:cNvPr id="1" name=""/>
+        <p:cNvGrpSpPr/>
+        <p:nvPr/>
+      </p:nvGrpSpPr>
+      <p:grpSpPr>
+        <a:xfrm>
+          <a:off x="0" y="0"/>
+          <a:ext cx="0" cy="0"/>
+          <a:chOff x="0" y="0"/>
+          <a:chExt cx="0" cy="0"/>
+        </a:xfrm>
+      </p:grpSpPr>
+      <p:sp>
+        <p:nvSpPr>
+          <p:cNvPr id="2" name="Titre 1"/>
+          <p:cNvSpPr>
+            <a:spLocks noGrp="1"/>
+          </p:cNvSpPr>
+          <p:nvPr>
+            <p:ph type="title"/>
+          </p:nvPr>
+        </p:nvSpPr>
+        <p:spPr/>
+        <p:txBody>
+          <a:bodyPr rtlCol="0"/>
+          <a:lstStyle/>
+          <a:p>
+            <a:pPr rtl="0"/>
+            <a:r>
+              <a:rPr lang="en-US" dirty="0"/>
+              <a:t>Presentation of the website | </a:t>
+            </a:r>
+            <a:r>
+              <a:rPr lang="en-US" dirty="0" err="1"/>
+              <a:t>Ideabox</a:t>
+            </a:r>
+            <a:endParaRPr lang="en-US" dirty="0"/>
+          </a:p>
+        </p:txBody>
+      </p:sp>
+      <p:sp>
+        <p:nvSpPr>
+          <p:cNvPr id="3" name="Espace réservé du contenu 2"/>
+          <p:cNvSpPr>
+            <a:spLocks noGrp="1"/>
+          </p:cNvSpPr>
+          <p:nvPr>
+            <p:ph idx="1"/>
+          </p:nvPr>
+        </p:nvSpPr>
+        <p:spPr/>
+        <p:txBody>
+          <a:bodyPr rtlCol="0"/>
+          <a:lstStyle/>
+          <a:p>
+            <a:pPr rtl="0"/>
+            <a:endParaRPr lang="en-US" dirty="0"/>
+          </a:p>
+        </p:txBody>
+      </p:sp>
+    </p:spTree>
+    <p:extLst>
+      <p:ext uri="{BB962C8B-B14F-4D97-AF65-F5344CB8AC3E}">
+        <p14:creationId xmlns:p14="http://schemas.microsoft.com/office/powerpoint/2010/main" val="2071146648"/>
+      </p:ext>
+    </p:extLst>
+  </p:cSld>
+  <p:clrMapOvr>
+    <a:masterClrMapping/>
+  </p:clrMapOvr>
+  <mc:AlternateContent xmlns:mc="http://schemas.openxmlformats.org/markup-compatibility/2006" xmlns:p14="http://schemas.microsoft.com/office/powerpoint/2010/main">
+    <mc:Choice Requires="p14">
+      <p:transition spd="med" p14:dur="700">
+        <p:fade/>
+      </p:transition>
+    </mc:Choice>
+    <mc:Fallback xmlns="">
+      <p:transition spd="med">
+        <p:fade/>
+      </p:transition>
+    </mc:Fallback>
+  </mc:AlternateContent>
+</p:sld>
+</file>
+
+<file path=ppt/slides/slide13.xml><?xml version="1.0" encoding="utf-8"?>
+<p:sld xmlns:a="http://schemas.openxmlformats.org/drawingml/2006/main" xmlns:r="http://schemas.openxmlformats.org/officeDocument/2006/relationships" xmlns:p="http://schemas.openxmlformats.org/presentationml/2006/main">
+  <p:cSld>
+    <p:spTree>
+      <p:nvGrpSpPr>
+        <p:cNvPr id="1" name=""/>
+        <p:cNvGrpSpPr/>
+        <p:nvPr/>
+      </p:nvGrpSpPr>
+      <p:grpSpPr>
+        <a:xfrm>
+          <a:off x="0" y="0"/>
+          <a:ext cx="0" cy="0"/>
+          <a:chOff x="0" y="0"/>
+          <a:chExt cx="0" cy="0"/>
+        </a:xfrm>
+      </p:grpSpPr>
+      <p:sp>
+        <p:nvSpPr>
+          <p:cNvPr id="2" name="Titre 1"/>
+          <p:cNvSpPr>
+            <a:spLocks noGrp="1"/>
+          </p:cNvSpPr>
+          <p:nvPr>
+            <p:ph type="title"/>
+          </p:nvPr>
+        </p:nvSpPr>
+        <p:spPr/>
+        <p:txBody>
+          <a:bodyPr rtlCol="0"/>
+          <a:lstStyle/>
+          <a:p>
+            <a:pPr rtl="0"/>
+            <a:r>
+              <a:rPr lang="en-US" dirty="0"/>
+              <a:t>Presentation of the website | Shop</a:t>
+            </a:r>
+          </a:p>
+        </p:txBody>
+      </p:sp>
+      <p:sp>
+        <p:nvSpPr>
+          <p:cNvPr id="3" name="Espace réservé du contenu 2"/>
+          <p:cNvSpPr>
+            <a:spLocks noGrp="1"/>
+          </p:cNvSpPr>
+          <p:nvPr>
+            <p:ph idx="1"/>
+          </p:nvPr>
+        </p:nvSpPr>
+        <p:spPr/>
+        <p:txBody>
+          <a:bodyPr rtlCol="0"/>
+          <a:lstStyle/>
+          <a:p>
+            <a:pPr rtl="0"/>
+            <a:endParaRPr lang="en-US" dirty="0"/>
+          </a:p>
+        </p:txBody>
+      </p:sp>
+    </p:spTree>
+    <p:extLst>
+      <p:ext uri="{BB962C8B-B14F-4D97-AF65-F5344CB8AC3E}">
+        <p14:creationId xmlns:p14="http://schemas.microsoft.com/office/powerpoint/2010/main" val="3485734181"/>
+      </p:ext>
+    </p:extLst>
+  </p:cSld>
+  <p:clrMapOvr>
+    <a:masterClrMapping/>
+  </p:clrMapOvr>
+  <mc:AlternateContent xmlns:mc="http://schemas.openxmlformats.org/markup-compatibility/2006" xmlns:p14="http://schemas.microsoft.com/office/powerpoint/2010/main">
+    <mc:Choice Requires="p14">
+      <p:transition spd="med" p14:dur="700">
+        <p:fade/>
+      </p:transition>
+    </mc:Choice>
+    <mc:Fallback xmlns="">
+      <p:transition spd="med">
+        <p:fade/>
+      </p:transition>
+    </mc:Fallback>
+  </mc:AlternateContent>
+</p:sld>
+</file>
+
+<file path=ppt/slides/slide14.xml><?xml version="1.0" encoding="utf-8"?>
+<p:sld xmlns:a="http://schemas.openxmlformats.org/drawingml/2006/main" xmlns:r="http://schemas.openxmlformats.org/officeDocument/2006/relationships" xmlns:p="http://schemas.openxmlformats.org/presentationml/2006/main">
+  <p:cSld>
+    <p:spTree>
+      <p:nvGrpSpPr>
+        <p:cNvPr id="1" name=""/>
+        <p:cNvGrpSpPr/>
+        <p:nvPr/>
+      </p:nvGrpSpPr>
+      <p:grpSpPr>
+        <a:xfrm>
+          <a:off x="0" y="0"/>
+          <a:ext cx="0" cy="0"/>
+          <a:chOff x="0" y="0"/>
+          <a:chExt cx="0" cy="0"/>
+        </a:xfrm>
+      </p:grpSpPr>
+      <p:sp>
+        <p:nvSpPr>
+          <p:cNvPr id="2" name="Titre 1"/>
+          <p:cNvSpPr>
+            <a:spLocks noGrp="1"/>
+          </p:cNvSpPr>
+          <p:nvPr>
+            <p:ph type="title"/>
+          </p:nvPr>
+        </p:nvSpPr>
+        <p:spPr/>
+        <p:txBody>
+          <a:bodyPr rtlCol="0"/>
+          <a:lstStyle/>
+          <a:p>
+            <a:pPr rtl="0"/>
+            <a:r>
+              <a:rPr lang="en-US" dirty="0"/>
+              <a:t>Presentation of the website | Legal notice</a:t>
+            </a:r>
+          </a:p>
+        </p:txBody>
+      </p:sp>
+      <p:sp>
+        <p:nvSpPr>
+          <p:cNvPr id="3" name="Espace réservé du contenu 2"/>
+          <p:cNvSpPr>
+            <a:spLocks noGrp="1"/>
+          </p:cNvSpPr>
+          <p:nvPr>
+            <p:ph idx="1"/>
+          </p:nvPr>
+        </p:nvSpPr>
+        <p:spPr/>
+        <p:txBody>
+          <a:bodyPr rtlCol="0"/>
+          <a:lstStyle/>
+          <a:p>
+            <a:pPr rtl="0"/>
+            <a:endParaRPr lang="en-US" dirty="0"/>
+          </a:p>
+        </p:txBody>
+      </p:sp>
+    </p:spTree>
+    <p:extLst>
+      <p:ext uri="{BB962C8B-B14F-4D97-AF65-F5344CB8AC3E}">
+        <p14:creationId xmlns:p14="http://schemas.microsoft.com/office/powerpoint/2010/main" val="2599281012"/>
+      </p:ext>
+    </p:extLst>
+  </p:cSld>
+  <p:clrMapOvr>
+    <a:masterClrMapping/>
+  </p:clrMapOvr>
+  <mc:AlternateContent xmlns:mc="http://schemas.openxmlformats.org/markup-compatibility/2006" xmlns:p14="http://schemas.microsoft.com/office/powerpoint/2010/main">
+    <mc:Choice Requires="p14">
+      <p:transition spd="med" p14:dur="700">
+        <p:fade/>
+      </p:transition>
+    </mc:Choice>
+    <mc:Fallback xmlns="">
+      <p:transition spd="med">
+        <p:fade/>
+      </p:transition>
+    </mc:Fallback>
+  </mc:AlternateContent>
+</p:sld>
+</file>
+
+<file path=ppt/slides/slide15.xml><?xml version="1.0" encoding="utf-8"?>
+<p:sld xmlns:a="http://schemas.openxmlformats.org/drawingml/2006/main" xmlns:r="http://schemas.openxmlformats.org/officeDocument/2006/relationships" xmlns:p="http://schemas.openxmlformats.org/presentationml/2006/main">
+  <p:cSld>
+    <p:spTree>
+      <p:nvGrpSpPr>
+        <p:cNvPr id="1" name=""/>
+        <p:cNvGrpSpPr/>
+        <p:nvPr/>
+      </p:nvGrpSpPr>
+      <p:grpSpPr>
+        <a:xfrm>
+          <a:off x="0" y="0"/>
+          <a:ext cx="0" cy="0"/>
+          <a:chOff x="0" y="0"/>
+          <a:chExt cx="0" cy="0"/>
+        </a:xfrm>
+      </p:grpSpPr>
+      <p:sp>
+        <p:nvSpPr>
+          <p:cNvPr id="2" name="Titre 1"/>
+          <p:cNvSpPr>
+            <a:spLocks noGrp="1"/>
+          </p:cNvSpPr>
+          <p:nvPr>
+            <p:ph type="title"/>
+          </p:nvPr>
+        </p:nvSpPr>
+        <p:spPr>
+          <a:xfrm>
+            <a:off x="1295399" y="503853"/>
+            <a:ext cx="10130161" cy="1142385"/>
+          </a:xfrm>
+        </p:spPr>
+        <p:txBody>
+          <a:bodyPr rtlCol="0"/>
+          <a:lstStyle/>
+          <a:p>
+            <a:r>
+              <a:rPr lang="en-US" dirty="0"/>
+              <a:t>Presentation of the website | Terms and conditions</a:t>
+            </a:r>
+          </a:p>
+        </p:txBody>
+      </p:sp>
+      <p:pic>
+        <p:nvPicPr>
+          <p:cNvPr id="4" name="Espace réservé du contenu 3">
+            <a:extLst>
+              <a:ext uri="{FF2B5EF4-FFF2-40B4-BE49-F238E27FC236}">
+                <a16:creationId xmlns:a16="http://schemas.microsoft.com/office/drawing/2014/main" id="{020C7C3F-C0F4-4B0E-A195-AC253CA62CE7}"/>
+              </a:ext>
+            </a:extLst>
+          </p:cNvPr>
+          <p:cNvPicPr>
+            <a:picLocks noGrp="1" noChangeAspect="1"/>
+          </p:cNvPicPr>
+          <p:nvPr>
+            <p:ph idx="1"/>
+          </p:nvPr>
+        </p:nvPicPr>
+        <p:blipFill>
+          <a:blip r:embed="rId3"/>
+          <a:stretch>
+            <a:fillRect/>
+          </a:stretch>
+        </p:blipFill>
+        <p:spPr>
+          <a:xfrm>
+            <a:off x="2441384" y="1708382"/>
+            <a:ext cx="7309231" cy="4447442"/>
+          </a:xfrm>
+          <a:prstGeom prst="rect">
+            <a:avLst/>
+          </a:prstGeom>
+        </p:spPr>
+      </p:pic>
+    </p:spTree>
+    <p:extLst>
+      <p:ext uri="{BB962C8B-B14F-4D97-AF65-F5344CB8AC3E}">
+        <p14:creationId xmlns:p14="http://schemas.microsoft.com/office/powerpoint/2010/main" val="1141547728"/>
+      </p:ext>
+    </p:extLst>
+  </p:cSld>
+  <p:clrMapOvr>
+    <a:masterClrMapping/>
+  </p:clrMapOvr>
+  <mc:AlternateContent xmlns:mc="http://schemas.openxmlformats.org/markup-compatibility/2006" xmlns:p14="http://schemas.microsoft.com/office/powerpoint/2010/main">
+    <mc:Choice Requires="p14">
+      <p:transition spd="med" p14:dur="700">
+        <p:fade/>
+      </p:transition>
+    </mc:Choice>
+    <mc:Fallback xmlns="">
+      <p:transition spd="med">
+        <p:fade/>
+      </p:transition>
+    </mc:Fallback>
+  </mc:AlternateContent>
+</p:sld>
+</file>
+
+<file path=ppt/slides/slide16.xml><?xml version="1.0" encoding="utf-8"?>
+<p:sld xmlns:a="http://schemas.openxmlformats.org/drawingml/2006/main" xmlns:r="http://schemas.openxmlformats.org/officeDocument/2006/relationships" xmlns:p="http://schemas.openxmlformats.org/presentationml/2006/main">
+  <p:cSld>
+    <p:spTree>
+      <p:nvGrpSpPr>
+        <p:cNvPr id="1" name=""/>
+        <p:cNvGrpSpPr/>
+        <p:nvPr/>
+      </p:nvGrpSpPr>
+      <p:grpSpPr>
+        <a:xfrm>
+          <a:off x="0" y="0"/>
+          <a:ext cx="0" cy="0"/>
+          <a:chOff x="0" y="0"/>
+          <a:chExt cx="0" cy="0"/>
+        </a:xfrm>
+      </p:grpSpPr>
+      <p:sp>
+        <p:nvSpPr>
+          <p:cNvPr id="2" name="Titre 1"/>
+          <p:cNvSpPr>
+            <a:spLocks noGrp="1"/>
+          </p:cNvSpPr>
+          <p:nvPr>
+            <p:ph type="title"/>
+          </p:nvPr>
+        </p:nvSpPr>
+        <p:spPr>
+          <a:xfrm>
+            <a:off x="1295399" y="503853"/>
+            <a:ext cx="10130161" cy="1142385"/>
+          </a:xfrm>
+        </p:spPr>
+        <p:txBody>
+          <a:bodyPr rtlCol="0"/>
+          <a:lstStyle/>
+          <a:p>
+            <a:r>
+              <a:rPr lang="en-US" dirty="0"/>
+              <a:t>Presentation of the website | Terms </a:t>
+            </a:r>
+          </a:p>
+        </p:txBody>
+      </p:sp>
+      <p:pic>
+        <p:nvPicPr>
+          <p:cNvPr id="4" name="Espace réservé du contenu 3">
+            <a:extLst>
+              <a:ext uri="{FF2B5EF4-FFF2-40B4-BE49-F238E27FC236}">
+                <a16:creationId xmlns:a16="http://schemas.microsoft.com/office/drawing/2014/main" id="{020C7C3F-C0F4-4B0E-A195-AC253CA62CE7}"/>
+              </a:ext>
+            </a:extLst>
+          </p:cNvPr>
+          <p:cNvPicPr>
+            <a:picLocks noGrp="1" noChangeAspect="1"/>
+          </p:cNvPicPr>
+          <p:nvPr>
+            <p:ph idx="1"/>
+          </p:nvPr>
+        </p:nvPicPr>
+        <p:blipFill>
+          <a:blip r:embed="rId3"/>
+          <a:stretch>
+            <a:fillRect/>
+          </a:stretch>
+        </p:blipFill>
+        <p:spPr>
+          <a:xfrm>
+            <a:off x="2441384" y="1708382"/>
+            <a:ext cx="7309231" cy="4447442"/>
+          </a:xfrm>
+          <a:prstGeom prst="rect">
+            <a:avLst/>
+          </a:prstGeom>
+        </p:spPr>
+      </p:pic>
+    </p:spTree>
+    <p:extLst>
+      <p:ext uri="{BB962C8B-B14F-4D97-AF65-F5344CB8AC3E}">
+        <p14:creationId xmlns:p14="http://schemas.microsoft.com/office/powerpoint/2010/main" val="265715910"/>
+      </p:ext>
+    </p:extLst>
+  </p:cSld>
+  <p:clrMapOvr>
+    <a:masterClrMapping/>
+  </p:clrMapOvr>
+  <mc:AlternateContent xmlns:mc="http://schemas.openxmlformats.org/markup-compatibility/2006" xmlns:p14="http://schemas.microsoft.com/office/powerpoint/2010/main">
+    <mc:Choice Requires="p14">
+      <p:transition spd="med" p14:dur="700">
+        <p:fade/>
+      </p:transition>
+    </mc:Choice>
+    <mc:Fallback xmlns="">
+      <p:transition spd="med">
+        <p:fade/>
+      </p:transition>
+    </mc:Fallback>
+  </mc:AlternateContent>
+</p:sld>
+</file>
+
+<file path=ppt/slides/slide17.xml><?xml version="1.0" encoding="utf-8"?>
+<p:sld xmlns:a="http://schemas.openxmlformats.org/drawingml/2006/main" xmlns:r="http://schemas.openxmlformats.org/officeDocument/2006/relationships" xmlns:p="http://schemas.openxmlformats.org/presentationml/2006/main">
+  <p:cSld>
+    <p:spTree>
+      <p:nvGrpSpPr>
+        <p:cNvPr id="1" name=""/>
+        <p:cNvGrpSpPr/>
+        <p:nvPr/>
+      </p:nvGrpSpPr>
+      <p:grpSpPr>
+        <a:xfrm>
+          <a:off x="0" y="0"/>
+          <a:ext cx="0" cy="0"/>
+          <a:chOff x="0" y="0"/>
+          <a:chExt cx="0" cy="0"/>
+        </a:xfrm>
+      </p:grpSpPr>
+      <p:sp>
+        <p:nvSpPr>
+          <p:cNvPr id="2" name="Titre 1"/>
+          <p:cNvSpPr>
+            <a:spLocks noGrp="1"/>
+          </p:cNvSpPr>
+          <p:nvPr>
+            <p:ph type="title"/>
+          </p:nvPr>
+        </p:nvSpPr>
+        <p:spPr>
+          <a:xfrm>
+            <a:off x="1295399" y="503853"/>
+            <a:ext cx="10130161" cy="1142385"/>
+          </a:xfrm>
+        </p:spPr>
+        <p:txBody>
+          <a:bodyPr rtlCol="0"/>
+          <a:lstStyle/>
+          <a:p>
+            <a:r>
+              <a:rPr lang="en-US" dirty="0"/>
+              <a:t>Presentation of the website | Terms of service</a:t>
+            </a:r>
+          </a:p>
+        </p:txBody>
+      </p:sp>
+      <p:pic>
+        <p:nvPicPr>
+          <p:cNvPr id="7" name="Espace réservé du contenu 6">
+            <a:extLst>
+              <a:ext uri="{FF2B5EF4-FFF2-40B4-BE49-F238E27FC236}">
+                <a16:creationId xmlns:a16="http://schemas.microsoft.com/office/drawing/2014/main" id="{5F1995FE-13FF-4DFD-9D47-A6032E86AD07}"/>
+              </a:ext>
+            </a:extLst>
+          </p:cNvPr>
+          <p:cNvPicPr>
+            <a:picLocks noGrp="1" noChangeAspect="1"/>
+          </p:cNvPicPr>
+          <p:nvPr>
+            <p:ph idx="1"/>
+          </p:nvPr>
+        </p:nvPicPr>
+        <p:blipFill>
+          <a:blip r:embed="rId3"/>
+          <a:stretch>
+            <a:fillRect/>
+          </a:stretch>
+        </p:blipFill>
+        <p:spPr>
+          <a:xfrm>
+            <a:off x="1979723" y="1697720"/>
+            <a:ext cx="8246583" cy="4465858"/>
+          </a:xfrm>
+          <a:prstGeom prst="rect">
+            <a:avLst/>
+          </a:prstGeom>
+        </p:spPr>
+      </p:pic>
+    </p:spTree>
+    <p:extLst>
+      <p:ext uri="{BB962C8B-B14F-4D97-AF65-F5344CB8AC3E}">
+        <p14:creationId xmlns:p14="http://schemas.microsoft.com/office/powerpoint/2010/main" val="2180956855"/>
+      </p:ext>
+    </p:extLst>
+  </p:cSld>
+  <p:clrMapOvr>
+    <a:masterClrMapping/>
+  </p:clrMapOvr>
+  <mc:AlternateContent xmlns:mc="http://schemas.openxmlformats.org/markup-compatibility/2006" xmlns:p14="http://schemas.microsoft.com/office/powerpoint/2010/main">
+    <mc:Choice Requires="p14">
+      <p:transition spd="med" p14:dur="700">
+        <p:fade/>
+      </p:transition>
+    </mc:Choice>
+    <mc:Fallback xmlns="">
+      <p:transition spd="med">
+        <p:fade/>
+      </p:transition>
+    </mc:Fallback>
+  </mc:AlternateContent>
+</p:sld>
+</file>
+
+<file path=ppt/slides/slide18.xml><?xml version="1.0" encoding="utf-8"?>
+<p:sld xmlns:a="http://schemas.openxmlformats.org/drawingml/2006/main" xmlns:r="http://schemas.openxmlformats.org/officeDocument/2006/relationships" xmlns:p="http://schemas.openxmlformats.org/presentationml/2006/main">
+  <p:cSld>
+    <p:spTree>
+      <p:nvGrpSpPr>
+        <p:cNvPr id="1" name=""/>
+        <p:cNvGrpSpPr/>
+        <p:nvPr/>
+      </p:nvGrpSpPr>
+      <p:grpSpPr>
+        <a:xfrm>
+          <a:off x="0" y="0"/>
+          <a:ext cx="0" cy="0"/>
+          <a:chOff x="0" y="0"/>
+          <a:chExt cx="0" cy="0"/>
+        </a:xfrm>
+      </p:grpSpPr>
+      <p:sp>
+        <p:nvSpPr>
+          <p:cNvPr id="2" name="Titre 1"/>
+          <p:cNvSpPr>
+            <a:spLocks noGrp="1"/>
+          </p:cNvSpPr>
+          <p:nvPr>
+            <p:ph type="title"/>
+          </p:nvPr>
+        </p:nvSpPr>
+        <p:spPr/>
+        <p:txBody>
+          <a:bodyPr rtlCol="0"/>
+          <a:lstStyle/>
+          <a:p>
+            <a:pPr rtl="0"/>
+            <a:r>
+              <a:rPr lang="en-US" dirty="0"/>
+              <a:t>Improvement points</a:t>
+            </a:r>
+          </a:p>
+        </p:txBody>
+      </p:sp>
+      <p:sp>
+        <p:nvSpPr>
+          <p:cNvPr id="3" name="Espace réservé du contenu 2"/>
+          <p:cNvSpPr>
+            <a:spLocks noGrp="1"/>
+          </p:cNvSpPr>
+          <p:nvPr>
+            <p:ph idx="1"/>
+          </p:nvPr>
+        </p:nvSpPr>
+        <p:spPr/>
+        <p:txBody>
+          <a:bodyPr rtlCol="0"/>
+          <a:lstStyle/>
+          <a:p>
+            <a:pPr rtl="0"/>
+            <a:endParaRPr lang="en-US" dirty="0"/>
+          </a:p>
+        </p:txBody>
+      </p:sp>
+    </p:spTree>
+    <p:extLst>
+      <p:ext uri="{BB962C8B-B14F-4D97-AF65-F5344CB8AC3E}">
+        <p14:creationId xmlns:p14="http://schemas.microsoft.com/office/powerpoint/2010/main" val="277110214"/>
+      </p:ext>
+    </p:extLst>
+  </p:cSld>
+  <p:clrMapOvr>
+    <a:masterClrMapping/>
+  </p:clrMapOvr>
+  <mc:AlternateContent xmlns:mc="http://schemas.openxmlformats.org/markup-compatibility/2006" xmlns:p14="http://schemas.microsoft.com/office/powerpoint/2010/main">
+    <mc:Choice Requires="p14">
+      <p:transition spd="med" p14:dur="700">
+        <p:fade/>
+      </p:transition>
+    </mc:Choice>
+    <mc:Fallback xmlns="">
+      <p:transition spd="med">
+        <p:fade/>
+      </p:transition>
+    </mc:Fallback>
+  </mc:AlternateContent>
+</p:sld>
+</file>
+
+<file path=ppt/slides/slide19.xml><?xml version="1.0" encoding="utf-8"?>
+<p:sld xmlns:a="http://schemas.openxmlformats.org/drawingml/2006/main" xmlns:r="http://schemas.openxmlformats.org/officeDocument/2006/relationships" xmlns:p="http://schemas.openxmlformats.org/presentationml/2006/main">
+  <p:cSld>
+    <p:spTree>
+      <p:nvGrpSpPr>
+        <p:cNvPr id="1" name=""/>
+        <p:cNvGrpSpPr/>
+        <p:nvPr/>
+      </p:nvGrpSpPr>
+      <p:grpSpPr>
+        <a:xfrm>
+          <a:off x="0" y="0"/>
+          <a:ext cx="0" cy="0"/>
+          <a:chOff x="0" y="0"/>
+          <a:chExt cx="0" cy="0"/>
+        </a:xfrm>
+      </p:grpSpPr>
+      <p:sp>
+        <p:nvSpPr>
+          <p:cNvPr id="2" name="Titre 1"/>
+          <p:cNvSpPr>
+            <a:spLocks noGrp="1"/>
+          </p:cNvSpPr>
+          <p:nvPr>
+            <p:ph type="title"/>
+          </p:nvPr>
+        </p:nvSpPr>
+        <p:spPr/>
+        <p:txBody>
+          <a:bodyPr rtlCol="0"/>
+          <a:lstStyle/>
+          <a:p>
+            <a:pPr rtl="0"/>
+            <a:r>
+              <a:rPr lang="fr-FR" dirty="0"/>
+              <a:t>Conclusion</a:t>
+            </a:r>
+          </a:p>
+        </p:txBody>
+      </p:sp>
+      <p:sp>
+        <p:nvSpPr>
+          <p:cNvPr id="3" name="Espace réservé du contenu 2"/>
+          <p:cNvSpPr>
+            <a:spLocks noGrp="1"/>
+          </p:cNvSpPr>
+          <p:nvPr>
+            <p:ph idx="1"/>
+          </p:nvPr>
+        </p:nvSpPr>
+        <p:spPr/>
+        <p:txBody>
+          <a:bodyPr rtlCol="0"/>
+          <a:lstStyle/>
+          <a:p>
+            <a:pPr rtl="0"/>
+            <a:r>
+              <a:rPr lang="en-US" dirty="0"/>
+              <a:t>A</a:t>
+            </a:r>
+          </a:p>
+          <a:p>
+            <a:pPr rtl="0"/>
+            <a:r>
+              <a:rPr lang="en-US" dirty="0"/>
+              <a:t>A</a:t>
+            </a:r>
+          </a:p>
+          <a:p>
+            <a:pPr rtl="0"/>
+            <a:r>
+              <a:rPr lang="en-US" dirty="0"/>
+              <a:t>A</a:t>
+            </a:r>
+          </a:p>
+        </p:txBody>
+      </p:sp>
+    </p:spTree>
+    <p:extLst>
+      <p:ext uri="{BB962C8B-B14F-4D97-AF65-F5344CB8AC3E}">
+        <p14:creationId xmlns:p14="http://schemas.microsoft.com/office/powerpoint/2010/main" val="2586493336"/>
+      </p:ext>
+    </p:extLst>
+  </p:cSld>
+  <p:clrMapOvr>
+    <a:masterClrMapping/>
+  </p:clrMapOvr>
+  <mc:AlternateContent xmlns:mc="http://schemas.openxmlformats.org/markup-compatibility/2006" xmlns:p14="http://schemas.microsoft.com/office/powerpoint/2010/main">
+    <mc:Choice Requires="p14">
+      <p:transition spd="med" p14:dur="700">
+        <p:fade/>
+      </p:transition>
+    </mc:Choice>
+    <mc:Fallback xmlns="">
+      <p:transition spd="med">
+        <p:fade/>
+      </p:transition>
+    </mc:Fallback>
+  </mc:AlternateContent>
+</p:sld>
+</file>
+
 <file path=ppt/slides/slide2.xml><?xml version="1.0" encoding="utf-8"?>
 <p:sld xmlns:a="http://schemas.openxmlformats.org/drawingml/2006/main" xmlns:r="http://schemas.openxmlformats.org/officeDocument/2006/relationships" xmlns:p="http://schemas.openxmlformats.org/presentationml/2006/main">
   <p:cSld>
@@ -21408,26 +23308,9 @@
           <a:p>
             <a:pPr rtl="0"/>
             <a:r>
-              <a:rPr lang="en-US" dirty="0" err="1"/>
-              <a:t>Ajouter</a:t>
+              <a:rPr lang="en-US" dirty="0"/>
+              <a:t>Project presentation</a:t>
             </a:r>
-            <a:r>
-              <a:rPr lang="en-US" dirty="0"/>
-              <a:t> </a:t>
-            </a:r>
-            <a:r>
-              <a:rPr lang="en-US" dirty="0" err="1"/>
-              <a:t>votre</a:t>
-            </a:r>
-            <a:r>
-              <a:rPr lang="en-US" dirty="0"/>
-              <a:t> premier point </a:t>
-            </a:r>
-            <a:r>
-              <a:rPr lang="en-US" dirty="0" err="1"/>
-              <a:t>ici</a:t>
-            </a:r>
-            <a:endParaRPr lang="en-US" dirty="0"/>
           </a:p>
           <a:p>
             <a:pPr rtl="0"/>
@@ -21440,13 +23323,15 @@
             <a:pPr rtl="0"/>
             <a:r>
               <a:rPr lang="en-US" dirty="0"/>
-              <a:t>Project </a:t>
+              <a:t>Project management</a:t>
             </a:r>
+          </a:p>
+          <a:p>
+            <a:pPr rtl="0"/>
             <a:r>
-              <a:rPr lang="en-US" dirty="0" err="1"/>
-              <a:t>managment</a:t>
+              <a:rPr lang="en-US" dirty="0"/>
+              <a:t>Presentation of the website</a:t>
             </a:r>
-            <a:endParaRPr lang="en-US" dirty="0"/>
           </a:p>
           <a:p>
             <a:pPr rtl="0"/>
@@ -21523,10 +23408,9 @@
           <a:p>
             <a:pPr rtl="0"/>
             <a:r>
-              <a:rPr lang="fr-FR" dirty="0" err="1"/>
+              <a:rPr lang="en-US" dirty="0"/>
               <a:t>Analysis</a:t>
             </a:r>
-            <a:endParaRPr lang="fr-FR" dirty="0"/>
           </a:p>
         </p:txBody>
       </p:sp>
@@ -21542,27 +23426,41 @@
         </p:nvSpPr>
         <p:spPr/>
         <p:txBody>
-          <a:bodyPr rtlCol="0"/>
+          <a:bodyPr rtlCol="0">
+            <a:normAutofit/>
+          </a:bodyPr>
           <a:lstStyle/>
           <a:p>
-            <a:pPr rtl="0"/>
+            <a:pPr rtl="0">
+              <a:lnSpc>
+                <a:spcPct val="200000"/>
+              </a:lnSpc>
+            </a:pPr>
             <a:r>
-              <a:rPr lang="en-US" dirty="0"/>
-              <a:t>A</a:t>
+              <a:rPr lang="en-US" sz="2400" dirty="0"/>
+              <a:t>Create a website for the student’s office of  the school</a:t>
             </a:r>
           </a:p>
           <a:p>
-            <a:pPr rtl="0"/>
+            <a:pPr rtl="0">
+              <a:lnSpc>
+                <a:spcPct val="200000"/>
+              </a:lnSpc>
+            </a:pPr>
             <a:r>
-              <a:rPr lang="en-US" dirty="0"/>
-              <a:t>A</a:t>
+              <a:rPr lang="en-US" sz="2400" dirty="0"/>
+              <a:t>Build an online shop for their goodies</a:t>
             </a:r>
           </a:p>
           <a:p>
-            <a:pPr rtl="0"/>
+            <a:pPr>
+              <a:lnSpc>
+                <a:spcPct val="200000"/>
+              </a:lnSpc>
+            </a:pPr>
             <a:r>
-              <a:rPr lang="en-US" dirty="0"/>
-              <a:t>A</a:t>
+              <a:rPr lang="en-US" sz="2400" dirty="0"/>
+              <a:t>Create a special page for incomings events and previous ones </a:t>
             </a:r>
           </a:p>
         </p:txBody>
@@ -21829,13 +23727,8 @@
             <a:pPr rtl="0"/>
             <a:r>
               <a:rPr lang="en-US" dirty="0"/>
-              <a:t>Project </a:t>
+              <a:t>Project management</a:t>
             </a:r>
-            <a:r>
-              <a:rPr lang="en-US" dirty="0" err="1"/>
-              <a:t>managment</a:t>
-            </a:r>
-            <a:endParaRPr lang="en-US" dirty="0"/>
           </a:p>
         </p:txBody>
       </p:sp>
@@ -21851,28 +23744,46 @@
         </p:nvSpPr>
         <p:spPr/>
         <p:txBody>
-          <a:bodyPr rtlCol="0"/>
+          <a:bodyPr rtlCol="0">
+            <a:normAutofit/>
+          </a:bodyPr>
           <a:lstStyle/>
           <a:p>
-            <a:pPr rtl="0"/>
+            <a:pPr rtl="0">
+              <a:lnSpc>
+                <a:spcPct val="200000"/>
+              </a:lnSpc>
+            </a:pPr>
             <a:r>
-              <a:rPr lang="en-US" dirty="0"/>
-              <a:t>A</a:t>
+              <a:rPr lang="en-US" sz="2400" dirty="0"/>
+              <a:t>GitHub</a:t>
+            </a:r>
+          </a:p>
+          <a:p>
+            <a:pPr rtl="0">
+              <a:lnSpc>
+                <a:spcPct val="200000"/>
+              </a:lnSpc>
+            </a:pPr>
+            <a:r>
+              <a:rPr lang="en-US" sz="2400" dirty="0"/>
+              <a:t>Trello</a:t>
+            </a:r>
+          </a:p>
+          <a:p>
+            <a:pPr rtl="0">
+              <a:lnSpc>
+                <a:spcPct val="200000"/>
+              </a:lnSpc>
+            </a:pPr>
+            <a:r>
+              <a:rPr lang="en-US" sz="2400" dirty="0"/>
+              <a:t>Teams</a:t>
             </a:r>
           </a:p>
           <a:p>
             <a:pPr rtl="0"/>
-            <a:r>
-              <a:rPr lang="en-US" dirty="0"/>
-              <a:t>A</a:t>
-            </a:r>
-          </a:p>
-          <a:p>
-            <a:pPr rtl="0"/>
-            <a:r>
-              <a:rPr lang="en-US" dirty="0"/>
-              <a:t>A</a:t>
-            </a:r>
+            <a:endParaRPr lang="en-US" sz="2400" dirty="0"/>
           </a:p>
         </p:txBody>
       </p:sp>
@@ -21936,48 +23847,43 @@
             <a:pPr rtl="0"/>
             <a:r>
               <a:rPr lang="en-US" dirty="0"/>
-              <a:t>Improvement points</a:t>
+              <a:t>Presentation of the website | Host</a:t>
             </a:r>
           </a:p>
         </p:txBody>
       </p:sp>
-      <p:sp>
-        <p:nvSpPr>
-          <p:cNvPr id="3" name="Espace réservé du contenu 2"/>
-          <p:cNvSpPr>
-            <a:spLocks noGrp="1"/>
-          </p:cNvSpPr>
+      <p:pic>
+        <p:nvPicPr>
+          <p:cNvPr id="4" name="Espace réservé du contenu 3">
+            <a:extLst>
+              <a:ext uri="{FF2B5EF4-FFF2-40B4-BE49-F238E27FC236}">
+                <a16:creationId xmlns:a16="http://schemas.microsoft.com/office/drawing/2014/main" id="{47812497-FB07-4072-8299-909D648DF0B9}"/>
+              </a:ext>
+            </a:extLst>
+          </p:cNvPr>
+          <p:cNvPicPr>
+            <a:picLocks noGrp="1" noChangeAspect="1"/>
+          </p:cNvPicPr>
           <p:nvPr>
             <p:ph idx="1"/>
           </p:nvPr>
-        </p:nvSpPr>
-        <p:spPr/>
-        <p:txBody>
-          <a:bodyPr rtlCol="0"/>
-          <a:lstStyle/>
-          <a:p>
-            <a:pPr rtl="0"/>
-            <a:r>
-              <a:rPr lang="en-US" dirty="0"/>
-              <a:t>A</a:t>
-            </a:r>
-          </a:p>
-          <a:p>
-            <a:pPr rtl="0"/>
-            <a:r>
-              <a:rPr lang="en-US" dirty="0"/>
-              <a:t>A</a:t>
-            </a:r>
-          </a:p>
-          <a:p>
-            <a:pPr rtl="0"/>
-            <a:r>
-              <a:rPr lang="en-US" dirty="0"/>
-              <a:t>A</a:t>
-            </a:r>
-          </a:p>
-        </p:txBody>
-      </p:sp>
+        </p:nvPicPr>
+        <p:blipFill>
+          <a:blip r:embed="rId3"/>
+          <a:stretch>
+            <a:fillRect/>
+          </a:stretch>
+        </p:blipFill>
+        <p:spPr>
+          <a:xfrm>
+            <a:off x="1413598" y="1726137"/>
+            <a:ext cx="9070930" cy="4439578"/>
+          </a:xfrm>
+          <a:prstGeom prst="rect">
+            <a:avLst/>
+          </a:prstGeom>
+        </p:spPr>
+      </p:pic>
     </p:spTree>
     <p:extLst>
       <p:ext uri="{BB962C8B-B14F-4D97-AF65-F5344CB8AC3E}">
@@ -22037,20 +23943,91 @@
           <a:p>
             <a:pPr rtl="0"/>
             <a:r>
-              <a:rPr lang="fr-FR" dirty="0"/>
-              <a:t>Conclusion</a:t>
+              <a:rPr lang="en-US" dirty="0"/>
+              <a:t>Presentation of the website | Host</a:t>
             </a:r>
           </a:p>
         </p:txBody>
       </p:sp>
+      <p:pic>
+        <p:nvPicPr>
+          <p:cNvPr id="6" name="Image 5">
+            <a:extLst>
+              <a:ext uri="{FF2B5EF4-FFF2-40B4-BE49-F238E27FC236}">
+                <a16:creationId xmlns:a16="http://schemas.microsoft.com/office/drawing/2014/main" id="{A243D678-D8E0-4A42-AEF8-7AF22836E8CB}"/>
+              </a:ext>
+            </a:extLst>
+          </p:cNvPr>
+          <p:cNvPicPr>
+            <a:picLocks noChangeAspect="1"/>
+          </p:cNvPicPr>
+          <p:nvPr/>
+        </p:nvPicPr>
+        <p:blipFill rotWithShape="1">
+          <a:blip r:embed="rId3"/>
+          <a:srcRect b="30666"/>
+          <a:stretch/>
+        </p:blipFill>
+        <p:spPr>
+          <a:xfrm>
+            <a:off x="1561175" y="2258991"/>
+            <a:ext cx="9069649" cy="3532209"/>
+          </a:xfrm>
+          <a:prstGeom prst="rect">
+            <a:avLst/>
+          </a:prstGeom>
+        </p:spPr>
+      </p:pic>
+    </p:spTree>
+    <p:extLst>
+      <p:ext uri="{BB962C8B-B14F-4D97-AF65-F5344CB8AC3E}">
+        <p14:creationId xmlns:p14="http://schemas.microsoft.com/office/powerpoint/2010/main" val="3672650939"/>
+      </p:ext>
+    </p:extLst>
+  </p:cSld>
+  <p:clrMapOvr>
+    <a:masterClrMapping/>
+  </p:clrMapOvr>
+  <mc:AlternateContent xmlns:mc="http://schemas.openxmlformats.org/markup-compatibility/2006" xmlns:p14="http://schemas.microsoft.com/office/powerpoint/2010/main">
+    <mc:Choice Requires="p14">
+      <p:transition spd="med" p14:dur="700">
+        <p:fade/>
+      </p:transition>
+    </mc:Choice>
+    <mc:Fallback xmlns="">
+      <p:transition spd="med">
+        <p:fade/>
+      </p:transition>
+    </mc:Fallback>
+  </mc:AlternateContent>
+</p:sld>
+</file>
+
+<file path=ppt/slides/slide9.xml><?xml version="1.0" encoding="utf-8"?>
+<p:sld xmlns:a="http://schemas.openxmlformats.org/drawingml/2006/main" xmlns:r="http://schemas.openxmlformats.org/officeDocument/2006/relationships" xmlns:p="http://schemas.openxmlformats.org/presentationml/2006/main">
+  <p:cSld>
+    <p:spTree>
+      <p:nvGrpSpPr>
+        <p:cNvPr id="1" name=""/>
+        <p:cNvGrpSpPr/>
+        <p:nvPr/>
+      </p:nvGrpSpPr>
+      <p:grpSpPr>
+        <a:xfrm>
+          <a:off x="0" y="0"/>
+          <a:ext cx="0" cy="0"/>
+          <a:chOff x="0" y="0"/>
+          <a:chExt cx="0" cy="0"/>
+        </a:xfrm>
+      </p:grpSpPr>
       <p:sp>
         <p:nvSpPr>
-          <p:cNvPr id="3" name="Espace réservé du contenu 2"/>
+          <p:cNvPr id="2" name="Titre 1"/>
           <p:cNvSpPr>
             <a:spLocks noGrp="1"/>
           </p:cNvSpPr>
           <p:nvPr>
-            <p:ph idx="1"/>
+            <p:ph type="title"/>
           </p:nvPr>
         </p:nvSpPr>
         <p:spPr/>
@@ -22061,29 +24038,46 @@
             <a:pPr rtl="0"/>
             <a:r>
               <a:rPr lang="en-US" dirty="0"/>
-              <a:t>A</a:t>
-            </a:r>
-          </a:p>
-          <a:p>
-            <a:pPr rtl="0"/>
-            <a:r>
-              <a:rPr lang="en-US" dirty="0"/>
-              <a:t>A</a:t>
-            </a:r>
-          </a:p>
-          <a:p>
-            <a:pPr rtl="0"/>
-            <a:r>
-              <a:rPr lang="en-US" dirty="0"/>
-              <a:t>A</a:t>
+              <a:t>Presentation of the website | Host</a:t>
             </a:r>
           </a:p>
         </p:txBody>
       </p:sp>
+      <p:pic>
+        <p:nvPicPr>
+          <p:cNvPr id="6" name="Espace réservé du contenu 3">
+            <a:extLst>
+              <a:ext uri="{FF2B5EF4-FFF2-40B4-BE49-F238E27FC236}">
+                <a16:creationId xmlns:a16="http://schemas.microsoft.com/office/drawing/2014/main" id="{0349A9B2-2277-4E8C-8E3F-5D7FE07CFD33}"/>
+              </a:ext>
+            </a:extLst>
+          </p:cNvPr>
+          <p:cNvPicPr>
+            <a:picLocks noGrp="1" noChangeAspect="1"/>
+          </p:cNvPicPr>
+          <p:nvPr>
+            <p:ph idx="1"/>
+          </p:nvPr>
+        </p:nvPicPr>
+        <p:blipFill rotWithShape="1">
+          <a:blip r:embed="rId3"/>
+          <a:srcRect l="16815" r="18674"/>
+          <a:stretch/>
+        </p:blipFill>
+        <p:spPr>
+          <a:xfrm>
+            <a:off x="3689004" y="1646238"/>
+            <a:ext cx="4813992" cy="4460444"/>
+          </a:xfrm>
+          <a:prstGeom prst="rect">
+            <a:avLst/>
+          </a:prstGeom>
+        </p:spPr>
+      </p:pic>
     </p:spTree>
     <p:extLst>
       <p:ext uri="{BB962C8B-B14F-4D97-AF65-F5344CB8AC3E}">
-        <p14:creationId xmlns:p14="http://schemas.microsoft.com/office/powerpoint/2010/main" val="2586493336"/>
+        <p14:creationId xmlns:p14="http://schemas.microsoft.com/office/powerpoint/2010/main" val="1851461490"/>
       </p:ext>
     </p:extLst>
   </p:cSld>

--- a/Présentation/Web Project.pptx
+++ b/Présentation/Web Project.pptx
@@ -5,10 +5,10 @@
     <p:sldMasterId id="2147483648" r:id="rId1"/>
   </p:sldMasterIdLst>
   <p:notesMasterIdLst>
-    <p:notesMasterId r:id="rId21"/>
+    <p:notesMasterId r:id="rId25"/>
   </p:notesMasterIdLst>
   <p:handoutMasterIdLst>
-    <p:handoutMasterId r:id="rId22"/>
+    <p:handoutMasterId r:id="rId26"/>
   </p:handoutMasterIdLst>
   <p:sldIdLst>
     <p:sldId id="261" r:id="rId2"/>
@@ -16,20 +16,24 @@
     <p:sldId id="268" r:id="rId4"/>
     <p:sldId id="278" r:id="rId5"/>
     <p:sldId id="305" r:id="rId6"/>
-    <p:sldId id="306" r:id="rId7"/>
-    <p:sldId id="308" r:id="rId8"/>
-    <p:sldId id="315" r:id="rId9"/>
-    <p:sldId id="313" r:id="rId10"/>
-    <p:sldId id="314" r:id="rId11"/>
-    <p:sldId id="310" r:id="rId12"/>
-    <p:sldId id="311" r:id="rId13"/>
-    <p:sldId id="312" r:id="rId14"/>
-    <p:sldId id="316" r:id="rId15"/>
-    <p:sldId id="317" r:id="rId16"/>
-    <p:sldId id="318" r:id="rId17"/>
-    <p:sldId id="319" r:id="rId18"/>
-    <p:sldId id="309" r:id="rId19"/>
-    <p:sldId id="307" r:id="rId20"/>
+    <p:sldId id="308" r:id="rId7"/>
+    <p:sldId id="315" r:id="rId8"/>
+    <p:sldId id="313" r:id="rId9"/>
+    <p:sldId id="314" r:id="rId10"/>
+    <p:sldId id="310" r:id="rId11"/>
+    <p:sldId id="311" r:id="rId12"/>
+    <p:sldId id="312" r:id="rId13"/>
+    <p:sldId id="316" r:id="rId14"/>
+    <p:sldId id="317" r:id="rId15"/>
+    <p:sldId id="318" r:id="rId16"/>
+    <p:sldId id="319" r:id="rId17"/>
+    <p:sldId id="309" r:id="rId18"/>
+    <p:sldId id="321" r:id="rId19"/>
+    <p:sldId id="322" r:id="rId20"/>
+    <p:sldId id="323" r:id="rId21"/>
+    <p:sldId id="324" r:id="rId22"/>
+    <p:sldId id="320" r:id="rId23"/>
+    <p:sldId id="307" r:id="rId24"/>
   </p:sldIdLst>
   <p:sldSz cx="12192000" cy="6858000"/>
   <p:notesSz cx="6858000" cy="9144000"/>
@@ -6326,7 +6330,7 @@
     </p:spTree>
     <p:extLst>
       <p:ext uri="{BB962C8B-B14F-4D97-AF65-F5344CB8AC3E}">
-        <p14:creationId xmlns:p14="http://schemas.microsoft.com/office/powerpoint/2010/main" val="37653776"/>
+        <p14:creationId xmlns:p14="http://schemas.microsoft.com/office/powerpoint/2010/main" val="1529347314"/>
       </p:ext>
     </p:extLst>
   </p:cSld>
@@ -6412,7 +6416,7 @@
     </p:spTree>
     <p:extLst>
       <p:ext uri="{BB962C8B-B14F-4D97-AF65-F5344CB8AC3E}">
-        <p14:creationId xmlns:p14="http://schemas.microsoft.com/office/powerpoint/2010/main" val="1529347314"/>
+        <p14:creationId xmlns:p14="http://schemas.microsoft.com/office/powerpoint/2010/main" val="3294751541"/>
       </p:ext>
     </p:extLst>
   </p:cSld>
@@ -6498,7 +6502,7 @@
     </p:spTree>
     <p:extLst>
       <p:ext uri="{BB962C8B-B14F-4D97-AF65-F5344CB8AC3E}">
-        <p14:creationId xmlns:p14="http://schemas.microsoft.com/office/powerpoint/2010/main" val="3294751541"/>
+        <p14:creationId xmlns:p14="http://schemas.microsoft.com/office/powerpoint/2010/main" val="1344062037"/>
       </p:ext>
     </p:extLst>
   </p:cSld>
@@ -6584,7 +6588,7 @@
     </p:spTree>
     <p:extLst>
       <p:ext uri="{BB962C8B-B14F-4D97-AF65-F5344CB8AC3E}">
-        <p14:creationId xmlns:p14="http://schemas.microsoft.com/office/powerpoint/2010/main" val="1344062037"/>
+        <p14:creationId xmlns:p14="http://schemas.microsoft.com/office/powerpoint/2010/main" val="4169813092"/>
       </p:ext>
     </p:extLst>
   </p:cSld>
@@ -6670,7 +6674,7 @@
     </p:spTree>
     <p:extLst>
       <p:ext uri="{BB962C8B-B14F-4D97-AF65-F5344CB8AC3E}">
-        <p14:creationId xmlns:p14="http://schemas.microsoft.com/office/powerpoint/2010/main" val="4169813092"/>
+        <p14:creationId xmlns:p14="http://schemas.microsoft.com/office/powerpoint/2010/main" val="2219821476"/>
       </p:ext>
     </p:extLst>
   </p:cSld>
@@ -6756,7 +6760,7 @@
     </p:spTree>
     <p:extLst>
       <p:ext uri="{BB962C8B-B14F-4D97-AF65-F5344CB8AC3E}">
-        <p14:creationId xmlns:p14="http://schemas.microsoft.com/office/powerpoint/2010/main" val="2219821476"/>
+        <p14:creationId xmlns:p14="http://schemas.microsoft.com/office/powerpoint/2010/main" val="119312736"/>
       </p:ext>
     </p:extLst>
   </p:cSld>
@@ -6842,7 +6846,7 @@
     </p:spTree>
     <p:extLst>
       <p:ext uri="{BB962C8B-B14F-4D97-AF65-F5344CB8AC3E}">
-        <p14:creationId xmlns:p14="http://schemas.microsoft.com/office/powerpoint/2010/main" val="119312736"/>
+        <p14:creationId xmlns:p14="http://schemas.microsoft.com/office/powerpoint/2010/main" val="3331815480"/>
       </p:ext>
     </p:extLst>
   </p:cSld>
@@ -6928,7 +6932,7 @@
     </p:spTree>
     <p:extLst>
       <p:ext uri="{BB962C8B-B14F-4D97-AF65-F5344CB8AC3E}">
-        <p14:creationId xmlns:p14="http://schemas.microsoft.com/office/powerpoint/2010/main" val="3331815480"/>
+        <p14:creationId xmlns:p14="http://schemas.microsoft.com/office/powerpoint/2010/main" val="1001483520"/>
       </p:ext>
     </p:extLst>
   </p:cSld>
@@ -7014,7 +7018,7 @@
     </p:spTree>
     <p:extLst>
       <p:ext uri="{BB962C8B-B14F-4D97-AF65-F5344CB8AC3E}">
-        <p14:creationId xmlns:p14="http://schemas.microsoft.com/office/powerpoint/2010/main" val="1001483520"/>
+        <p14:creationId xmlns:p14="http://schemas.microsoft.com/office/powerpoint/2010/main" val="2214580252"/>
       </p:ext>
     </p:extLst>
   </p:cSld>
@@ -7100,7 +7104,7 @@
     </p:spTree>
     <p:extLst>
       <p:ext uri="{BB962C8B-B14F-4D97-AF65-F5344CB8AC3E}">
-        <p14:creationId xmlns:p14="http://schemas.microsoft.com/office/powerpoint/2010/main" val="2182563699"/>
+        <p14:creationId xmlns:p14="http://schemas.microsoft.com/office/powerpoint/2010/main" val="2829527115"/>
       </p:ext>
     </p:extLst>
   </p:cSld>
@@ -7187,6 +7191,350 @@
     <p:extLst>
       <p:ext uri="{BB962C8B-B14F-4D97-AF65-F5344CB8AC3E}">
         <p14:creationId xmlns:p14="http://schemas.microsoft.com/office/powerpoint/2010/main" val="1980303916"/>
+      </p:ext>
+    </p:extLst>
+  </p:cSld>
+  <p:clrMapOvr>
+    <a:masterClrMapping/>
+  </p:clrMapOvr>
+</p:notes>
+</file>
+
+<file path=ppt/notesSlides/notesSlide20.xml><?xml version="1.0" encoding="utf-8"?>
+<p:notes xmlns:a="http://schemas.openxmlformats.org/drawingml/2006/main" xmlns:r="http://schemas.openxmlformats.org/officeDocument/2006/relationships" xmlns:p="http://schemas.openxmlformats.org/presentationml/2006/main">
+  <p:cSld>
+    <p:spTree>
+      <p:nvGrpSpPr>
+        <p:cNvPr id="1" name=""/>
+        <p:cNvGrpSpPr/>
+        <p:nvPr/>
+      </p:nvGrpSpPr>
+      <p:grpSpPr>
+        <a:xfrm>
+          <a:off x="0" y="0"/>
+          <a:ext cx="0" cy="0"/>
+          <a:chOff x="0" y="0"/>
+          <a:chExt cx="0" cy="0"/>
+        </a:xfrm>
+      </p:grpSpPr>
+      <p:sp>
+        <p:nvSpPr>
+          <p:cNvPr id="2" name="Espace réservé de l’image des diapositives 1"/>
+          <p:cNvSpPr>
+            <a:spLocks noGrp="1" noRot="1" noChangeAspect="1"/>
+          </p:cNvSpPr>
+          <p:nvPr>
+            <p:ph type="sldImg"/>
+          </p:nvPr>
+        </p:nvSpPr>
+        <p:spPr/>
+      </p:sp>
+      <p:sp>
+        <p:nvSpPr>
+          <p:cNvPr id="3" name="Espace réservé des commentaires 2"/>
+          <p:cNvSpPr>
+            <a:spLocks noGrp="1"/>
+          </p:cNvSpPr>
+          <p:nvPr>
+            <p:ph type="body" idx="1"/>
+          </p:nvPr>
+        </p:nvSpPr>
+        <p:spPr/>
+        <p:txBody>
+          <a:bodyPr rtlCol="0"/>
+          <a:lstStyle/>
+          <a:p>
+            <a:pPr rtl="0"/>
+            <a:endParaRPr lang="fr-FR"/>
+          </a:p>
+        </p:txBody>
+      </p:sp>
+      <p:sp>
+        <p:nvSpPr>
+          <p:cNvPr id="4" name="Espace réservé du numéro de diapositive 3"/>
+          <p:cNvSpPr>
+            <a:spLocks noGrp="1"/>
+          </p:cNvSpPr>
+          <p:nvPr>
+            <p:ph type="sldNum" sz="quarter" idx="10"/>
+          </p:nvPr>
+        </p:nvSpPr>
+        <p:spPr/>
+        <p:txBody>
+          <a:bodyPr rtlCol="0"/>
+          <a:lstStyle/>
+          <a:p>
+            <a:pPr rtl="0"/>
+            <a:fld id="{82869989-EB00-4EE7-BCB5-25BDC5BB29F8}" type="slidenum">
+              <a:rPr lang="fr-FR" smtClean="0"/>
+              <a:t>20</a:t>
+            </a:fld>
+            <a:endParaRPr lang="fr-FR"/>
+          </a:p>
+        </p:txBody>
+      </p:sp>
+    </p:spTree>
+    <p:extLst>
+      <p:ext uri="{BB962C8B-B14F-4D97-AF65-F5344CB8AC3E}">
+        <p14:creationId xmlns:p14="http://schemas.microsoft.com/office/powerpoint/2010/main" val="4203938709"/>
+      </p:ext>
+    </p:extLst>
+  </p:cSld>
+  <p:clrMapOvr>
+    <a:masterClrMapping/>
+  </p:clrMapOvr>
+</p:notes>
+</file>
+
+<file path=ppt/notesSlides/notesSlide21.xml><?xml version="1.0" encoding="utf-8"?>
+<p:notes xmlns:a="http://schemas.openxmlformats.org/drawingml/2006/main" xmlns:r="http://schemas.openxmlformats.org/officeDocument/2006/relationships" xmlns:p="http://schemas.openxmlformats.org/presentationml/2006/main">
+  <p:cSld>
+    <p:spTree>
+      <p:nvGrpSpPr>
+        <p:cNvPr id="1" name=""/>
+        <p:cNvGrpSpPr/>
+        <p:nvPr/>
+      </p:nvGrpSpPr>
+      <p:grpSpPr>
+        <a:xfrm>
+          <a:off x="0" y="0"/>
+          <a:ext cx="0" cy="0"/>
+          <a:chOff x="0" y="0"/>
+          <a:chExt cx="0" cy="0"/>
+        </a:xfrm>
+      </p:grpSpPr>
+      <p:sp>
+        <p:nvSpPr>
+          <p:cNvPr id="2" name="Espace réservé de l’image des diapositives 1"/>
+          <p:cNvSpPr>
+            <a:spLocks noGrp="1" noRot="1" noChangeAspect="1"/>
+          </p:cNvSpPr>
+          <p:nvPr>
+            <p:ph type="sldImg"/>
+          </p:nvPr>
+        </p:nvSpPr>
+        <p:spPr/>
+      </p:sp>
+      <p:sp>
+        <p:nvSpPr>
+          <p:cNvPr id="3" name="Espace réservé des commentaires 2"/>
+          <p:cNvSpPr>
+            <a:spLocks noGrp="1"/>
+          </p:cNvSpPr>
+          <p:nvPr>
+            <p:ph type="body" idx="1"/>
+          </p:nvPr>
+        </p:nvSpPr>
+        <p:spPr/>
+        <p:txBody>
+          <a:bodyPr rtlCol="0"/>
+          <a:lstStyle/>
+          <a:p>
+            <a:pPr rtl="0"/>
+            <a:endParaRPr lang="fr-FR"/>
+          </a:p>
+        </p:txBody>
+      </p:sp>
+      <p:sp>
+        <p:nvSpPr>
+          <p:cNvPr id="4" name="Espace réservé du numéro de diapositive 3"/>
+          <p:cNvSpPr>
+            <a:spLocks noGrp="1"/>
+          </p:cNvSpPr>
+          <p:nvPr>
+            <p:ph type="sldNum" sz="quarter" idx="10"/>
+          </p:nvPr>
+        </p:nvSpPr>
+        <p:spPr/>
+        <p:txBody>
+          <a:bodyPr rtlCol="0"/>
+          <a:lstStyle/>
+          <a:p>
+            <a:pPr rtl="0"/>
+            <a:fld id="{82869989-EB00-4EE7-BCB5-25BDC5BB29F8}" type="slidenum">
+              <a:rPr lang="fr-FR" smtClean="0"/>
+              <a:t>21</a:t>
+            </a:fld>
+            <a:endParaRPr lang="fr-FR"/>
+          </a:p>
+        </p:txBody>
+      </p:sp>
+    </p:spTree>
+    <p:extLst>
+      <p:ext uri="{BB962C8B-B14F-4D97-AF65-F5344CB8AC3E}">
+        <p14:creationId xmlns:p14="http://schemas.microsoft.com/office/powerpoint/2010/main" val="4271676591"/>
+      </p:ext>
+    </p:extLst>
+  </p:cSld>
+  <p:clrMapOvr>
+    <a:masterClrMapping/>
+  </p:clrMapOvr>
+</p:notes>
+</file>
+
+<file path=ppt/notesSlides/notesSlide22.xml><?xml version="1.0" encoding="utf-8"?>
+<p:notes xmlns:a="http://schemas.openxmlformats.org/drawingml/2006/main" xmlns:r="http://schemas.openxmlformats.org/officeDocument/2006/relationships" xmlns:p="http://schemas.openxmlformats.org/presentationml/2006/main">
+  <p:cSld>
+    <p:spTree>
+      <p:nvGrpSpPr>
+        <p:cNvPr id="1" name=""/>
+        <p:cNvGrpSpPr/>
+        <p:nvPr/>
+      </p:nvGrpSpPr>
+      <p:grpSpPr>
+        <a:xfrm>
+          <a:off x="0" y="0"/>
+          <a:ext cx="0" cy="0"/>
+          <a:chOff x="0" y="0"/>
+          <a:chExt cx="0" cy="0"/>
+        </a:xfrm>
+      </p:grpSpPr>
+      <p:sp>
+        <p:nvSpPr>
+          <p:cNvPr id="2" name="Espace réservé de l’image des diapositives 1"/>
+          <p:cNvSpPr>
+            <a:spLocks noGrp="1" noRot="1" noChangeAspect="1"/>
+          </p:cNvSpPr>
+          <p:nvPr>
+            <p:ph type="sldImg"/>
+          </p:nvPr>
+        </p:nvSpPr>
+        <p:spPr/>
+      </p:sp>
+      <p:sp>
+        <p:nvSpPr>
+          <p:cNvPr id="3" name="Espace réservé des commentaires 2"/>
+          <p:cNvSpPr>
+            <a:spLocks noGrp="1"/>
+          </p:cNvSpPr>
+          <p:nvPr>
+            <p:ph type="body" idx="1"/>
+          </p:nvPr>
+        </p:nvSpPr>
+        <p:spPr/>
+        <p:txBody>
+          <a:bodyPr rtlCol="0"/>
+          <a:lstStyle/>
+          <a:p>
+            <a:pPr rtl="0"/>
+            <a:endParaRPr lang="fr-FR"/>
+          </a:p>
+        </p:txBody>
+      </p:sp>
+      <p:sp>
+        <p:nvSpPr>
+          <p:cNvPr id="4" name="Espace réservé du numéro de diapositive 3"/>
+          <p:cNvSpPr>
+            <a:spLocks noGrp="1"/>
+          </p:cNvSpPr>
+          <p:nvPr>
+            <p:ph type="sldNum" sz="quarter" idx="10"/>
+          </p:nvPr>
+        </p:nvSpPr>
+        <p:spPr/>
+        <p:txBody>
+          <a:bodyPr rtlCol="0"/>
+          <a:lstStyle/>
+          <a:p>
+            <a:pPr rtl="0"/>
+            <a:fld id="{82869989-EB00-4EE7-BCB5-25BDC5BB29F8}" type="slidenum">
+              <a:rPr lang="fr-FR" smtClean="0"/>
+              <a:t>22</a:t>
+            </a:fld>
+            <a:endParaRPr lang="fr-FR"/>
+          </a:p>
+        </p:txBody>
+      </p:sp>
+    </p:spTree>
+    <p:extLst>
+      <p:ext uri="{BB962C8B-B14F-4D97-AF65-F5344CB8AC3E}">
+        <p14:creationId xmlns:p14="http://schemas.microsoft.com/office/powerpoint/2010/main" val="863095892"/>
+      </p:ext>
+    </p:extLst>
+  </p:cSld>
+  <p:clrMapOvr>
+    <a:masterClrMapping/>
+  </p:clrMapOvr>
+</p:notes>
+</file>
+
+<file path=ppt/notesSlides/notesSlide23.xml><?xml version="1.0" encoding="utf-8"?>
+<p:notes xmlns:a="http://schemas.openxmlformats.org/drawingml/2006/main" xmlns:r="http://schemas.openxmlformats.org/officeDocument/2006/relationships" xmlns:p="http://schemas.openxmlformats.org/presentationml/2006/main">
+  <p:cSld>
+    <p:spTree>
+      <p:nvGrpSpPr>
+        <p:cNvPr id="1" name=""/>
+        <p:cNvGrpSpPr/>
+        <p:nvPr/>
+      </p:nvGrpSpPr>
+      <p:grpSpPr>
+        <a:xfrm>
+          <a:off x="0" y="0"/>
+          <a:ext cx="0" cy="0"/>
+          <a:chOff x="0" y="0"/>
+          <a:chExt cx="0" cy="0"/>
+        </a:xfrm>
+      </p:grpSpPr>
+      <p:sp>
+        <p:nvSpPr>
+          <p:cNvPr id="2" name="Espace réservé de l’image des diapositives 1"/>
+          <p:cNvSpPr>
+            <a:spLocks noGrp="1" noRot="1" noChangeAspect="1"/>
+          </p:cNvSpPr>
+          <p:nvPr>
+            <p:ph type="sldImg"/>
+          </p:nvPr>
+        </p:nvSpPr>
+        <p:spPr/>
+      </p:sp>
+      <p:sp>
+        <p:nvSpPr>
+          <p:cNvPr id="3" name="Espace réservé des commentaires 2"/>
+          <p:cNvSpPr>
+            <a:spLocks noGrp="1"/>
+          </p:cNvSpPr>
+          <p:nvPr>
+            <p:ph type="body" idx="1"/>
+          </p:nvPr>
+        </p:nvSpPr>
+        <p:spPr/>
+        <p:txBody>
+          <a:bodyPr rtlCol="0"/>
+          <a:lstStyle/>
+          <a:p>
+            <a:pPr rtl="0"/>
+            <a:endParaRPr lang="fr-FR"/>
+          </a:p>
+        </p:txBody>
+      </p:sp>
+      <p:sp>
+        <p:nvSpPr>
+          <p:cNvPr id="4" name="Espace réservé du numéro de diapositive 3"/>
+          <p:cNvSpPr>
+            <a:spLocks noGrp="1"/>
+          </p:cNvSpPr>
+          <p:nvPr>
+            <p:ph type="sldNum" sz="quarter" idx="10"/>
+          </p:nvPr>
+        </p:nvSpPr>
+        <p:spPr/>
+        <p:txBody>
+          <a:bodyPr rtlCol="0"/>
+          <a:lstStyle/>
+          <a:p>
+            <a:pPr rtl="0"/>
+            <a:fld id="{82869989-EB00-4EE7-BCB5-25BDC5BB29F8}" type="slidenum">
+              <a:rPr lang="fr-FR" smtClean="0"/>
+              <a:t>23</a:t>
+            </a:fld>
+            <a:endParaRPr lang="fr-FR"/>
+          </a:p>
+        </p:txBody>
+      </p:sp>
+    </p:spTree>
+    <p:extLst>
+      <p:ext uri="{BB962C8B-B14F-4D97-AF65-F5344CB8AC3E}">
+        <p14:creationId xmlns:p14="http://schemas.microsoft.com/office/powerpoint/2010/main" val="2182563699"/>
       </p:ext>
     </p:extLst>
   </p:cSld>
@@ -7534,7 +7882,7 @@
     </p:spTree>
     <p:extLst>
       <p:ext uri="{BB962C8B-B14F-4D97-AF65-F5344CB8AC3E}">
-        <p14:creationId xmlns:p14="http://schemas.microsoft.com/office/powerpoint/2010/main" val="2582055749"/>
+        <p14:creationId xmlns:p14="http://schemas.microsoft.com/office/powerpoint/2010/main" val="41523821"/>
       </p:ext>
     </p:extLst>
   </p:cSld>
@@ -7620,7 +7968,7 @@
     </p:spTree>
     <p:extLst>
       <p:ext uri="{BB962C8B-B14F-4D97-AF65-F5344CB8AC3E}">
-        <p14:creationId xmlns:p14="http://schemas.microsoft.com/office/powerpoint/2010/main" val="41523821"/>
+        <p14:creationId xmlns:p14="http://schemas.microsoft.com/office/powerpoint/2010/main" val="873243940"/>
       </p:ext>
     </p:extLst>
   </p:cSld>
@@ -7706,7 +8054,7 @@
     </p:spTree>
     <p:extLst>
       <p:ext uri="{BB962C8B-B14F-4D97-AF65-F5344CB8AC3E}">
-        <p14:creationId xmlns:p14="http://schemas.microsoft.com/office/powerpoint/2010/main" val="873243940"/>
+        <p14:creationId xmlns:p14="http://schemas.microsoft.com/office/powerpoint/2010/main" val="2910795403"/>
       </p:ext>
     </p:extLst>
   </p:cSld>
@@ -7792,7 +8140,7 @@
     </p:spTree>
     <p:extLst>
       <p:ext uri="{BB962C8B-B14F-4D97-AF65-F5344CB8AC3E}">
-        <p14:creationId xmlns:p14="http://schemas.microsoft.com/office/powerpoint/2010/main" val="2910795403"/>
+        <p14:creationId xmlns:p14="http://schemas.microsoft.com/office/powerpoint/2010/main" val="37653776"/>
       </p:ext>
     </p:extLst>
   </p:cSld>
@@ -22343,102 +22691,6 @@
             <a:pPr rtl="0"/>
             <a:r>
               <a:rPr lang="en-US" dirty="0"/>
-              <a:t>Presentation of the website | Host</a:t>
-            </a:r>
-          </a:p>
-        </p:txBody>
-      </p:sp>
-      <p:pic>
-        <p:nvPicPr>
-          <p:cNvPr id="5" name="Espace réservé du contenu 4">
-            <a:extLst>
-              <a:ext uri="{FF2B5EF4-FFF2-40B4-BE49-F238E27FC236}">
-                <a16:creationId xmlns:a16="http://schemas.microsoft.com/office/drawing/2014/main" id="{EE58694E-E6CD-4C98-8305-2AF75B376B47}"/>
-              </a:ext>
-            </a:extLst>
-          </p:cNvPr>
-          <p:cNvPicPr>
-            <a:picLocks noGrp="1" noChangeAspect="1"/>
-          </p:cNvPicPr>
-          <p:nvPr>
-            <p:ph idx="1"/>
-          </p:nvPr>
-        </p:nvPicPr>
-        <p:blipFill rotWithShape="1">
-          <a:blip r:embed="rId3"/>
-          <a:srcRect t="7417" b="9166"/>
-          <a:stretch/>
-        </p:blipFill>
-        <p:spPr>
-          <a:xfrm>
-            <a:off x="2649356" y="1811044"/>
-            <a:ext cx="6893287" cy="4171280"/>
-          </a:xfrm>
-          <a:prstGeom prst="rect">
-            <a:avLst/>
-          </a:prstGeom>
-        </p:spPr>
-      </p:pic>
-    </p:spTree>
-    <p:extLst>
-      <p:ext uri="{BB962C8B-B14F-4D97-AF65-F5344CB8AC3E}">
-        <p14:creationId xmlns:p14="http://schemas.microsoft.com/office/powerpoint/2010/main" val="1571326820"/>
-      </p:ext>
-    </p:extLst>
-  </p:cSld>
-  <p:clrMapOvr>
-    <a:masterClrMapping/>
-  </p:clrMapOvr>
-  <mc:AlternateContent xmlns:mc="http://schemas.openxmlformats.org/markup-compatibility/2006" xmlns:p14="http://schemas.microsoft.com/office/powerpoint/2010/main">
-    <mc:Choice Requires="p14">
-      <p:transition spd="med" p14:dur="700">
-        <p:fade/>
-      </p:transition>
-    </mc:Choice>
-    <mc:Fallback xmlns="">
-      <p:transition spd="med">
-        <p:fade/>
-      </p:transition>
-    </mc:Fallback>
-  </mc:AlternateContent>
-</p:sld>
-</file>
-
-<file path=ppt/slides/slide11.xml><?xml version="1.0" encoding="utf-8"?>
-<p:sld xmlns:a="http://schemas.openxmlformats.org/drawingml/2006/main" xmlns:r="http://schemas.openxmlformats.org/officeDocument/2006/relationships" xmlns:p="http://schemas.openxmlformats.org/presentationml/2006/main">
-  <p:cSld>
-    <p:spTree>
-      <p:nvGrpSpPr>
-        <p:cNvPr id="1" name=""/>
-        <p:cNvGrpSpPr/>
-        <p:nvPr/>
-      </p:nvGrpSpPr>
-      <p:grpSpPr>
-        <a:xfrm>
-          <a:off x="0" y="0"/>
-          <a:ext cx="0" cy="0"/>
-          <a:chOff x="0" y="0"/>
-          <a:chExt cx="0" cy="0"/>
-        </a:xfrm>
-      </p:grpSpPr>
-      <p:sp>
-        <p:nvSpPr>
-          <p:cNvPr id="2" name="Titre 1"/>
-          <p:cNvSpPr>
-            <a:spLocks noGrp="1"/>
-          </p:cNvSpPr>
-          <p:nvPr>
-            <p:ph type="title"/>
-          </p:nvPr>
-        </p:nvSpPr>
-        <p:spPr/>
-        <p:txBody>
-          <a:bodyPr rtlCol="0"/>
-          <a:lstStyle/>
-          <a:p>
-            <a:pPr rtl="0"/>
-            <a:r>
-              <a:rPr lang="en-US" dirty="0"/>
               <a:t>Presentation of the website | Events</a:t>
             </a:r>
           </a:p>
@@ -22501,7 +22753,7 @@
 </p:sld>
 </file>
 
-<file path=ppt/slides/slide12.xml><?xml version="1.0" encoding="utf-8"?>
+<file path=ppt/slides/slide11.xml><?xml version="1.0" encoding="utf-8"?>
 <p:sld xmlns:a="http://schemas.openxmlformats.org/drawingml/2006/main" xmlns:r="http://schemas.openxmlformats.org/officeDocument/2006/relationships" xmlns:p="http://schemas.openxmlformats.org/presentationml/2006/main">
   <p:cSld>
     <p:spTree>
@@ -22591,7 +22843,7 @@
 </p:sld>
 </file>
 
-<file path=ppt/slides/slide13.xml><?xml version="1.0" encoding="utf-8"?>
+<file path=ppt/slides/slide12.xml><?xml version="1.0" encoding="utf-8"?>
 <p:sld xmlns:a="http://schemas.openxmlformats.org/drawingml/2006/main" xmlns:r="http://schemas.openxmlformats.org/officeDocument/2006/relationships" xmlns:p="http://schemas.openxmlformats.org/presentationml/2006/main">
   <p:cSld>
     <p:spTree>
@@ -22676,7 +22928,7 @@
 </p:sld>
 </file>
 
-<file path=ppt/slides/slide14.xml><?xml version="1.0" encoding="utf-8"?>
+<file path=ppt/slides/slide13.xml><?xml version="1.0" encoding="utf-8"?>
 <p:sld xmlns:a="http://schemas.openxmlformats.org/drawingml/2006/main" xmlns:r="http://schemas.openxmlformats.org/officeDocument/2006/relationships" xmlns:p="http://schemas.openxmlformats.org/presentationml/2006/main">
   <p:cSld>
     <p:spTree>
@@ -22761,7 +23013,7 @@
 </p:sld>
 </file>
 
-<file path=ppt/slides/slide15.xml><?xml version="1.0" encoding="utf-8"?>
+<file path=ppt/slides/slide14.xml><?xml version="1.0" encoding="utf-8"?>
 <p:sld xmlns:a="http://schemas.openxmlformats.org/drawingml/2006/main" xmlns:r="http://schemas.openxmlformats.org/officeDocument/2006/relationships" xmlns:p="http://schemas.openxmlformats.org/presentationml/2006/main">
   <p:cSld>
     <p:spTree>
@@ -22862,7 +23114,7 @@
 </p:sld>
 </file>
 
-<file path=ppt/slides/slide16.xml><?xml version="1.0" encoding="utf-8"?>
+<file path=ppt/slides/slide15.xml><?xml version="1.0" encoding="utf-8"?>
 <p:sld xmlns:a="http://schemas.openxmlformats.org/drawingml/2006/main" xmlns:r="http://schemas.openxmlformats.org/officeDocument/2006/relationships" xmlns:p="http://schemas.openxmlformats.org/presentationml/2006/main">
   <p:cSld>
     <p:spTree>
@@ -22963,7 +23215,7 @@
 </p:sld>
 </file>
 
-<file path=ppt/slides/slide17.xml><?xml version="1.0" encoding="utf-8"?>
+<file path=ppt/slides/slide16.xml><?xml version="1.0" encoding="utf-8"?>
 <p:sld xmlns:a="http://schemas.openxmlformats.org/drawingml/2006/main" xmlns:r="http://schemas.openxmlformats.org/officeDocument/2006/relationships" xmlns:p="http://schemas.openxmlformats.org/presentationml/2006/main">
   <p:cSld>
     <p:spTree>
@@ -23064,6 +23316,319 @@
 </p:sld>
 </file>
 
+<file path=ppt/slides/slide17.xml><?xml version="1.0" encoding="utf-8"?>
+<p:sld xmlns:a="http://schemas.openxmlformats.org/drawingml/2006/main" xmlns:r="http://schemas.openxmlformats.org/officeDocument/2006/relationships" xmlns:p="http://schemas.openxmlformats.org/presentationml/2006/main">
+  <p:cSld>
+    <p:spTree>
+      <p:nvGrpSpPr>
+        <p:cNvPr id="1" name=""/>
+        <p:cNvGrpSpPr/>
+        <p:nvPr/>
+      </p:nvGrpSpPr>
+      <p:grpSpPr>
+        <a:xfrm>
+          <a:off x="0" y="0"/>
+          <a:ext cx="0" cy="0"/>
+          <a:chOff x="0" y="0"/>
+          <a:chExt cx="0" cy="0"/>
+        </a:xfrm>
+      </p:grpSpPr>
+      <p:sp>
+        <p:nvSpPr>
+          <p:cNvPr id="2" name="Titre 1"/>
+          <p:cNvSpPr>
+            <a:spLocks noGrp="1"/>
+          </p:cNvSpPr>
+          <p:nvPr>
+            <p:ph type="title"/>
+          </p:nvPr>
+        </p:nvSpPr>
+        <p:spPr/>
+        <p:txBody>
+          <a:bodyPr rtlCol="0"/>
+          <a:lstStyle/>
+          <a:p>
+            <a:pPr rtl="0"/>
+            <a:r>
+              <a:rPr lang="en-US" dirty="0"/>
+              <a:t>Functionalities | Regular student</a:t>
+            </a:r>
+          </a:p>
+        </p:txBody>
+      </p:sp>
+      <p:graphicFrame>
+        <p:nvGraphicFramePr>
+          <p:cNvPr id="7" name="Espace réservé du contenu 6">
+            <a:extLst>
+              <a:ext uri="{FF2B5EF4-FFF2-40B4-BE49-F238E27FC236}">
+                <a16:creationId xmlns:a16="http://schemas.microsoft.com/office/drawing/2014/main" id="{ED3DDB86-DAA6-4EDA-BD41-D807339A77FC}"/>
+              </a:ext>
+            </a:extLst>
+          </p:cNvPr>
+          <p:cNvGraphicFramePr>
+            <a:graphicFrameLocks noGrp="1"/>
+          </p:cNvGraphicFramePr>
+          <p:nvPr>
+            <p:ph idx="1"/>
+            <p:extLst>
+              <p:ext uri="{D42A27DB-BD31-4B8C-83A1-F6EECF244321}">
+                <p14:modId xmlns:p14="http://schemas.microsoft.com/office/powerpoint/2010/main" val="1020139244"/>
+              </p:ext>
+            </p:extLst>
+          </p:nvPr>
+        </p:nvGraphicFramePr>
+        <p:xfrm>
+          <a:off x="1295399" y="1981199"/>
+          <a:ext cx="9269027" cy="2256410"/>
+        </p:xfrm>
+        <a:graphic>
+          <a:graphicData uri="http://schemas.openxmlformats.org/drawingml/2006/table">
+            <a:tbl>
+              <a:tblPr firstRow="1" bandRow="1">
+                <a:tableStyleId>{69012ECD-51FC-41F1-AA8D-1B2483CD663E}</a:tableStyleId>
+              </a:tblPr>
+              <a:tblGrid>
+                <a:gridCol w="6428174">
+                  <a:extLst>
+                    <a:ext uri="{9D8B030D-6E8A-4147-A177-3AD203B41FA5}">
+                      <a16:colId xmlns:a16="http://schemas.microsoft.com/office/drawing/2014/main" val="3286242763"/>
+                    </a:ext>
+                  </a:extLst>
+                </a:gridCol>
+                <a:gridCol w="2840853">
+                  <a:extLst>
+                    <a:ext uri="{9D8B030D-6E8A-4147-A177-3AD203B41FA5}">
+                      <a16:colId xmlns:a16="http://schemas.microsoft.com/office/drawing/2014/main" val="1584885993"/>
+                    </a:ext>
+                  </a:extLst>
+                </a:gridCol>
+              </a:tblGrid>
+              <a:tr h="451282">
+                <a:tc>
+                  <a:txBody>
+                    <a:bodyPr/>
+                    <a:lstStyle/>
+                    <a:p>
+                      <a:r>
+                        <a:rPr lang="en-US" noProof="0"/>
+                        <a:t>Functionnalities </a:t>
+                      </a:r>
+                    </a:p>
+                  </a:txBody>
+                  <a:tcPr/>
+                </a:tc>
+                <a:tc>
+                  <a:txBody>
+                    <a:bodyPr/>
+                    <a:lstStyle/>
+                    <a:p>
+                      <a:r>
+                        <a:rPr lang="en-US" noProof="0" dirty="0"/>
+                        <a:t>Work done</a:t>
+                      </a:r>
+                    </a:p>
+                  </a:txBody>
+                  <a:tcPr/>
+                </a:tc>
+                <a:extLst>
+                  <a:ext uri="{0D108BD9-81ED-4DB2-BD59-A6C34878D82A}">
+                    <a16:rowId xmlns:a16="http://schemas.microsoft.com/office/drawing/2014/main" val="3634986758"/>
+                  </a:ext>
+                </a:extLst>
+              </a:tr>
+              <a:tr h="451282">
+                <a:tc>
+                  <a:txBody>
+                    <a:bodyPr/>
+                    <a:lstStyle/>
+                    <a:p>
+                      <a:r>
+                        <a:rPr lang="en-US" noProof="0" dirty="0"/>
+                        <a:t>Sign in</a:t>
+                      </a:r>
+                    </a:p>
+                  </a:txBody>
+                  <a:tcPr/>
+                </a:tc>
+                <a:tc>
+                  <a:txBody>
+                    <a:bodyPr/>
+                    <a:lstStyle/>
+                    <a:p>
+                      <a:r>
+                        <a:rPr lang="en-US" noProof="0" dirty="0">
+                          <a:solidFill>
+                            <a:schemeClr val="bg1"/>
+                          </a:solidFill>
+                        </a:rPr>
+                        <a:t>Done</a:t>
+                      </a:r>
+                    </a:p>
+                  </a:txBody>
+                  <a:tcPr>
+                    <a:solidFill>
+                      <a:schemeClr val="accent5"/>
+                    </a:solidFill>
+                  </a:tcPr>
+                </a:tc>
+                <a:extLst>
+                  <a:ext uri="{0D108BD9-81ED-4DB2-BD59-A6C34878D82A}">
+                    <a16:rowId xmlns:a16="http://schemas.microsoft.com/office/drawing/2014/main" val="1492406737"/>
+                  </a:ext>
+                </a:extLst>
+              </a:tr>
+              <a:tr h="451282">
+                <a:tc>
+                  <a:txBody>
+                    <a:bodyPr/>
+                    <a:lstStyle/>
+                    <a:p>
+                      <a:r>
+                        <a:rPr lang="en-US" noProof="0" dirty="0"/>
+                        <a:t>Log in</a:t>
+                      </a:r>
+                    </a:p>
+                  </a:txBody>
+                  <a:tcPr/>
+                </a:tc>
+                <a:tc>
+                  <a:txBody>
+                    <a:bodyPr/>
+                    <a:lstStyle/>
+                    <a:p>
+                      <a:r>
+                        <a:rPr lang="en-US" noProof="0" dirty="0">
+                          <a:solidFill>
+                            <a:schemeClr val="bg1"/>
+                          </a:solidFill>
+                        </a:rPr>
+                        <a:t>Done</a:t>
+                      </a:r>
+                    </a:p>
+                  </a:txBody>
+                  <a:tcPr>
+                    <a:solidFill>
+                      <a:schemeClr val="accent5"/>
+                    </a:solidFill>
+                  </a:tcPr>
+                </a:tc>
+                <a:extLst>
+                  <a:ext uri="{0D108BD9-81ED-4DB2-BD59-A6C34878D82A}">
+                    <a16:rowId xmlns:a16="http://schemas.microsoft.com/office/drawing/2014/main" val="340685965"/>
+                  </a:ext>
+                </a:extLst>
+              </a:tr>
+              <a:tr h="451282">
+                <a:tc>
+                  <a:txBody>
+                    <a:bodyPr/>
+                    <a:lstStyle/>
+                    <a:p>
+                      <a:r>
+                        <a:rPr lang="en-US" noProof="0" dirty="0"/>
+                        <a:t>Log out</a:t>
+                      </a:r>
+                    </a:p>
+                  </a:txBody>
+                  <a:tcPr/>
+                </a:tc>
+                <a:tc>
+                  <a:txBody>
+                    <a:bodyPr/>
+                    <a:lstStyle/>
+                    <a:p>
+                      <a:r>
+                        <a:rPr lang="en-US" noProof="0" dirty="0">
+                          <a:solidFill>
+                            <a:schemeClr val="bg1"/>
+                          </a:solidFill>
+                        </a:rPr>
+                        <a:t>Done</a:t>
+                      </a:r>
+                    </a:p>
+                  </a:txBody>
+                  <a:tcPr>
+                    <a:solidFill>
+                      <a:schemeClr val="accent5"/>
+                    </a:solidFill>
+                  </a:tcPr>
+                </a:tc>
+                <a:extLst>
+                  <a:ext uri="{0D108BD9-81ED-4DB2-BD59-A6C34878D82A}">
+                    <a16:rowId xmlns:a16="http://schemas.microsoft.com/office/drawing/2014/main" val="2064031335"/>
+                  </a:ext>
+                </a:extLst>
+              </a:tr>
+              <a:tr h="451282">
+                <a:tc>
+                  <a:txBody>
+                    <a:bodyPr/>
+                    <a:lstStyle/>
+                    <a:p>
+                      <a:r>
+                        <a:rPr lang="en-US" noProof="0" dirty="0"/>
+                        <a:t>Go on all the site without being able to buy </a:t>
+                      </a:r>
+                    </a:p>
+                  </a:txBody>
+                  <a:tcPr/>
+                </a:tc>
+                <a:tc>
+                  <a:txBody>
+                    <a:bodyPr/>
+                    <a:lstStyle/>
+                    <a:p>
+                      <a:r>
+                        <a:rPr lang="en-US" noProof="0" dirty="0">
+                          <a:solidFill>
+                            <a:schemeClr val="bg1"/>
+                          </a:solidFill>
+                        </a:rPr>
+                        <a:t>Not done</a:t>
+                      </a:r>
+                    </a:p>
+                  </a:txBody>
+                  <a:tcPr>
+                    <a:solidFill>
+                      <a:srgbClr val="FF0000"/>
+                    </a:solidFill>
+                  </a:tcPr>
+                </a:tc>
+                <a:extLst>
+                  <a:ext uri="{0D108BD9-81ED-4DB2-BD59-A6C34878D82A}">
+                    <a16:rowId xmlns:a16="http://schemas.microsoft.com/office/drawing/2014/main" val="851991289"/>
+                  </a:ext>
+                </a:extLst>
+              </a:tr>
+            </a:tbl>
+          </a:graphicData>
+        </a:graphic>
+      </p:graphicFrame>
+    </p:spTree>
+    <p:extLst>
+      <p:ext uri="{BB962C8B-B14F-4D97-AF65-F5344CB8AC3E}">
+        <p14:creationId xmlns:p14="http://schemas.microsoft.com/office/powerpoint/2010/main" val="277110214"/>
+      </p:ext>
+    </p:extLst>
+  </p:cSld>
+  <p:clrMapOvr>
+    <a:masterClrMapping/>
+  </p:clrMapOvr>
+  <mc:AlternateContent xmlns:mc="http://schemas.openxmlformats.org/markup-compatibility/2006" xmlns:p14="http://schemas.microsoft.com/office/powerpoint/2010/main">
+    <mc:Choice Requires="p14">
+      <p:transition spd="med" p14:dur="700">
+        <p:fade/>
+      </p:transition>
+    </mc:Choice>
+    <mc:Fallback xmlns="">
+      <p:transition spd="med">
+        <p:fade/>
+      </p:transition>
+    </mc:Fallback>
+  </mc:AlternateContent>
+</p:sld>
+</file>
+
 <file path=ppt/slides/slide18.xml><?xml version="1.0" encoding="utf-8"?>
 <p:sld xmlns:a="http://schemas.openxmlformats.org/drawingml/2006/main" xmlns:r="http://schemas.openxmlformats.org/officeDocument/2006/relationships" xmlns:p="http://schemas.openxmlformats.org/presentationml/2006/main">
   <p:cSld>
@@ -23099,35 +23664,345 @@
             <a:pPr rtl="0"/>
             <a:r>
               <a:rPr lang="en-US" dirty="0"/>
-              <a:t>Improvement points</a:t>
+              <a:t>Functionalities | Connected student</a:t>
             </a:r>
           </a:p>
         </p:txBody>
       </p:sp>
-      <p:sp>
-        <p:nvSpPr>
-          <p:cNvPr id="3" name="Espace réservé du contenu 2"/>
-          <p:cNvSpPr>
-            <a:spLocks noGrp="1"/>
-          </p:cNvSpPr>
+      <p:graphicFrame>
+        <p:nvGraphicFramePr>
+          <p:cNvPr id="7" name="Espace réservé du contenu 6">
+            <a:extLst>
+              <a:ext uri="{FF2B5EF4-FFF2-40B4-BE49-F238E27FC236}">
+                <a16:creationId xmlns:a16="http://schemas.microsoft.com/office/drawing/2014/main" id="{ED3DDB86-DAA6-4EDA-BD41-D807339A77FC}"/>
+              </a:ext>
+            </a:extLst>
+          </p:cNvPr>
+          <p:cNvGraphicFramePr>
+            <a:graphicFrameLocks noGrp="1"/>
+          </p:cNvGraphicFramePr>
           <p:nvPr>
             <p:ph idx="1"/>
+            <p:extLst>
+              <p:ext uri="{D42A27DB-BD31-4B8C-83A1-F6EECF244321}">
+                <p14:modId xmlns:p14="http://schemas.microsoft.com/office/powerpoint/2010/main" val="863556381"/>
+              </p:ext>
+            </p:extLst>
           </p:nvPr>
-        </p:nvSpPr>
-        <p:spPr/>
-        <p:txBody>
-          <a:bodyPr rtlCol="0"/>
-          <a:lstStyle/>
-          <a:p>
-            <a:pPr rtl="0"/>
-            <a:endParaRPr lang="en-US" dirty="0"/>
-          </a:p>
-        </p:txBody>
-      </p:sp>
+        </p:nvGraphicFramePr>
+        <p:xfrm>
+          <a:off x="1295399" y="1981199"/>
+          <a:ext cx="9269027" cy="3158974"/>
+        </p:xfrm>
+        <a:graphic>
+          <a:graphicData uri="http://schemas.openxmlformats.org/drawingml/2006/table">
+            <a:tbl>
+              <a:tblPr firstRow="1" bandRow="1">
+                <a:tableStyleId>{69012ECD-51FC-41F1-AA8D-1B2483CD663E}</a:tableStyleId>
+              </a:tblPr>
+              <a:tblGrid>
+                <a:gridCol w="6944236">
+                  <a:extLst>
+                    <a:ext uri="{9D8B030D-6E8A-4147-A177-3AD203B41FA5}">
+                      <a16:colId xmlns:a16="http://schemas.microsoft.com/office/drawing/2014/main" val="3286242763"/>
+                    </a:ext>
+                  </a:extLst>
+                </a:gridCol>
+                <a:gridCol w="2324791">
+                  <a:extLst>
+                    <a:ext uri="{9D8B030D-6E8A-4147-A177-3AD203B41FA5}">
+                      <a16:colId xmlns:a16="http://schemas.microsoft.com/office/drawing/2014/main" val="1584885993"/>
+                    </a:ext>
+                  </a:extLst>
+                </a:gridCol>
+              </a:tblGrid>
+              <a:tr h="451282">
+                <a:tc>
+                  <a:txBody>
+                    <a:bodyPr/>
+                    <a:lstStyle/>
+                    <a:p>
+                      <a:r>
+                        <a:rPr lang="en-US" noProof="0" dirty="0"/>
+                        <a:t>Functionalities </a:t>
+                      </a:r>
+                    </a:p>
+                  </a:txBody>
+                  <a:tcPr/>
+                </a:tc>
+                <a:tc>
+                  <a:txBody>
+                    <a:bodyPr/>
+                    <a:lstStyle/>
+                    <a:p>
+                      <a:r>
+                        <a:rPr lang="en-US" noProof="0" dirty="0"/>
+                        <a:t>Work done</a:t>
+                      </a:r>
+                    </a:p>
+                  </a:txBody>
+                  <a:tcPr/>
+                </a:tc>
+                <a:extLst>
+                  <a:ext uri="{0D108BD9-81ED-4DB2-BD59-A6C34878D82A}">
+                    <a16:rowId xmlns:a16="http://schemas.microsoft.com/office/drawing/2014/main" val="3634986758"/>
+                  </a:ext>
+                </a:extLst>
+              </a:tr>
+              <a:tr h="451282">
+                <a:tc>
+                  <a:txBody>
+                    <a:bodyPr/>
+                    <a:lstStyle/>
+                    <a:p>
+                      <a:r>
+                        <a:rPr lang="en-US" noProof="0" dirty="0"/>
+                        <a:t>Subscribe to an activity</a:t>
+                      </a:r>
+                    </a:p>
+                  </a:txBody>
+                  <a:tcPr/>
+                </a:tc>
+                <a:tc>
+                  <a:txBody>
+                    <a:bodyPr/>
+                    <a:lstStyle/>
+                    <a:p>
+                      <a:r>
+                        <a:rPr lang="en-US" noProof="0" dirty="0">
+                          <a:solidFill>
+                            <a:schemeClr val="bg1"/>
+                          </a:solidFill>
+                        </a:rPr>
+                        <a:t>Not done</a:t>
+                      </a:r>
+                    </a:p>
+                  </a:txBody>
+                  <a:tcPr>
+                    <a:solidFill>
+                      <a:srgbClr val="FF0000"/>
+                    </a:solidFill>
+                  </a:tcPr>
+                </a:tc>
+                <a:extLst>
+                  <a:ext uri="{0D108BD9-81ED-4DB2-BD59-A6C34878D82A}">
+                    <a16:rowId xmlns:a16="http://schemas.microsoft.com/office/drawing/2014/main" val="1492406737"/>
+                  </a:ext>
+                </a:extLst>
+              </a:tr>
+              <a:tr h="451282">
+                <a:tc>
+                  <a:txBody>
+                    <a:bodyPr/>
+                    <a:lstStyle/>
+                    <a:p>
+                      <a:r>
+                        <a:rPr lang="en-US" noProof="0" dirty="0"/>
+                        <a:t>Access the idea box</a:t>
+                      </a:r>
+                    </a:p>
+                  </a:txBody>
+                  <a:tcPr/>
+                </a:tc>
+                <a:tc>
+                  <a:txBody>
+                    <a:bodyPr/>
+                    <a:lstStyle/>
+                    <a:p>
+                      <a:r>
+                        <a:rPr lang="en-US" noProof="0" dirty="0">
+                          <a:solidFill>
+                            <a:schemeClr val="bg1"/>
+                          </a:solidFill>
+                        </a:rPr>
+                        <a:t>Done</a:t>
+                      </a:r>
+                    </a:p>
+                  </a:txBody>
+                  <a:tcPr>
+                    <a:solidFill>
+                      <a:schemeClr val="accent5"/>
+                    </a:solidFill>
+                  </a:tcPr>
+                </a:tc>
+                <a:extLst>
+                  <a:ext uri="{0D108BD9-81ED-4DB2-BD59-A6C34878D82A}">
+                    <a16:rowId xmlns:a16="http://schemas.microsoft.com/office/drawing/2014/main" val="340685965"/>
+                  </a:ext>
+                </a:extLst>
+              </a:tr>
+              <a:tr h="451282">
+                <a:tc>
+                  <a:txBody>
+                    <a:bodyPr/>
+                    <a:lstStyle/>
+                    <a:p>
+                      <a:r>
+                        <a:rPr lang="en-US" noProof="0" dirty="0"/>
+                        <a:t>Vote for an event</a:t>
+                      </a:r>
+                    </a:p>
+                  </a:txBody>
+                  <a:tcPr/>
+                </a:tc>
+                <a:tc>
+                  <a:txBody>
+                    <a:bodyPr/>
+                    <a:lstStyle/>
+                    <a:p>
+                      <a:r>
+                        <a:rPr lang="en-US" noProof="0" dirty="0">
+                          <a:solidFill>
+                            <a:schemeClr val="bg1"/>
+                          </a:solidFill>
+                        </a:rPr>
+                        <a:t>Not done</a:t>
+                      </a:r>
+                    </a:p>
+                  </a:txBody>
+                  <a:tcPr>
+                    <a:solidFill>
+                      <a:srgbClr val="FF0000"/>
+                    </a:solidFill>
+                  </a:tcPr>
+                </a:tc>
+                <a:extLst>
+                  <a:ext uri="{0D108BD9-81ED-4DB2-BD59-A6C34878D82A}">
+                    <a16:rowId xmlns:a16="http://schemas.microsoft.com/office/drawing/2014/main" val="188191497"/>
+                  </a:ext>
+                </a:extLst>
+              </a:tr>
+              <a:tr h="451282">
+                <a:tc>
+                  <a:txBody>
+                    <a:bodyPr/>
+                    <a:lstStyle/>
+                    <a:p>
+                      <a:r>
+                        <a:rPr lang="en-US" noProof="0" dirty="0"/>
+                        <a:t>Suggest an event</a:t>
+                      </a:r>
+                    </a:p>
+                  </a:txBody>
+                  <a:tcPr/>
+                </a:tc>
+                <a:tc>
+                  <a:txBody>
+                    <a:bodyPr/>
+                    <a:lstStyle/>
+                    <a:p>
+                      <a:r>
+                        <a:rPr lang="en-US" noProof="0" dirty="0">
+                          <a:solidFill>
+                            <a:schemeClr val="bg1"/>
+                          </a:solidFill>
+                        </a:rPr>
+                        <a:t>Not done</a:t>
+                      </a:r>
+                    </a:p>
+                  </a:txBody>
+                  <a:tcPr>
+                    <a:solidFill>
+                      <a:srgbClr val="FF0000"/>
+                    </a:solidFill>
+                  </a:tcPr>
+                </a:tc>
+                <a:extLst>
+                  <a:ext uri="{0D108BD9-81ED-4DB2-BD59-A6C34878D82A}">
+                    <a16:rowId xmlns:a16="http://schemas.microsoft.com/office/drawing/2014/main" val="2064031335"/>
+                  </a:ext>
+                </a:extLst>
+              </a:tr>
+              <a:tr h="451282">
+                <a:tc>
+                  <a:txBody>
+                    <a:bodyPr/>
+                    <a:lstStyle/>
+                    <a:p>
+                      <a:r>
+                        <a:rPr lang="en-US" noProof="0" dirty="0"/>
+                        <a:t>Add pictures to previous events I subscribed</a:t>
+                      </a:r>
+                    </a:p>
+                  </a:txBody>
+                  <a:tcPr/>
+                </a:tc>
+                <a:tc>
+                  <a:txBody>
+                    <a:bodyPr/>
+                    <a:lstStyle/>
+                    <a:p>
+                      <a:r>
+                        <a:rPr lang="en-US" noProof="0" dirty="0">
+                          <a:solidFill>
+                            <a:schemeClr val="bg1"/>
+                          </a:solidFill>
+                        </a:rPr>
+                        <a:t>Not done</a:t>
+                      </a:r>
+                    </a:p>
+                  </a:txBody>
+                  <a:tcPr>
+                    <a:solidFill>
+                      <a:srgbClr val="FF0000"/>
+                    </a:solidFill>
+                  </a:tcPr>
+                </a:tc>
+                <a:extLst>
+                  <a:ext uri="{0D108BD9-81ED-4DB2-BD59-A6C34878D82A}">
+                    <a16:rowId xmlns:a16="http://schemas.microsoft.com/office/drawing/2014/main" val="851991289"/>
+                  </a:ext>
+                </a:extLst>
+              </a:tr>
+              <a:tr h="451282">
+                <a:tc>
+                  <a:txBody>
+                    <a:bodyPr/>
+                    <a:lstStyle/>
+                    <a:p>
+                      <a:r>
+                        <a:rPr lang="en-US" noProof="0" dirty="0"/>
+                        <a:t>Comment and like pictures</a:t>
+                      </a:r>
+                    </a:p>
+                  </a:txBody>
+                  <a:tcPr/>
+                </a:tc>
+                <a:tc>
+                  <a:txBody>
+                    <a:bodyPr/>
+                    <a:lstStyle/>
+                    <a:p>
+                      <a:r>
+                        <a:rPr lang="en-US" noProof="0" dirty="0">
+                          <a:solidFill>
+                            <a:schemeClr val="bg1"/>
+                          </a:solidFill>
+                        </a:rPr>
+                        <a:t>Not done</a:t>
+                      </a:r>
+                    </a:p>
+                  </a:txBody>
+                  <a:tcPr>
+                    <a:solidFill>
+                      <a:srgbClr val="FF0000"/>
+                    </a:solidFill>
+                  </a:tcPr>
+                </a:tc>
+                <a:extLst>
+                  <a:ext uri="{0D108BD9-81ED-4DB2-BD59-A6C34878D82A}">
+                    <a16:rowId xmlns:a16="http://schemas.microsoft.com/office/drawing/2014/main" val="3590307527"/>
+                  </a:ext>
+                </a:extLst>
+              </a:tr>
+            </a:tbl>
+          </a:graphicData>
+        </a:graphic>
+      </p:graphicFrame>
     </p:spTree>
     <p:extLst>
       <p:ext uri="{BB962C8B-B14F-4D97-AF65-F5344CB8AC3E}">
-        <p14:creationId xmlns:p14="http://schemas.microsoft.com/office/powerpoint/2010/main" val="277110214"/>
+        <p14:creationId xmlns:p14="http://schemas.microsoft.com/office/powerpoint/2010/main" val="3809042124"/>
       </p:ext>
     </p:extLst>
   </p:cSld>
@@ -23183,53 +24058,208 @@
           <a:p>
             <a:pPr rtl="0"/>
             <a:r>
-              <a:rPr lang="fr-FR" dirty="0"/>
-              <a:t>Conclusion</a:t>
+              <a:rPr lang="en-US" dirty="0"/>
+              <a:t>Functionalities | Member of student’s office</a:t>
             </a:r>
           </a:p>
         </p:txBody>
       </p:sp>
-      <p:sp>
-        <p:nvSpPr>
-          <p:cNvPr id="3" name="Espace réservé du contenu 2"/>
-          <p:cNvSpPr>
-            <a:spLocks noGrp="1"/>
-          </p:cNvSpPr>
+      <p:graphicFrame>
+        <p:nvGraphicFramePr>
+          <p:cNvPr id="7" name="Espace réservé du contenu 6">
+            <a:extLst>
+              <a:ext uri="{FF2B5EF4-FFF2-40B4-BE49-F238E27FC236}">
+                <a16:creationId xmlns:a16="http://schemas.microsoft.com/office/drawing/2014/main" id="{ED3DDB86-DAA6-4EDA-BD41-D807339A77FC}"/>
+              </a:ext>
+            </a:extLst>
+          </p:cNvPr>
+          <p:cNvGraphicFramePr>
+            <a:graphicFrameLocks noGrp="1"/>
+          </p:cNvGraphicFramePr>
           <p:nvPr>
             <p:ph idx="1"/>
+            <p:extLst>
+              <p:ext uri="{D42A27DB-BD31-4B8C-83A1-F6EECF244321}">
+                <p14:modId xmlns:p14="http://schemas.microsoft.com/office/powerpoint/2010/main" val="2581481426"/>
+              </p:ext>
+            </p:extLst>
           </p:nvPr>
-        </p:nvSpPr>
-        <p:spPr/>
-        <p:txBody>
-          <a:bodyPr rtlCol="0"/>
-          <a:lstStyle/>
-          <a:p>
-            <a:pPr rtl="0"/>
-            <a:r>
-              <a:rPr lang="en-US" dirty="0"/>
-              <a:t>A</a:t>
-            </a:r>
-          </a:p>
-          <a:p>
-            <a:pPr rtl="0"/>
-            <a:r>
-              <a:rPr lang="en-US" dirty="0"/>
-              <a:t>A</a:t>
-            </a:r>
-          </a:p>
-          <a:p>
-            <a:pPr rtl="0"/>
-            <a:r>
-              <a:rPr lang="en-US" dirty="0"/>
-              <a:t>A</a:t>
-            </a:r>
-          </a:p>
-        </p:txBody>
-      </p:sp>
+        </p:nvGraphicFramePr>
+        <p:xfrm>
+          <a:off x="1295399" y="1981199"/>
+          <a:ext cx="9269027" cy="2256410"/>
+        </p:xfrm>
+        <a:graphic>
+          <a:graphicData uri="http://schemas.openxmlformats.org/drawingml/2006/table">
+            <a:tbl>
+              <a:tblPr firstRow="1" bandRow="1">
+                <a:tableStyleId>{69012ECD-51FC-41F1-AA8D-1B2483CD663E}</a:tableStyleId>
+              </a:tblPr>
+              <a:tblGrid>
+                <a:gridCol w="6944236">
+                  <a:extLst>
+                    <a:ext uri="{9D8B030D-6E8A-4147-A177-3AD203B41FA5}">
+                      <a16:colId xmlns:a16="http://schemas.microsoft.com/office/drawing/2014/main" val="3286242763"/>
+                    </a:ext>
+                  </a:extLst>
+                </a:gridCol>
+                <a:gridCol w="2324791">
+                  <a:extLst>
+                    <a:ext uri="{9D8B030D-6E8A-4147-A177-3AD203B41FA5}">
+                      <a16:colId xmlns:a16="http://schemas.microsoft.com/office/drawing/2014/main" val="1584885993"/>
+                    </a:ext>
+                  </a:extLst>
+                </a:gridCol>
+              </a:tblGrid>
+              <a:tr h="451282">
+                <a:tc>
+                  <a:txBody>
+                    <a:bodyPr/>
+                    <a:lstStyle/>
+                    <a:p>
+                      <a:r>
+                        <a:rPr lang="en-US" noProof="0" dirty="0"/>
+                        <a:t>Functionalities </a:t>
+                      </a:r>
+                    </a:p>
+                  </a:txBody>
+                  <a:tcPr/>
+                </a:tc>
+                <a:tc>
+                  <a:txBody>
+                    <a:bodyPr/>
+                    <a:lstStyle/>
+                    <a:p>
+                      <a:r>
+                        <a:rPr lang="en-US" noProof="0" dirty="0"/>
+                        <a:t>Work done</a:t>
+                      </a:r>
+                    </a:p>
+                  </a:txBody>
+                  <a:tcPr/>
+                </a:tc>
+                <a:extLst>
+                  <a:ext uri="{0D108BD9-81ED-4DB2-BD59-A6C34878D82A}">
+                    <a16:rowId xmlns:a16="http://schemas.microsoft.com/office/drawing/2014/main" val="3634986758"/>
+                  </a:ext>
+                </a:extLst>
+              </a:tr>
+              <a:tr h="451282">
+                <a:tc>
+                  <a:txBody>
+                    <a:bodyPr/>
+                    <a:lstStyle/>
+                    <a:p>
+                      <a:endParaRPr lang="en-US" noProof="0" dirty="0"/>
+                    </a:p>
+                  </a:txBody>
+                  <a:tcPr/>
+                </a:tc>
+                <a:tc>
+                  <a:txBody>
+                    <a:bodyPr/>
+                    <a:lstStyle/>
+                    <a:p>
+                      <a:endParaRPr lang="en-US" noProof="0" dirty="0"/>
+                    </a:p>
+                  </a:txBody>
+                  <a:tcPr/>
+                </a:tc>
+                <a:extLst>
+                  <a:ext uri="{0D108BD9-81ED-4DB2-BD59-A6C34878D82A}">
+                    <a16:rowId xmlns:a16="http://schemas.microsoft.com/office/drawing/2014/main" val="1492406737"/>
+                  </a:ext>
+                </a:extLst>
+              </a:tr>
+              <a:tr h="451282">
+                <a:tc>
+                  <a:txBody>
+                    <a:bodyPr/>
+                    <a:lstStyle/>
+                    <a:p>
+                      <a:endParaRPr lang="en-US" noProof="0" dirty="0"/>
+                    </a:p>
+                  </a:txBody>
+                  <a:tcPr/>
+                </a:tc>
+                <a:tc>
+                  <a:txBody>
+                    <a:bodyPr/>
+                    <a:lstStyle/>
+                    <a:p>
+                      <a:endParaRPr lang="en-US" noProof="0" dirty="0"/>
+                    </a:p>
+                  </a:txBody>
+                  <a:tcPr/>
+                </a:tc>
+                <a:extLst>
+                  <a:ext uri="{0D108BD9-81ED-4DB2-BD59-A6C34878D82A}">
+                    <a16:rowId xmlns:a16="http://schemas.microsoft.com/office/drawing/2014/main" val="340685965"/>
+                  </a:ext>
+                </a:extLst>
+              </a:tr>
+              <a:tr h="451282">
+                <a:tc>
+                  <a:txBody>
+                    <a:bodyPr/>
+                    <a:lstStyle/>
+                    <a:p>
+                      <a:endParaRPr lang="en-US" noProof="0" dirty="0"/>
+                    </a:p>
+                  </a:txBody>
+                  <a:tcPr/>
+                </a:tc>
+                <a:tc>
+                  <a:txBody>
+                    <a:bodyPr/>
+                    <a:lstStyle/>
+                    <a:p>
+                      <a:endParaRPr lang="en-US" noProof="0" dirty="0"/>
+                    </a:p>
+                  </a:txBody>
+                  <a:tcPr/>
+                </a:tc>
+                <a:extLst>
+                  <a:ext uri="{0D108BD9-81ED-4DB2-BD59-A6C34878D82A}">
+                    <a16:rowId xmlns:a16="http://schemas.microsoft.com/office/drawing/2014/main" val="2064031335"/>
+                  </a:ext>
+                </a:extLst>
+              </a:tr>
+              <a:tr h="451282">
+                <a:tc>
+                  <a:txBody>
+                    <a:bodyPr/>
+                    <a:lstStyle/>
+                    <a:p>
+                      <a:endParaRPr lang="en-US" noProof="0" dirty="0"/>
+                    </a:p>
+                  </a:txBody>
+                  <a:tcPr/>
+                </a:tc>
+                <a:tc>
+                  <a:txBody>
+                    <a:bodyPr/>
+                    <a:lstStyle/>
+                    <a:p>
+                      <a:endParaRPr lang="en-US" noProof="0" dirty="0"/>
+                    </a:p>
+                  </a:txBody>
+                  <a:tcPr/>
+                </a:tc>
+                <a:extLst>
+                  <a:ext uri="{0D108BD9-81ED-4DB2-BD59-A6C34878D82A}">
+                    <a16:rowId xmlns:a16="http://schemas.microsoft.com/office/drawing/2014/main" val="851991289"/>
+                  </a:ext>
+                </a:extLst>
+              </a:tr>
+            </a:tbl>
+          </a:graphicData>
+        </a:graphic>
+      </p:graphicFrame>
     </p:spTree>
     <p:extLst>
       <p:ext uri="{BB962C8B-B14F-4D97-AF65-F5344CB8AC3E}">
-        <p14:creationId xmlns:p14="http://schemas.microsoft.com/office/powerpoint/2010/main" val="2586493336"/>
+        <p14:creationId xmlns:p14="http://schemas.microsoft.com/office/powerpoint/2010/main" val="861159324"/>
       </p:ext>
     </p:extLst>
   </p:cSld>
@@ -23323,14 +24353,14 @@
             <a:pPr rtl="0"/>
             <a:r>
               <a:rPr lang="en-US" dirty="0"/>
-              <a:t>Project management</a:t>
+              <a:t>Presentation of the website</a:t>
             </a:r>
           </a:p>
           <a:p>
             <a:pPr rtl="0"/>
             <a:r>
               <a:rPr lang="en-US" dirty="0"/>
-              <a:t>Presentation of the website</a:t>
+              <a:t>Functionalities</a:t>
             </a:r>
           </a:p>
           <a:p>
@@ -23353,6 +24383,707 @@
     <p:extLst>
       <p:ext uri="{BB962C8B-B14F-4D97-AF65-F5344CB8AC3E}">
         <p14:creationId xmlns:p14="http://schemas.microsoft.com/office/powerpoint/2010/main" val="3984617762"/>
+      </p:ext>
+    </p:extLst>
+  </p:cSld>
+  <p:clrMapOvr>
+    <a:masterClrMapping/>
+  </p:clrMapOvr>
+  <mc:AlternateContent xmlns:mc="http://schemas.openxmlformats.org/markup-compatibility/2006" xmlns:p14="http://schemas.microsoft.com/office/powerpoint/2010/main">
+    <mc:Choice Requires="p14">
+      <p:transition spd="med" p14:dur="700">
+        <p:fade/>
+      </p:transition>
+    </mc:Choice>
+    <mc:Fallback xmlns="">
+      <p:transition spd="med">
+        <p:fade/>
+      </p:transition>
+    </mc:Fallback>
+  </mc:AlternateContent>
+</p:sld>
+</file>
+
+<file path=ppt/slides/slide20.xml><?xml version="1.0" encoding="utf-8"?>
+<p:sld xmlns:a="http://schemas.openxmlformats.org/drawingml/2006/main" xmlns:r="http://schemas.openxmlformats.org/officeDocument/2006/relationships" xmlns:p="http://schemas.openxmlformats.org/presentationml/2006/main">
+  <p:cSld>
+    <p:spTree>
+      <p:nvGrpSpPr>
+        <p:cNvPr id="1" name=""/>
+        <p:cNvGrpSpPr/>
+        <p:nvPr/>
+      </p:nvGrpSpPr>
+      <p:grpSpPr>
+        <a:xfrm>
+          <a:off x="0" y="0"/>
+          <a:ext cx="0" cy="0"/>
+          <a:chOff x="0" y="0"/>
+          <a:chExt cx="0" cy="0"/>
+        </a:xfrm>
+      </p:grpSpPr>
+      <p:sp>
+        <p:nvSpPr>
+          <p:cNvPr id="2" name="Titre 1"/>
+          <p:cNvSpPr>
+            <a:spLocks noGrp="1"/>
+          </p:cNvSpPr>
+          <p:nvPr>
+            <p:ph type="title"/>
+          </p:nvPr>
+        </p:nvSpPr>
+        <p:spPr/>
+        <p:txBody>
+          <a:bodyPr rtlCol="0"/>
+          <a:lstStyle/>
+          <a:p>
+            <a:pPr rtl="0"/>
+            <a:r>
+              <a:rPr lang="en-US" dirty="0"/>
+              <a:t>Functionalities | CESI Employees</a:t>
+            </a:r>
+          </a:p>
+        </p:txBody>
+      </p:sp>
+      <p:graphicFrame>
+        <p:nvGraphicFramePr>
+          <p:cNvPr id="7" name="Espace réservé du contenu 6">
+            <a:extLst>
+              <a:ext uri="{FF2B5EF4-FFF2-40B4-BE49-F238E27FC236}">
+                <a16:creationId xmlns:a16="http://schemas.microsoft.com/office/drawing/2014/main" id="{ED3DDB86-DAA6-4EDA-BD41-D807339A77FC}"/>
+              </a:ext>
+            </a:extLst>
+          </p:cNvPr>
+          <p:cNvGraphicFramePr>
+            <a:graphicFrameLocks noGrp="1"/>
+          </p:cNvGraphicFramePr>
+          <p:nvPr>
+            <p:ph idx="1"/>
+            <p:extLst>
+              <p:ext uri="{D42A27DB-BD31-4B8C-83A1-F6EECF244321}">
+                <p14:modId xmlns:p14="http://schemas.microsoft.com/office/powerpoint/2010/main" val="3719578880"/>
+              </p:ext>
+            </p:extLst>
+          </p:nvPr>
+        </p:nvGraphicFramePr>
+        <p:xfrm>
+          <a:off x="1295399" y="1981199"/>
+          <a:ext cx="9269027" cy="2256410"/>
+        </p:xfrm>
+        <a:graphic>
+          <a:graphicData uri="http://schemas.openxmlformats.org/drawingml/2006/table">
+            <a:tbl>
+              <a:tblPr firstRow="1" bandRow="1">
+                <a:tableStyleId>{69012ECD-51FC-41F1-AA8D-1B2483CD663E}</a:tableStyleId>
+              </a:tblPr>
+              <a:tblGrid>
+                <a:gridCol w="6944236">
+                  <a:extLst>
+                    <a:ext uri="{9D8B030D-6E8A-4147-A177-3AD203B41FA5}">
+                      <a16:colId xmlns:a16="http://schemas.microsoft.com/office/drawing/2014/main" val="3286242763"/>
+                    </a:ext>
+                  </a:extLst>
+                </a:gridCol>
+                <a:gridCol w="2324791">
+                  <a:extLst>
+                    <a:ext uri="{9D8B030D-6E8A-4147-A177-3AD203B41FA5}">
+                      <a16:colId xmlns:a16="http://schemas.microsoft.com/office/drawing/2014/main" val="1584885993"/>
+                    </a:ext>
+                  </a:extLst>
+                </a:gridCol>
+              </a:tblGrid>
+              <a:tr h="451282">
+                <a:tc>
+                  <a:txBody>
+                    <a:bodyPr/>
+                    <a:lstStyle/>
+                    <a:p>
+                      <a:r>
+                        <a:rPr lang="en-US" noProof="0" dirty="0"/>
+                        <a:t>Functionalities </a:t>
+                      </a:r>
+                    </a:p>
+                  </a:txBody>
+                  <a:tcPr/>
+                </a:tc>
+                <a:tc>
+                  <a:txBody>
+                    <a:bodyPr/>
+                    <a:lstStyle/>
+                    <a:p>
+                      <a:r>
+                        <a:rPr lang="en-US" noProof="0" dirty="0"/>
+                        <a:t>Work done</a:t>
+                      </a:r>
+                    </a:p>
+                  </a:txBody>
+                  <a:tcPr/>
+                </a:tc>
+                <a:extLst>
+                  <a:ext uri="{0D108BD9-81ED-4DB2-BD59-A6C34878D82A}">
+                    <a16:rowId xmlns:a16="http://schemas.microsoft.com/office/drawing/2014/main" val="3634986758"/>
+                  </a:ext>
+                </a:extLst>
+              </a:tr>
+              <a:tr h="451282">
+                <a:tc>
+                  <a:txBody>
+                    <a:bodyPr/>
+                    <a:lstStyle/>
+                    <a:p>
+                      <a:endParaRPr lang="en-US" noProof="0" dirty="0"/>
+                    </a:p>
+                  </a:txBody>
+                  <a:tcPr/>
+                </a:tc>
+                <a:tc>
+                  <a:txBody>
+                    <a:bodyPr/>
+                    <a:lstStyle/>
+                    <a:p>
+                      <a:endParaRPr lang="en-US" noProof="0" dirty="0"/>
+                    </a:p>
+                  </a:txBody>
+                  <a:tcPr/>
+                </a:tc>
+                <a:extLst>
+                  <a:ext uri="{0D108BD9-81ED-4DB2-BD59-A6C34878D82A}">
+                    <a16:rowId xmlns:a16="http://schemas.microsoft.com/office/drawing/2014/main" val="1492406737"/>
+                  </a:ext>
+                </a:extLst>
+              </a:tr>
+              <a:tr h="451282">
+                <a:tc>
+                  <a:txBody>
+                    <a:bodyPr/>
+                    <a:lstStyle/>
+                    <a:p>
+                      <a:endParaRPr lang="en-US" noProof="0" dirty="0"/>
+                    </a:p>
+                  </a:txBody>
+                  <a:tcPr/>
+                </a:tc>
+                <a:tc>
+                  <a:txBody>
+                    <a:bodyPr/>
+                    <a:lstStyle/>
+                    <a:p>
+                      <a:endParaRPr lang="en-US" noProof="0" dirty="0"/>
+                    </a:p>
+                  </a:txBody>
+                  <a:tcPr/>
+                </a:tc>
+                <a:extLst>
+                  <a:ext uri="{0D108BD9-81ED-4DB2-BD59-A6C34878D82A}">
+                    <a16:rowId xmlns:a16="http://schemas.microsoft.com/office/drawing/2014/main" val="340685965"/>
+                  </a:ext>
+                </a:extLst>
+              </a:tr>
+              <a:tr h="451282">
+                <a:tc>
+                  <a:txBody>
+                    <a:bodyPr/>
+                    <a:lstStyle/>
+                    <a:p>
+                      <a:endParaRPr lang="en-US" noProof="0" dirty="0"/>
+                    </a:p>
+                  </a:txBody>
+                  <a:tcPr/>
+                </a:tc>
+                <a:tc>
+                  <a:txBody>
+                    <a:bodyPr/>
+                    <a:lstStyle/>
+                    <a:p>
+                      <a:endParaRPr lang="en-US" noProof="0" dirty="0"/>
+                    </a:p>
+                  </a:txBody>
+                  <a:tcPr/>
+                </a:tc>
+                <a:extLst>
+                  <a:ext uri="{0D108BD9-81ED-4DB2-BD59-A6C34878D82A}">
+                    <a16:rowId xmlns:a16="http://schemas.microsoft.com/office/drawing/2014/main" val="2064031335"/>
+                  </a:ext>
+                </a:extLst>
+              </a:tr>
+              <a:tr h="451282">
+                <a:tc>
+                  <a:txBody>
+                    <a:bodyPr/>
+                    <a:lstStyle/>
+                    <a:p>
+                      <a:endParaRPr lang="en-US" noProof="0" dirty="0"/>
+                    </a:p>
+                  </a:txBody>
+                  <a:tcPr/>
+                </a:tc>
+                <a:tc>
+                  <a:txBody>
+                    <a:bodyPr/>
+                    <a:lstStyle/>
+                    <a:p>
+                      <a:endParaRPr lang="en-US" noProof="0" dirty="0"/>
+                    </a:p>
+                  </a:txBody>
+                  <a:tcPr/>
+                </a:tc>
+                <a:extLst>
+                  <a:ext uri="{0D108BD9-81ED-4DB2-BD59-A6C34878D82A}">
+                    <a16:rowId xmlns:a16="http://schemas.microsoft.com/office/drawing/2014/main" val="851991289"/>
+                  </a:ext>
+                </a:extLst>
+              </a:tr>
+            </a:tbl>
+          </a:graphicData>
+        </a:graphic>
+      </p:graphicFrame>
+    </p:spTree>
+    <p:extLst>
+      <p:ext uri="{BB962C8B-B14F-4D97-AF65-F5344CB8AC3E}">
+        <p14:creationId xmlns:p14="http://schemas.microsoft.com/office/powerpoint/2010/main" val="657322324"/>
+      </p:ext>
+    </p:extLst>
+  </p:cSld>
+  <p:clrMapOvr>
+    <a:masterClrMapping/>
+  </p:clrMapOvr>
+  <mc:AlternateContent xmlns:mc="http://schemas.openxmlformats.org/markup-compatibility/2006" xmlns:p14="http://schemas.microsoft.com/office/powerpoint/2010/main">
+    <mc:Choice Requires="p14">
+      <p:transition spd="med" p14:dur="700">
+        <p:fade/>
+      </p:transition>
+    </mc:Choice>
+    <mc:Fallback xmlns="">
+      <p:transition spd="med">
+        <p:fade/>
+      </p:transition>
+    </mc:Fallback>
+  </mc:AlternateContent>
+</p:sld>
+</file>
+
+<file path=ppt/slides/slide21.xml><?xml version="1.0" encoding="utf-8"?>
+<p:sld xmlns:a="http://schemas.openxmlformats.org/drawingml/2006/main" xmlns:r="http://schemas.openxmlformats.org/officeDocument/2006/relationships" xmlns:p="http://schemas.openxmlformats.org/presentationml/2006/main">
+  <p:cSld>
+    <p:spTree>
+      <p:nvGrpSpPr>
+        <p:cNvPr id="1" name=""/>
+        <p:cNvGrpSpPr/>
+        <p:nvPr/>
+      </p:nvGrpSpPr>
+      <p:grpSpPr>
+        <a:xfrm>
+          <a:off x="0" y="0"/>
+          <a:ext cx="0" cy="0"/>
+          <a:chOff x="0" y="0"/>
+          <a:chExt cx="0" cy="0"/>
+        </a:xfrm>
+      </p:grpSpPr>
+      <p:sp>
+        <p:nvSpPr>
+          <p:cNvPr id="2" name="Titre 1"/>
+          <p:cNvSpPr>
+            <a:spLocks noGrp="1"/>
+          </p:cNvSpPr>
+          <p:nvPr>
+            <p:ph type="title"/>
+          </p:nvPr>
+        </p:nvSpPr>
+        <p:spPr/>
+        <p:txBody>
+          <a:bodyPr rtlCol="0"/>
+          <a:lstStyle/>
+          <a:p>
+            <a:pPr rtl="0"/>
+            <a:r>
+              <a:rPr lang="en-US" dirty="0"/>
+              <a:t>Functionalities | Shop</a:t>
+            </a:r>
+          </a:p>
+        </p:txBody>
+      </p:sp>
+      <p:graphicFrame>
+        <p:nvGraphicFramePr>
+          <p:cNvPr id="7" name="Espace réservé du contenu 6">
+            <a:extLst>
+              <a:ext uri="{FF2B5EF4-FFF2-40B4-BE49-F238E27FC236}">
+                <a16:creationId xmlns:a16="http://schemas.microsoft.com/office/drawing/2014/main" id="{ED3DDB86-DAA6-4EDA-BD41-D807339A77FC}"/>
+              </a:ext>
+            </a:extLst>
+          </p:cNvPr>
+          <p:cNvGraphicFramePr>
+            <a:graphicFrameLocks noGrp="1"/>
+          </p:cNvGraphicFramePr>
+          <p:nvPr>
+            <p:ph idx="1"/>
+            <p:extLst>
+              <p:ext uri="{D42A27DB-BD31-4B8C-83A1-F6EECF244321}">
+                <p14:modId xmlns:p14="http://schemas.microsoft.com/office/powerpoint/2010/main" val="2056125559"/>
+              </p:ext>
+            </p:extLst>
+          </p:nvPr>
+        </p:nvGraphicFramePr>
+        <p:xfrm>
+          <a:off x="1295399" y="1981199"/>
+          <a:ext cx="9269027" cy="2256410"/>
+        </p:xfrm>
+        <a:graphic>
+          <a:graphicData uri="http://schemas.openxmlformats.org/drawingml/2006/table">
+            <a:tbl>
+              <a:tblPr firstRow="1" bandRow="1">
+                <a:tableStyleId>{69012ECD-51FC-41F1-AA8D-1B2483CD663E}</a:tableStyleId>
+              </a:tblPr>
+              <a:tblGrid>
+                <a:gridCol w="6944236">
+                  <a:extLst>
+                    <a:ext uri="{9D8B030D-6E8A-4147-A177-3AD203B41FA5}">
+                      <a16:colId xmlns:a16="http://schemas.microsoft.com/office/drawing/2014/main" val="3286242763"/>
+                    </a:ext>
+                  </a:extLst>
+                </a:gridCol>
+                <a:gridCol w="2324791">
+                  <a:extLst>
+                    <a:ext uri="{9D8B030D-6E8A-4147-A177-3AD203B41FA5}">
+                      <a16:colId xmlns:a16="http://schemas.microsoft.com/office/drawing/2014/main" val="1584885993"/>
+                    </a:ext>
+                  </a:extLst>
+                </a:gridCol>
+              </a:tblGrid>
+              <a:tr h="451282">
+                <a:tc>
+                  <a:txBody>
+                    <a:bodyPr/>
+                    <a:lstStyle/>
+                    <a:p>
+                      <a:r>
+                        <a:rPr lang="en-US" noProof="0" dirty="0"/>
+                        <a:t>Functionalities </a:t>
+                      </a:r>
+                    </a:p>
+                  </a:txBody>
+                  <a:tcPr/>
+                </a:tc>
+                <a:tc>
+                  <a:txBody>
+                    <a:bodyPr/>
+                    <a:lstStyle/>
+                    <a:p>
+                      <a:r>
+                        <a:rPr lang="en-US" noProof="0" dirty="0"/>
+                        <a:t>Work done</a:t>
+                      </a:r>
+                    </a:p>
+                  </a:txBody>
+                  <a:tcPr/>
+                </a:tc>
+                <a:extLst>
+                  <a:ext uri="{0D108BD9-81ED-4DB2-BD59-A6C34878D82A}">
+                    <a16:rowId xmlns:a16="http://schemas.microsoft.com/office/drawing/2014/main" val="3634986758"/>
+                  </a:ext>
+                </a:extLst>
+              </a:tr>
+              <a:tr h="451282">
+                <a:tc>
+                  <a:txBody>
+                    <a:bodyPr/>
+                    <a:lstStyle/>
+                    <a:p>
+                      <a:endParaRPr lang="en-US" noProof="0" dirty="0"/>
+                    </a:p>
+                  </a:txBody>
+                  <a:tcPr/>
+                </a:tc>
+                <a:tc>
+                  <a:txBody>
+                    <a:bodyPr/>
+                    <a:lstStyle/>
+                    <a:p>
+                      <a:endParaRPr lang="en-US" noProof="0" dirty="0"/>
+                    </a:p>
+                  </a:txBody>
+                  <a:tcPr/>
+                </a:tc>
+                <a:extLst>
+                  <a:ext uri="{0D108BD9-81ED-4DB2-BD59-A6C34878D82A}">
+                    <a16:rowId xmlns:a16="http://schemas.microsoft.com/office/drawing/2014/main" val="1492406737"/>
+                  </a:ext>
+                </a:extLst>
+              </a:tr>
+              <a:tr h="451282">
+                <a:tc>
+                  <a:txBody>
+                    <a:bodyPr/>
+                    <a:lstStyle/>
+                    <a:p>
+                      <a:endParaRPr lang="en-US" noProof="0" dirty="0"/>
+                    </a:p>
+                  </a:txBody>
+                  <a:tcPr/>
+                </a:tc>
+                <a:tc>
+                  <a:txBody>
+                    <a:bodyPr/>
+                    <a:lstStyle/>
+                    <a:p>
+                      <a:endParaRPr lang="en-US" noProof="0" dirty="0"/>
+                    </a:p>
+                  </a:txBody>
+                  <a:tcPr/>
+                </a:tc>
+                <a:extLst>
+                  <a:ext uri="{0D108BD9-81ED-4DB2-BD59-A6C34878D82A}">
+                    <a16:rowId xmlns:a16="http://schemas.microsoft.com/office/drawing/2014/main" val="340685965"/>
+                  </a:ext>
+                </a:extLst>
+              </a:tr>
+              <a:tr h="451282">
+                <a:tc>
+                  <a:txBody>
+                    <a:bodyPr/>
+                    <a:lstStyle/>
+                    <a:p>
+                      <a:endParaRPr lang="en-US" noProof="0" dirty="0"/>
+                    </a:p>
+                  </a:txBody>
+                  <a:tcPr/>
+                </a:tc>
+                <a:tc>
+                  <a:txBody>
+                    <a:bodyPr/>
+                    <a:lstStyle/>
+                    <a:p>
+                      <a:endParaRPr lang="en-US" noProof="0" dirty="0"/>
+                    </a:p>
+                  </a:txBody>
+                  <a:tcPr/>
+                </a:tc>
+                <a:extLst>
+                  <a:ext uri="{0D108BD9-81ED-4DB2-BD59-A6C34878D82A}">
+                    <a16:rowId xmlns:a16="http://schemas.microsoft.com/office/drawing/2014/main" val="2064031335"/>
+                  </a:ext>
+                </a:extLst>
+              </a:tr>
+              <a:tr h="451282">
+                <a:tc>
+                  <a:txBody>
+                    <a:bodyPr/>
+                    <a:lstStyle/>
+                    <a:p>
+                      <a:endParaRPr lang="en-US" noProof="0" dirty="0"/>
+                    </a:p>
+                  </a:txBody>
+                  <a:tcPr/>
+                </a:tc>
+                <a:tc>
+                  <a:txBody>
+                    <a:bodyPr/>
+                    <a:lstStyle/>
+                    <a:p>
+                      <a:endParaRPr lang="en-US" noProof="0" dirty="0"/>
+                    </a:p>
+                  </a:txBody>
+                  <a:tcPr/>
+                </a:tc>
+                <a:extLst>
+                  <a:ext uri="{0D108BD9-81ED-4DB2-BD59-A6C34878D82A}">
+                    <a16:rowId xmlns:a16="http://schemas.microsoft.com/office/drawing/2014/main" val="851991289"/>
+                  </a:ext>
+                </a:extLst>
+              </a:tr>
+            </a:tbl>
+          </a:graphicData>
+        </a:graphic>
+      </p:graphicFrame>
+    </p:spTree>
+    <p:extLst>
+      <p:ext uri="{BB962C8B-B14F-4D97-AF65-F5344CB8AC3E}">
+        <p14:creationId xmlns:p14="http://schemas.microsoft.com/office/powerpoint/2010/main" val="1986906157"/>
+      </p:ext>
+    </p:extLst>
+  </p:cSld>
+  <p:clrMapOvr>
+    <a:masterClrMapping/>
+  </p:clrMapOvr>
+  <mc:AlternateContent xmlns:mc="http://schemas.openxmlformats.org/markup-compatibility/2006" xmlns:p14="http://schemas.microsoft.com/office/powerpoint/2010/main">
+    <mc:Choice Requires="p14">
+      <p:transition spd="med" p14:dur="700">
+        <p:fade/>
+      </p:transition>
+    </mc:Choice>
+    <mc:Fallback xmlns="">
+      <p:transition spd="med">
+        <p:fade/>
+      </p:transition>
+    </mc:Fallback>
+  </mc:AlternateContent>
+</p:sld>
+</file>
+
+<file path=ppt/slides/slide22.xml><?xml version="1.0" encoding="utf-8"?>
+<p:sld xmlns:a="http://schemas.openxmlformats.org/drawingml/2006/main" xmlns:r="http://schemas.openxmlformats.org/officeDocument/2006/relationships" xmlns:p="http://schemas.openxmlformats.org/presentationml/2006/main">
+  <p:cSld>
+    <p:spTree>
+      <p:nvGrpSpPr>
+        <p:cNvPr id="1" name=""/>
+        <p:cNvGrpSpPr/>
+        <p:nvPr/>
+      </p:nvGrpSpPr>
+      <p:grpSpPr>
+        <a:xfrm>
+          <a:off x="0" y="0"/>
+          <a:ext cx="0" cy="0"/>
+          <a:chOff x="0" y="0"/>
+          <a:chExt cx="0" cy="0"/>
+        </a:xfrm>
+      </p:grpSpPr>
+      <p:sp>
+        <p:nvSpPr>
+          <p:cNvPr id="2" name="Titre 1"/>
+          <p:cNvSpPr>
+            <a:spLocks noGrp="1"/>
+          </p:cNvSpPr>
+          <p:nvPr>
+            <p:ph type="title"/>
+          </p:nvPr>
+        </p:nvSpPr>
+        <p:spPr/>
+        <p:txBody>
+          <a:bodyPr rtlCol="0"/>
+          <a:lstStyle/>
+          <a:p>
+            <a:pPr rtl="0"/>
+            <a:r>
+              <a:rPr lang="en-US" dirty="0"/>
+              <a:t>Improvement points</a:t>
+            </a:r>
+          </a:p>
+        </p:txBody>
+      </p:sp>
+      <p:sp>
+        <p:nvSpPr>
+          <p:cNvPr id="3" name="Espace réservé du contenu 2"/>
+          <p:cNvSpPr>
+            <a:spLocks noGrp="1"/>
+          </p:cNvSpPr>
+          <p:nvPr>
+            <p:ph idx="1"/>
+          </p:nvPr>
+        </p:nvSpPr>
+        <p:spPr/>
+        <p:txBody>
+          <a:bodyPr rtlCol="0"/>
+          <a:lstStyle/>
+          <a:p>
+            <a:pPr rtl="0"/>
+            <a:endParaRPr lang="en-US" dirty="0"/>
+          </a:p>
+        </p:txBody>
+      </p:sp>
+    </p:spTree>
+    <p:extLst>
+      <p:ext uri="{BB962C8B-B14F-4D97-AF65-F5344CB8AC3E}">
+        <p14:creationId xmlns:p14="http://schemas.microsoft.com/office/powerpoint/2010/main" val="2628497088"/>
+      </p:ext>
+    </p:extLst>
+  </p:cSld>
+  <p:clrMapOvr>
+    <a:masterClrMapping/>
+  </p:clrMapOvr>
+  <mc:AlternateContent xmlns:mc="http://schemas.openxmlformats.org/markup-compatibility/2006" xmlns:p14="http://schemas.microsoft.com/office/powerpoint/2010/main">
+    <mc:Choice Requires="p14">
+      <p:transition spd="med" p14:dur="700">
+        <p:fade/>
+      </p:transition>
+    </mc:Choice>
+    <mc:Fallback xmlns="">
+      <p:transition spd="med">
+        <p:fade/>
+      </p:transition>
+    </mc:Fallback>
+  </mc:AlternateContent>
+</p:sld>
+</file>
+
+<file path=ppt/slides/slide23.xml><?xml version="1.0" encoding="utf-8"?>
+<p:sld xmlns:a="http://schemas.openxmlformats.org/drawingml/2006/main" xmlns:r="http://schemas.openxmlformats.org/officeDocument/2006/relationships" xmlns:p="http://schemas.openxmlformats.org/presentationml/2006/main">
+  <p:cSld>
+    <p:spTree>
+      <p:nvGrpSpPr>
+        <p:cNvPr id="1" name=""/>
+        <p:cNvGrpSpPr/>
+        <p:nvPr/>
+      </p:nvGrpSpPr>
+      <p:grpSpPr>
+        <a:xfrm>
+          <a:off x="0" y="0"/>
+          <a:ext cx="0" cy="0"/>
+          <a:chOff x="0" y="0"/>
+          <a:chExt cx="0" cy="0"/>
+        </a:xfrm>
+      </p:grpSpPr>
+      <p:sp>
+        <p:nvSpPr>
+          <p:cNvPr id="2" name="Titre 1"/>
+          <p:cNvSpPr>
+            <a:spLocks noGrp="1"/>
+          </p:cNvSpPr>
+          <p:nvPr>
+            <p:ph type="title"/>
+          </p:nvPr>
+        </p:nvSpPr>
+        <p:spPr/>
+        <p:txBody>
+          <a:bodyPr rtlCol="0"/>
+          <a:lstStyle/>
+          <a:p>
+            <a:pPr rtl="0"/>
+            <a:r>
+              <a:rPr lang="fr-FR" dirty="0"/>
+              <a:t>Conclusion</a:t>
+            </a:r>
+          </a:p>
+        </p:txBody>
+      </p:sp>
+      <p:sp>
+        <p:nvSpPr>
+          <p:cNvPr id="3" name="Espace réservé du contenu 2"/>
+          <p:cNvSpPr>
+            <a:spLocks noGrp="1"/>
+          </p:cNvSpPr>
+          <p:nvPr>
+            <p:ph idx="1"/>
+          </p:nvPr>
+        </p:nvSpPr>
+        <p:spPr/>
+        <p:txBody>
+          <a:bodyPr rtlCol="0"/>
+          <a:lstStyle/>
+          <a:p>
+            <a:pPr rtl="0"/>
+            <a:r>
+              <a:rPr lang="en-US" dirty="0"/>
+              <a:t>A</a:t>
+            </a:r>
+          </a:p>
+          <a:p>
+            <a:pPr rtl="0"/>
+            <a:r>
+              <a:rPr lang="en-US" dirty="0"/>
+              <a:t>A</a:t>
+            </a:r>
+          </a:p>
+          <a:p>
+            <a:pPr rtl="0"/>
+            <a:r>
+              <a:rPr lang="en-US" dirty="0"/>
+              <a:t>A</a:t>
+            </a:r>
+          </a:p>
+        </p:txBody>
+      </p:sp>
+    </p:spTree>
+    <p:extLst>
+      <p:ext uri="{BB962C8B-B14F-4D97-AF65-F5344CB8AC3E}">
+        <p14:creationId xmlns:p14="http://schemas.microsoft.com/office/powerpoint/2010/main" val="2586493336"/>
       </p:ext>
     </p:extLst>
   </p:cSld>
@@ -23727,126 +25458,6 @@
             <a:pPr rtl="0"/>
             <a:r>
               <a:rPr lang="en-US" dirty="0"/>
-              <a:t>Project management</a:t>
-            </a:r>
-          </a:p>
-        </p:txBody>
-      </p:sp>
-      <p:sp>
-        <p:nvSpPr>
-          <p:cNvPr id="3" name="Espace réservé du contenu 2"/>
-          <p:cNvSpPr>
-            <a:spLocks noGrp="1"/>
-          </p:cNvSpPr>
-          <p:nvPr>
-            <p:ph idx="1"/>
-          </p:nvPr>
-        </p:nvSpPr>
-        <p:spPr/>
-        <p:txBody>
-          <a:bodyPr rtlCol="0">
-            <a:normAutofit/>
-          </a:bodyPr>
-          <a:lstStyle/>
-          <a:p>
-            <a:pPr rtl="0">
-              <a:lnSpc>
-                <a:spcPct val="200000"/>
-              </a:lnSpc>
-            </a:pPr>
-            <a:r>
-              <a:rPr lang="en-US" sz="2400" dirty="0"/>
-              <a:t>GitHub</a:t>
-            </a:r>
-          </a:p>
-          <a:p>
-            <a:pPr rtl="0">
-              <a:lnSpc>
-                <a:spcPct val="200000"/>
-              </a:lnSpc>
-            </a:pPr>
-            <a:r>
-              <a:rPr lang="en-US" sz="2400" dirty="0"/>
-              <a:t>Trello</a:t>
-            </a:r>
-          </a:p>
-          <a:p>
-            <a:pPr rtl="0">
-              <a:lnSpc>
-                <a:spcPct val="200000"/>
-              </a:lnSpc>
-            </a:pPr>
-            <a:r>
-              <a:rPr lang="en-US" sz="2400" dirty="0"/>
-              <a:t>Teams</a:t>
-            </a:r>
-          </a:p>
-          <a:p>
-            <a:pPr rtl="0"/>
-            <a:endParaRPr lang="en-US" sz="2400" dirty="0"/>
-          </a:p>
-        </p:txBody>
-      </p:sp>
-    </p:spTree>
-    <p:extLst>
-      <p:ext uri="{BB962C8B-B14F-4D97-AF65-F5344CB8AC3E}">
-        <p14:creationId xmlns:p14="http://schemas.microsoft.com/office/powerpoint/2010/main" val="3621545862"/>
-      </p:ext>
-    </p:extLst>
-  </p:cSld>
-  <p:clrMapOvr>
-    <a:masterClrMapping/>
-  </p:clrMapOvr>
-  <mc:AlternateContent xmlns:mc="http://schemas.openxmlformats.org/markup-compatibility/2006" xmlns:p14="http://schemas.microsoft.com/office/powerpoint/2010/main">
-    <mc:Choice Requires="p14">
-      <p:transition spd="med" p14:dur="700">
-        <p:fade/>
-      </p:transition>
-    </mc:Choice>
-    <mc:Fallback xmlns="">
-      <p:transition spd="med">
-        <p:fade/>
-      </p:transition>
-    </mc:Fallback>
-  </mc:AlternateContent>
-</p:sld>
-</file>
-
-<file path=ppt/slides/slide7.xml><?xml version="1.0" encoding="utf-8"?>
-<p:sld xmlns:a="http://schemas.openxmlformats.org/drawingml/2006/main" xmlns:r="http://schemas.openxmlformats.org/officeDocument/2006/relationships" xmlns:p="http://schemas.openxmlformats.org/presentationml/2006/main">
-  <p:cSld>
-    <p:spTree>
-      <p:nvGrpSpPr>
-        <p:cNvPr id="1" name=""/>
-        <p:cNvGrpSpPr/>
-        <p:nvPr/>
-      </p:nvGrpSpPr>
-      <p:grpSpPr>
-        <a:xfrm>
-          <a:off x="0" y="0"/>
-          <a:ext cx="0" cy="0"/>
-          <a:chOff x="0" y="0"/>
-          <a:chExt cx="0" cy="0"/>
-        </a:xfrm>
-      </p:grpSpPr>
-      <p:sp>
-        <p:nvSpPr>
-          <p:cNvPr id="2" name="Titre 1"/>
-          <p:cNvSpPr>
-            <a:spLocks noGrp="1"/>
-          </p:cNvSpPr>
-          <p:nvPr>
-            <p:ph type="title"/>
-          </p:nvPr>
-        </p:nvSpPr>
-        <p:spPr/>
-        <p:txBody>
-          <a:bodyPr rtlCol="0"/>
-          <a:lstStyle/>
-          <a:p>
-            <a:pPr rtl="0"/>
-            <a:r>
-              <a:rPr lang="en-US" dirty="0"/>
               <a:t>Presentation of the website | Host</a:t>
             </a:r>
           </a:p>
@@ -23909,7 +25520,7 @@
 </p:sld>
 </file>
 
-<file path=ppt/slides/slide8.xml><?xml version="1.0" encoding="utf-8"?>
+<file path=ppt/slides/slide7.xml><?xml version="1.0" encoding="utf-8"?>
 <p:sld xmlns:a="http://schemas.openxmlformats.org/drawingml/2006/main" xmlns:r="http://schemas.openxmlformats.org/officeDocument/2006/relationships" xmlns:p="http://schemas.openxmlformats.org/presentationml/2006/main">
   <p:cSld>
     <p:spTree>
@@ -24003,7 +25614,7 @@
 </p:sld>
 </file>
 
-<file path=ppt/slides/slide9.xml><?xml version="1.0" encoding="utf-8"?>
+<file path=ppt/slides/slide8.xml><?xml version="1.0" encoding="utf-8"?>
 <p:sld xmlns:a="http://schemas.openxmlformats.org/drawingml/2006/main" xmlns:r="http://schemas.openxmlformats.org/officeDocument/2006/relationships" xmlns:p="http://schemas.openxmlformats.org/presentationml/2006/main">
   <p:cSld>
     <p:spTree>
@@ -24078,6 +25689,102 @@
     <p:extLst>
       <p:ext uri="{BB962C8B-B14F-4D97-AF65-F5344CB8AC3E}">
         <p14:creationId xmlns:p14="http://schemas.microsoft.com/office/powerpoint/2010/main" val="1851461490"/>
+      </p:ext>
+    </p:extLst>
+  </p:cSld>
+  <p:clrMapOvr>
+    <a:masterClrMapping/>
+  </p:clrMapOvr>
+  <mc:AlternateContent xmlns:mc="http://schemas.openxmlformats.org/markup-compatibility/2006" xmlns:p14="http://schemas.microsoft.com/office/powerpoint/2010/main">
+    <mc:Choice Requires="p14">
+      <p:transition spd="med" p14:dur="700">
+        <p:fade/>
+      </p:transition>
+    </mc:Choice>
+    <mc:Fallback xmlns="">
+      <p:transition spd="med">
+        <p:fade/>
+      </p:transition>
+    </mc:Fallback>
+  </mc:AlternateContent>
+</p:sld>
+</file>
+
+<file path=ppt/slides/slide9.xml><?xml version="1.0" encoding="utf-8"?>
+<p:sld xmlns:a="http://schemas.openxmlformats.org/drawingml/2006/main" xmlns:r="http://schemas.openxmlformats.org/officeDocument/2006/relationships" xmlns:p="http://schemas.openxmlformats.org/presentationml/2006/main">
+  <p:cSld>
+    <p:spTree>
+      <p:nvGrpSpPr>
+        <p:cNvPr id="1" name=""/>
+        <p:cNvGrpSpPr/>
+        <p:nvPr/>
+      </p:nvGrpSpPr>
+      <p:grpSpPr>
+        <a:xfrm>
+          <a:off x="0" y="0"/>
+          <a:ext cx="0" cy="0"/>
+          <a:chOff x="0" y="0"/>
+          <a:chExt cx="0" cy="0"/>
+        </a:xfrm>
+      </p:grpSpPr>
+      <p:sp>
+        <p:nvSpPr>
+          <p:cNvPr id="2" name="Titre 1"/>
+          <p:cNvSpPr>
+            <a:spLocks noGrp="1"/>
+          </p:cNvSpPr>
+          <p:nvPr>
+            <p:ph type="title"/>
+          </p:nvPr>
+        </p:nvSpPr>
+        <p:spPr/>
+        <p:txBody>
+          <a:bodyPr rtlCol="0"/>
+          <a:lstStyle/>
+          <a:p>
+            <a:pPr rtl="0"/>
+            <a:r>
+              <a:rPr lang="en-US" dirty="0"/>
+              <a:t>Presentation of the website | Host</a:t>
+            </a:r>
+          </a:p>
+        </p:txBody>
+      </p:sp>
+      <p:pic>
+        <p:nvPicPr>
+          <p:cNvPr id="5" name="Espace réservé du contenu 4">
+            <a:extLst>
+              <a:ext uri="{FF2B5EF4-FFF2-40B4-BE49-F238E27FC236}">
+                <a16:creationId xmlns:a16="http://schemas.microsoft.com/office/drawing/2014/main" id="{EE58694E-E6CD-4C98-8305-2AF75B376B47}"/>
+              </a:ext>
+            </a:extLst>
+          </p:cNvPr>
+          <p:cNvPicPr>
+            <a:picLocks noGrp="1" noChangeAspect="1"/>
+          </p:cNvPicPr>
+          <p:nvPr>
+            <p:ph idx="1"/>
+          </p:nvPr>
+        </p:nvPicPr>
+        <p:blipFill rotWithShape="1">
+          <a:blip r:embed="rId3"/>
+          <a:srcRect t="7417" b="9166"/>
+          <a:stretch/>
+        </p:blipFill>
+        <p:spPr>
+          <a:xfrm>
+            <a:off x="2649356" y="1811044"/>
+            <a:ext cx="6893287" cy="4171280"/>
+          </a:xfrm>
+          <a:prstGeom prst="rect">
+            <a:avLst/>
+          </a:prstGeom>
+        </p:spPr>
+      </p:pic>
+    </p:spTree>
+    <p:extLst>
+      <p:ext uri="{BB962C8B-B14F-4D97-AF65-F5344CB8AC3E}">
+        <p14:creationId xmlns:p14="http://schemas.microsoft.com/office/powerpoint/2010/main" val="1571326820"/>
       </p:ext>
     </p:extLst>
   </p:cSld>

--- a/Présentation/Web Project.pptx
+++ b/Présentation/Web Project.pptx
@@ -24347,47 +24347,49 @@
         </p:nvSpPr>
         <p:spPr/>
         <p:txBody>
-          <a:bodyPr rtlCol="0"/>
+          <a:bodyPr rtlCol="0">
+            <a:normAutofit/>
+          </a:bodyPr>
           <a:lstStyle/>
           <a:p>
             <a:pPr rtl="0"/>
             <a:r>
-              <a:rPr lang="en-US" dirty="0"/>
+              <a:rPr lang="en-US" sz="2400" dirty="0"/>
               <a:t>Project presentation</a:t>
             </a:r>
           </a:p>
           <a:p>
             <a:pPr rtl="0"/>
             <a:r>
-              <a:rPr lang="en-US" dirty="0"/>
+              <a:rPr lang="en-US" sz="2400" dirty="0"/>
               <a:t>Team presentation</a:t>
             </a:r>
           </a:p>
           <a:p>
             <a:pPr rtl="0"/>
             <a:r>
-              <a:rPr lang="en-US" dirty="0"/>
+              <a:rPr lang="en-US" sz="2400" dirty="0"/>
               <a:t>Presentation of the website</a:t>
             </a:r>
           </a:p>
           <a:p>
             <a:pPr rtl="0"/>
             <a:r>
-              <a:rPr lang="en-US" dirty="0"/>
+              <a:rPr lang="en-US" sz="2400" dirty="0"/>
               <a:t>Functionalities</a:t>
             </a:r>
           </a:p>
           <a:p>
             <a:pPr rtl="0"/>
             <a:r>
-              <a:rPr lang="en-US" dirty="0"/>
+              <a:rPr lang="en-US" sz="2400" dirty="0"/>
               <a:t>Improvement points</a:t>
             </a:r>
           </a:p>
           <a:p>
             <a:pPr rtl="0"/>
             <a:r>
-              <a:rPr lang="en-US" dirty="0"/>
+              <a:rPr lang="en-US" sz="2400" dirty="0"/>
               <a:t>Conclusion</a:t>
             </a:r>
           </a:p>
@@ -25169,7 +25171,12 @@
             <p:ph idx="1"/>
           </p:nvPr>
         </p:nvSpPr>
-        <p:spPr/>
+        <p:spPr>
+          <a:xfrm>
+            <a:off x="1295400" y="1981201"/>
+            <a:ext cx="10334348" cy="3809999"/>
+          </a:xfrm>
+        </p:spPr>
         <p:txBody>
           <a:bodyPr rtlCol="0">
             <a:normAutofit/>
@@ -25182,7 +25189,7 @@
               </a:lnSpc>
             </a:pPr>
             <a:r>
-              <a:rPr lang="en-US" sz="2400" dirty="0"/>
+              <a:rPr lang="en-US" sz="2800" dirty="0"/>
               <a:t>Create a website for the student’s office of  the school</a:t>
             </a:r>
           </a:p>
@@ -25193,7 +25200,7 @@
               </a:lnSpc>
             </a:pPr>
             <a:r>
-              <a:rPr lang="en-US" sz="2400" dirty="0"/>
+              <a:rPr lang="en-US" sz="2800" dirty="0"/>
               <a:t>Build an online shop for their goodies</a:t>
             </a:r>
           </a:p>
@@ -25204,7 +25211,7 @@
               </a:lnSpc>
             </a:pPr>
             <a:r>
-              <a:rPr lang="en-US" sz="2400" dirty="0"/>
+              <a:rPr lang="en-US" sz="2800" dirty="0"/>
               <a:t>Create a special page for incomings events and previous ones </a:t>
             </a:r>
           </a:p>

--- a/Présentation/Web Project.pptx
+++ b/Présentation/Web Project.pptx
@@ -5,10 +5,10 @@
     <p:sldMasterId id="2147483648" r:id="rId1"/>
   </p:sldMasterIdLst>
   <p:notesMasterIdLst>
-    <p:notesMasterId r:id="rId25"/>
+    <p:notesMasterId r:id="rId16"/>
   </p:notesMasterIdLst>
   <p:handoutMasterIdLst>
-    <p:handoutMasterId r:id="rId26"/>
+    <p:handoutMasterId r:id="rId17"/>
   </p:handoutMasterIdLst>
   <p:sldIdLst>
     <p:sldId id="261" r:id="rId2"/>
@@ -16,24 +16,15 @@
     <p:sldId id="268" r:id="rId4"/>
     <p:sldId id="278" r:id="rId5"/>
     <p:sldId id="305" r:id="rId6"/>
-    <p:sldId id="308" r:id="rId7"/>
-    <p:sldId id="315" r:id="rId8"/>
-    <p:sldId id="313" r:id="rId9"/>
-    <p:sldId id="314" r:id="rId10"/>
-    <p:sldId id="310" r:id="rId11"/>
-    <p:sldId id="311" r:id="rId12"/>
-    <p:sldId id="312" r:id="rId13"/>
-    <p:sldId id="316" r:id="rId14"/>
-    <p:sldId id="317" r:id="rId15"/>
-    <p:sldId id="318" r:id="rId16"/>
-    <p:sldId id="319" r:id="rId17"/>
-    <p:sldId id="309" r:id="rId18"/>
-    <p:sldId id="321" r:id="rId19"/>
-    <p:sldId id="322" r:id="rId20"/>
-    <p:sldId id="323" r:id="rId21"/>
-    <p:sldId id="324" r:id="rId22"/>
-    <p:sldId id="320" r:id="rId23"/>
-    <p:sldId id="307" r:id="rId24"/>
+    <p:sldId id="325" r:id="rId7"/>
+    <p:sldId id="308" r:id="rId8"/>
+    <p:sldId id="309" r:id="rId9"/>
+    <p:sldId id="321" r:id="rId10"/>
+    <p:sldId id="322" r:id="rId11"/>
+    <p:sldId id="323" r:id="rId12"/>
+    <p:sldId id="324" r:id="rId13"/>
+    <p:sldId id="320" r:id="rId14"/>
+    <p:sldId id="307" r:id="rId15"/>
   </p:sldIdLst>
   <p:sldSz cx="12192000" cy="6858000"/>
   <p:notesSz cx="6858000" cy="9144000"/>
@@ -6321,7 +6312,7 @@
             <a:pPr rtl="0"/>
             <a:fld id="{82869989-EB00-4EE7-BCB5-25BDC5BB29F8}" type="slidenum">
               <a:rPr lang="fr-FR" smtClean="0"/>
-              <a:t>10</a:t>
+              <a:t>11</a:t>
             </a:fld>
             <a:endParaRPr lang="fr-FR"/>
           </a:p>
@@ -6330,7 +6321,7 @@
     </p:spTree>
     <p:extLst>
       <p:ext uri="{BB962C8B-B14F-4D97-AF65-F5344CB8AC3E}">
-        <p14:creationId xmlns:p14="http://schemas.microsoft.com/office/powerpoint/2010/main" val="1529347314"/>
+        <p14:creationId xmlns:p14="http://schemas.microsoft.com/office/powerpoint/2010/main" val="4203938709"/>
       </p:ext>
     </p:extLst>
   </p:cSld>
@@ -6407,7 +6398,7 @@
             <a:pPr rtl="0"/>
             <a:fld id="{82869989-EB00-4EE7-BCB5-25BDC5BB29F8}" type="slidenum">
               <a:rPr lang="fr-FR" smtClean="0"/>
-              <a:t>11</a:t>
+              <a:t>12</a:t>
             </a:fld>
             <a:endParaRPr lang="fr-FR"/>
           </a:p>
@@ -6416,7 +6407,7 @@
     </p:spTree>
     <p:extLst>
       <p:ext uri="{BB962C8B-B14F-4D97-AF65-F5344CB8AC3E}">
-        <p14:creationId xmlns:p14="http://schemas.microsoft.com/office/powerpoint/2010/main" val="3294751541"/>
+        <p14:creationId xmlns:p14="http://schemas.microsoft.com/office/powerpoint/2010/main" val="4271676591"/>
       </p:ext>
     </p:extLst>
   </p:cSld>
@@ -6493,7 +6484,7 @@
             <a:pPr rtl="0"/>
             <a:fld id="{82869989-EB00-4EE7-BCB5-25BDC5BB29F8}" type="slidenum">
               <a:rPr lang="fr-FR" smtClean="0"/>
-              <a:t>12</a:t>
+              <a:t>13</a:t>
             </a:fld>
             <a:endParaRPr lang="fr-FR"/>
           </a:p>
@@ -6502,7 +6493,7 @@
     </p:spTree>
     <p:extLst>
       <p:ext uri="{BB962C8B-B14F-4D97-AF65-F5344CB8AC3E}">
-        <p14:creationId xmlns:p14="http://schemas.microsoft.com/office/powerpoint/2010/main" val="1344062037"/>
+        <p14:creationId xmlns:p14="http://schemas.microsoft.com/office/powerpoint/2010/main" val="863095892"/>
       </p:ext>
     </p:extLst>
   </p:cSld>
@@ -6579,92 +6570,6 @@
             <a:pPr rtl="0"/>
             <a:fld id="{82869989-EB00-4EE7-BCB5-25BDC5BB29F8}" type="slidenum">
               <a:rPr lang="fr-FR" smtClean="0"/>
-              <a:t>13</a:t>
-            </a:fld>
-            <a:endParaRPr lang="fr-FR"/>
-          </a:p>
-        </p:txBody>
-      </p:sp>
-    </p:spTree>
-    <p:extLst>
-      <p:ext uri="{BB962C8B-B14F-4D97-AF65-F5344CB8AC3E}">
-        <p14:creationId xmlns:p14="http://schemas.microsoft.com/office/powerpoint/2010/main" val="4169813092"/>
-      </p:ext>
-    </p:extLst>
-  </p:cSld>
-  <p:clrMapOvr>
-    <a:masterClrMapping/>
-  </p:clrMapOvr>
-</p:notes>
-</file>
-
-<file path=ppt/notesSlides/notesSlide14.xml><?xml version="1.0" encoding="utf-8"?>
-<p:notes xmlns:a="http://schemas.openxmlformats.org/drawingml/2006/main" xmlns:r="http://schemas.openxmlformats.org/officeDocument/2006/relationships" xmlns:p="http://schemas.openxmlformats.org/presentationml/2006/main">
-  <p:cSld>
-    <p:spTree>
-      <p:nvGrpSpPr>
-        <p:cNvPr id="1" name=""/>
-        <p:cNvGrpSpPr/>
-        <p:nvPr/>
-      </p:nvGrpSpPr>
-      <p:grpSpPr>
-        <a:xfrm>
-          <a:off x="0" y="0"/>
-          <a:ext cx="0" cy="0"/>
-          <a:chOff x="0" y="0"/>
-          <a:chExt cx="0" cy="0"/>
-        </a:xfrm>
-      </p:grpSpPr>
-      <p:sp>
-        <p:nvSpPr>
-          <p:cNvPr id="2" name="Espace réservé de l’image des diapositives 1"/>
-          <p:cNvSpPr>
-            <a:spLocks noGrp="1" noRot="1" noChangeAspect="1"/>
-          </p:cNvSpPr>
-          <p:nvPr>
-            <p:ph type="sldImg"/>
-          </p:nvPr>
-        </p:nvSpPr>
-        <p:spPr/>
-      </p:sp>
-      <p:sp>
-        <p:nvSpPr>
-          <p:cNvPr id="3" name="Espace réservé des commentaires 2"/>
-          <p:cNvSpPr>
-            <a:spLocks noGrp="1"/>
-          </p:cNvSpPr>
-          <p:nvPr>
-            <p:ph type="body" idx="1"/>
-          </p:nvPr>
-        </p:nvSpPr>
-        <p:spPr/>
-        <p:txBody>
-          <a:bodyPr rtlCol="0"/>
-          <a:lstStyle/>
-          <a:p>
-            <a:pPr rtl="0"/>
-            <a:endParaRPr lang="fr-FR"/>
-          </a:p>
-        </p:txBody>
-      </p:sp>
-      <p:sp>
-        <p:nvSpPr>
-          <p:cNvPr id="4" name="Espace réservé du numéro de diapositive 3"/>
-          <p:cNvSpPr>
-            <a:spLocks noGrp="1"/>
-          </p:cNvSpPr>
-          <p:nvPr>
-            <p:ph type="sldNum" sz="quarter" idx="10"/>
-          </p:nvPr>
-        </p:nvSpPr>
-        <p:spPr/>
-        <p:txBody>
-          <a:bodyPr rtlCol="0"/>
-          <a:lstStyle/>
-          <a:p>
-            <a:pPr rtl="0"/>
-            <a:fld id="{82869989-EB00-4EE7-BCB5-25BDC5BB29F8}" type="slidenum">
-              <a:rPr lang="fr-FR" smtClean="0"/>
               <a:t>14</a:t>
             </a:fld>
             <a:endParaRPr lang="fr-FR"/>
@@ -6674,437 +6579,7 @@
     </p:spTree>
     <p:extLst>
       <p:ext uri="{BB962C8B-B14F-4D97-AF65-F5344CB8AC3E}">
-        <p14:creationId xmlns:p14="http://schemas.microsoft.com/office/powerpoint/2010/main" val="2219821476"/>
-      </p:ext>
-    </p:extLst>
-  </p:cSld>
-  <p:clrMapOvr>
-    <a:masterClrMapping/>
-  </p:clrMapOvr>
-</p:notes>
-</file>
-
-<file path=ppt/notesSlides/notesSlide15.xml><?xml version="1.0" encoding="utf-8"?>
-<p:notes xmlns:a="http://schemas.openxmlformats.org/drawingml/2006/main" xmlns:r="http://schemas.openxmlformats.org/officeDocument/2006/relationships" xmlns:p="http://schemas.openxmlformats.org/presentationml/2006/main">
-  <p:cSld>
-    <p:spTree>
-      <p:nvGrpSpPr>
-        <p:cNvPr id="1" name=""/>
-        <p:cNvGrpSpPr/>
-        <p:nvPr/>
-      </p:nvGrpSpPr>
-      <p:grpSpPr>
-        <a:xfrm>
-          <a:off x="0" y="0"/>
-          <a:ext cx="0" cy="0"/>
-          <a:chOff x="0" y="0"/>
-          <a:chExt cx="0" cy="0"/>
-        </a:xfrm>
-      </p:grpSpPr>
-      <p:sp>
-        <p:nvSpPr>
-          <p:cNvPr id="2" name="Espace réservé de l’image des diapositives 1"/>
-          <p:cNvSpPr>
-            <a:spLocks noGrp="1" noRot="1" noChangeAspect="1"/>
-          </p:cNvSpPr>
-          <p:nvPr>
-            <p:ph type="sldImg"/>
-          </p:nvPr>
-        </p:nvSpPr>
-        <p:spPr/>
-      </p:sp>
-      <p:sp>
-        <p:nvSpPr>
-          <p:cNvPr id="3" name="Espace réservé des commentaires 2"/>
-          <p:cNvSpPr>
-            <a:spLocks noGrp="1"/>
-          </p:cNvSpPr>
-          <p:nvPr>
-            <p:ph type="body" idx="1"/>
-          </p:nvPr>
-        </p:nvSpPr>
-        <p:spPr/>
-        <p:txBody>
-          <a:bodyPr rtlCol="0"/>
-          <a:lstStyle/>
-          <a:p>
-            <a:pPr rtl="0"/>
-            <a:endParaRPr lang="fr-FR"/>
-          </a:p>
-        </p:txBody>
-      </p:sp>
-      <p:sp>
-        <p:nvSpPr>
-          <p:cNvPr id="4" name="Espace réservé du numéro de diapositive 3"/>
-          <p:cNvSpPr>
-            <a:spLocks noGrp="1"/>
-          </p:cNvSpPr>
-          <p:nvPr>
-            <p:ph type="sldNum" sz="quarter" idx="10"/>
-          </p:nvPr>
-        </p:nvSpPr>
-        <p:spPr/>
-        <p:txBody>
-          <a:bodyPr rtlCol="0"/>
-          <a:lstStyle/>
-          <a:p>
-            <a:pPr rtl="0"/>
-            <a:fld id="{82869989-EB00-4EE7-BCB5-25BDC5BB29F8}" type="slidenum">
-              <a:rPr lang="fr-FR" smtClean="0"/>
-              <a:t>15</a:t>
-            </a:fld>
-            <a:endParaRPr lang="fr-FR"/>
-          </a:p>
-        </p:txBody>
-      </p:sp>
-    </p:spTree>
-    <p:extLst>
-      <p:ext uri="{BB962C8B-B14F-4D97-AF65-F5344CB8AC3E}">
-        <p14:creationId xmlns:p14="http://schemas.microsoft.com/office/powerpoint/2010/main" val="119312736"/>
-      </p:ext>
-    </p:extLst>
-  </p:cSld>
-  <p:clrMapOvr>
-    <a:masterClrMapping/>
-  </p:clrMapOvr>
-</p:notes>
-</file>
-
-<file path=ppt/notesSlides/notesSlide16.xml><?xml version="1.0" encoding="utf-8"?>
-<p:notes xmlns:a="http://schemas.openxmlformats.org/drawingml/2006/main" xmlns:r="http://schemas.openxmlformats.org/officeDocument/2006/relationships" xmlns:p="http://schemas.openxmlformats.org/presentationml/2006/main">
-  <p:cSld>
-    <p:spTree>
-      <p:nvGrpSpPr>
-        <p:cNvPr id="1" name=""/>
-        <p:cNvGrpSpPr/>
-        <p:nvPr/>
-      </p:nvGrpSpPr>
-      <p:grpSpPr>
-        <a:xfrm>
-          <a:off x="0" y="0"/>
-          <a:ext cx="0" cy="0"/>
-          <a:chOff x="0" y="0"/>
-          <a:chExt cx="0" cy="0"/>
-        </a:xfrm>
-      </p:grpSpPr>
-      <p:sp>
-        <p:nvSpPr>
-          <p:cNvPr id="2" name="Espace réservé de l’image des diapositives 1"/>
-          <p:cNvSpPr>
-            <a:spLocks noGrp="1" noRot="1" noChangeAspect="1"/>
-          </p:cNvSpPr>
-          <p:nvPr>
-            <p:ph type="sldImg"/>
-          </p:nvPr>
-        </p:nvSpPr>
-        <p:spPr/>
-      </p:sp>
-      <p:sp>
-        <p:nvSpPr>
-          <p:cNvPr id="3" name="Espace réservé des commentaires 2"/>
-          <p:cNvSpPr>
-            <a:spLocks noGrp="1"/>
-          </p:cNvSpPr>
-          <p:nvPr>
-            <p:ph type="body" idx="1"/>
-          </p:nvPr>
-        </p:nvSpPr>
-        <p:spPr/>
-        <p:txBody>
-          <a:bodyPr rtlCol="0"/>
-          <a:lstStyle/>
-          <a:p>
-            <a:pPr rtl="0"/>
-            <a:endParaRPr lang="fr-FR"/>
-          </a:p>
-        </p:txBody>
-      </p:sp>
-      <p:sp>
-        <p:nvSpPr>
-          <p:cNvPr id="4" name="Espace réservé du numéro de diapositive 3"/>
-          <p:cNvSpPr>
-            <a:spLocks noGrp="1"/>
-          </p:cNvSpPr>
-          <p:nvPr>
-            <p:ph type="sldNum" sz="quarter" idx="10"/>
-          </p:nvPr>
-        </p:nvSpPr>
-        <p:spPr/>
-        <p:txBody>
-          <a:bodyPr rtlCol="0"/>
-          <a:lstStyle/>
-          <a:p>
-            <a:pPr rtl="0"/>
-            <a:fld id="{82869989-EB00-4EE7-BCB5-25BDC5BB29F8}" type="slidenum">
-              <a:rPr lang="fr-FR" smtClean="0"/>
-              <a:t>16</a:t>
-            </a:fld>
-            <a:endParaRPr lang="fr-FR"/>
-          </a:p>
-        </p:txBody>
-      </p:sp>
-    </p:spTree>
-    <p:extLst>
-      <p:ext uri="{BB962C8B-B14F-4D97-AF65-F5344CB8AC3E}">
-        <p14:creationId xmlns:p14="http://schemas.microsoft.com/office/powerpoint/2010/main" val="3331815480"/>
-      </p:ext>
-    </p:extLst>
-  </p:cSld>
-  <p:clrMapOvr>
-    <a:masterClrMapping/>
-  </p:clrMapOvr>
-</p:notes>
-</file>
-
-<file path=ppt/notesSlides/notesSlide17.xml><?xml version="1.0" encoding="utf-8"?>
-<p:notes xmlns:a="http://schemas.openxmlformats.org/drawingml/2006/main" xmlns:r="http://schemas.openxmlformats.org/officeDocument/2006/relationships" xmlns:p="http://schemas.openxmlformats.org/presentationml/2006/main">
-  <p:cSld>
-    <p:spTree>
-      <p:nvGrpSpPr>
-        <p:cNvPr id="1" name=""/>
-        <p:cNvGrpSpPr/>
-        <p:nvPr/>
-      </p:nvGrpSpPr>
-      <p:grpSpPr>
-        <a:xfrm>
-          <a:off x="0" y="0"/>
-          <a:ext cx="0" cy="0"/>
-          <a:chOff x="0" y="0"/>
-          <a:chExt cx="0" cy="0"/>
-        </a:xfrm>
-      </p:grpSpPr>
-      <p:sp>
-        <p:nvSpPr>
-          <p:cNvPr id="2" name="Espace réservé de l’image des diapositives 1"/>
-          <p:cNvSpPr>
-            <a:spLocks noGrp="1" noRot="1" noChangeAspect="1"/>
-          </p:cNvSpPr>
-          <p:nvPr>
-            <p:ph type="sldImg"/>
-          </p:nvPr>
-        </p:nvSpPr>
-        <p:spPr/>
-      </p:sp>
-      <p:sp>
-        <p:nvSpPr>
-          <p:cNvPr id="3" name="Espace réservé des commentaires 2"/>
-          <p:cNvSpPr>
-            <a:spLocks noGrp="1"/>
-          </p:cNvSpPr>
-          <p:nvPr>
-            <p:ph type="body" idx="1"/>
-          </p:nvPr>
-        </p:nvSpPr>
-        <p:spPr/>
-        <p:txBody>
-          <a:bodyPr rtlCol="0"/>
-          <a:lstStyle/>
-          <a:p>
-            <a:pPr rtl="0"/>
-            <a:endParaRPr lang="fr-FR"/>
-          </a:p>
-        </p:txBody>
-      </p:sp>
-      <p:sp>
-        <p:nvSpPr>
-          <p:cNvPr id="4" name="Espace réservé du numéro de diapositive 3"/>
-          <p:cNvSpPr>
-            <a:spLocks noGrp="1"/>
-          </p:cNvSpPr>
-          <p:nvPr>
-            <p:ph type="sldNum" sz="quarter" idx="10"/>
-          </p:nvPr>
-        </p:nvSpPr>
-        <p:spPr/>
-        <p:txBody>
-          <a:bodyPr rtlCol="0"/>
-          <a:lstStyle/>
-          <a:p>
-            <a:pPr rtl="0"/>
-            <a:fld id="{82869989-EB00-4EE7-BCB5-25BDC5BB29F8}" type="slidenum">
-              <a:rPr lang="fr-FR" smtClean="0"/>
-              <a:t>17</a:t>
-            </a:fld>
-            <a:endParaRPr lang="fr-FR"/>
-          </a:p>
-        </p:txBody>
-      </p:sp>
-    </p:spTree>
-    <p:extLst>
-      <p:ext uri="{BB962C8B-B14F-4D97-AF65-F5344CB8AC3E}">
-        <p14:creationId xmlns:p14="http://schemas.microsoft.com/office/powerpoint/2010/main" val="1001483520"/>
-      </p:ext>
-    </p:extLst>
-  </p:cSld>
-  <p:clrMapOvr>
-    <a:masterClrMapping/>
-  </p:clrMapOvr>
-</p:notes>
-</file>
-
-<file path=ppt/notesSlides/notesSlide18.xml><?xml version="1.0" encoding="utf-8"?>
-<p:notes xmlns:a="http://schemas.openxmlformats.org/drawingml/2006/main" xmlns:r="http://schemas.openxmlformats.org/officeDocument/2006/relationships" xmlns:p="http://schemas.openxmlformats.org/presentationml/2006/main">
-  <p:cSld>
-    <p:spTree>
-      <p:nvGrpSpPr>
-        <p:cNvPr id="1" name=""/>
-        <p:cNvGrpSpPr/>
-        <p:nvPr/>
-      </p:nvGrpSpPr>
-      <p:grpSpPr>
-        <a:xfrm>
-          <a:off x="0" y="0"/>
-          <a:ext cx="0" cy="0"/>
-          <a:chOff x="0" y="0"/>
-          <a:chExt cx="0" cy="0"/>
-        </a:xfrm>
-      </p:grpSpPr>
-      <p:sp>
-        <p:nvSpPr>
-          <p:cNvPr id="2" name="Espace réservé de l’image des diapositives 1"/>
-          <p:cNvSpPr>
-            <a:spLocks noGrp="1" noRot="1" noChangeAspect="1"/>
-          </p:cNvSpPr>
-          <p:nvPr>
-            <p:ph type="sldImg"/>
-          </p:nvPr>
-        </p:nvSpPr>
-        <p:spPr/>
-      </p:sp>
-      <p:sp>
-        <p:nvSpPr>
-          <p:cNvPr id="3" name="Espace réservé des commentaires 2"/>
-          <p:cNvSpPr>
-            <a:spLocks noGrp="1"/>
-          </p:cNvSpPr>
-          <p:nvPr>
-            <p:ph type="body" idx="1"/>
-          </p:nvPr>
-        </p:nvSpPr>
-        <p:spPr/>
-        <p:txBody>
-          <a:bodyPr rtlCol="0"/>
-          <a:lstStyle/>
-          <a:p>
-            <a:pPr rtl="0"/>
-            <a:endParaRPr lang="fr-FR"/>
-          </a:p>
-        </p:txBody>
-      </p:sp>
-      <p:sp>
-        <p:nvSpPr>
-          <p:cNvPr id="4" name="Espace réservé du numéro de diapositive 3"/>
-          <p:cNvSpPr>
-            <a:spLocks noGrp="1"/>
-          </p:cNvSpPr>
-          <p:nvPr>
-            <p:ph type="sldNum" sz="quarter" idx="10"/>
-          </p:nvPr>
-        </p:nvSpPr>
-        <p:spPr/>
-        <p:txBody>
-          <a:bodyPr rtlCol="0"/>
-          <a:lstStyle/>
-          <a:p>
-            <a:pPr rtl="0"/>
-            <a:fld id="{82869989-EB00-4EE7-BCB5-25BDC5BB29F8}" type="slidenum">
-              <a:rPr lang="fr-FR" smtClean="0"/>
-              <a:t>18</a:t>
-            </a:fld>
-            <a:endParaRPr lang="fr-FR"/>
-          </a:p>
-        </p:txBody>
-      </p:sp>
-    </p:spTree>
-    <p:extLst>
-      <p:ext uri="{BB962C8B-B14F-4D97-AF65-F5344CB8AC3E}">
-        <p14:creationId xmlns:p14="http://schemas.microsoft.com/office/powerpoint/2010/main" val="2214580252"/>
-      </p:ext>
-    </p:extLst>
-  </p:cSld>
-  <p:clrMapOvr>
-    <a:masterClrMapping/>
-  </p:clrMapOvr>
-</p:notes>
-</file>
-
-<file path=ppt/notesSlides/notesSlide19.xml><?xml version="1.0" encoding="utf-8"?>
-<p:notes xmlns:a="http://schemas.openxmlformats.org/drawingml/2006/main" xmlns:r="http://schemas.openxmlformats.org/officeDocument/2006/relationships" xmlns:p="http://schemas.openxmlformats.org/presentationml/2006/main">
-  <p:cSld>
-    <p:spTree>
-      <p:nvGrpSpPr>
-        <p:cNvPr id="1" name=""/>
-        <p:cNvGrpSpPr/>
-        <p:nvPr/>
-      </p:nvGrpSpPr>
-      <p:grpSpPr>
-        <a:xfrm>
-          <a:off x="0" y="0"/>
-          <a:ext cx="0" cy="0"/>
-          <a:chOff x="0" y="0"/>
-          <a:chExt cx="0" cy="0"/>
-        </a:xfrm>
-      </p:grpSpPr>
-      <p:sp>
-        <p:nvSpPr>
-          <p:cNvPr id="2" name="Espace réservé de l’image des diapositives 1"/>
-          <p:cNvSpPr>
-            <a:spLocks noGrp="1" noRot="1" noChangeAspect="1"/>
-          </p:cNvSpPr>
-          <p:nvPr>
-            <p:ph type="sldImg"/>
-          </p:nvPr>
-        </p:nvSpPr>
-        <p:spPr/>
-      </p:sp>
-      <p:sp>
-        <p:nvSpPr>
-          <p:cNvPr id="3" name="Espace réservé des commentaires 2"/>
-          <p:cNvSpPr>
-            <a:spLocks noGrp="1"/>
-          </p:cNvSpPr>
-          <p:nvPr>
-            <p:ph type="body" idx="1"/>
-          </p:nvPr>
-        </p:nvSpPr>
-        <p:spPr/>
-        <p:txBody>
-          <a:bodyPr rtlCol="0"/>
-          <a:lstStyle/>
-          <a:p>
-            <a:pPr rtl="0"/>
-            <a:endParaRPr lang="fr-FR"/>
-          </a:p>
-        </p:txBody>
-      </p:sp>
-      <p:sp>
-        <p:nvSpPr>
-          <p:cNvPr id="4" name="Espace réservé du numéro de diapositive 3"/>
-          <p:cNvSpPr>
-            <a:spLocks noGrp="1"/>
-          </p:cNvSpPr>
-          <p:nvPr>
-            <p:ph type="sldNum" sz="quarter" idx="10"/>
-          </p:nvPr>
-        </p:nvSpPr>
-        <p:spPr/>
-        <p:txBody>
-          <a:bodyPr rtlCol="0"/>
-          <a:lstStyle/>
-          <a:p>
-            <a:pPr rtl="0"/>
-            <a:fld id="{82869989-EB00-4EE7-BCB5-25BDC5BB29F8}" type="slidenum">
-              <a:rPr lang="fr-FR" smtClean="0"/>
-              <a:t>19</a:t>
-            </a:fld>
-            <a:endParaRPr lang="fr-FR"/>
-          </a:p>
-        </p:txBody>
-      </p:sp>
-    </p:spTree>
-    <p:extLst>
-      <p:ext uri="{BB962C8B-B14F-4D97-AF65-F5344CB8AC3E}">
-        <p14:creationId xmlns:p14="http://schemas.microsoft.com/office/powerpoint/2010/main" val="2829527115"/>
+        <p14:creationId xmlns:p14="http://schemas.microsoft.com/office/powerpoint/2010/main" val="2182563699"/>
       </p:ext>
     </p:extLst>
   </p:cSld>
@@ -7191,350 +6666,6 @@
     <p:extLst>
       <p:ext uri="{BB962C8B-B14F-4D97-AF65-F5344CB8AC3E}">
         <p14:creationId xmlns:p14="http://schemas.microsoft.com/office/powerpoint/2010/main" val="1980303916"/>
-      </p:ext>
-    </p:extLst>
-  </p:cSld>
-  <p:clrMapOvr>
-    <a:masterClrMapping/>
-  </p:clrMapOvr>
-</p:notes>
-</file>
-
-<file path=ppt/notesSlides/notesSlide20.xml><?xml version="1.0" encoding="utf-8"?>
-<p:notes xmlns:a="http://schemas.openxmlformats.org/drawingml/2006/main" xmlns:r="http://schemas.openxmlformats.org/officeDocument/2006/relationships" xmlns:p="http://schemas.openxmlformats.org/presentationml/2006/main">
-  <p:cSld>
-    <p:spTree>
-      <p:nvGrpSpPr>
-        <p:cNvPr id="1" name=""/>
-        <p:cNvGrpSpPr/>
-        <p:nvPr/>
-      </p:nvGrpSpPr>
-      <p:grpSpPr>
-        <a:xfrm>
-          <a:off x="0" y="0"/>
-          <a:ext cx="0" cy="0"/>
-          <a:chOff x="0" y="0"/>
-          <a:chExt cx="0" cy="0"/>
-        </a:xfrm>
-      </p:grpSpPr>
-      <p:sp>
-        <p:nvSpPr>
-          <p:cNvPr id="2" name="Espace réservé de l’image des diapositives 1"/>
-          <p:cNvSpPr>
-            <a:spLocks noGrp="1" noRot="1" noChangeAspect="1"/>
-          </p:cNvSpPr>
-          <p:nvPr>
-            <p:ph type="sldImg"/>
-          </p:nvPr>
-        </p:nvSpPr>
-        <p:spPr/>
-      </p:sp>
-      <p:sp>
-        <p:nvSpPr>
-          <p:cNvPr id="3" name="Espace réservé des commentaires 2"/>
-          <p:cNvSpPr>
-            <a:spLocks noGrp="1"/>
-          </p:cNvSpPr>
-          <p:nvPr>
-            <p:ph type="body" idx="1"/>
-          </p:nvPr>
-        </p:nvSpPr>
-        <p:spPr/>
-        <p:txBody>
-          <a:bodyPr rtlCol="0"/>
-          <a:lstStyle/>
-          <a:p>
-            <a:pPr rtl="0"/>
-            <a:endParaRPr lang="fr-FR"/>
-          </a:p>
-        </p:txBody>
-      </p:sp>
-      <p:sp>
-        <p:nvSpPr>
-          <p:cNvPr id="4" name="Espace réservé du numéro de diapositive 3"/>
-          <p:cNvSpPr>
-            <a:spLocks noGrp="1"/>
-          </p:cNvSpPr>
-          <p:nvPr>
-            <p:ph type="sldNum" sz="quarter" idx="10"/>
-          </p:nvPr>
-        </p:nvSpPr>
-        <p:spPr/>
-        <p:txBody>
-          <a:bodyPr rtlCol="0"/>
-          <a:lstStyle/>
-          <a:p>
-            <a:pPr rtl="0"/>
-            <a:fld id="{82869989-EB00-4EE7-BCB5-25BDC5BB29F8}" type="slidenum">
-              <a:rPr lang="fr-FR" smtClean="0"/>
-              <a:t>20</a:t>
-            </a:fld>
-            <a:endParaRPr lang="fr-FR"/>
-          </a:p>
-        </p:txBody>
-      </p:sp>
-    </p:spTree>
-    <p:extLst>
-      <p:ext uri="{BB962C8B-B14F-4D97-AF65-F5344CB8AC3E}">
-        <p14:creationId xmlns:p14="http://schemas.microsoft.com/office/powerpoint/2010/main" val="4203938709"/>
-      </p:ext>
-    </p:extLst>
-  </p:cSld>
-  <p:clrMapOvr>
-    <a:masterClrMapping/>
-  </p:clrMapOvr>
-</p:notes>
-</file>
-
-<file path=ppt/notesSlides/notesSlide21.xml><?xml version="1.0" encoding="utf-8"?>
-<p:notes xmlns:a="http://schemas.openxmlformats.org/drawingml/2006/main" xmlns:r="http://schemas.openxmlformats.org/officeDocument/2006/relationships" xmlns:p="http://schemas.openxmlformats.org/presentationml/2006/main">
-  <p:cSld>
-    <p:spTree>
-      <p:nvGrpSpPr>
-        <p:cNvPr id="1" name=""/>
-        <p:cNvGrpSpPr/>
-        <p:nvPr/>
-      </p:nvGrpSpPr>
-      <p:grpSpPr>
-        <a:xfrm>
-          <a:off x="0" y="0"/>
-          <a:ext cx="0" cy="0"/>
-          <a:chOff x="0" y="0"/>
-          <a:chExt cx="0" cy="0"/>
-        </a:xfrm>
-      </p:grpSpPr>
-      <p:sp>
-        <p:nvSpPr>
-          <p:cNvPr id="2" name="Espace réservé de l’image des diapositives 1"/>
-          <p:cNvSpPr>
-            <a:spLocks noGrp="1" noRot="1" noChangeAspect="1"/>
-          </p:cNvSpPr>
-          <p:nvPr>
-            <p:ph type="sldImg"/>
-          </p:nvPr>
-        </p:nvSpPr>
-        <p:spPr/>
-      </p:sp>
-      <p:sp>
-        <p:nvSpPr>
-          <p:cNvPr id="3" name="Espace réservé des commentaires 2"/>
-          <p:cNvSpPr>
-            <a:spLocks noGrp="1"/>
-          </p:cNvSpPr>
-          <p:nvPr>
-            <p:ph type="body" idx="1"/>
-          </p:nvPr>
-        </p:nvSpPr>
-        <p:spPr/>
-        <p:txBody>
-          <a:bodyPr rtlCol="0"/>
-          <a:lstStyle/>
-          <a:p>
-            <a:pPr rtl="0"/>
-            <a:endParaRPr lang="fr-FR"/>
-          </a:p>
-        </p:txBody>
-      </p:sp>
-      <p:sp>
-        <p:nvSpPr>
-          <p:cNvPr id="4" name="Espace réservé du numéro de diapositive 3"/>
-          <p:cNvSpPr>
-            <a:spLocks noGrp="1"/>
-          </p:cNvSpPr>
-          <p:nvPr>
-            <p:ph type="sldNum" sz="quarter" idx="10"/>
-          </p:nvPr>
-        </p:nvSpPr>
-        <p:spPr/>
-        <p:txBody>
-          <a:bodyPr rtlCol="0"/>
-          <a:lstStyle/>
-          <a:p>
-            <a:pPr rtl="0"/>
-            <a:fld id="{82869989-EB00-4EE7-BCB5-25BDC5BB29F8}" type="slidenum">
-              <a:rPr lang="fr-FR" smtClean="0"/>
-              <a:t>21</a:t>
-            </a:fld>
-            <a:endParaRPr lang="fr-FR"/>
-          </a:p>
-        </p:txBody>
-      </p:sp>
-    </p:spTree>
-    <p:extLst>
-      <p:ext uri="{BB962C8B-B14F-4D97-AF65-F5344CB8AC3E}">
-        <p14:creationId xmlns:p14="http://schemas.microsoft.com/office/powerpoint/2010/main" val="4271676591"/>
-      </p:ext>
-    </p:extLst>
-  </p:cSld>
-  <p:clrMapOvr>
-    <a:masterClrMapping/>
-  </p:clrMapOvr>
-</p:notes>
-</file>
-
-<file path=ppt/notesSlides/notesSlide22.xml><?xml version="1.0" encoding="utf-8"?>
-<p:notes xmlns:a="http://schemas.openxmlformats.org/drawingml/2006/main" xmlns:r="http://schemas.openxmlformats.org/officeDocument/2006/relationships" xmlns:p="http://schemas.openxmlformats.org/presentationml/2006/main">
-  <p:cSld>
-    <p:spTree>
-      <p:nvGrpSpPr>
-        <p:cNvPr id="1" name=""/>
-        <p:cNvGrpSpPr/>
-        <p:nvPr/>
-      </p:nvGrpSpPr>
-      <p:grpSpPr>
-        <a:xfrm>
-          <a:off x="0" y="0"/>
-          <a:ext cx="0" cy="0"/>
-          <a:chOff x="0" y="0"/>
-          <a:chExt cx="0" cy="0"/>
-        </a:xfrm>
-      </p:grpSpPr>
-      <p:sp>
-        <p:nvSpPr>
-          <p:cNvPr id="2" name="Espace réservé de l’image des diapositives 1"/>
-          <p:cNvSpPr>
-            <a:spLocks noGrp="1" noRot="1" noChangeAspect="1"/>
-          </p:cNvSpPr>
-          <p:nvPr>
-            <p:ph type="sldImg"/>
-          </p:nvPr>
-        </p:nvSpPr>
-        <p:spPr/>
-      </p:sp>
-      <p:sp>
-        <p:nvSpPr>
-          <p:cNvPr id="3" name="Espace réservé des commentaires 2"/>
-          <p:cNvSpPr>
-            <a:spLocks noGrp="1"/>
-          </p:cNvSpPr>
-          <p:nvPr>
-            <p:ph type="body" idx="1"/>
-          </p:nvPr>
-        </p:nvSpPr>
-        <p:spPr/>
-        <p:txBody>
-          <a:bodyPr rtlCol="0"/>
-          <a:lstStyle/>
-          <a:p>
-            <a:pPr rtl="0"/>
-            <a:endParaRPr lang="fr-FR"/>
-          </a:p>
-        </p:txBody>
-      </p:sp>
-      <p:sp>
-        <p:nvSpPr>
-          <p:cNvPr id="4" name="Espace réservé du numéro de diapositive 3"/>
-          <p:cNvSpPr>
-            <a:spLocks noGrp="1"/>
-          </p:cNvSpPr>
-          <p:nvPr>
-            <p:ph type="sldNum" sz="quarter" idx="10"/>
-          </p:nvPr>
-        </p:nvSpPr>
-        <p:spPr/>
-        <p:txBody>
-          <a:bodyPr rtlCol="0"/>
-          <a:lstStyle/>
-          <a:p>
-            <a:pPr rtl="0"/>
-            <a:fld id="{82869989-EB00-4EE7-BCB5-25BDC5BB29F8}" type="slidenum">
-              <a:rPr lang="fr-FR" smtClean="0"/>
-              <a:t>22</a:t>
-            </a:fld>
-            <a:endParaRPr lang="fr-FR"/>
-          </a:p>
-        </p:txBody>
-      </p:sp>
-    </p:spTree>
-    <p:extLst>
-      <p:ext uri="{BB962C8B-B14F-4D97-AF65-F5344CB8AC3E}">
-        <p14:creationId xmlns:p14="http://schemas.microsoft.com/office/powerpoint/2010/main" val="863095892"/>
-      </p:ext>
-    </p:extLst>
-  </p:cSld>
-  <p:clrMapOvr>
-    <a:masterClrMapping/>
-  </p:clrMapOvr>
-</p:notes>
-</file>
-
-<file path=ppt/notesSlides/notesSlide23.xml><?xml version="1.0" encoding="utf-8"?>
-<p:notes xmlns:a="http://schemas.openxmlformats.org/drawingml/2006/main" xmlns:r="http://schemas.openxmlformats.org/officeDocument/2006/relationships" xmlns:p="http://schemas.openxmlformats.org/presentationml/2006/main">
-  <p:cSld>
-    <p:spTree>
-      <p:nvGrpSpPr>
-        <p:cNvPr id="1" name=""/>
-        <p:cNvGrpSpPr/>
-        <p:nvPr/>
-      </p:nvGrpSpPr>
-      <p:grpSpPr>
-        <a:xfrm>
-          <a:off x="0" y="0"/>
-          <a:ext cx="0" cy="0"/>
-          <a:chOff x="0" y="0"/>
-          <a:chExt cx="0" cy="0"/>
-        </a:xfrm>
-      </p:grpSpPr>
-      <p:sp>
-        <p:nvSpPr>
-          <p:cNvPr id="2" name="Espace réservé de l’image des diapositives 1"/>
-          <p:cNvSpPr>
-            <a:spLocks noGrp="1" noRot="1" noChangeAspect="1"/>
-          </p:cNvSpPr>
-          <p:nvPr>
-            <p:ph type="sldImg"/>
-          </p:nvPr>
-        </p:nvSpPr>
-        <p:spPr/>
-      </p:sp>
-      <p:sp>
-        <p:nvSpPr>
-          <p:cNvPr id="3" name="Espace réservé des commentaires 2"/>
-          <p:cNvSpPr>
-            <a:spLocks noGrp="1"/>
-          </p:cNvSpPr>
-          <p:nvPr>
-            <p:ph type="body" idx="1"/>
-          </p:nvPr>
-        </p:nvSpPr>
-        <p:spPr/>
-        <p:txBody>
-          <a:bodyPr rtlCol="0"/>
-          <a:lstStyle/>
-          <a:p>
-            <a:pPr rtl="0"/>
-            <a:endParaRPr lang="fr-FR"/>
-          </a:p>
-        </p:txBody>
-      </p:sp>
-      <p:sp>
-        <p:nvSpPr>
-          <p:cNvPr id="4" name="Espace réservé du numéro de diapositive 3"/>
-          <p:cNvSpPr>
-            <a:spLocks noGrp="1"/>
-          </p:cNvSpPr>
-          <p:nvPr>
-            <p:ph type="sldNum" sz="quarter" idx="10"/>
-          </p:nvPr>
-        </p:nvSpPr>
-        <p:spPr/>
-        <p:txBody>
-          <a:bodyPr rtlCol="0"/>
-          <a:lstStyle/>
-          <a:p>
-            <a:pPr rtl="0"/>
-            <a:fld id="{82869989-EB00-4EE7-BCB5-25BDC5BB29F8}" type="slidenum">
-              <a:rPr lang="fr-FR" smtClean="0"/>
-              <a:t>23</a:t>
-            </a:fld>
-            <a:endParaRPr lang="fr-FR"/>
-          </a:p>
-        </p:txBody>
-      </p:sp>
-    </p:spTree>
-    <p:extLst>
-      <p:ext uri="{BB962C8B-B14F-4D97-AF65-F5344CB8AC3E}">
-        <p14:creationId xmlns:p14="http://schemas.microsoft.com/office/powerpoint/2010/main" val="2182563699"/>
       </p:ext>
     </p:extLst>
   </p:cSld>
@@ -7873,7 +7004,7 @@
             <a:pPr rtl="0"/>
             <a:fld id="{82869989-EB00-4EE7-BCB5-25BDC5BB29F8}" type="slidenum">
               <a:rPr lang="fr-FR" smtClean="0"/>
-              <a:t>6</a:t>
+              <a:t>7</a:t>
             </a:fld>
             <a:endParaRPr lang="fr-FR"/>
           </a:p>
@@ -7959,7 +7090,7 @@
             <a:pPr rtl="0"/>
             <a:fld id="{82869989-EB00-4EE7-BCB5-25BDC5BB29F8}" type="slidenum">
               <a:rPr lang="fr-FR" smtClean="0"/>
-              <a:t>7</a:t>
+              <a:t>8</a:t>
             </a:fld>
             <a:endParaRPr lang="fr-FR"/>
           </a:p>
@@ -7968,7 +7099,7 @@
     </p:spTree>
     <p:extLst>
       <p:ext uri="{BB962C8B-B14F-4D97-AF65-F5344CB8AC3E}">
-        <p14:creationId xmlns:p14="http://schemas.microsoft.com/office/powerpoint/2010/main" val="873243940"/>
+        <p14:creationId xmlns:p14="http://schemas.microsoft.com/office/powerpoint/2010/main" val="1001483520"/>
       </p:ext>
     </p:extLst>
   </p:cSld>
@@ -8045,7 +7176,7 @@
             <a:pPr rtl="0"/>
             <a:fld id="{82869989-EB00-4EE7-BCB5-25BDC5BB29F8}" type="slidenum">
               <a:rPr lang="fr-FR" smtClean="0"/>
-              <a:t>8</a:t>
+              <a:t>9</a:t>
             </a:fld>
             <a:endParaRPr lang="fr-FR"/>
           </a:p>
@@ -8054,7 +7185,7 @@
     </p:spTree>
     <p:extLst>
       <p:ext uri="{BB962C8B-B14F-4D97-AF65-F5344CB8AC3E}">
-        <p14:creationId xmlns:p14="http://schemas.microsoft.com/office/powerpoint/2010/main" val="2910795403"/>
+        <p14:creationId xmlns:p14="http://schemas.microsoft.com/office/powerpoint/2010/main" val="2214580252"/>
       </p:ext>
     </p:extLst>
   </p:cSld>
@@ -8131,7 +7262,7 @@
             <a:pPr rtl="0"/>
             <a:fld id="{82869989-EB00-4EE7-BCB5-25BDC5BB29F8}" type="slidenum">
               <a:rPr lang="fr-FR" smtClean="0"/>
-              <a:t>9</a:t>
+              <a:t>10</a:t>
             </a:fld>
             <a:endParaRPr lang="fr-FR"/>
           </a:p>
@@ -8140,7 +7271,7 @@
     </p:spTree>
     <p:extLst>
       <p:ext uri="{BB962C8B-B14F-4D97-AF65-F5344CB8AC3E}">
-        <p14:creationId xmlns:p14="http://schemas.microsoft.com/office/powerpoint/2010/main" val="37653776"/>
+        <p14:creationId xmlns:p14="http://schemas.microsoft.com/office/powerpoint/2010/main" val="2829527115"/>
       </p:ext>
     </p:extLst>
   </p:cSld>
@@ -22691,47 +21822,207 @@
             <a:pPr rtl="0"/>
             <a:r>
               <a:rPr lang="en-US" dirty="0"/>
-              <a:t>Presentation of the website | Events</a:t>
+              <a:t>Functionalities | Member of student’s office</a:t>
             </a:r>
           </a:p>
         </p:txBody>
       </p:sp>
-      <p:pic>
-        <p:nvPicPr>
-          <p:cNvPr id="6" name="Espace réservé du contenu 5">
+      <p:graphicFrame>
+        <p:nvGraphicFramePr>
+          <p:cNvPr id="7" name="Espace réservé du contenu 6">
             <a:extLst>
               <a:ext uri="{FF2B5EF4-FFF2-40B4-BE49-F238E27FC236}">
-                <a16:creationId xmlns:a16="http://schemas.microsoft.com/office/drawing/2014/main" id="{7530F84D-5223-4CA4-8670-DA96C40F7CAC}"/>
+                <a16:creationId xmlns:a16="http://schemas.microsoft.com/office/drawing/2014/main" id="{ED3DDB86-DAA6-4EDA-BD41-D807339A77FC}"/>
               </a:ext>
             </a:extLst>
           </p:cNvPr>
-          <p:cNvPicPr>
-            <a:picLocks noGrp="1" noChangeAspect="1"/>
-          </p:cNvPicPr>
+          <p:cNvGraphicFramePr>
+            <a:graphicFrameLocks noGrp="1"/>
+          </p:cNvGraphicFramePr>
           <p:nvPr>
             <p:ph idx="1"/>
+            <p:extLst>
+              <p:ext uri="{D42A27DB-BD31-4B8C-83A1-F6EECF244321}">
+                <p14:modId xmlns:p14="http://schemas.microsoft.com/office/powerpoint/2010/main" val="2581481426"/>
+              </p:ext>
+            </p:extLst>
           </p:nvPr>
-        </p:nvPicPr>
-        <p:blipFill>
-          <a:blip r:embed="rId3"/>
-          <a:stretch>
-            <a:fillRect/>
-          </a:stretch>
-        </p:blipFill>
-        <p:spPr>
-          <a:xfrm>
-            <a:off x="2682027" y="1646238"/>
-            <a:ext cx="6827946" cy="4422940"/>
-          </a:xfrm>
-          <a:prstGeom prst="rect">
-            <a:avLst/>
-          </a:prstGeom>
-        </p:spPr>
-      </p:pic>
+        </p:nvGraphicFramePr>
+        <p:xfrm>
+          <a:off x="1295399" y="1981199"/>
+          <a:ext cx="9269027" cy="2256410"/>
+        </p:xfrm>
+        <a:graphic>
+          <a:graphicData uri="http://schemas.openxmlformats.org/drawingml/2006/table">
+            <a:tbl>
+              <a:tblPr firstRow="1" bandRow="1">
+                <a:tableStyleId>{69012ECD-51FC-41F1-AA8D-1B2483CD663E}</a:tableStyleId>
+              </a:tblPr>
+              <a:tblGrid>
+                <a:gridCol w="6944236">
+                  <a:extLst>
+                    <a:ext uri="{9D8B030D-6E8A-4147-A177-3AD203B41FA5}">
+                      <a16:colId xmlns:a16="http://schemas.microsoft.com/office/drawing/2014/main" val="3286242763"/>
+                    </a:ext>
+                  </a:extLst>
+                </a:gridCol>
+                <a:gridCol w="2324791">
+                  <a:extLst>
+                    <a:ext uri="{9D8B030D-6E8A-4147-A177-3AD203B41FA5}">
+                      <a16:colId xmlns:a16="http://schemas.microsoft.com/office/drawing/2014/main" val="1584885993"/>
+                    </a:ext>
+                  </a:extLst>
+                </a:gridCol>
+              </a:tblGrid>
+              <a:tr h="451282">
+                <a:tc>
+                  <a:txBody>
+                    <a:bodyPr/>
+                    <a:lstStyle/>
+                    <a:p>
+                      <a:r>
+                        <a:rPr lang="en-US" noProof="0" dirty="0"/>
+                        <a:t>Functionalities </a:t>
+                      </a:r>
+                    </a:p>
+                  </a:txBody>
+                  <a:tcPr/>
+                </a:tc>
+                <a:tc>
+                  <a:txBody>
+                    <a:bodyPr/>
+                    <a:lstStyle/>
+                    <a:p>
+                      <a:r>
+                        <a:rPr lang="en-US" noProof="0" dirty="0"/>
+                        <a:t>Work done</a:t>
+                      </a:r>
+                    </a:p>
+                  </a:txBody>
+                  <a:tcPr/>
+                </a:tc>
+                <a:extLst>
+                  <a:ext uri="{0D108BD9-81ED-4DB2-BD59-A6C34878D82A}">
+                    <a16:rowId xmlns:a16="http://schemas.microsoft.com/office/drawing/2014/main" val="3634986758"/>
+                  </a:ext>
+                </a:extLst>
+              </a:tr>
+              <a:tr h="451282">
+                <a:tc>
+                  <a:txBody>
+                    <a:bodyPr/>
+                    <a:lstStyle/>
+                    <a:p>
+                      <a:endParaRPr lang="en-US" noProof="0" dirty="0"/>
+                    </a:p>
+                  </a:txBody>
+                  <a:tcPr/>
+                </a:tc>
+                <a:tc>
+                  <a:txBody>
+                    <a:bodyPr/>
+                    <a:lstStyle/>
+                    <a:p>
+                      <a:endParaRPr lang="en-US" noProof="0" dirty="0"/>
+                    </a:p>
+                  </a:txBody>
+                  <a:tcPr/>
+                </a:tc>
+                <a:extLst>
+                  <a:ext uri="{0D108BD9-81ED-4DB2-BD59-A6C34878D82A}">
+                    <a16:rowId xmlns:a16="http://schemas.microsoft.com/office/drawing/2014/main" val="1492406737"/>
+                  </a:ext>
+                </a:extLst>
+              </a:tr>
+              <a:tr h="451282">
+                <a:tc>
+                  <a:txBody>
+                    <a:bodyPr/>
+                    <a:lstStyle/>
+                    <a:p>
+                      <a:endParaRPr lang="en-US" noProof="0" dirty="0"/>
+                    </a:p>
+                  </a:txBody>
+                  <a:tcPr/>
+                </a:tc>
+                <a:tc>
+                  <a:txBody>
+                    <a:bodyPr/>
+                    <a:lstStyle/>
+                    <a:p>
+                      <a:endParaRPr lang="en-US" noProof="0" dirty="0"/>
+                    </a:p>
+                  </a:txBody>
+                  <a:tcPr/>
+                </a:tc>
+                <a:extLst>
+                  <a:ext uri="{0D108BD9-81ED-4DB2-BD59-A6C34878D82A}">
+                    <a16:rowId xmlns:a16="http://schemas.microsoft.com/office/drawing/2014/main" val="340685965"/>
+                  </a:ext>
+                </a:extLst>
+              </a:tr>
+              <a:tr h="451282">
+                <a:tc>
+                  <a:txBody>
+                    <a:bodyPr/>
+                    <a:lstStyle/>
+                    <a:p>
+                      <a:endParaRPr lang="en-US" noProof="0" dirty="0"/>
+                    </a:p>
+                  </a:txBody>
+                  <a:tcPr/>
+                </a:tc>
+                <a:tc>
+                  <a:txBody>
+                    <a:bodyPr/>
+                    <a:lstStyle/>
+                    <a:p>
+                      <a:endParaRPr lang="en-US" noProof="0" dirty="0"/>
+                    </a:p>
+                  </a:txBody>
+                  <a:tcPr/>
+                </a:tc>
+                <a:extLst>
+                  <a:ext uri="{0D108BD9-81ED-4DB2-BD59-A6C34878D82A}">
+                    <a16:rowId xmlns:a16="http://schemas.microsoft.com/office/drawing/2014/main" val="2064031335"/>
+                  </a:ext>
+                </a:extLst>
+              </a:tr>
+              <a:tr h="451282">
+                <a:tc>
+                  <a:txBody>
+                    <a:bodyPr/>
+                    <a:lstStyle/>
+                    <a:p>
+                      <a:endParaRPr lang="en-US" noProof="0" dirty="0"/>
+                    </a:p>
+                  </a:txBody>
+                  <a:tcPr/>
+                </a:tc>
+                <a:tc>
+                  <a:txBody>
+                    <a:bodyPr/>
+                    <a:lstStyle/>
+                    <a:p>
+                      <a:endParaRPr lang="en-US" noProof="0" dirty="0"/>
+                    </a:p>
+                  </a:txBody>
+                  <a:tcPr/>
+                </a:tc>
+                <a:extLst>
+                  <a:ext uri="{0D108BD9-81ED-4DB2-BD59-A6C34878D82A}">
+                    <a16:rowId xmlns:a16="http://schemas.microsoft.com/office/drawing/2014/main" val="851991289"/>
+                  </a:ext>
+                </a:extLst>
+              </a:tr>
+            </a:tbl>
+          </a:graphicData>
+        </a:graphic>
+      </p:graphicFrame>
     </p:spTree>
     <p:extLst>
       <p:ext uri="{BB962C8B-B14F-4D97-AF65-F5344CB8AC3E}">
-        <p14:creationId xmlns:p14="http://schemas.microsoft.com/office/powerpoint/2010/main" val="824868732"/>
+        <p14:creationId xmlns:p14="http://schemas.microsoft.com/office/powerpoint/2010/main" val="861159324"/>
       </p:ext>
     </p:extLst>
   </p:cSld>
@@ -22788,40 +22079,207 @@
             <a:pPr rtl="0"/>
             <a:r>
               <a:rPr lang="en-US" dirty="0"/>
-              <a:t>Presentation of the website | </a:t>
+              <a:t>Functionalities | CESI Employees</a:t>
             </a:r>
-            <a:r>
-              <a:rPr lang="en-US" dirty="0" err="1"/>
-              <a:t>Ideabox</a:t>
-            </a:r>
-            <a:endParaRPr lang="en-US" dirty="0"/>
           </a:p>
         </p:txBody>
       </p:sp>
-      <p:sp>
-        <p:nvSpPr>
-          <p:cNvPr id="3" name="Espace réservé du contenu 2"/>
-          <p:cNvSpPr>
-            <a:spLocks noGrp="1"/>
-          </p:cNvSpPr>
+      <p:graphicFrame>
+        <p:nvGraphicFramePr>
+          <p:cNvPr id="7" name="Espace réservé du contenu 6">
+            <a:extLst>
+              <a:ext uri="{FF2B5EF4-FFF2-40B4-BE49-F238E27FC236}">
+                <a16:creationId xmlns:a16="http://schemas.microsoft.com/office/drawing/2014/main" id="{ED3DDB86-DAA6-4EDA-BD41-D807339A77FC}"/>
+              </a:ext>
+            </a:extLst>
+          </p:cNvPr>
+          <p:cNvGraphicFramePr>
+            <a:graphicFrameLocks noGrp="1"/>
+          </p:cNvGraphicFramePr>
           <p:nvPr>
             <p:ph idx="1"/>
+            <p:extLst>
+              <p:ext uri="{D42A27DB-BD31-4B8C-83A1-F6EECF244321}">
+                <p14:modId xmlns:p14="http://schemas.microsoft.com/office/powerpoint/2010/main" val="3719578880"/>
+              </p:ext>
+            </p:extLst>
           </p:nvPr>
-        </p:nvSpPr>
-        <p:spPr/>
-        <p:txBody>
-          <a:bodyPr rtlCol="0"/>
-          <a:lstStyle/>
-          <a:p>
-            <a:pPr rtl="0"/>
-            <a:endParaRPr lang="en-US" dirty="0"/>
-          </a:p>
-        </p:txBody>
-      </p:sp>
+        </p:nvGraphicFramePr>
+        <p:xfrm>
+          <a:off x="1295399" y="1981199"/>
+          <a:ext cx="9269027" cy="2256410"/>
+        </p:xfrm>
+        <a:graphic>
+          <a:graphicData uri="http://schemas.openxmlformats.org/drawingml/2006/table">
+            <a:tbl>
+              <a:tblPr firstRow="1" bandRow="1">
+                <a:tableStyleId>{69012ECD-51FC-41F1-AA8D-1B2483CD663E}</a:tableStyleId>
+              </a:tblPr>
+              <a:tblGrid>
+                <a:gridCol w="6944236">
+                  <a:extLst>
+                    <a:ext uri="{9D8B030D-6E8A-4147-A177-3AD203B41FA5}">
+                      <a16:colId xmlns:a16="http://schemas.microsoft.com/office/drawing/2014/main" val="3286242763"/>
+                    </a:ext>
+                  </a:extLst>
+                </a:gridCol>
+                <a:gridCol w="2324791">
+                  <a:extLst>
+                    <a:ext uri="{9D8B030D-6E8A-4147-A177-3AD203B41FA5}">
+                      <a16:colId xmlns:a16="http://schemas.microsoft.com/office/drawing/2014/main" val="1584885993"/>
+                    </a:ext>
+                  </a:extLst>
+                </a:gridCol>
+              </a:tblGrid>
+              <a:tr h="451282">
+                <a:tc>
+                  <a:txBody>
+                    <a:bodyPr/>
+                    <a:lstStyle/>
+                    <a:p>
+                      <a:r>
+                        <a:rPr lang="en-US" noProof="0" dirty="0"/>
+                        <a:t>Functionalities </a:t>
+                      </a:r>
+                    </a:p>
+                  </a:txBody>
+                  <a:tcPr/>
+                </a:tc>
+                <a:tc>
+                  <a:txBody>
+                    <a:bodyPr/>
+                    <a:lstStyle/>
+                    <a:p>
+                      <a:r>
+                        <a:rPr lang="en-US" noProof="0" dirty="0"/>
+                        <a:t>Work done</a:t>
+                      </a:r>
+                    </a:p>
+                  </a:txBody>
+                  <a:tcPr/>
+                </a:tc>
+                <a:extLst>
+                  <a:ext uri="{0D108BD9-81ED-4DB2-BD59-A6C34878D82A}">
+                    <a16:rowId xmlns:a16="http://schemas.microsoft.com/office/drawing/2014/main" val="3634986758"/>
+                  </a:ext>
+                </a:extLst>
+              </a:tr>
+              <a:tr h="451282">
+                <a:tc>
+                  <a:txBody>
+                    <a:bodyPr/>
+                    <a:lstStyle/>
+                    <a:p>
+                      <a:endParaRPr lang="en-US" noProof="0" dirty="0"/>
+                    </a:p>
+                  </a:txBody>
+                  <a:tcPr/>
+                </a:tc>
+                <a:tc>
+                  <a:txBody>
+                    <a:bodyPr/>
+                    <a:lstStyle/>
+                    <a:p>
+                      <a:endParaRPr lang="en-US" noProof="0" dirty="0"/>
+                    </a:p>
+                  </a:txBody>
+                  <a:tcPr/>
+                </a:tc>
+                <a:extLst>
+                  <a:ext uri="{0D108BD9-81ED-4DB2-BD59-A6C34878D82A}">
+                    <a16:rowId xmlns:a16="http://schemas.microsoft.com/office/drawing/2014/main" val="1492406737"/>
+                  </a:ext>
+                </a:extLst>
+              </a:tr>
+              <a:tr h="451282">
+                <a:tc>
+                  <a:txBody>
+                    <a:bodyPr/>
+                    <a:lstStyle/>
+                    <a:p>
+                      <a:endParaRPr lang="en-US" noProof="0" dirty="0"/>
+                    </a:p>
+                  </a:txBody>
+                  <a:tcPr/>
+                </a:tc>
+                <a:tc>
+                  <a:txBody>
+                    <a:bodyPr/>
+                    <a:lstStyle/>
+                    <a:p>
+                      <a:endParaRPr lang="en-US" noProof="0" dirty="0"/>
+                    </a:p>
+                  </a:txBody>
+                  <a:tcPr/>
+                </a:tc>
+                <a:extLst>
+                  <a:ext uri="{0D108BD9-81ED-4DB2-BD59-A6C34878D82A}">
+                    <a16:rowId xmlns:a16="http://schemas.microsoft.com/office/drawing/2014/main" val="340685965"/>
+                  </a:ext>
+                </a:extLst>
+              </a:tr>
+              <a:tr h="451282">
+                <a:tc>
+                  <a:txBody>
+                    <a:bodyPr/>
+                    <a:lstStyle/>
+                    <a:p>
+                      <a:endParaRPr lang="en-US" noProof="0" dirty="0"/>
+                    </a:p>
+                  </a:txBody>
+                  <a:tcPr/>
+                </a:tc>
+                <a:tc>
+                  <a:txBody>
+                    <a:bodyPr/>
+                    <a:lstStyle/>
+                    <a:p>
+                      <a:endParaRPr lang="en-US" noProof="0" dirty="0"/>
+                    </a:p>
+                  </a:txBody>
+                  <a:tcPr/>
+                </a:tc>
+                <a:extLst>
+                  <a:ext uri="{0D108BD9-81ED-4DB2-BD59-A6C34878D82A}">
+                    <a16:rowId xmlns:a16="http://schemas.microsoft.com/office/drawing/2014/main" val="2064031335"/>
+                  </a:ext>
+                </a:extLst>
+              </a:tr>
+              <a:tr h="451282">
+                <a:tc>
+                  <a:txBody>
+                    <a:bodyPr/>
+                    <a:lstStyle/>
+                    <a:p>
+                      <a:endParaRPr lang="en-US" noProof="0" dirty="0"/>
+                    </a:p>
+                  </a:txBody>
+                  <a:tcPr/>
+                </a:tc>
+                <a:tc>
+                  <a:txBody>
+                    <a:bodyPr/>
+                    <a:lstStyle/>
+                    <a:p>
+                      <a:endParaRPr lang="en-US" noProof="0" dirty="0"/>
+                    </a:p>
+                  </a:txBody>
+                  <a:tcPr/>
+                </a:tc>
+                <a:extLst>
+                  <a:ext uri="{0D108BD9-81ED-4DB2-BD59-A6C34878D82A}">
+                    <a16:rowId xmlns:a16="http://schemas.microsoft.com/office/drawing/2014/main" val="851991289"/>
+                  </a:ext>
+                </a:extLst>
+              </a:tr>
+            </a:tbl>
+          </a:graphicData>
+        </a:graphic>
+      </p:graphicFrame>
     </p:spTree>
     <p:extLst>
       <p:ext uri="{BB962C8B-B14F-4D97-AF65-F5344CB8AC3E}">
-        <p14:creationId xmlns:p14="http://schemas.microsoft.com/office/powerpoint/2010/main" val="2071146648"/>
+        <p14:creationId xmlns:p14="http://schemas.microsoft.com/office/powerpoint/2010/main" val="657322324"/>
       </p:ext>
     </p:extLst>
   </p:cSld>
@@ -22878,35 +22336,207 @@
             <a:pPr rtl="0"/>
             <a:r>
               <a:rPr lang="en-US" dirty="0"/>
-              <a:t>Presentation of the website | Shop</a:t>
+              <a:t>Functionalities | Shop</a:t>
             </a:r>
           </a:p>
         </p:txBody>
       </p:sp>
-      <p:sp>
-        <p:nvSpPr>
-          <p:cNvPr id="3" name="Espace réservé du contenu 2"/>
-          <p:cNvSpPr>
-            <a:spLocks noGrp="1"/>
-          </p:cNvSpPr>
+      <p:graphicFrame>
+        <p:nvGraphicFramePr>
+          <p:cNvPr id="7" name="Espace réservé du contenu 6">
+            <a:extLst>
+              <a:ext uri="{FF2B5EF4-FFF2-40B4-BE49-F238E27FC236}">
+                <a16:creationId xmlns:a16="http://schemas.microsoft.com/office/drawing/2014/main" id="{ED3DDB86-DAA6-4EDA-BD41-D807339A77FC}"/>
+              </a:ext>
+            </a:extLst>
+          </p:cNvPr>
+          <p:cNvGraphicFramePr>
+            <a:graphicFrameLocks noGrp="1"/>
+          </p:cNvGraphicFramePr>
           <p:nvPr>
             <p:ph idx="1"/>
+            <p:extLst>
+              <p:ext uri="{D42A27DB-BD31-4B8C-83A1-F6EECF244321}">
+                <p14:modId xmlns:p14="http://schemas.microsoft.com/office/powerpoint/2010/main" val="2056125559"/>
+              </p:ext>
+            </p:extLst>
           </p:nvPr>
-        </p:nvSpPr>
-        <p:spPr/>
-        <p:txBody>
-          <a:bodyPr rtlCol="0"/>
-          <a:lstStyle/>
-          <a:p>
-            <a:pPr rtl="0"/>
-            <a:endParaRPr lang="en-US" dirty="0"/>
-          </a:p>
-        </p:txBody>
-      </p:sp>
+        </p:nvGraphicFramePr>
+        <p:xfrm>
+          <a:off x="1295399" y="1981199"/>
+          <a:ext cx="9269027" cy="2256410"/>
+        </p:xfrm>
+        <a:graphic>
+          <a:graphicData uri="http://schemas.openxmlformats.org/drawingml/2006/table">
+            <a:tbl>
+              <a:tblPr firstRow="1" bandRow="1">
+                <a:tableStyleId>{69012ECD-51FC-41F1-AA8D-1B2483CD663E}</a:tableStyleId>
+              </a:tblPr>
+              <a:tblGrid>
+                <a:gridCol w="6944236">
+                  <a:extLst>
+                    <a:ext uri="{9D8B030D-6E8A-4147-A177-3AD203B41FA5}">
+                      <a16:colId xmlns:a16="http://schemas.microsoft.com/office/drawing/2014/main" val="3286242763"/>
+                    </a:ext>
+                  </a:extLst>
+                </a:gridCol>
+                <a:gridCol w="2324791">
+                  <a:extLst>
+                    <a:ext uri="{9D8B030D-6E8A-4147-A177-3AD203B41FA5}">
+                      <a16:colId xmlns:a16="http://schemas.microsoft.com/office/drawing/2014/main" val="1584885993"/>
+                    </a:ext>
+                  </a:extLst>
+                </a:gridCol>
+              </a:tblGrid>
+              <a:tr h="451282">
+                <a:tc>
+                  <a:txBody>
+                    <a:bodyPr/>
+                    <a:lstStyle/>
+                    <a:p>
+                      <a:r>
+                        <a:rPr lang="en-US" noProof="0" dirty="0"/>
+                        <a:t>Functionalities </a:t>
+                      </a:r>
+                    </a:p>
+                  </a:txBody>
+                  <a:tcPr/>
+                </a:tc>
+                <a:tc>
+                  <a:txBody>
+                    <a:bodyPr/>
+                    <a:lstStyle/>
+                    <a:p>
+                      <a:r>
+                        <a:rPr lang="en-US" noProof="0" dirty="0"/>
+                        <a:t>Work done</a:t>
+                      </a:r>
+                    </a:p>
+                  </a:txBody>
+                  <a:tcPr/>
+                </a:tc>
+                <a:extLst>
+                  <a:ext uri="{0D108BD9-81ED-4DB2-BD59-A6C34878D82A}">
+                    <a16:rowId xmlns:a16="http://schemas.microsoft.com/office/drawing/2014/main" val="3634986758"/>
+                  </a:ext>
+                </a:extLst>
+              </a:tr>
+              <a:tr h="451282">
+                <a:tc>
+                  <a:txBody>
+                    <a:bodyPr/>
+                    <a:lstStyle/>
+                    <a:p>
+                      <a:endParaRPr lang="en-US" noProof="0" dirty="0"/>
+                    </a:p>
+                  </a:txBody>
+                  <a:tcPr/>
+                </a:tc>
+                <a:tc>
+                  <a:txBody>
+                    <a:bodyPr/>
+                    <a:lstStyle/>
+                    <a:p>
+                      <a:endParaRPr lang="en-US" noProof="0" dirty="0"/>
+                    </a:p>
+                  </a:txBody>
+                  <a:tcPr/>
+                </a:tc>
+                <a:extLst>
+                  <a:ext uri="{0D108BD9-81ED-4DB2-BD59-A6C34878D82A}">
+                    <a16:rowId xmlns:a16="http://schemas.microsoft.com/office/drawing/2014/main" val="1492406737"/>
+                  </a:ext>
+                </a:extLst>
+              </a:tr>
+              <a:tr h="451282">
+                <a:tc>
+                  <a:txBody>
+                    <a:bodyPr/>
+                    <a:lstStyle/>
+                    <a:p>
+                      <a:endParaRPr lang="en-US" noProof="0" dirty="0"/>
+                    </a:p>
+                  </a:txBody>
+                  <a:tcPr/>
+                </a:tc>
+                <a:tc>
+                  <a:txBody>
+                    <a:bodyPr/>
+                    <a:lstStyle/>
+                    <a:p>
+                      <a:endParaRPr lang="en-US" noProof="0" dirty="0"/>
+                    </a:p>
+                  </a:txBody>
+                  <a:tcPr/>
+                </a:tc>
+                <a:extLst>
+                  <a:ext uri="{0D108BD9-81ED-4DB2-BD59-A6C34878D82A}">
+                    <a16:rowId xmlns:a16="http://schemas.microsoft.com/office/drawing/2014/main" val="340685965"/>
+                  </a:ext>
+                </a:extLst>
+              </a:tr>
+              <a:tr h="451282">
+                <a:tc>
+                  <a:txBody>
+                    <a:bodyPr/>
+                    <a:lstStyle/>
+                    <a:p>
+                      <a:endParaRPr lang="en-US" noProof="0" dirty="0"/>
+                    </a:p>
+                  </a:txBody>
+                  <a:tcPr/>
+                </a:tc>
+                <a:tc>
+                  <a:txBody>
+                    <a:bodyPr/>
+                    <a:lstStyle/>
+                    <a:p>
+                      <a:endParaRPr lang="en-US" noProof="0" dirty="0"/>
+                    </a:p>
+                  </a:txBody>
+                  <a:tcPr/>
+                </a:tc>
+                <a:extLst>
+                  <a:ext uri="{0D108BD9-81ED-4DB2-BD59-A6C34878D82A}">
+                    <a16:rowId xmlns:a16="http://schemas.microsoft.com/office/drawing/2014/main" val="2064031335"/>
+                  </a:ext>
+                </a:extLst>
+              </a:tr>
+              <a:tr h="451282">
+                <a:tc>
+                  <a:txBody>
+                    <a:bodyPr/>
+                    <a:lstStyle/>
+                    <a:p>
+                      <a:endParaRPr lang="en-US" noProof="0" dirty="0"/>
+                    </a:p>
+                  </a:txBody>
+                  <a:tcPr/>
+                </a:tc>
+                <a:tc>
+                  <a:txBody>
+                    <a:bodyPr/>
+                    <a:lstStyle/>
+                    <a:p>
+                      <a:endParaRPr lang="en-US" noProof="0" dirty="0"/>
+                    </a:p>
+                  </a:txBody>
+                  <a:tcPr/>
+                </a:tc>
+                <a:extLst>
+                  <a:ext uri="{0D108BD9-81ED-4DB2-BD59-A6C34878D82A}">
+                    <a16:rowId xmlns:a16="http://schemas.microsoft.com/office/drawing/2014/main" val="851991289"/>
+                  </a:ext>
+                </a:extLst>
+              </a:tr>
+            </a:tbl>
+          </a:graphicData>
+        </a:graphic>
+      </p:graphicFrame>
     </p:spTree>
     <p:extLst>
       <p:ext uri="{BB962C8B-B14F-4D97-AF65-F5344CB8AC3E}">
-        <p14:creationId xmlns:p14="http://schemas.microsoft.com/office/powerpoint/2010/main" val="3485734181"/>
+        <p14:creationId xmlns:p14="http://schemas.microsoft.com/office/powerpoint/2010/main" val="1986906157"/>
       </p:ext>
     </p:extLst>
   </p:cSld>
@@ -22963,7 +22593,7 @@
             <a:pPr rtl="0"/>
             <a:r>
               <a:rPr lang="en-US" dirty="0"/>
-              <a:t>Presentation of the website | Legal notice</a:t>
+              <a:t>Improvement points</a:t>
             </a:r>
           </a:p>
         </p:txBody>
@@ -22991,7 +22621,7 @@
     </p:spTree>
     <p:extLst>
       <p:ext uri="{BB962C8B-B14F-4D97-AF65-F5344CB8AC3E}">
-        <p14:creationId xmlns:p14="http://schemas.microsoft.com/office/powerpoint/2010/main" val="2599281012"/>
+        <p14:creationId xmlns:p14="http://schemas.microsoft.com/office/powerpoint/2010/main" val="2628497088"/>
       </p:ext>
     </p:extLst>
   </p:cSld>
@@ -23040,59 +22670,60 @@
             <p:ph type="title"/>
           </p:nvPr>
         </p:nvSpPr>
-        <p:spPr>
-          <a:xfrm>
-            <a:off x="1295399" y="503853"/>
-            <a:ext cx="10130161" cy="1142385"/>
-          </a:xfrm>
-        </p:spPr>
+        <p:spPr/>
         <p:txBody>
           <a:bodyPr rtlCol="0"/>
           <a:lstStyle/>
           <a:p>
+            <a:pPr rtl="0"/>
             <a:r>
-              <a:rPr lang="en-US" dirty="0"/>
-              <a:t>Presentation of the website | Terms and conditions</a:t>
+              <a:rPr lang="fr-FR" dirty="0"/>
+              <a:t>Conclusion</a:t>
             </a:r>
           </a:p>
         </p:txBody>
       </p:sp>
-      <p:pic>
-        <p:nvPicPr>
-          <p:cNvPr id="4" name="Espace réservé du contenu 3">
-            <a:extLst>
-              <a:ext uri="{FF2B5EF4-FFF2-40B4-BE49-F238E27FC236}">
-                <a16:creationId xmlns:a16="http://schemas.microsoft.com/office/drawing/2014/main" id="{020C7C3F-C0F4-4B0E-A195-AC253CA62CE7}"/>
-              </a:ext>
-            </a:extLst>
-          </p:cNvPr>
-          <p:cNvPicPr>
-            <a:picLocks noGrp="1" noChangeAspect="1"/>
-          </p:cNvPicPr>
+      <p:sp>
+        <p:nvSpPr>
+          <p:cNvPr id="3" name="Espace réservé du contenu 2"/>
+          <p:cNvSpPr>
+            <a:spLocks noGrp="1"/>
+          </p:cNvSpPr>
           <p:nvPr>
             <p:ph idx="1"/>
           </p:nvPr>
-        </p:nvPicPr>
-        <p:blipFill>
-          <a:blip r:embed="rId3"/>
-          <a:stretch>
-            <a:fillRect/>
-          </a:stretch>
-        </p:blipFill>
-        <p:spPr>
-          <a:xfrm>
-            <a:off x="2441384" y="1708382"/>
-            <a:ext cx="7309231" cy="4447442"/>
-          </a:xfrm>
-          <a:prstGeom prst="rect">
-            <a:avLst/>
-          </a:prstGeom>
-        </p:spPr>
-      </p:pic>
+        </p:nvSpPr>
+        <p:spPr/>
+        <p:txBody>
+          <a:bodyPr rtlCol="0"/>
+          <a:lstStyle/>
+          <a:p>
+            <a:pPr rtl="0"/>
+            <a:r>
+              <a:rPr lang="en-US" dirty="0"/>
+              <a:t>A</a:t>
+            </a:r>
+          </a:p>
+          <a:p>
+            <a:pPr rtl="0"/>
+            <a:r>
+              <a:rPr lang="en-US" dirty="0"/>
+              <a:t>A</a:t>
+            </a:r>
+          </a:p>
+          <a:p>
+            <a:pPr rtl="0"/>
+            <a:r>
+              <a:rPr lang="en-US" dirty="0"/>
+              <a:t>A</a:t>
+            </a:r>
+          </a:p>
+        </p:txBody>
+      </p:sp>
     </p:spTree>
     <p:extLst>
       <p:ext uri="{BB962C8B-B14F-4D97-AF65-F5344CB8AC3E}">
-        <p14:creationId xmlns:p14="http://schemas.microsoft.com/office/powerpoint/2010/main" val="1141547728"/>
+        <p14:creationId xmlns:p14="http://schemas.microsoft.com/office/powerpoint/2010/main" val="2586493336"/>
       </p:ext>
     </p:extLst>
   </p:cSld>
@@ -23114,7 +22745,550 @@
 </p:sld>
 </file>
 
-<file path=ppt/slides/slide15.xml><?xml version="1.0" encoding="utf-8"?>
+<file path=ppt/slides/slide2.xml><?xml version="1.0" encoding="utf-8"?>
+<p:sld xmlns:a="http://schemas.openxmlformats.org/drawingml/2006/main" xmlns:r="http://schemas.openxmlformats.org/officeDocument/2006/relationships" xmlns:p="http://schemas.openxmlformats.org/presentationml/2006/main">
+  <p:cSld>
+    <p:spTree>
+      <p:nvGrpSpPr>
+        <p:cNvPr id="1" name=""/>
+        <p:cNvGrpSpPr/>
+        <p:nvPr/>
+      </p:nvGrpSpPr>
+      <p:grpSpPr>
+        <a:xfrm>
+          <a:off x="0" y="0"/>
+          <a:ext cx="0" cy="0"/>
+          <a:chOff x="0" y="0"/>
+          <a:chExt cx="0" cy="0"/>
+        </a:xfrm>
+      </p:grpSpPr>
+      <p:sp>
+        <p:nvSpPr>
+          <p:cNvPr id="2" name="Titre 1"/>
+          <p:cNvSpPr>
+            <a:spLocks noGrp="1"/>
+          </p:cNvSpPr>
+          <p:nvPr>
+            <p:ph type="title"/>
+          </p:nvPr>
+        </p:nvSpPr>
+        <p:spPr/>
+        <p:txBody>
+          <a:bodyPr rtlCol="0"/>
+          <a:lstStyle/>
+          <a:p>
+            <a:pPr rtl="0"/>
+            <a:r>
+              <a:rPr lang="fr-FR" dirty="0"/>
+              <a:t>Table of contents</a:t>
+            </a:r>
+          </a:p>
+        </p:txBody>
+      </p:sp>
+      <p:sp>
+        <p:nvSpPr>
+          <p:cNvPr id="3" name="Espace réservé du contenu 2"/>
+          <p:cNvSpPr>
+            <a:spLocks noGrp="1"/>
+          </p:cNvSpPr>
+          <p:nvPr>
+            <p:ph idx="1"/>
+          </p:nvPr>
+        </p:nvSpPr>
+        <p:spPr/>
+        <p:txBody>
+          <a:bodyPr rtlCol="0"/>
+          <a:lstStyle/>
+          <a:p>
+            <a:pPr rtl="0"/>
+            <a:r>
+              <a:rPr lang="en-US" dirty="0"/>
+              <a:t>Project presentation</a:t>
+            </a:r>
+          </a:p>
+          <a:p>
+            <a:pPr rtl="0"/>
+            <a:r>
+              <a:rPr lang="en-US" dirty="0"/>
+              <a:t>Team presentation</a:t>
+            </a:r>
+          </a:p>
+          <a:p>
+            <a:pPr rtl="0"/>
+            <a:r>
+              <a:rPr lang="en-US" dirty="0"/>
+              <a:t>Web Architecture </a:t>
+            </a:r>
+          </a:p>
+          <a:p>
+            <a:pPr rtl="0"/>
+            <a:r>
+              <a:rPr lang="en-US" dirty="0"/>
+              <a:t>Presentation of the website</a:t>
+            </a:r>
+          </a:p>
+          <a:p>
+            <a:pPr rtl="0"/>
+            <a:r>
+              <a:rPr lang="en-US" dirty="0"/>
+              <a:t>Functionalities</a:t>
+            </a:r>
+          </a:p>
+          <a:p>
+            <a:pPr rtl="0"/>
+            <a:r>
+              <a:rPr lang="en-US" dirty="0"/>
+              <a:t>Improvement points</a:t>
+            </a:r>
+          </a:p>
+          <a:p>
+            <a:pPr rtl="0"/>
+            <a:r>
+              <a:rPr lang="en-US" dirty="0"/>
+              <a:t>Conclusion</a:t>
+            </a:r>
+          </a:p>
+        </p:txBody>
+      </p:sp>
+    </p:spTree>
+    <p:extLst>
+      <p:ext uri="{BB962C8B-B14F-4D97-AF65-F5344CB8AC3E}">
+        <p14:creationId xmlns:p14="http://schemas.microsoft.com/office/powerpoint/2010/main" val="3984617762"/>
+      </p:ext>
+    </p:extLst>
+  </p:cSld>
+  <p:clrMapOvr>
+    <a:masterClrMapping/>
+  </p:clrMapOvr>
+  <mc:AlternateContent xmlns:mc="http://schemas.openxmlformats.org/markup-compatibility/2006" xmlns:p14="http://schemas.microsoft.com/office/powerpoint/2010/main">
+    <mc:Choice Requires="p14">
+      <p:transition spd="med" p14:dur="700">
+        <p:fade/>
+      </p:transition>
+    </mc:Choice>
+    <mc:Fallback xmlns="">
+      <p:transition spd="med">
+        <p:fade/>
+      </p:transition>
+    </mc:Fallback>
+  </mc:AlternateContent>
+</p:sld>
+</file>
+
+<file path=ppt/slides/slide3.xml><?xml version="1.0" encoding="utf-8"?>
+<p:sld xmlns:a="http://schemas.openxmlformats.org/drawingml/2006/main" xmlns:r="http://schemas.openxmlformats.org/officeDocument/2006/relationships" xmlns:p="http://schemas.openxmlformats.org/presentationml/2006/main">
+  <p:cSld>
+    <p:spTree>
+      <p:nvGrpSpPr>
+        <p:cNvPr id="1" name=""/>
+        <p:cNvGrpSpPr/>
+        <p:nvPr/>
+      </p:nvGrpSpPr>
+      <p:grpSpPr>
+        <a:xfrm>
+          <a:off x="0" y="0"/>
+          <a:ext cx="0" cy="0"/>
+          <a:chOff x="0" y="0"/>
+          <a:chExt cx="0" cy="0"/>
+        </a:xfrm>
+      </p:grpSpPr>
+      <p:sp>
+        <p:nvSpPr>
+          <p:cNvPr id="2" name="Titre 1"/>
+          <p:cNvSpPr>
+            <a:spLocks noGrp="1"/>
+          </p:cNvSpPr>
+          <p:nvPr>
+            <p:ph type="title"/>
+          </p:nvPr>
+        </p:nvSpPr>
+        <p:spPr/>
+        <p:txBody>
+          <a:bodyPr rtlCol="0"/>
+          <a:lstStyle/>
+          <a:p>
+            <a:pPr rtl="0"/>
+            <a:r>
+              <a:rPr lang="en-US" dirty="0"/>
+              <a:t>Analysis</a:t>
+            </a:r>
+          </a:p>
+        </p:txBody>
+      </p:sp>
+      <p:sp>
+        <p:nvSpPr>
+          <p:cNvPr id="3" name="Espace réservé du contenu 2"/>
+          <p:cNvSpPr>
+            <a:spLocks noGrp="1"/>
+          </p:cNvSpPr>
+          <p:nvPr>
+            <p:ph idx="1"/>
+          </p:nvPr>
+        </p:nvSpPr>
+        <p:spPr/>
+        <p:txBody>
+          <a:bodyPr rtlCol="0">
+            <a:normAutofit/>
+          </a:bodyPr>
+          <a:lstStyle/>
+          <a:p>
+            <a:pPr rtl="0">
+              <a:lnSpc>
+                <a:spcPct val="200000"/>
+              </a:lnSpc>
+            </a:pPr>
+            <a:r>
+              <a:rPr lang="en-US" sz="2400" dirty="0"/>
+              <a:t>Create a website for the student’s office of  the school</a:t>
+            </a:r>
+          </a:p>
+          <a:p>
+            <a:pPr rtl="0">
+              <a:lnSpc>
+                <a:spcPct val="200000"/>
+              </a:lnSpc>
+            </a:pPr>
+            <a:r>
+              <a:rPr lang="en-US" sz="2400" dirty="0"/>
+              <a:t>Build an online shop for their goodies</a:t>
+            </a:r>
+          </a:p>
+          <a:p>
+            <a:pPr>
+              <a:lnSpc>
+                <a:spcPct val="200000"/>
+              </a:lnSpc>
+            </a:pPr>
+            <a:r>
+              <a:rPr lang="en-US" sz="2400" dirty="0"/>
+              <a:t>Create a special page for incomings events and previous ones </a:t>
+            </a:r>
+          </a:p>
+        </p:txBody>
+      </p:sp>
+    </p:spTree>
+    <p:extLst>
+      <p:ext uri="{BB962C8B-B14F-4D97-AF65-F5344CB8AC3E}">
+        <p14:creationId xmlns:p14="http://schemas.microsoft.com/office/powerpoint/2010/main" val="2906926895"/>
+      </p:ext>
+    </p:extLst>
+  </p:cSld>
+  <p:clrMapOvr>
+    <a:masterClrMapping/>
+  </p:clrMapOvr>
+  <mc:AlternateContent xmlns:mc="http://schemas.openxmlformats.org/markup-compatibility/2006" xmlns:p14="http://schemas.microsoft.com/office/powerpoint/2010/main">
+    <mc:Choice Requires="p14">
+      <p:transition spd="med" p14:dur="700">
+        <p:fade/>
+      </p:transition>
+    </mc:Choice>
+    <mc:Fallback xmlns="">
+      <p:transition spd="med">
+        <p:fade/>
+      </p:transition>
+    </mc:Fallback>
+  </mc:AlternateContent>
+</p:sld>
+</file>
+
+<file path=ppt/slides/slide4.xml><?xml version="1.0" encoding="utf-8"?>
+<p:sld xmlns:a="http://schemas.openxmlformats.org/drawingml/2006/main" xmlns:r="http://schemas.openxmlformats.org/officeDocument/2006/relationships" xmlns:p="http://schemas.openxmlformats.org/presentationml/2006/main">
+  <p:cSld>
+    <p:spTree>
+      <p:nvGrpSpPr>
+        <p:cNvPr id="1" name=""/>
+        <p:cNvGrpSpPr/>
+        <p:nvPr/>
+      </p:nvGrpSpPr>
+      <p:grpSpPr>
+        <a:xfrm>
+          <a:off x="0" y="0"/>
+          <a:ext cx="0" cy="0"/>
+          <a:chOff x="0" y="0"/>
+          <a:chExt cx="0" cy="0"/>
+        </a:xfrm>
+      </p:grpSpPr>
+      <p:sp>
+        <p:nvSpPr>
+          <p:cNvPr id="2" name="Titre 1">
+            <a:extLst>
+              <a:ext uri="{FF2B5EF4-FFF2-40B4-BE49-F238E27FC236}">
+                <a16:creationId xmlns:a16="http://schemas.microsoft.com/office/drawing/2014/main" id="{0DA814CD-1B3C-48D4-A29F-7C2BEE59A5C4}"/>
+              </a:ext>
+            </a:extLst>
+          </p:cNvPr>
+          <p:cNvSpPr>
+            <a:spLocks noGrp="1"/>
+          </p:cNvSpPr>
+          <p:nvPr>
+            <p:ph type="title"/>
+          </p:nvPr>
+        </p:nvSpPr>
+        <p:spPr/>
+        <p:txBody>
+          <a:bodyPr/>
+          <a:lstStyle/>
+          <a:p>
+            <a:r>
+              <a:rPr lang="fr-FR" dirty="0"/>
+              <a:t>Team presentation</a:t>
+            </a:r>
+          </a:p>
+        </p:txBody>
+      </p:sp>
+      <p:graphicFrame>
+        <p:nvGraphicFramePr>
+          <p:cNvPr id="4" name="Espace réservé du contenu 3">
+            <a:extLst>
+              <a:ext uri="{FF2B5EF4-FFF2-40B4-BE49-F238E27FC236}">
+                <a16:creationId xmlns:a16="http://schemas.microsoft.com/office/drawing/2014/main" id="{D170BCED-0031-45E8-B1D0-8692DF866199}"/>
+              </a:ext>
+            </a:extLst>
+          </p:cNvPr>
+          <p:cNvGraphicFramePr>
+            <a:graphicFrameLocks noGrp="1"/>
+          </p:cNvGraphicFramePr>
+          <p:nvPr>
+            <p:ph idx="1"/>
+            <p:extLst>
+              <p:ext uri="{D42A27DB-BD31-4B8C-83A1-F6EECF244321}">
+                <p14:modId xmlns:p14="http://schemas.microsoft.com/office/powerpoint/2010/main" val="633126381"/>
+              </p:ext>
+            </p:extLst>
+          </p:nvPr>
+        </p:nvGraphicFramePr>
+        <p:xfrm>
+          <a:off x="1295400" y="1981200"/>
+          <a:ext cx="9601200" cy="3810000"/>
+        </p:xfrm>
+        <a:graphic>
+          <a:graphicData uri="http://schemas.openxmlformats.org/drawingml/2006/diagram">
+            <dgm:relIds xmlns:dgm="http://schemas.openxmlformats.org/drawingml/2006/diagram" xmlns:r="http://schemas.openxmlformats.org/officeDocument/2006/relationships" r:dm="rId3" r:lo="rId4" r:qs="rId5" r:cs="rId6"/>
+          </a:graphicData>
+        </a:graphic>
+      </p:graphicFrame>
+    </p:spTree>
+    <p:extLst>
+      <p:ext uri="{BB962C8B-B14F-4D97-AF65-F5344CB8AC3E}">
+        <p14:creationId xmlns:p14="http://schemas.microsoft.com/office/powerpoint/2010/main" val="3575914750"/>
+      </p:ext>
+    </p:extLst>
+  </p:cSld>
+  <p:clrMapOvr>
+    <a:masterClrMapping/>
+  </p:clrMapOvr>
+  <mc:AlternateContent xmlns:mc="http://schemas.openxmlformats.org/markup-compatibility/2006" xmlns:p14="http://schemas.microsoft.com/office/powerpoint/2010/main">
+    <mc:Choice Requires="p14">
+      <p:transition spd="med" p14:dur="700">
+        <p:fade/>
+      </p:transition>
+    </mc:Choice>
+    <mc:Fallback xmlns="">
+      <p:transition spd="med">
+        <p:fade/>
+      </p:transition>
+    </mc:Fallback>
+  </mc:AlternateContent>
+</p:sld>
+</file>
+
+<file path=ppt/slides/slide5.xml><?xml version="1.0" encoding="utf-8"?>
+<p:sld xmlns:a="http://schemas.openxmlformats.org/drawingml/2006/main" xmlns:r="http://schemas.openxmlformats.org/officeDocument/2006/relationships" xmlns:p="http://schemas.openxmlformats.org/presentationml/2006/main">
+  <p:cSld>
+    <p:spTree>
+      <p:nvGrpSpPr>
+        <p:cNvPr id="1" name=""/>
+        <p:cNvGrpSpPr/>
+        <p:nvPr/>
+      </p:nvGrpSpPr>
+      <p:grpSpPr>
+        <a:xfrm>
+          <a:off x="0" y="0"/>
+          <a:ext cx="0" cy="0"/>
+          <a:chOff x="0" y="0"/>
+          <a:chExt cx="0" cy="0"/>
+        </a:xfrm>
+      </p:grpSpPr>
+      <p:sp>
+        <p:nvSpPr>
+          <p:cNvPr id="2" name="Titre 1">
+            <a:extLst>
+              <a:ext uri="{FF2B5EF4-FFF2-40B4-BE49-F238E27FC236}">
+                <a16:creationId xmlns:a16="http://schemas.microsoft.com/office/drawing/2014/main" id="{0DA814CD-1B3C-48D4-A29F-7C2BEE59A5C4}"/>
+              </a:ext>
+            </a:extLst>
+          </p:cNvPr>
+          <p:cNvSpPr>
+            <a:spLocks noGrp="1"/>
+          </p:cNvSpPr>
+          <p:nvPr>
+            <p:ph type="title"/>
+          </p:nvPr>
+        </p:nvSpPr>
+        <p:spPr/>
+        <p:txBody>
+          <a:bodyPr/>
+          <a:lstStyle/>
+          <a:p>
+            <a:r>
+              <a:rPr lang="fr-FR" dirty="0"/>
+              <a:t>Team presentation</a:t>
+            </a:r>
+          </a:p>
+        </p:txBody>
+      </p:sp>
+      <p:graphicFrame>
+        <p:nvGraphicFramePr>
+          <p:cNvPr id="4" name="Espace réservé du contenu 3">
+            <a:extLst>
+              <a:ext uri="{FF2B5EF4-FFF2-40B4-BE49-F238E27FC236}">
+                <a16:creationId xmlns:a16="http://schemas.microsoft.com/office/drawing/2014/main" id="{D170BCED-0031-45E8-B1D0-8692DF866199}"/>
+              </a:ext>
+            </a:extLst>
+          </p:cNvPr>
+          <p:cNvGraphicFramePr>
+            <a:graphicFrameLocks noGrp="1"/>
+          </p:cNvGraphicFramePr>
+          <p:nvPr>
+            <p:ph idx="1"/>
+            <p:extLst>
+              <p:ext uri="{D42A27DB-BD31-4B8C-83A1-F6EECF244321}">
+                <p14:modId xmlns:p14="http://schemas.microsoft.com/office/powerpoint/2010/main" val="1364479657"/>
+              </p:ext>
+            </p:extLst>
+          </p:nvPr>
+        </p:nvGraphicFramePr>
+        <p:xfrm>
+          <a:off x="1295400" y="1981200"/>
+          <a:ext cx="9601200" cy="3810000"/>
+        </p:xfrm>
+        <a:graphic>
+          <a:graphicData uri="http://schemas.openxmlformats.org/drawingml/2006/diagram">
+            <dgm:relIds xmlns:dgm="http://schemas.openxmlformats.org/drawingml/2006/diagram" xmlns:r="http://schemas.openxmlformats.org/officeDocument/2006/relationships" r:dm="rId3" r:lo="rId4" r:qs="rId5" r:cs="rId6"/>
+          </a:graphicData>
+        </a:graphic>
+      </p:graphicFrame>
+    </p:spTree>
+    <p:extLst>
+      <p:ext uri="{BB962C8B-B14F-4D97-AF65-F5344CB8AC3E}">
+        <p14:creationId xmlns:p14="http://schemas.microsoft.com/office/powerpoint/2010/main" val="1394249842"/>
+      </p:ext>
+    </p:extLst>
+  </p:cSld>
+  <p:clrMapOvr>
+    <a:masterClrMapping/>
+  </p:clrMapOvr>
+  <mc:AlternateContent xmlns:mc="http://schemas.openxmlformats.org/markup-compatibility/2006" xmlns:p14="http://schemas.microsoft.com/office/powerpoint/2010/main">
+    <mc:Choice Requires="p14">
+      <p:transition spd="med" p14:dur="700">
+        <p:fade/>
+      </p:transition>
+    </mc:Choice>
+    <mc:Fallback xmlns="">
+      <p:transition spd="med">
+        <p:fade/>
+      </p:transition>
+    </mc:Fallback>
+  </mc:AlternateContent>
+</p:sld>
+</file>
+
+<file path=ppt/slides/slide6.xml><?xml version="1.0" encoding="utf-8"?>
+<p:sld xmlns:a="http://schemas.openxmlformats.org/drawingml/2006/main" xmlns:r="http://schemas.openxmlformats.org/officeDocument/2006/relationships" xmlns:p="http://schemas.openxmlformats.org/presentationml/2006/main">
+  <p:cSld>
+    <p:spTree>
+      <p:nvGrpSpPr>
+        <p:cNvPr id="1" name=""/>
+        <p:cNvGrpSpPr/>
+        <p:nvPr/>
+      </p:nvGrpSpPr>
+      <p:grpSpPr>
+        <a:xfrm>
+          <a:off x="0" y="0"/>
+          <a:ext cx="0" cy="0"/>
+          <a:chOff x="0" y="0"/>
+          <a:chExt cx="0" cy="0"/>
+        </a:xfrm>
+      </p:grpSpPr>
+      <p:sp>
+        <p:nvSpPr>
+          <p:cNvPr id="2" name="Titre 1">
+            <a:extLst>
+              <a:ext uri="{FF2B5EF4-FFF2-40B4-BE49-F238E27FC236}">
+                <a16:creationId xmlns:a16="http://schemas.microsoft.com/office/drawing/2014/main" id="{552C2F37-70AC-4C0F-9735-7EC823D248E5}"/>
+              </a:ext>
+            </a:extLst>
+          </p:cNvPr>
+          <p:cNvSpPr>
+            <a:spLocks noGrp="1"/>
+          </p:cNvSpPr>
+          <p:nvPr>
+            <p:ph type="title"/>
+          </p:nvPr>
+        </p:nvSpPr>
+        <p:spPr/>
+        <p:txBody>
+          <a:bodyPr/>
+          <a:lstStyle/>
+          <a:p>
+            <a:r>
+              <a:rPr lang="fr-FR" dirty="0"/>
+              <a:t>Web Architecture </a:t>
+            </a:r>
+          </a:p>
+        </p:txBody>
+      </p:sp>
+      <p:sp>
+        <p:nvSpPr>
+          <p:cNvPr id="3" name="Espace réservé du contenu 2">
+            <a:extLst>
+              <a:ext uri="{FF2B5EF4-FFF2-40B4-BE49-F238E27FC236}">
+                <a16:creationId xmlns:a16="http://schemas.microsoft.com/office/drawing/2014/main" id="{1092E526-4468-4480-82DE-06CE731213DA}"/>
+              </a:ext>
+            </a:extLst>
+          </p:cNvPr>
+          <p:cNvSpPr>
+            <a:spLocks noGrp="1"/>
+          </p:cNvSpPr>
+          <p:nvPr>
+            <p:ph idx="1"/>
+          </p:nvPr>
+        </p:nvSpPr>
+        <p:spPr/>
+        <p:txBody>
+          <a:bodyPr/>
+          <a:lstStyle/>
+          <a:p>
+            <a:endParaRPr lang="fr-FR"/>
+          </a:p>
+        </p:txBody>
+      </p:sp>
+    </p:spTree>
+    <p:extLst>
+      <p:ext uri="{BB962C8B-B14F-4D97-AF65-F5344CB8AC3E}">
+        <p14:creationId xmlns:p14="http://schemas.microsoft.com/office/powerpoint/2010/main" val="791455517"/>
+      </p:ext>
+    </p:extLst>
+  </p:cSld>
+  <p:clrMapOvr>
+    <a:masterClrMapping/>
+  </p:clrMapOvr>
+  <mc:AlternateContent xmlns:mc="http://schemas.openxmlformats.org/markup-compatibility/2006" xmlns:p14="http://schemas.microsoft.com/office/powerpoint/2010/main">
+    <mc:Choice Requires="p14">
+      <p:transition spd="med" p14:dur="700">
+        <p:fade/>
+      </p:transition>
+    </mc:Choice>
+    <mc:Fallback xmlns="">
+      <p:transition spd="med">
+        <p:fade/>
+      </p:transition>
+    </mc:Fallback>
+  </mc:AlternateContent>
+</p:sld>
+</file>
+
+<file path=ppt/slides/slide7.xml><?xml version="1.0" encoding="utf-8"?>
 <p:sld xmlns:a="http://schemas.openxmlformats.org/drawingml/2006/main" xmlns:r="http://schemas.openxmlformats.org/officeDocument/2006/relationships" xmlns:p="http://schemas.openxmlformats.org/presentationml/2006/main">
   <p:cSld>
     <p:spTree>
@@ -23143,57 +23317,26 @@
         </p:nvSpPr>
         <p:spPr>
           <a:xfrm>
-            <a:off x="1295399" y="503853"/>
-            <a:ext cx="10130161" cy="1142385"/>
+            <a:off x="1295400" y="1376309"/>
+            <a:ext cx="9601200" cy="1142385"/>
           </a:xfrm>
         </p:spPr>
         <p:txBody>
           <a:bodyPr rtlCol="0"/>
           <a:lstStyle/>
           <a:p>
+            <a:pPr algn="ctr" rtl="0"/>
             <a:r>
               <a:rPr lang="en-US" dirty="0"/>
-              <a:t>Presentation of the website | Terms </a:t>
+              <a:t>Presentation of the website</a:t>
             </a:r>
           </a:p>
         </p:txBody>
       </p:sp>
-      <p:pic>
-        <p:nvPicPr>
-          <p:cNvPr id="4" name="Espace réservé du contenu 3">
-            <a:extLst>
-              <a:ext uri="{FF2B5EF4-FFF2-40B4-BE49-F238E27FC236}">
-                <a16:creationId xmlns:a16="http://schemas.microsoft.com/office/drawing/2014/main" id="{020C7C3F-C0F4-4B0E-A195-AC253CA62CE7}"/>
-              </a:ext>
-            </a:extLst>
-          </p:cNvPr>
-          <p:cNvPicPr>
-            <a:picLocks noGrp="1" noChangeAspect="1"/>
-          </p:cNvPicPr>
-          <p:nvPr>
-            <p:ph idx="1"/>
-          </p:nvPr>
-        </p:nvPicPr>
-        <p:blipFill>
-          <a:blip r:embed="rId3"/>
-          <a:stretch>
-            <a:fillRect/>
-          </a:stretch>
-        </p:blipFill>
-        <p:spPr>
-          <a:xfrm>
-            <a:off x="2441384" y="1708382"/>
-            <a:ext cx="7309231" cy="4447442"/>
-          </a:xfrm>
-          <a:prstGeom prst="rect">
-            <a:avLst/>
-          </a:prstGeom>
-        </p:spPr>
-      </p:pic>
     </p:spTree>
     <p:extLst>
       <p:ext uri="{BB962C8B-B14F-4D97-AF65-F5344CB8AC3E}">
-        <p14:creationId xmlns:p14="http://schemas.microsoft.com/office/powerpoint/2010/main" val="265715910"/>
+        <p14:creationId xmlns:p14="http://schemas.microsoft.com/office/powerpoint/2010/main" val="515871113"/>
       </p:ext>
     </p:extLst>
   </p:cSld>
@@ -23215,108 +23358,7 @@
 </p:sld>
 </file>
 
-<file path=ppt/slides/slide16.xml><?xml version="1.0" encoding="utf-8"?>
-<p:sld xmlns:a="http://schemas.openxmlformats.org/drawingml/2006/main" xmlns:r="http://schemas.openxmlformats.org/officeDocument/2006/relationships" xmlns:p="http://schemas.openxmlformats.org/presentationml/2006/main">
-  <p:cSld>
-    <p:spTree>
-      <p:nvGrpSpPr>
-        <p:cNvPr id="1" name=""/>
-        <p:cNvGrpSpPr/>
-        <p:nvPr/>
-      </p:nvGrpSpPr>
-      <p:grpSpPr>
-        <a:xfrm>
-          <a:off x="0" y="0"/>
-          <a:ext cx="0" cy="0"/>
-          <a:chOff x="0" y="0"/>
-          <a:chExt cx="0" cy="0"/>
-        </a:xfrm>
-      </p:grpSpPr>
-      <p:sp>
-        <p:nvSpPr>
-          <p:cNvPr id="2" name="Titre 1"/>
-          <p:cNvSpPr>
-            <a:spLocks noGrp="1"/>
-          </p:cNvSpPr>
-          <p:nvPr>
-            <p:ph type="title"/>
-          </p:nvPr>
-        </p:nvSpPr>
-        <p:spPr>
-          <a:xfrm>
-            <a:off x="1295399" y="503853"/>
-            <a:ext cx="10130161" cy="1142385"/>
-          </a:xfrm>
-        </p:spPr>
-        <p:txBody>
-          <a:bodyPr rtlCol="0"/>
-          <a:lstStyle/>
-          <a:p>
-            <a:r>
-              <a:rPr lang="en-US" dirty="0"/>
-              <a:t>Presentation of the website | Terms of service</a:t>
-            </a:r>
-          </a:p>
-        </p:txBody>
-      </p:sp>
-      <p:pic>
-        <p:nvPicPr>
-          <p:cNvPr id="7" name="Espace réservé du contenu 6">
-            <a:extLst>
-              <a:ext uri="{FF2B5EF4-FFF2-40B4-BE49-F238E27FC236}">
-                <a16:creationId xmlns:a16="http://schemas.microsoft.com/office/drawing/2014/main" id="{5F1995FE-13FF-4DFD-9D47-A6032E86AD07}"/>
-              </a:ext>
-            </a:extLst>
-          </p:cNvPr>
-          <p:cNvPicPr>
-            <a:picLocks noGrp="1" noChangeAspect="1"/>
-          </p:cNvPicPr>
-          <p:nvPr>
-            <p:ph idx="1"/>
-          </p:nvPr>
-        </p:nvPicPr>
-        <p:blipFill>
-          <a:blip r:embed="rId3"/>
-          <a:stretch>
-            <a:fillRect/>
-          </a:stretch>
-        </p:blipFill>
-        <p:spPr>
-          <a:xfrm>
-            <a:off x="1979723" y="1697720"/>
-            <a:ext cx="8246583" cy="4465858"/>
-          </a:xfrm>
-          <a:prstGeom prst="rect">
-            <a:avLst/>
-          </a:prstGeom>
-        </p:spPr>
-      </p:pic>
-    </p:spTree>
-    <p:extLst>
-      <p:ext uri="{BB962C8B-B14F-4D97-AF65-F5344CB8AC3E}">
-        <p14:creationId xmlns:p14="http://schemas.microsoft.com/office/powerpoint/2010/main" val="2180956855"/>
-      </p:ext>
-    </p:extLst>
-  </p:cSld>
-  <p:clrMapOvr>
-    <a:masterClrMapping/>
-  </p:clrMapOvr>
-  <mc:AlternateContent xmlns:mc="http://schemas.openxmlformats.org/markup-compatibility/2006" xmlns:p14="http://schemas.microsoft.com/office/powerpoint/2010/main">
-    <mc:Choice Requires="p14">
-      <p:transition spd="med" p14:dur="700">
-        <p:fade/>
-      </p:transition>
-    </mc:Choice>
-    <mc:Fallback xmlns="">
-      <p:transition spd="med">
-        <p:fade/>
-      </p:transition>
-    </mc:Fallback>
-  </mc:AlternateContent>
-</p:sld>
-</file>
-
-<file path=ppt/slides/slide17.xml><?xml version="1.0" encoding="utf-8"?>
+<file path=ppt/slides/slide8.xml><?xml version="1.0" encoding="utf-8"?>
 <p:sld xmlns:a="http://schemas.openxmlformats.org/drawingml/2006/main" xmlns:r="http://schemas.openxmlformats.org/officeDocument/2006/relationships" xmlns:p="http://schemas.openxmlformats.org/presentationml/2006/main">
   <p:cSld>
     <p:spTree>
@@ -23629,7 +23671,7 @@
 </p:sld>
 </file>
 
-<file path=ppt/slides/slide18.xml><?xml version="1.0" encoding="utf-8"?>
+<file path=ppt/slides/slide9.xml><?xml version="1.0" encoding="utf-8"?>
 <p:sld xmlns:a="http://schemas.openxmlformats.org/drawingml/2006/main" xmlns:r="http://schemas.openxmlformats.org/officeDocument/2006/relationships" xmlns:p="http://schemas.openxmlformats.org/presentationml/2006/main">
   <p:cSld>
     <p:spTree>
@@ -24003,1788 +24045,6 @@
     <p:extLst>
       <p:ext uri="{BB962C8B-B14F-4D97-AF65-F5344CB8AC3E}">
         <p14:creationId xmlns:p14="http://schemas.microsoft.com/office/powerpoint/2010/main" val="3809042124"/>
-      </p:ext>
-    </p:extLst>
-  </p:cSld>
-  <p:clrMapOvr>
-    <a:masterClrMapping/>
-  </p:clrMapOvr>
-  <mc:AlternateContent xmlns:mc="http://schemas.openxmlformats.org/markup-compatibility/2006" xmlns:p14="http://schemas.microsoft.com/office/powerpoint/2010/main">
-    <mc:Choice Requires="p14">
-      <p:transition spd="med" p14:dur="700">
-        <p:fade/>
-      </p:transition>
-    </mc:Choice>
-    <mc:Fallback xmlns="">
-      <p:transition spd="med">
-        <p:fade/>
-      </p:transition>
-    </mc:Fallback>
-  </mc:AlternateContent>
-</p:sld>
-</file>
-
-<file path=ppt/slides/slide19.xml><?xml version="1.0" encoding="utf-8"?>
-<p:sld xmlns:a="http://schemas.openxmlformats.org/drawingml/2006/main" xmlns:r="http://schemas.openxmlformats.org/officeDocument/2006/relationships" xmlns:p="http://schemas.openxmlformats.org/presentationml/2006/main">
-  <p:cSld>
-    <p:spTree>
-      <p:nvGrpSpPr>
-        <p:cNvPr id="1" name=""/>
-        <p:cNvGrpSpPr/>
-        <p:nvPr/>
-      </p:nvGrpSpPr>
-      <p:grpSpPr>
-        <a:xfrm>
-          <a:off x="0" y="0"/>
-          <a:ext cx="0" cy="0"/>
-          <a:chOff x="0" y="0"/>
-          <a:chExt cx="0" cy="0"/>
-        </a:xfrm>
-      </p:grpSpPr>
-      <p:sp>
-        <p:nvSpPr>
-          <p:cNvPr id="2" name="Titre 1"/>
-          <p:cNvSpPr>
-            <a:spLocks noGrp="1"/>
-          </p:cNvSpPr>
-          <p:nvPr>
-            <p:ph type="title"/>
-          </p:nvPr>
-        </p:nvSpPr>
-        <p:spPr/>
-        <p:txBody>
-          <a:bodyPr rtlCol="0"/>
-          <a:lstStyle/>
-          <a:p>
-            <a:pPr rtl="0"/>
-            <a:r>
-              <a:rPr lang="en-US" dirty="0"/>
-              <a:t>Functionalities | Member of student’s office</a:t>
-            </a:r>
-          </a:p>
-        </p:txBody>
-      </p:sp>
-      <p:graphicFrame>
-        <p:nvGraphicFramePr>
-          <p:cNvPr id="7" name="Espace réservé du contenu 6">
-            <a:extLst>
-              <a:ext uri="{FF2B5EF4-FFF2-40B4-BE49-F238E27FC236}">
-                <a16:creationId xmlns:a16="http://schemas.microsoft.com/office/drawing/2014/main" id="{ED3DDB86-DAA6-4EDA-BD41-D807339A77FC}"/>
-              </a:ext>
-            </a:extLst>
-          </p:cNvPr>
-          <p:cNvGraphicFramePr>
-            <a:graphicFrameLocks noGrp="1"/>
-          </p:cNvGraphicFramePr>
-          <p:nvPr>
-            <p:ph idx="1"/>
-            <p:extLst>
-              <p:ext uri="{D42A27DB-BD31-4B8C-83A1-F6EECF244321}">
-                <p14:modId xmlns:p14="http://schemas.microsoft.com/office/powerpoint/2010/main" val="2581481426"/>
-              </p:ext>
-            </p:extLst>
-          </p:nvPr>
-        </p:nvGraphicFramePr>
-        <p:xfrm>
-          <a:off x="1295399" y="1981199"/>
-          <a:ext cx="9269027" cy="2256410"/>
-        </p:xfrm>
-        <a:graphic>
-          <a:graphicData uri="http://schemas.openxmlformats.org/drawingml/2006/table">
-            <a:tbl>
-              <a:tblPr firstRow="1" bandRow="1">
-                <a:tableStyleId>{69012ECD-51FC-41F1-AA8D-1B2483CD663E}</a:tableStyleId>
-              </a:tblPr>
-              <a:tblGrid>
-                <a:gridCol w="6944236">
-                  <a:extLst>
-                    <a:ext uri="{9D8B030D-6E8A-4147-A177-3AD203B41FA5}">
-                      <a16:colId xmlns:a16="http://schemas.microsoft.com/office/drawing/2014/main" val="3286242763"/>
-                    </a:ext>
-                  </a:extLst>
-                </a:gridCol>
-                <a:gridCol w="2324791">
-                  <a:extLst>
-                    <a:ext uri="{9D8B030D-6E8A-4147-A177-3AD203B41FA5}">
-                      <a16:colId xmlns:a16="http://schemas.microsoft.com/office/drawing/2014/main" val="1584885993"/>
-                    </a:ext>
-                  </a:extLst>
-                </a:gridCol>
-              </a:tblGrid>
-              <a:tr h="451282">
-                <a:tc>
-                  <a:txBody>
-                    <a:bodyPr/>
-                    <a:lstStyle/>
-                    <a:p>
-                      <a:r>
-                        <a:rPr lang="en-US" noProof="0" dirty="0"/>
-                        <a:t>Functionalities </a:t>
-                      </a:r>
-                    </a:p>
-                  </a:txBody>
-                  <a:tcPr/>
-                </a:tc>
-                <a:tc>
-                  <a:txBody>
-                    <a:bodyPr/>
-                    <a:lstStyle/>
-                    <a:p>
-                      <a:r>
-                        <a:rPr lang="en-US" noProof="0" dirty="0"/>
-                        <a:t>Work done</a:t>
-                      </a:r>
-                    </a:p>
-                  </a:txBody>
-                  <a:tcPr/>
-                </a:tc>
-                <a:extLst>
-                  <a:ext uri="{0D108BD9-81ED-4DB2-BD59-A6C34878D82A}">
-                    <a16:rowId xmlns:a16="http://schemas.microsoft.com/office/drawing/2014/main" val="3634986758"/>
-                  </a:ext>
-                </a:extLst>
-              </a:tr>
-              <a:tr h="451282">
-                <a:tc>
-                  <a:txBody>
-                    <a:bodyPr/>
-                    <a:lstStyle/>
-                    <a:p>
-                      <a:endParaRPr lang="en-US" noProof="0" dirty="0"/>
-                    </a:p>
-                  </a:txBody>
-                  <a:tcPr/>
-                </a:tc>
-                <a:tc>
-                  <a:txBody>
-                    <a:bodyPr/>
-                    <a:lstStyle/>
-                    <a:p>
-                      <a:endParaRPr lang="en-US" noProof="0" dirty="0"/>
-                    </a:p>
-                  </a:txBody>
-                  <a:tcPr/>
-                </a:tc>
-                <a:extLst>
-                  <a:ext uri="{0D108BD9-81ED-4DB2-BD59-A6C34878D82A}">
-                    <a16:rowId xmlns:a16="http://schemas.microsoft.com/office/drawing/2014/main" val="1492406737"/>
-                  </a:ext>
-                </a:extLst>
-              </a:tr>
-              <a:tr h="451282">
-                <a:tc>
-                  <a:txBody>
-                    <a:bodyPr/>
-                    <a:lstStyle/>
-                    <a:p>
-                      <a:endParaRPr lang="en-US" noProof="0" dirty="0"/>
-                    </a:p>
-                  </a:txBody>
-                  <a:tcPr/>
-                </a:tc>
-                <a:tc>
-                  <a:txBody>
-                    <a:bodyPr/>
-                    <a:lstStyle/>
-                    <a:p>
-                      <a:endParaRPr lang="en-US" noProof="0" dirty="0"/>
-                    </a:p>
-                  </a:txBody>
-                  <a:tcPr/>
-                </a:tc>
-                <a:extLst>
-                  <a:ext uri="{0D108BD9-81ED-4DB2-BD59-A6C34878D82A}">
-                    <a16:rowId xmlns:a16="http://schemas.microsoft.com/office/drawing/2014/main" val="340685965"/>
-                  </a:ext>
-                </a:extLst>
-              </a:tr>
-              <a:tr h="451282">
-                <a:tc>
-                  <a:txBody>
-                    <a:bodyPr/>
-                    <a:lstStyle/>
-                    <a:p>
-                      <a:endParaRPr lang="en-US" noProof="0" dirty="0"/>
-                    </a:p>
-                  </a:txBody>
-                  <a:tcPr/>
-                </a:tc>
-                <a:tc>
-                  <a:txBody>
-                    <a:bodyPr/>
-                    <a:lstStyle/>
-                    <a:p>
-                      <a:endParaRPr lang="en-US" noProof="0" dirty="0"/>
-                    </a:p>
-                  </a:txBody>
-                  <a:tcPr/>
-                </a:tc>
-                <a:extLst>
-                  <a:ext uri="{0D108BD9-81ED-4DB2-BD59-A6C34878D82A}">
-                    <a16:rowId xmlns:a16="http://schemas.microsoft.com/office/drawing/2014/main" val="2064031335"/>
-                  </a:ext>
-                </a:extLst>
-              </a:tr>
-              <a:tr h="451282">
-                <a:tc>
-                  <a:txBody>
-                    <a:bodyPr/>
-                    <a:lstStyle/>
-                    <a:p>
-                      <a:endParaRPr lang="en-US" noProof="0" dirty="0"/>
-                    </a:p>
-                  </a:txBody>
-                  <a:tcPr/>
-                </a:tc>
-                <a:tc>
-                  <a:txBody>
-                    <a:bodyPr/>
-                    <a:lstStyle/>
-                    <a:p>
-                      <a:endParaRPr lang="en-US" noProof="0" dirty="0"/>
-                    </a:p>
-                  </a:txBody>
-                  <a:tcPr/>
-                </a:tc>
-                <a:extLst>
-                  <a:ext uri="{0D108BD9-81ED-4DB2-BD59-A6C34878D82A}">
-                    <a16:rowId xmlns:a16="http://schemas.microsoft.com/office/drawing/2014/main" val="851991289"/>
-                  </a:ext>
-                </a:extLst>
-              </a:tr>
-            </a:tbl>
-          </a:graphicData>
-        </a:graphic>
-      </p:graphicFrame>
-    </p:spTree>
-    <p:extLst>
-      <p:ext uri="{BB962C8B-B14F-4D97-AF65-F5344CB8AC3E}">
-        <p14:creationId xmlns:p14="http://schemas.microsoft.com/office/powerpoint/2010/main" val="861159324"/>
-      </p:ext>
-    </p:extLst>
-  </p:cSld>
-  <p:clrMapOvr>
-    <a:masterClrMapping/>
-  </p:clrMapOvr>
-  <mc:AlternateContent xmlns:mc="http://schemas.openxmlformats.org/markup-compatibility/2006" xmlns:p14="http://schemas.microsoft.com/office/powerpoint/2010/main">
-    <mc:Choice Requires="p14">
-      <p:transition spd="med" p14:dur="700">
-        <p:fade/>
-      </p:transition>
-    </mc:Choice>
-    <mc:Fallback xmlns="">
-      <p:transition spd="med">
-        <p:fade/>
-      </p:transition>
-    </mc:Fallback>
-  </mc:AlternateContent>
-</p:sld>
-</file>
-
-<file path=ppt/slides/slide2.xml><?xml version="1.0" encoding="utf-8"?>
-<p:sld xmlns:a="http://schemas.openxmlformats.org/drawingml/2006/main" xmlns:r="http://schemas.openxmlformats.org/officeDocument/2006/relationships" xmlns:p="http://schemas.openxmlformats.org/presentationml/2006/main">
-  <p:cSld>
-    <p:spTree>
-      <p:nvGrpSpPr>
-        <p:cNvPr id="1" name=""/>
-        <p:cNvGrpSpPr/>
-        <p:nvPr/>
-      </p:nvGrpSpPr>
-      <p:grpSpPr>
-        <a:xfrm>
-          <a:off x="0" y="0"/>
-          <a:ext cx="0" cy="0"/>
-          <a:chOff x="0" y="0"/>
-          <a:chExt cx="0" cy="0"/>
-        </a:xfrm>
-      </p:grpSpPr>
-      <p:sp>
-        <p:nvSpPr>
-          <p:cNvPr id="2" name="Titre 1"/>
-          <p:cNvSpPr>
-            <a:spLocks noGrp="1"/>
-          </p:cNvSpPr>
-          <p:nvPr>
-            <p:ph type="title"/>
-          </p:nvPr>
-        </p:nvSpPr>
-        <p:spPr/>
-        <p:txBody>
-          <a:bodyPr rtlCol="0"/>
-          <a:lstStyle/>
-          <a:p>
-            <a:pPr rtl="0"/>
-            <a:r>
-              <a:rPr lang="fr-FR" dirty="0"/>
-              <a:t>Table of contents</a:t>
-            </a:r>
-          </a:p>
-        </p:txBody>
-      </p:sp>
-      <p:sp>
-        <p:nvSpPr>
-          <p:cNvPr id="3" name="Espace réservé du contenu 2"/>
-          <p:cNvSpPr>
-            <a:spLocks noGrp="1"/>
-          </p:cNvSpPr>
-          <p:nvPr>
-            <p:ph idx="1"/>
-          </p:nvPr>
-        </p:nvSpPr>
-        <p:spPr/>
-        <p:txBody>
-          <a:bodyPr rtlCol="0"/>
-          <a:lstStyle/>
-          <a:p>
-            <a:pPr rtl="0"/>
-            <a:r>
-              <a:rPr lang="en-US" dirty="0"/>
-              <a:t>Project presentation</a:t>
-            </a:r>
-          </a:p>
-          <a:p>
-            <a:pPr rtl="0"/>
-            <a:r>
-              <a:rPr lang="en-US" dirty="0"/>
-              <a:t>Team presentation</a:t>
-            </a:r>
-          </a:p>
-          <a:p>
-            <a:pPr rtl="0"/>
-            <a:r>
-              <a:rPr lang="en-US" dirty="0"/>
-              <a:t>Presentation of the website</a:t>
-            </a:r>
-          </a:p>
-          <a:p>
-            <a:pPr rtl="0"/>
-            <a:r>
-              <a:rPr lang="en-US" dirty="0"/>
-              <a:t>Functionalities</a:t>
-            </a:r>
-          </a:p>
-          <a:p>
-            <a:pPr rtl="0"/>
-            <a:r>
-              <a:rPr lang="en-US" dirty="0"/>
-              <a:t>Improvement points</a:t>
-            </a:r>
-          </a:p>
-          <a:p>
-            <a:pPr rtl="0"/>
-            <a:r>
-              <a:rPr lang="en-US" dirty="0"/>
-              <a:t>Conclusion</a:t>
-            </a:r>
-          </a:p>
-        </p:txBody>
-      </p:sp>
-    </p:spTree>
-    <p:extLst>
-      <p:ext uri="{BB962C8B-B14F-4D97-AF65-F5344CB8AC3E}">
-        <p14:creationId xmlns:p14="http://schemas.microsoft.com/office/powerpoint/2010/main" val="3984617762"/>
-      </p:ext>
-    </p:extLst>
-  </p:cSld>
-  <p:clrMapOvr>
-    <a:masterClrMapping/>
-  </p:clrMapOvr>
-  <mc:AlternateContent xmlns:mc="http://schemas.openxmlformats.org/markup-compatibility/2006" xmlns:p14="http://schemas.microsoft.com/office/powerpoint/2010/main">
-    <mc:Choice Requires="p14">
-      <p:transition spd="med" p14:dur="700">
-        <p:fade/>
-      </p:transition>
-    </mc:Choice>
-    <mc:Fallback xmlns="">
-      <p:transition spd="med">
-        <p:fade/>
-      </p:transition>
-    </mc:Fallback>
-  </mc:AlternateContent>
-</p:sld>
-</file>
-
-<file path=ppt/slides/slide20.xml><?xml version="1.0" encoding="utf-8"?>
-<p:sld xmlns:a="http://schemas.openxmlformats.org/drawingml/2006/main" xmlns:r="http://schemas.openxmlformats.org/officeDocument/2006/relationships" xmlns:p="http://schemas.openxmlformats.org/presentationml/2006/main">
-  <p:cSld>
-    <p:spTree>
-      <p:nvGrpSpPr>
-        <p:cNvPr id="1" name=""/>
-        <p:cNvGrpSpPr/>
-        <p:nvPr/>
-      </p:nvGrpSpPr>
-      <p:grpSpPr>
-        <a:xfrm>
-          <a:off x="0" y="0"/>
-          <a:ext cx="0" cy="0"/>
-          <a:chOff x="0" y="0"/>
-          <a:chExt cx="0" cy="0"/>
-        </a:xfrm>
-      </p:grpSpPr>
-      <p:sp>
-        <p:nvSpPr>
-          <p:cNvPr id="2" name="Titre 1"/>
-          <p:cNvSpPr>
-            <a:spLocks noGrp="1"/>
-          </p:cNvSpPr>
-          <p:nvPr>
-            <p:ph type="title"/>
-          </p:nvPr>
-        </p:nvSpPr>
-        <p:spPr/>
-        <p:txBody>
-          <a:bodyPr rtlCol="0"/>
-          <a:lstStyle/>
-          <a:p>
-            <a:pPr rtl="0"/>
-            <a:r>
-              <a:rPr lang="en-US" dirty="0"/>
-              <a:t>Functionalities | CESI Employees</a:t>
-            </a:r>
-          </a:p>
-        </p:txBody>
-      </p:sp>
-      <p:graphicFrame>
-        <p:nvGraphicFramePr>
-          <p:cNvPr id="7" name="Espace réservé du contenu 6">
-            <a:extLst>
-              <a:ext uri="{FF2B5EF4-FFF2-40B4-BE49-F238E27FC236}">
-                <a16:creationId xmlns:a16="http://schemas.microsoft.com/office/drawing/2014/main" id="{ED3DDB86-DAA6-4EDA-BD41-D807339A77FC}"/>
-              </a:ext>
-            </a:extLst>
-          </p:cNvPr>
-          <p:cNvGraphicFramePr>
-            <a:graphicFrameLocks noGrp="1"/>
-          </p:cNvGraphicFramePr>
-          <p:nvPr>
-            <p:ph idx="1"/>
-            <p:extLst>
-              <p:ext uri="{D42A27DB-BD31-4B8C-83A1-F6EECF244321}">
-                <p14:modId xmlns:p14="http://schemas.microsoft.com/office/powerpoint/2010/main" val="3719578880"/>
-              </p:ext>
-            </p:extLst>
-          </p:nvPr>
-        </p:nvGraphicFramePr>
-        <p:xfrm>
-          <a:off x="1295399" y="1981199"/>
-          <a:ext cx="9269027" cy="2256410"/>
-        </p:xfrm>
-        <a:graphic>
-          <a:graphicData uri="http://schemas.openxmlformats.org/drawingml/2006/table">
-            <a:tbl>
-              <a:tblPr firstRow="1" bandRow="1">
-                <a:tableStyleId>{69012ECD-51FC-41F1-AA8D-1B2483CD663E}</a:tableStyleId>
-              </a:tblPr>
-              <a:tblGrid>
-                <a:gridCol w="6944236">
-                  <a:extLst>
-                    <a:ext uri="{9D8B030D-6E8A-4147-A177-3AD203B41FA5}">
-                      <a16:colId xmlns:a16="http://schemas.microsoft.com/office/drawing/2014/main" val="3286242763"/>
-                    </a:ext>
-                  </a:extLst>
-                </a:gridCol>
-                <a:gridCol w="2324791">
-                  <a:extLst>
-                    <a:ext uri="{9D8B030D-6E8A-4147-A177-3AD203B41FA5}">
-                      <a16:colId xmlns:a16="http://schemas.microsoft.com/office/drawing/2014/main" val="1584885993"/>
-                    </a:ext>
-                  </a:extLst>
-                </a:gridCol>
-              </a:tblGrid>
-              <a:tr h="451282">
-                <a:tc>
-                  <a:txBody>
-                    <a:bodyPr/>
-                    <a:lstStyle/>
-                    <a:p>
-                      <a:r>
-                        <a:rPr lang="en-US" noProof="0" dirty="0"/>
-                        <a:t>Functionalities </a:t>
-                      </a:r>
-                    </a:p>
-                  </a:txBody>
-                  <a:tcPr/>
-                </a:tc>
-                <a:tc>
-                  <a:txBody>
-                    <a:bodyPr/>
-                    <a:lstStyle/>
-                    <a:p>
-                      <a:r>
-                        <a:rPr lang="en-US" noProof="0" dirty="0"/>
-                        <a:t>Work done</a:t>
-                      </a:r>
-                    </a:p>
-                  </a:txBody>
-                  <a:tcPr/>
-                </a:tc>
-                <a:extLst>
-                  <a:ext uri="{0D108BD9-81ED-4DB2-BD59-A6C34878D82A}">
-                    <a16:rowId xmlns:a16="http://schemas.microsoft.com/office/drawing/2014/main" val="3634986758"/>
-                  </a:ext>
-                </a:extLst>
-              </a:tr>
-              <a:tr h="451282">
-                <a:tc>
-                  <a:txBody>
-                    <a:bodyPr/>
-                    <a:lstStyle/>
-                    <a:p>
-                      <a:endParaRPr lang="en-US" noProof="0" dirty="0"/>
-                    </a:p>
-                  </a:txBody>
-                  <a:tcPr/>
-                </a:tc>
-                <a:tc>
-                  <a:txBody>
-                    <a:bodyPr/>
-                    <a:lstStyle/>
-                    <a:p>
-                      <a:endParaRPr lang="en-US" noProof="0" dirty="0"/>
-                    </a:p>
-                  </a:txBody>
-                  <a:tcPr/>
-                </a:tc>
-                <a:extLst>
-                  <a:ext uri="{0D108BD9-81ED-4DB2-BD59-A6C34878D82A}">
-                    <a16:rowId xmlns:a16="http://schemas.microsoft.com/office/drawing/2014/main" val="1492406737"/>
-                  </a:ext>
-                </a:extLst>
-              </a:tr>
-              <a:tr h="451282">
-                <a:tc>
-                  <a:txBody>
-                    <a:bodyPr/>
-                    <a:lstStyle/>
-                    <a:p>
-                      <a:endParaRPr lang="en-US" noProof="0" dirty="0"/>
-                    </a:p>
-                  </a:txBody>
-                  <a:tcPr/>
-                </a:tc>
-                <a:tc>
-                  <a:txBody>
-                    <a:bodyPr/>
-                    <a:lstStyle/>
-                    <a:p>
-                      <a:endParaRPr lang="en-US" noProof="0" dirty="0"/>
-                    </a:p>
-                  </a:txBody>
-                  <a:tcPr/>
-                </a:tc>
-                <a:extLst>
-                  <a:ext uri="{0D108BD9-81ED-4DB2-BD59-A6C34878D82A}">
-                    <a16:rowId xmlns:a16="http://schemas.microsoft.com/office/drawing/2014/main" val="340685965"/>
-                  </a:ext>
-                </a:extLst>
-              </a:tr>
-              <a:tr h="451282">
-                <a:tc>
-                  <a:txBody>
-                    <a:bodyPr/>
-                    <a:lstStyle/>
-                    <a:p>
-                      <a:endParaRPr lang="en-US" noProof="0" dirty="0"/>
-                    </a:p>
-                  </a:txBody>
-                  <a:tcPr/>
-                </a:tc>
-                <a:tc>
-                  <a:txBody>
-                    <a:bodyPr/>
-                    <a:lstStyle/>
-                    <a:p>
-                      <a:endParaRPr lang="en-US" noProof="0" dirty="0"/>
-                    </a:p>
-                  </a:txBody>
-                  <a:tcPr/>
-                </a:tc>
-                <a:extLst>
-                  <a:ext uri="{0D108BD9-81ED-4DB2-BD59-A6C34878D82A}">
-                    <a16:rowId xmlns:a16="http://schemas.microsoft.com/office/drawing/2014/main" val="2064031335"/>
-                  </a:ext>
-                </a:extLst>
-              </a:tr>
-              <a:tr h="451282">
-                <a:tc>
-                  <a:txBody>
-                    <a:bodyPr/>
-                    <a:lstStyle/>
-                    <a:p>
-                      <a:endParaRPr lang="en-US" noProof="0" dirty="0"/>
-                    </a:p>
-                  </a:txBody>
-                  <a:tcPr/>
-                </a:tc>
-                <a:tc>
-                  <a:txBody>
-                    <a:bodyPr/>
-                    <a:lstStyle/>
-                    <a:p>
-                      <a:endParaRPr lang="en-US" noProof="0" dirty="0"/>
-                    </a:p>
-                  </a:txBody>
-                  <a:tcPr/>
-                </a:tc>
-                <a:extLst>
-                  <a:ext uri="{0D108BD9-81ED-4DB2-BD59-A6C34878D82A}">
-                    <a16:rowId xmlns:a16="http://schemas.microsoft.com/office/drawing/2014/main" val="851991289"/>
-                  </a:ext>
-                </a:extLst>
-              </a:tr>
-            </a:tbl>
-          </a:graphicData>
-        </a:graphic>
-      </p:graphicFrame>
-    </p:spTree>
-    <p:extLst>
-      <p:ext uri="{BB962C8B-B14F-4D97-AF65-F5344CB8AC3E}">
-        <p14:creationId xmlns:p14="http://schemas.microsoft.com/office/powerpoint/2010/main" val="657322324"/>
-      </p:ext>
-    </p:extLst>
-  </p:cSld>
-  <p:clrMapOvr>
-    <a:masterClrMapping/>
-  </p:clrMapOvr>
-  <mc:AlternateContent xmlns:mc="http://schemas.openxmlformats.org/markup-compatibility/2006" xmlns:p14="http://schemas.microsoft.com/office/powerpoint/2010/main">
-    <mc:Choice Requires="p14">
-      <p:transition spd="med" p14:dur="700">
-        <p:fade/>
-      </p:transition>
-    </mc:Choice>
-    <mc:Fallback xmlns="">
-      <p:transition spd="med">
-        <p:fade/>
-      </p:transition>
-    </mc:Fallback>
-  </mc:AlternateContent>
-</p:sld>
-</file>
-
-<file path=ppt/slides/slide21.xml><?xml version="1.0" encoding="utf-8"?>
-<p:sld xmlns:a="http://schemas.openxmlformats.org/drawingml/2006/main" xmlns:r="http://schemas.openxmlformats.org/officeDocument/2006/relationships" xmlns:p="http://schemas.openxmlformats.org/presentationml/2006/main">
-  <p:cSld>
-    <p:spTree>
-      <p:nvGrpSpPr>
-        <p:cNvPr id="1" name=""/>
-        <p:cNvGrpSpPr/>
-        <p:nvPr/>
-      </p:nvGrpSpPr>
-      <p:grpSpPr>
-        <a:xfrm>
-          <a:off x="0" y="0"/>
-          <a:ext cx="0" cy="0"/>
-          <a:chOff x="0" y="0"/>
-          <a:chExt cx="0" cy="0"/>
-        </a:xfrm>
-      </p:grpSpPr>
-      <p:sp>
-        <p:nvSpPr>
-          <p:cNvPr id="2" name="Titre 1"/>
-          <p:cNvSpPr>
-            <a:spLocks noGrp="1"/>
-          </p:cNvSpPr>
-          <p:nvPr>
-            <p:ph type="title"/>
-          </p:nvPr>
-        </p:nvSpPr>
-        <p:spPr/>
-        <p:txBody>
-          <a:bodyPr rtlCol="0"/>
-          <a:lstStyle/>
-          <a:p>
-            <a:pPr rtl="0"/>
-            <a:r>
-              <a:rPr lang="en-US" dirty="0"/>
-              <a:t>Functionalities | Shop</a:t>
-            </a:r>
-          </a:p>
-        </p:txBody>
-      </p:sp>
-      <p:graphicFrame>
-        <p:nvGraphicFramePr>
-          <p:cNvPr id="7" name="Espace réservé du contenu 6">
-            <a:extLst>
-              <a:ext uri="{FF2B5EF4-FFF2-40B4-BE49-F238E27FC236}">
-                <a16:creationId xmlns:a16="http://schemas.microsoft.com/office/drawing/2014/main" id="{ED3DDB86-DAA6-4EDA-BD41-D807339A77FC}"/>
-              </a:ext>
-            </a:extLst>
-          </p:cNvPr>
-          <p:cNvGraphicFramePr>
-            <a:graphicFrameLocks noGrp="1"/>
-          </p:cNvGraphicFramePr>
-          <p:nvPr>
-            <p:ph idx="1"/>
-            <p:extLst>
-              <p:ext uri="{D42A27DB-BD31-4B8C-83A1-F6EECF244321}">
-                <p14:modId xmlns:p14="http://schemas.microsoft.com/office/powerpoint/2010/main" val="2056125559"/>
-              </p:ext>
-            </p:extLst>
-          </p:nvPr>
-        </p:nvGraphicFramePr>
-        <p:xfrm>
-          <a:off x="1295399" y="1981199"/>
-          <a:ext cx="9269027" cy="2256410"/>
-        </p:xfrm>
-        <a:graphic>
-          <a:graphicData uri="http://schemas.openxmlformats.org/drawingml/2006/table">
-            <a:tbl>
-              <a:tblPr firstRow="1" bandRow="1">
-                <a:tableStyleId>{69012ECD-51FC-41F1-AA8D-1B2483CD663E}</a:tableStyleId>
-              </a:tblPr>
-              <a:tblGrid>
-                <a:gridCol w="6944236">
-                  <a:extLst>
-                    <a:ext uri="{9D8B030D-6E8A-4147-A177-3AD203B41FA5}">
-                      <a16:colId xmlns:a16="http://schemas.microsoft.com/office/drawing/2014/main" val="3286242763"/>
-                    </a:ext>
-                  </a:extLst>
-                </a:gridCol>
-                <a:gridCol w="2324791">
-                  <a:extLst>
-                    <a:ext uri="{9D8B030D-6E8A-4147-A177-3AD203B41FA5}">
-                      <a16:colId xmlns:a16="http://schemas.microsoft.com/office/drawing/2014/main" val="1584885993"/>
-                    </a:ext>
-                  </a:extLst>
-                </a:gridCol>
-              </a:tblGrid>
-              <a:tr h="451282">
-                <a:tc>
-                  <a:txBody>
-                    <a:bodyPr/>
-                    <a:lstStyle/>
-                    <a:p>
-                      <a:r>
-                        <a:rPr lang="en-US" noProof="0" dirty="0"/>
-                        <a:t>Functionalities </a:t>
-                      </a:r>
-                    </a:p>
-                  </a:txBody>
-                  <a:tcPr/>
-                </a:tc>
-                <a:tc>
-                  <a:txBody>
-                    <a:bodyPr/>
-                    <a:lstStyle/>
-                    <a:p>
-                      <a:r>
-                        <a:rPr lang="en-US" noProof="0" dirty="0"/>
-                        <a:t>Work done</a:t>
-                      </a:r>
-                    </a:p>
-                  </a:txBody>
-                  <a:tcPr/>
-                </a:tc>
-                <a:extLst>
-                  <a:ext uri="{0D108BD9-81ED-4DB2-BD59-A6C34878D82A}">
-                    <a16:rowId xmlns:a16="http://schemas.microsoft.com/office/drawing/2014/main" val="3634986758"/>
-                  </a:ext>
-                </a:extLst>
-              </a:tr>
-              <a:tr h="451282">
-                <a:tc>
-                  <a:txBody>
-                    <a:bodyPr/>
-                    <a:lstStyle/>
-                    <a:p>
-                      <a:endParaRPr lang="en-US" noProof="0" dirty="0"/>
-                    </a:p>
-                  </a:txBody>
-                  <a:tcPr/>
-                </a:tc>
-                <a:tc>
-                  <a:txBody>
-                    <a:bodyPr/>
-                    <a:lstStyle/>
-                    <a:p>
-                      <a:endParaRPr lang="en-US" noProof="0" dirty="0"/>
-                    </a:p>
-                  </a:txBody>
-                  <a:tcPr/>
-                </a:tc>
-                <a:extLst>
-                  <a:ext uri="{0D108BD9-81ED-4DB2-BD59-A6C34878D82A}">
-                    <a16:rowId xmlns:a16="http://schemas.microsoft.com/office/drawing/2014/main" val="1492406737"/>
-                  </a:ext>
-                </a:extLst>
-              </a:tr>
-              <a:tr h="451282">
-                <a:tc>
-                  <a:txBody>
-                    <a:bodyPr/>
-                    <a:lstStyle/>
-                    <a:p>
-                      <a:endParaRPr lang="en-US" noProof="0" dirty="0"/>
-                    </a:p>
-                  </a:txBody>
-                  <a:tcPr/>
-                </a:tc>
-                <a:tc>
-                  <a:txBody>
-                    <a:bodyPr/>
-                    <a:lstStyle/>
-                    <a:p>
-                      <a:endParaRPr lang="en-US" noProof="0" dirty="0"/>
-                    </a:p>
-                  </a:txBody>
-                  <a:tcPr/>
-                </a:tc>
-                <a:extLst>
-                  <a:ext uri="{0D108BD9-81ED-4DB2-BD59-A6C34878D82A}">
-                    <a16:rowId xmlns:a16="http://schemas.microsoft.com/office/drawing/2014/main" val="340685965"/>
-                  </a:ext>
-                </a:extLst>
-              </a:tr>
-              <a:tr h="451282">
-                <a:tc>
-                  <a:txBody>
-                    <a:bodyPr/>
-                    <a:lstStyle/>
-                    <a:p>
-                      <a:endParaRPr lang="en-US" noProof="0" dirty="0"/>
-                    </a:p>
-                  </a:txBody>
-                  <a:tcPr/>
-                </a:tc>
-                <a:tc>
-                  <a:txBody>
-                    <a:bodyPr/>
-                    <a:lstStyle/>
-                    <a:p>
-                      <a:endParaRPr lang="en-US" noProof="0" dirty="0"/>
-                    </a:p>
-                  </a:txBody>
-                  <a:tcPr/>
-                </a:tc>
-                <a:extLst>
-                  <a:ext uri="{0D108BD9-81ED-4DB2-BD59-A6C34878D82A}">
-                    <a16:rowId xmlns:a16="http://schemas.microsoft.com/office/drawing/2014/main" val="2064031335"/>
-                  </a:ext>
-                </a:extLst>
-              </a:tr>
-              <a:tr h="451282">
-                <a:tc>
-                  <a:txBody>
-                    <a:bodyPr/>
-                    <a:lstStyle/>
-                    <a:p>
-                      <a:endParaRPr lang="en-US" noProof="0" dirty="0"/>
-                    </a:p>
-                  </a:txBody>
-                  <a:tcPr/>
-                </a:tc>
-                <a:tc>
-                  <a:txBody>
-                    <a:bodyPr/>
-                    <a:lstStyle/>
-                    <a:p>
-                      <a:endParaRPr lang="en-US" noProof="0" dirty="0"/>
-                    </a:p>
-                  </a:txBody>
-                  <a:tcPr/>
-                </a:tc>
-                <a:extLst>
-                  <a:ext uri="{0D108BD9-81ED-4DB2-BD59-A6C34878D82A}">
-                    <a16:rowId xmlns:a16="http://schemas.microsoft.com/office/drawing/2014/main" val="851991289"/>
-                  </a:ext>
-                </a:extLst>
-              </a:tr>
-            </a:tbl>
-          </a:graphicData>
-        </a:graphic>
-      </p:graphicFrame>
-    </p:spTree>
-    <p:extLst>
-      <p:ext uri="{BB962C8B-B14F-4D97-AF65-F5344CB8AC3E}">
-        <p14:creationId xmlns:p14="http://schemas.microsoft.com/office/powerpoint/2010/main" val="1986906157"/>
-      </p:ext>
-    </p:extLst>
-  </p:cSld>
-  <p:clrMapOvr>
-    <a:masterClrMapping/>
-  </p:clrMapOvr>
-  <mc:AlternateContent xmlns:mc="http://schemas.openxmlformats.org/markup-compatibility/2006" xmlns:p14="http://schemas.microsoft.com/office/powerpoint/2010/main">
-    <mc:Choice Requires="p14">
-      <p:transition spd="med" p14:dur="700">
-        <p:fade/>
-      </p:transition>
-    </mc:Choice>
-    <mc:Fallback xmlns="">
-      <p:transition spd="med">
-        <p:fade/>
-      </p:transition>
-    </mc:Fallback>
-  </mc:AlternateContent>
-</p:sld>
-</file>
-
-<file path=ppt/slides/slide22.xml><?xml version="1.0" encoding="utf-8"?>
-<p:sld xmlns:a="http://schemas.openxmlformats.org/drawingml/2006/main" xmlns:r="http://schemas.openxmlformats.org/officeDocument/2006/relationships" xmlns:p="http://schemas.openxmlformats.org/presentationml/2006/main">
-  <p:cSld>
-    <p:spTree>
-      <p:nvGrpSpPr>
-        <p:cNvPr id="1" name=""/>
-        <p:cNvGrpSpPr/>
-        <p:nvPr/>
-      </p:nvGrpSpPr>
-      <p:grpSpPr>
-        <a:xfrm>
-          <a:off x="0" y="0"/>
-          <a:ext cx="0" cy="0"/>
-          <a:chOff x="0" y="0"/>
-          <a:chExt cx="0" cy="0"/>
-        </a:xfrm>
-      </p:grpSpPr>
-      <p:sp>
-        <p:nvSpPr>
-          <p:cNvPr id="2" name="Titre 1"/>
-          <p:cNvSpPr>
-            <a:spLocks noGrp="1"/>
-          </p:cNvSpPr>
-          <p:nvPr>
-            <p:ph type="title"/>
-          </p:nvPr>
-        </p:nvSpPr>
-        <p:spPr/>
-        <p:txBody>
-          <a:bodyPr rtlCol="0"/>
-          <a:lstStyle/>
-          <a:p>
-            <a:pPr rtl="0"/>
-            <a:r>
-              <a:rPr lang="en-US" dirty="0"/>
-              <a:t>Improvement points</a:t>
-            </a:r>
-          </a:p>
-        </p:txBody>
-      </p:sp>
-      <p:sp>
-        <p:nvSpPr>
-          <p:cNvPr id="3" name="Espace réservé du contenu 2"/>
-          <p:cNvSpPr>
-            <a:spLocks noGrp="1"/>
-          </p:cNvSpPr>
-          <p:nvPr>
-            <p:ph idx="1"/>
-          </p:nvPr>
-        </p:nvSpPr>
-        <p:spPr/>
-        <p:txBody>
-          <a:bodyPr rtlCol="0"/>
-          <a:lstStyle/>
-          <a:p>
-            <a:pPr rtl="0"/>
-            <a:endParaRPr lang="en-US" dirty="0"/>
-          </a:p>
-        </p:txBody>
-      </p:sp>
-    </p:spTree>
-    <p:extLst>
-      <p:ext uri="{BB962C8B-B14F-4D97-AF65-F5344CB8AC3E}">
-        <p14:creationId xmlns:p14="http://schemas.microsoft.com/office/powerpoint/2010/main" val="2628497088"/>
-      </p:ext>
-    </p:extLst>
-  </p:cSld>
-  <p:clrMapOvr>
-    <a:masterClrMapping/>
-  </p:clrMapOvr>
-  <mc:AlternateContent xmlns:mc="http://schemas.openxmlformats.org/markup-compatibility/2006" xmlns:p14="http://schemas.microsoft.com/office/powerpoint/2010/main">
-    <mc:Choice Requires="p14">
-      <p:transition spd="med" p14:dur="700">
-        <p:fade/>
-      </p:transition>
-    </mc:Choice>
-    <mc:Fallback xmlns="">
-      <p:transition spd="med">
-        <p:fade/>
-      </p:transition>
-    </mc:Fallback>
-  </mc:AlternateContent>
-</p:sld>
-</file>
-
-<file path=ppt/slides/slide23.xml><?xml version="1.0" encoding="utf-8"?>
-<p:sld xmlns:a="http://schemas.openxmlformats.org/drawingml/2006/main" xmlns:r="http://schemas.openxmlformats.org/officeDocument/2006/relationships" xmlns:p="http://schemas.openxmlformats.org/presentationml/2006/main">
-  <p:cSld>
-    <p:spTree>
-      <p:nvGrpSpPr>
-        <p:cNvPr id="1" name=""/>
-        <p:cNvGrpSpPr/>
-        <p:nvPr/>
-      </p:nvGrpSpPr>
-      <p:grpSpPr>
-        <a:xfrm>
-          <a:off x="0" y="0"/>
-          <a:ext cx="0" cy="0"/>
-          <a:chOff x="0" y="0"/>
-          <a:chExt cx="0" cy="0"/>
-        </a:xfrm>
-      </p:grpSpPr>
-      <p:sp>
-        <p:nvSpPr>
-          <p:cNvPr id="2" name="Titre 1"/>
-          <p:cNvSpPr>
-            <a:spLocks noGrp="1"/>
-          </p:cNvSpPr>
-          <p:nvPr>
-            <p:ph type="title"/>
-          </p:nvPr>
-        </p:nvSpPr>
-        <p:spPr/>
-        <p:txBody>
-          <a:bodyPr rtlCol="0"/>
-          <a:lstStyle/>
-          <a:p>
-            <a:pPr rtl="0"/>
-            <a:r>
-              <a:rPr lang="fr-FR" dirty="0"/>
-              <a:t>Conclusion</a:t>
-            </a:r>
-          </a:p>
-        </p:txBody>
-      </p:sp>
-      <p:sp>
-        <p:nvSpPr>
-          <p:cNvPr id="3" name="Espace réservé du contenu 2"/>
-          <p:cNvSpPr>
-            <a:spLocks noGrp="1"/>
-          </p:cNvSpPr>
-          <p:nvPr>
-            <p:ph idx="1"/>
-          </p:nvPr>
-        </p:nvSpPr>
-        <p:spPr/>
-        <p:txBody>
-          <a:bodyPr rtlCol="0"/>
-          <a:lstStyle/>
-          <a:p>
-            <a:pPr rtl="0"/>
-            <a:r>
-              <a:rPr lang="en-US" dirty="0"/>
-              <a:t>A</a:t>
-            </a:r>
-          </a:p>
-          <a:p>
-            <a:pPr rtl="0"/>
-            <a:r>
-              <a:rPr lang="en-US" dirty="0"/>
-              <a:t>A</a:t>
-            </a:r>
-          </a:p>
-          <a:p>
-            <a:pPr rtl="0"/>
-            <a:r>
-              <a:rPr lang="en-US" dirty="0"/>
-              <a:t>A</a:t>
-            </a:r>
-          </a:p>
-        </p:txBody>
-      </p:sp>
-    </p:spTree>
-    <p:extLst>
-      <p:ext uri="{BB962C8B-B14F-4D97-AF65-F5344CB8AC3E}">
-        <p14:creationId xmlns:p14="http://schemas.microsoft.com/office/powerpoint/2010/main" val="2586493336"/>
-      </p:ext>
-    </p:extLst>
-  </p:cSld>
-  <p:clrMapOvr>
-    <a:masterClrMapping/>
-  </p:clrMapOvr>
-  <mc:AlternateContent xmlns:mc="http://schemas.openxmlformats.org/markup-compatibility/2006" xmlns:p14="http://schemas.microsoft.com/office/powerpoint/2010/main">
-    <mc:Choice Requires="p14">
-      <p:transition spd="med" p14:dur="700">
-        <p:fade/>
-      </p:transition>
-    </mc:Choice>
-    <mc:Fallback xmlns="">
-      <p:transition spd="med">
-        <p:fade/>
-      </p:transition>
-    </mc:Fallback>
-  </mc:AlternateContent>
-</p:sld>
-</file>
-
-<file path=ppt/slides/slide3.xml><?xml version="1.0" encoding="utf-8"?>
-<p:sld xmlns:a="http://schemas.openxmlformats.org/drawingml/2006/main" xmlns:r="http://schemas.openxmlformats.org/officeDocument/2006/relationships" xmlns:p="http://schemas.openxmlformats.org/presentationml/2006/main">
-  <p:cSld>
-    <p:spTree>
-      <p:nvGrpSpPr>
-        <p:cNvPr id="1" name=""/>
-        <p:cNvGrpSpPr/>
-        <p:nvPr/>
-      </p:nvGrpSpPr>
-      <p:grpSpPr>
-        <a:xfrm>
-          <a:off x="0" y="0"/>
-          <a:ext cx="0" cy="0"/>
-          <a:chOff x="0" y="0"/>
-          <a:chExt cx="0" cy="0"/>
-        </a:xfrm>
-      </p:grpSpPr>
-      <p:sp>
-        <p:nvSpPr>
-          <p:cNvPr id="2" name="Titre 1"/>
-          <p:cNvSpPr>
-            <a:spLocks noGrp="1"/>
-          </p:cNvSpPr>
-          <p:nvPr>
-            <p:ph type="title"/>
-          </p:nvPr>
-        </p:nvSpPr>
-        <p:spPr/>
-        <p:txBody>
-          <a:bodyPr rtlCol="0"/>
-          <a:lstStyle/>
-          <a:p>
-            <a:pPr rtl="0"/>
-            <a:r>
-              <a:rPr lang="en-US" dirty="0"/>
-              <a:t>Analysis</a:t>
-            </a:r>
-          </a:p>
-        </p:txBody>
-      </p:sp>
-      <p:sp>
-        <p:nvSpPr>
-          <p:cNvPr id="3" name="Espace réservé du contenu 2"/>
-          <p:cNvSpPr>
-            <a:spLocks noGrp="1"/>
-          </p:cNvSpPr>
-          <p:nvPr>
-            <p:ph idx="1"/>
-          </p:nvPr>
-        </p:nvSpPr>
-        <p:spPr/>
-        <p:txBody>
-          <a:bodyPr rtlCol="0">
-            <a:normAutofit/>
-          </a:bodyPr>
-          <a:lstStyle/>
-          <a:p>
-            <a:pPr rtl="0">
-              <a:lnSpc>
-                <a:spcPct val="200000"/>
-              </a:lnSpc>
-            </a:pPr>
-            <a:r>
-              <a:rPr lang="en-US" sz="2400" dirty="0"/>
-              <a:t>Create a website for the student’s office of  the school</a:t>
-            </a:r>
-          </a:p>
-          <a:p>
-            <a:pPr rtl="0">
-              <a:lnSpc>
-                <a:spcPct val="200000"/>
-              </a:lnSpc>
-            </a:pPr>
-            <a:r>
-              <a:rPr lang="en-US" sz="2400" dirty="0"/>
-              <a:t>Build an online shop for their goodies</a:t>
-            </a:r>
-          </a:p>
-          <a:p>
-            <a:pPr>
-              <a:lnSpc>
-                <a:spcPct val="200000"/>
-              </a:lnSpc>
-            </a:pPr>
-            <a:r>
-              <a:rPr lang="en-US" sz="2400" dirty="0"/>
-              <a:t>Create a special page for incomings events and previous ones </a:t>
-            </a:r>
-          </a:p>
-        </p:txBody>
-      </p:sp>
-    </p:spTree>
-    <p:extLst>
-      <p:ext uri="{BB962C8B-B14F-4D97-AF65-F5344CB8AC3E}">
-        <p14:creationId xmlns:p14="http://schemas.microsoft.com/office/powerpoint/2010/main" val="2906926895"/>
-      </p:ext>
-    </p:extLst>
-  </p:cSld>
-  <p:clrMapOvr>
-    <a:masterClrMapping/>
-  </p:clrMapOvr>
-  <mc:AlternateContent xmlns:mc="http://schemas.openxmlformats.org/markup-compatibility/2006" xmlns:p14="http://schemas.microsoft.com/office/powerpoint/2010/main">
-    <mc:Choice Requires="p14">
-      <p:transition spd="med" p14:dur="700">
-        <p:fade/>
-      </p:transition>
-    </mc:Choice>
-    <mc:Fallback xmlns="">
-      <p:transition spd="med">
-        <p:fade/>
-      </p:transition>
-    </mc:Fallback>
-  </mc:AlternateContent>
-</p:sld>
-</file>
-
-<file path=ppt/slides/slide4.xml><?xml version="1.0" encoding="utf-8"?>
-<p:sld xmlns:a="http://schemas.openxmlformats.org/drawingml/2006/main" xmlns:r="http://schemas.openxmlformats.org/officeDocument/2006/relationships" xmlns:p="http://schemas.openxmlformats.org/presentationml/2006/main">
-  <p:cSld>
-    <p:spTree>
-      <p:nvGrpSpPr>
-        <p:cNvPr id="1" name=""/>
-        <p:cNvGrpSpPr/>
-        <p:nvPr/>
-      </p:nvGrpSpPr>
-      <p:grpSpPr>
-        <a:xfrm>
-          <a:off x="0" y="0"/>
-          <a:ext cx="0" cy="0"/>
-          <a:chOff x="0" y="0"/>
-          <a:chExt cx="0" cy="0"/>
-        </a:xfrm>
-      </p:grpSpPr>
-      <p:sp>
-        <p:nvSpPr>
-          <p:cNvPr id="2" name="Titre 1">
-            <a:extLst>
-              <a:ext uri="{FF2B5EF4-FFF2-40B4-BE49-F238E27FC236}">
-                <a16:creationId xmlns:a16="http://schemas.microsoft.com/office/drawing/2014/main" id="{0DA814CD-1B3C-48D4-A29F-7C2BEE59A5C4}"/>
-              </a:ext>
-            </a:extLst>
-          </p:cNvPr>
-          <p:cNvSpPr>
-            <a:spLocks noGrp="1"/>
-          </p:cNvSpPr>
-          <p:nvPr>
-            <p:ph type="title"/>
-          </p:nvPr>
-        </p:nvSpPr>
-        <p:spPr/>
-        <p:txBody>
-          <a:bodyPr/>
-          <a:lstStyle/>
-          <a:p>
-            <a:r>
-              <a:rPr lang="fr-FR" dirty="0"/>
-              <a:t>Team presentation</a:t>
-            </a:r>
-          </a:p>
-        </p:txBody>
-      </p:sp>
-      <p:graphicFrame>
-        <p:nvGraphicFramePr>
-          <p:cNvPr id="4" name="Espace réservé du contenu 3">
-            <a:extLst>
-              <a:ext uri="{FF2B5EF4-FFF2-40B4-BE49-F238E27FC236}">
-                <a16:creationId xmlns:a16="http://schemas.microsoft.com/office/drawing/2014/main" id="{D170BCED-0031-45E8-B1D0-8692DF866199}"/>
-              </a:ext>
-            </a:extLst>
-          </p:cNvPr>
-          <p:cNvGraphicFramePr>
-            <a:graphicFrameLocks noGrp="1"/>
-          </p:cNvGraphicFramePr>
-          <p:nvPr>
-            <p:ph idx="1"/>
-            <p:extLst>
-              <p:ext uri="{D42A27DB-BD31-4B8C-83A1-F6EECF244321}">
-                <p14:modId xmlns:p14="http://schemas.microsoft.com/office/powerpoint/2010/main" val="633126381"/>
-              </p:ext>
-            </p:extLst>
-          </p:nvPr>
-        </p:nvGraphicFramePr>
-        <p:xfrm>
-          <a:off x="1295400" y="1981200"/>
-          <a:ext cx="9601200" cy="3810000"/>
-        </p:xfrm>
-        <a:graphic>
-          <a:graphicData uri="http://schemas.openxmlformats.org/drawingml/2006/diagram">
-            <dgm:relIds xmlns:dgm="http://schemas.openxmlformats.org/drawingml/2006/diagram" xmlns:r="http://schemas.openxmlformats.org/officeDocument/2006/relationships" r:dm="rId3" r:lo="rId4" r:qs="rId5" r:cs="rId6"/>
-          </a:graphicData>
-        </a:graphic>
-      </p:graphicFrame>
-    </p:spTree>
-    <p:extLst>
-      <p:ext uri="{BB962C8B-B14F-4D97-AF65-F5344CB8AC3E}">
-        <p14:creationId xmlns:p14="http://schemas.microsoft.com/office/powerpoint/2010/main" val="3575914750"/>
-      </p:ext>
-    </p:extLst>
-  </p:cSld>
-  <p:clrMapOvr>
-    <a:masterClrMapping/>
-  </p:clrMapOvr>
-  <mc:AlternateContent xmlns:mc="http://schemas.openxmlformats.org/markup-compatibility/2006" xmlns:p14="http://schemas.microsoft.com/office/powerpoint/2010/main">
-    <mc:Choice Requires="p14">
-      <p:transition spd="med" p14:dur="700">
-        <p:fade/>
-      </p:transition>
-    </mc:Choice>
-    <mc:Fallback xmlns="">
-      <p:transition spd="med">
-        <p:fade/>
-      </p:transition>
-    </mc:Fallback>
-  </mc:AlternateContent>
-</p:sld>
-</file>
-
-<file path=ppt/slides/slide5.xml><?xml version="1.0" encoding="utf-8"?>
-<p:sld xmlns:a="http://schemas.openxmlformats.org/drawingml/2006/main" xmlns:r="http://schemas.openxmlformats.org/officeDocument/2006/relationships" xmlns:p="http://schemas.openxmlformats.org/presentationml/2006/main">
-  <p:cSld>
-    <p:spTree>
-      <p:nvGrpSpPr>
-        <p:cNvPr id="1" name=""/>
-        <p:cNvGrpSpPr/>
-        <p:nvPr/>
-      </p:nvGrpSpPr>
-      <p:grpSpPr>
-        <a:xfrm>
-          <a:off x="0" y="0"/>
-          <a:ext cx="0" cy="0"/>
-          <a:chOff x="0" y="0"/>
-          <a:chExt cx="0" cy="0"/>
-        </a:xfrm>
-      </p:grpSpPr>
-      <p:sp>
-        <p:nvSpPr>
-          <p:cNvPr id="2" name="Titre 1">
-            <a:extLst>
-              <a:ext uri="{FF2B5EF4-FFF2-40B4-BE49-F238E27FC236}">
-                <a16:creationId xmlns:a16="http://schemas.microsoft.com/office/drawing/2014/main" id="{0DA814CD-1B3C-48D4-A29F-7C2BEE59A5C4}"/>
-              </a:ext>
-            </a:extLst>
-          </p:cNvPr>
-          <p:cNvSpPr>
-            <a:spLocks noGrp="1"/>
-          </p:cNvSpPr>
-          <p:nvPr>
-            <p:ph type="title"/>
-          </p:nvPr>
-        </p:nvSpPr>
-        <p:spPr/>
-        <p:txBody>
-          <a:bodyPr/>
-          <a:lstStyle/>
-          <a:p>
-            <a:r>
-              <a:rPr lang="fr-FR" dirty="0"/>
-              <a:t>Team presentation</a:t>
-            </a:r>
-          </a:p>
-        </p:txBody>
-      </p:sp>
-      <p:graphicFrame>
-        <p:nvGraphicFramePr>
-          <p:cNvPr id="4" name="Espace réservé du contenu 3">
-            <a:extLst>
-              <a:ext uri="{FF2B5EF4-FFF2-40B4-BE49-F238E27FC236}">
-                <a16:creationId xmlns:a16="http://schemas.microsoft.com/office/drawing/2014/main" id="{D170BCED-0031-45E8-B1D0-8692DF866199}"/>
-              </a:ext>
-            </a:extLst>
-          </p:cNvPr>
-          <p:cNvGraphicFramePr>
-            <a:graphicFrameLocks noGrp="1"/>
-          </p:cNvGraphicFramePr>
-          <p:nvPr>
-            <p:ph idx="1"/>
-            <p:extLst>
-              <p:ext uri="{D42A27DB-BD31-4B8C-83A1-F6EECF244321}">
-                <p14:modId xmlns:p14="http://schemas.microsoft.com/office/powerpoint/2010/main" val="1364479657"/>
-              </p:ext>
-            </p:extLst>
-          </p:nvPr>
-        </p:nvGraphicFramePr>
-        <p:xfrm>
-          <a:off x="1295400" y="1981200"/>
-          <a:ext cx="9601200" cy="3810000"/>
-        </p:xfrm>
-        <a:graphic>
-          <a:graphicData uri="http://schemas.openxmlformats.org/drawingml/2006/diagram">
-            <dgm:relIds xmlns:dgm="http://schemas.openxmlformats.org/drawingml/2006/diagram" xmlns:r="http://schemas.openxmlformats.org/officeDocument/2006/relationships" r:dm="rId3" r:lo="rId4" r:qs="rId5" r:cs="rId6"/>
-          </a:graphicData>
-        </a:graphic>
-      </p:graphicFrame>
-    </p:spTree>
-    <p:extLst>
-      <p:ext uri="{BB962C8B-B14F-4D97-AF65-F5344CB8AC3E}">
-        <p14:creationId xmlns:p14="http://schemas.microsoft.com/office/powerpoint/2010/main" val="1394249842"/>
-      </p:ext>
-    </p:extLst>
-  </p:cSld>
-  <p:clrMapOvr>
-    <a:masterClrMapping/>
-  </p:clrMapOvr>
-  <mc:AlternateContent xmlns:mc="http://schemas.openxmlformats.org/markup-compatibility/2006" xmlns:p14="http://schemas.microsoft.com/office/powerpoint/2010/main">
-    <mc:Choice Requires="p14">
-      <p:transition spd="med" p14:dur="700">
-        <p:fade/>
-      </p:transition>
-    </mc:Choice>
-    <mc:Fallback xmlns="">
-      <p:transition spd="med">
-        <p:fade/>
-      </p:transition>
-    </mc:Fallback>
-  </mc:AlternateContent>
-</p:sld>
-</file>
-
-<file path=ppt/slides/slide6.xml><?xml version="1.0" encoding="utf-8"?>
-<p:sld xmlns:a="http://schemas.openxmlformats.org/drawingml/2006/main" xmlns:r="http://schemas.openxmlformats.org/officeDocument/2006/relationships" xmlns:p="http://schemas.openxmlformats.org/presentationml/2006/main">
-  <p:cSld>
-    <p:spTree>
-      <p:nvGrpSpPr>
-        <p:cNvPr id="1" name=""/>
-        <p:cNvGrpSpPr/>
-        <p:nvPr/>
-      </p:nvGrpSpPr>
-      <p:grpSpPr>
-        <a:xfrm>
-          <a:off x="0" y="0"/>
-          <a:ext cx="0" cy="0"/>
-          <a:chOff x="0" y="0"/>
-          <a:chExt cx="0" cy="0"/>
-        </a:xfrm>
-      </p:grpSpPr>
-      <p:sp>
-        <p:nvSpPr>
-          <p:cNvPr id="2" name="Titre 1"/>
-          <p:cNvSpPr>
-            <a:spLocks noGrp="1"/>
-          </p:cNvSpPr>
-          <p:nvPr>
-            <p:ph type="title"/>
-          </p:nvPr>
-        </p:nvSpPr>
-        <p:spPr/>
-        <p:txBody>
-          <a:bodyPr rtlCol="0"/>
-          <a:lstStyle/>
-          <a:p>
-            <a:pPr rtl="0"/>
-            <a:r>
-              <a:rPr lang="en-US" dirty="0"/>
-              <a:t>Presentation of the website | Host</a:t>
-            </a:r>
-          </a:p>
-        </p:txBody>
-      </p:sp>
-      <p:pic>
-        <p:nvPicPr>
-          <p:cNvPr id="4" name="Espace réservé du contenu 3">
-            <a:extLst>
-              <a:ext uri="{FF2B5EF4-FFF2-40B4-BE49-F238E27FC236}">
-                <a16:creationId xmlns:a16="http://schemas.microsoft.com/office/drawing/2014/main" id="{47812497-FB07-4072-8299-909D648DF0B9}"/>
-              </a:ext>
-            </a:extLst>
-          </p:cNvPr>
-          <p:cNvPicPr>
-            <a:picLocks noGrp="1" noChangeAspect="1"/>
-          </p:cNvPicPr>
-          <p:nvPr>
-            <p:ph idx="1"/>
-          </p:nvPr>
-        </p:nvPicPr>
-        <p:blipFill>
-          <a:blip r:embed="rId3"/>
-          <a:stretch>
-            <a:fillRect/>
-          </a:stretch>
-        </p:blipFill>
-        <p:spPr>
-          <a:xfrm>
-            <a:off x="1413598" y="1726137"/>
-            <a:ext cx="9070930" cy="4439578"/>
-          </a:xfrm>
-          <a:prstGeom prst="rect">
-            <a:avLst/>
-          </a:prstGeom>
-        </p:spPr>
-      </p:pic>
-    </p:spTree>
-    <p:extLst>
-      <p:ext uri="{BB962C8B-B14F-4D97-AF65-F5344CB8AC3E}">
-        <p14:creationId xmlns:p14="http://schemas.microsoft.com/office/powerpoint/2010/main" val="515871113"/>
-      </p:ext>
-    </p:extLst>
-  </p:cSld>
-  <p:clrMapOvr>
-    <a:masterClrMapping/>
-  </p:clrMapOvr>
-  <mc:AlternateContent xmlns:mc="http://schemas.openxmlformats.org/markup-compatibility/2006" xmlns:p14="http://schemas.microsoft.com/office/powerpoint/2010/main">
-    <mc:Choice Requires="p14">
-      <p:transition spd="med" p14:dur="700">
-        <p:fade/>
-      </p:transition>
-    </mc:Choice>
-    <mc:Fallback xmlns="">
-      <p:transition spd="med">
-        <p:fade/>
-      </p:transition>
-    </mc:Fallback>
-  </mc:AlternateContent>
-</p:sld>
-</file>
-
-<file path=ppt/slides/slide7.xml><?xml version="1.0" encoding="utf-8"?>
-<p:sld xmlns:a="http://schemas.openxmlformats.org/drawingml/2006/main" xmlns:r="http://schemas.openxmlformats.org/officeDocument/2006/relationships" xmlns:p="http://schemas.openxmlformats.org/presentationml/2006/main">
-  <p:cSld>
-    <p:spTree>
-      <p:nvGrpSpPr>
-        <p:cNvPr id="1" name=""/>
-        <p:cNvGrpSpPr/>
-        <p:nvPr/>
-      </p:nvGrpSpPr>
-      <p:grpSpPr>
-        <a:xfrm>
-          <a:off x="0" y="0"/>
-          <a:ext cx="0" cy="0"/>
-          <a:chOff x="0" y="0"/>
-          <a:chExt cx="0" cy="0"/>
-        </a:xfrm>
-      </p:grpSpPr>
-      <p:sp>
-        <p:nvSpPr>
-          <p:cNvPr id="2" name="Titre 1"/>
-          <p:cNvSpPr>
-            <a:spLocks noGrp="1"/>
-          </p:cNvSpPr>
-          <p:nvPr>
-            <p:ph type="title"/>
-          </p:nvPr>
-        </p:nvSpPr>
-        <p:spPr/>
-        <p:txBody>
-          <a:bodyPr rtlCol="0"/>
-          <a:lstStyle/>
-          <a:p>
-            <a:pPr rtl="0"/>
-            <a:r>
-              <a:rPr lang="en-US" dirty="0"/>
-              <a:t>Presentation of the website | Host</a:t>
-            </a:r>
-          </a:p>
-        </p:txBody>
-      </p:sp>
-      <p:pic>
-        <p:nvPicPr>
-          <p:cNvPr id="6" name="Image 5">
-            <a:extLst>
-              <a:ext uri="{FF2B5EF4-FFF2-40B4-BE49-F238E27FC236}">
-                <a16:creationId xmlns:a16="http://schemas.microsoft.com/office/drawing/2014/main" id="{A243D678-D8E0-4A42-AEF8-7AF22836E8CB}"/>
-              </a:ext>
-            </a:extLst>
-          </p:cNvPr>
-          <p:cNvPicPr>
-            <a:picLocks noChangeAspect="1"/>
-          </p:cNvPicPr>
-          <p:nvPr/>
-        </p:nvPicPr>
-        <p:blipFill rotWithShape="1">
-          <a:blip r:embed="rId3"/>
-          <a:srcRect b="30666"/>
-          <a:stretch/>
-        </p:blipFill>
-        <p:spPr>
-          <a:xfrm>
-            <a:off x="1561175" y="2258991"/>
-            <a:ext cx="9069649" cy="3532209"/>
-          </a:xfrm>
-          <a:prstGeom prst="rect">
-            <a:avLst/>
-          </a:prstGeom>
-        </p:spPr>
-      </p:pic>
-    </p:spTree>
-    <p:extLst>
-      <p:ext uri="{BB962C8B-B14F-4D97-AF65-F5344CB8AC3E}">
-        <p14:creationId xmlns:p14="http://schemas.microsoft.com/office/powerpoint/2010/main" val="3672650939"/>
-      </p:ext>
-    </p:extLst>
-  </p:cSld>
-  <p:clrMapOvr>
-    <a:masterClrMapping/>
-  </p:clrMapOvr>
-  <mc:AlternateContent xmlns:mc="http://schemas.openxmlformats.org/markup-compatibility/2006" xmlns:p14="http://schemas.microsoft.com/office/powerpoint/2010/main">
-    <mc:Choice Requires="p14">
-      <p:transition spd="med" p14:dur="700">
-        <p:fade/>
-      </p:transition>
-    </mc:Choice>
-    <mc:Fallback xmlns="">
-      <p:transition spd="med">
-        <p:fade/>
-      </p:transition>
-    </mc:Fallback>
-  </mc:AlternateContent>
-</p:sld>
-</file>
-
-<file path=ppt/slides/slide8.xml><?xml version="1.0" encoding="utf-8"?>
-<p:sld xmlns:a="http://schemas.openxmlformats.org/drawingml/2006/main" xmlns:r="http://schemas.openxmlformats.org/officeDocument/2006/relationships" xmlns:p="http://schemas.openxmlformats.org/presentationml/2006/main">
-  <p:cSld>
-    <p:spTree>
-      <p:nvGrpSpPr>
-        <p:cNvPr id="1" name=""/>
-        <p:cNvGrpSpPr/>
-        <p:nvPr/>
-      </p:nvGrpSpPr>
-      <p:grpSpPr>
-        <a:xfrm>
-          <a:off x="0" y="0"/>
-          <a:ext cx="0" cy="0"/>
-          <a:chOff x="0" y="0"/>
-          <a:chExt cx="0" cy="0"/>
-        </a:xfrm>
-      </p:grpSpPr>
-      <p:sp>
-        <p:nvSpPr>
-          <p:cNvPr id="2" name="Titre 1"/>
-          <p:cNvSpPr>
-            <a:spLocks noGrp="1"/>
-          </p:cNvSpPr>
-          <p:nvPr>
-            <p:ph type="title"/>
-          </p:nvPr>
-        </p:nvSpPr>
-        <p:spPr/>
-        <p:txBody>
-          <a:bodyPr rtlCol="0"/>
-          <a:lstStyle/>
-          <a:p>
-            <a:pPr rtl="0"/>
-            <a:r>
-              <a:rPr lang="en-US" dirty="0"/>
-              <a:t>Presentation of the website | Host</a:t>
-            </a:r>
-          </a:p>
-        </p:txBody>
-      </p:sp>
-      <p:pic>
-        <p:nvPicPr>
-          <p:cNvPr id="6" name="Espace réservé du contenu 3">
-            <a:extLst>
-              <a:ext uri="{FF2B5EF4-FFF2-40B4-BE49-F238E27FC236}">
-                <a16:creationId xmlns:a16="http://schemas.microsoft.com/office/drawing/2014/main" id="{0349A9B2-2277-4E8C-8E3F-5D7FE07CFD33}"/>
-              </a:ext>
-            </a:extLst>
-          </p:cNvPr>
-          <p:cNvPicPr>
-            <a:picLocks noGrp="1" noChangeAspect="1"/>
-          </p:cNvPicPr>
-          <p:nvPr>
-            <p:ph idx="1"/>
-          </p:nvPr>
-        </p:nvPicPr>
-        <p:blipFill rotWithShape="1">
-          <a:blip r:embed="rId3"/>
-          <a:srcRect l="16815" r="18674"/>
-          <a:stretch/>
-        </p:blipFill>
-        <p:spPr>
-          <a:xfrm>
-            <a:off x="3689004" y="1646238"/>
-            <a:ext cx="4813992" cy="4460444"/>
-          </a:xfrm>
-          <a:prstGeom prst="rect">
-            <a:avLst/>
-          </a:prstGeom>
-        </p:spPr>
-      </p:pic>
-    </p:spTree>
-    <p:extLst>
-      <p:ext uri="{BB962C8B-B14F-4D97-AF65-F5344CB8AC3E}">
-        <p14:creationId xmlns:p14="http://schemas.microsoft.com/office/powerpoint/2010/main" val="1851461490"/>
-      </p:ext>
-    </p:extLst>
-  </p:cSld>
-  <p:clrMapOvr>
-    <a:masterClrMapping/>
-  </p:clrMapOvr>
-  <mc:AlternateContent xmlns:mc="http://schemas.openxmlformats.org/markup-compatibility/2006" xmlns:p14="http://schemas.microsoft.com/office/powerpoint/2010/main">
-    <mc:Choice Requires="p14">
-      <p:transition spd="med" p14:dur="700">
-        <p:fade/>
-      </p:transition>
-    </mc:Choice>
-    <mc:Fallback xmlns="">
-      <p:transition spd="med">
-        <p:fade/>
-      </p:transition>
-    </mc:Fallback>
-  </mc:AlternateContent>
-</p:sld>
-</file>
-
-<file path=ppt/slides/slide9.xml><?xml version="1.0" encoding="utf-8"?>
-<p:sld xmlns:a="http://schemas.openxmlformats.org/drawingml/2006/main" xmlns:r="http://schemas.openxmlformats.org/officeDocument/2006/relationships" xmlns:p="http://schemas.openxmlformats.org/presentationml/2006/main">
-  <p:cSld>
-    <p:spTree>
-      <p:nvGrpSpPr>
-        <p:cNvPr id="1" name=""/>
-        <p:cNvGrpSpPr/>
-        <p:nvPr/>
-      </p:nvGrpSpPr>
-      <p:grpSpPr>
-        <a:xfrm>
-          <a:off x="0" y="0"/>
-          <a:ext cx="0" cy="0"/>
-          <a:chOff x="0" y="0"/>
-          <a:chExt cx="0" cy="0"/>
-        </a:xfrm>
-      </p:grpSpPr>
-      <p:sp>
-        <p:nvSpPr>
-          <p:cNvPr id="2" name="Titre 1"/>
-          <p:cNvSpPr>
-            <a:spLocks noGrp="1"/>
-          </p:cNvSpPr>
-          <p:nvPr>
-            <p:ph type="title"/>
-          </p:nvPr>
-        </p:nvSpPr>
-        <p:spPr/>
-        <p:txBody>
-          <a:bodyPr rtlCol="0"/>
-          <a:lstStyle/>
-          <a:p>
-            <a:pPr rtl="0"/>
-            <a:r>
-              <a:rPr lang="en-US" dirty="0"/>
-              <a:t>Presentation of the website | Host</a:t>
-            </a:r>
-          </a:p>
-        </p:txBody>
-      </p:sp>
-      <p:pic>
-        <p:nvPicPr>
-          <p:cNvPr id="5" name="Espace réservé du contenu 4">
-            <a:extLst>
-              <a:ext uri="{FF2B5EF4-FFF2-40B4-BE49-F238E27FC236}">
-                <a16:creationId xmlns:a16="http://schemas.microsoft.com/office/drawing/2014/main" id="{EE58694E-E6CD-4C98-8305-2AF75B376B47}"/>
-              </a:ext>
-            </a:extLst>
-          </p:cNvPr>
-          <p:cNvPicPr>
-            <a:picLocks noGrp="1" noChangeAspect="1"/>
-          </p:cNvPicPr>
-          <p:nvPr>
-            <p:ph idx="1"/>
-          </p:nvPr>
-        </p:nvPicPr>
-        <p:blipFill rotWithShape="1">
-          <a:blip r:embed="rId3"/>
-          <a:srcRect t="7417" b="9166"/>
-          <a:stretch/>
-        </p:blipFill>
-        <p:spPr>
-          <a:xfrm>
-            <a:off x="2649356" y="1811044"/>
-            <a:ext cx="6893287" cy="4171280"/>
-          </a:xfrm>
-          <a:prstGeom prst="rect">
-            <a:avLst/>
-          </a:prstGeom>
-        </p:spPr>
-      </p:pic>
-    </p:spTree>
-    <p:extLst>
-      <p:ext uri="{BB962C8B-B14F-4D97-AF65-F5344CB8AC3E}">
-        <p14:creationId xmlns:p14="http://schemas.microsoft.com/office/powerpoint/2010/main" val="1571326820"/>
       </p:ext>
     </p:extLst>
   </p:cSld>

--- a/Présentation/Web Project.pptx
+++ b/Présentation/Web Project.pptx
@@ -21843,7 +21843,623 @@
             <p:ph idx="1"/>
             <p:extLst>
               <p:ext uri="{D42A27DB-BD31-4B8C-83A1-F6EECF244321}">
-                <p14:modId xmlns:p14="http://schemas.microsoft.com/office/powerpoint/2010/main" val="2581481426"/>
+                <p14:modId xmlns:p14="http://schemas.microsoft.com/office/powerpoint/2010/main" val="1186374634"/>
+              </p:ext>
+            </p:extLst>
+          </p:nvPr>
+        </p:nvGraphicFramePr>
+        <p:xfrm>
+          <a:off x="1295399" y="1981199"/>
+          <a:ext cx="9269027" cy="2256410"/>
+        </p:xfrm>
+        <a:graphic>
+          <a:graphicData uri="http://schemas.openxmlformats.org/drawingml/2006/table">
+            <a:tbl>
+              <a:tblPr firstRow="1" bandRow="1">
+                <a:tableStyleId>{69012ECD-51FC-41F1-AA8D-1B2483CD663E}</a:tableStyleId>
+              </a:tblPr>
+              <a:tblGrid>
+                <a:gridCol w="6944236">
+                  <a:extLst>
+                    <a:ext uri="{9D8B030D-6E8A-4147-A177-3AD203B41FA5}">
+                      <a16:colId xmlns:a16="http://schemas.microsoft.com/office/drawing/2014/main" val="3286242763"/>
+                    </a:ext>
+                  </a:extLst>
+                </a:gridCol>
+                <a:gridCol w="2324791">
+                  <a:extLst>
+                    <a:ext uri="{9D8B030D-6E8A-4147-A177-3AD203B41FA5}">
+                      <a16:colId xmlns:a16="http://schemas.microsoft.com/office/drawing/2014/main" val="1584885993"/>
+                    </a:ext>
+                  </a:extLst>
+                </a:gridCol>
+              </a:tblGrid>
+              <a:tr h="451282">
+                <a:tc>
+                  <a:txBody>
+                    <a:bodyPr/>
+                    <a:lstStyle/>
+                    <a:p>
+                      <a:r>
+                        <a:rPr lang="en-US" noProof="0" dirty="0"/>
+                        <a:t>Functionalities </a:t>
+                      </a:r>
+                    </a:p>
+                  </a:txBody>
+                  <a:tcPr>
+                    <a:lnR w="12700" cap="flat" cmpd="sng" algn="ctr">
+                      <a:solidFill>
+                        <a:schemeClr val="tx1"/>
+                      </a:solidFill>
+                      <a:prstDash val="solid"/>
+                      <a:round/>
+                      <a:headEnd type="none" w="med" len="med"/>
+                      <a:tailEnd type="none" w="med" len="med"/>
+                    </a:lnR>
+                  </a:tcPr>
+                </a:tc>
+                <a:tc>
+                  <a:txBody>
+                    <a:bodyPr/>
+                    <a:lstStyle/>
+                    <a:p>
+                      <a:r>
+                        <a:rPr lang="en-US" noProof="0" dirty="0"/>
+                        <a:t>Work done</a:t>
+                      </a:r>
+                    </a:p>
+                  </a:txBody>
+                  <a:tcPr>
+                    <a:lnL w="12700" cap="flat" cmpd="sng" algn="ctr">
+                      <a:solidFill>
+                        <a:schemeClr val="tx1"/>
+                      </a:solidFill>
+                      <a:prstDash val="solid"/>
+                      <a:round/>
+                      <a:headEnd type="none" w="med" len="med"/>
+                      <a:tailEnd type="none" w="med" len="med"/>
+                    </a:lnL>
+                  </a:tcPr>
+                </a:tc>
+                <a:extLst>
+                  <a:ext uri="{0D108BD9-81ED-4DB2-BD59-A6C34878D82A}">
+                    <a16:rowId xmlns:a16="http://schemas.microsoft.com/office/drawing/2014/main" val="3634986758"/>
+                  </a:ext>
+                </a:extLst>
+              </a:tr>
+              <a:tr h="451282">
+                <a:tc>
+                  <a:txBody>
+                    <a:bodyPr/>
+                    <a:lstStyle/>
+                    <a:p>
+                      <a:endParaRPr lang="en-US" noProof="0" dirty="0"/>
+                    </a:p>
+                  </a:txBody>
+                  <a:tcPr>
+                    <a:lnR w="12700" cap="flat" cmpd="sng" algn="ctr">
+                      <a:solidFill>
+                        <a:schemeClr val="tx1"/>
+                      </a:solidFill>
+                      <a:prstDash val="solid"/>
+                      <a:round/>
+                      <a:headEnd type="none" w="med" len="med"/>
+                      <a:tailEnd type="none" w="med" len="med"/>
+                    </a:lnR>
+                  </a:tcPr>
+                </a:tc>
+                <a:tc>
+                  <a:txBody>
+                    <a:bodyPr/>
+                    <a:lstStyle/>
+                    <a:p>
+                      <a:endParaRPr lang="en-US" noProof="0" dirty="0"/>
+                    </a:p>
+                  </a:txBody>
+                  <a:tcPr>
+                    <a:lnL w="12700" cap="flat" cmpd="sng" algn="ctr">
+                      <a:solidFill>
+                        <a:schemeClr val="tx1"/>
+                      </a:solidFill>
+                      <a:prstDash val="solid"/>
+                      <a:round/>
+                      <a:headEnd type="none" w="med" len="med"/>
+                      <a:tailEnd type="none" w="med" len="med"/>
+                    </a:lnL>
+                  </a:tcPr>
+                </a:tc>
+                <a:extLst>
+                  <a:ext uri="{0D108BD9-81ED-4DB2-BD59-A6C34878D82A}">
+                    <a16:rowId xmlns:a16="http://schemas.microsoft.com/office/drawing/2014/main" val="1492406737"/>
+                  </a:ext>
+                </a:extLst>
+              </a:tr>
+              <a:tr h="451282">
+                <a:tc>
+                  <a:txBody>
+                    <a:bodyPr/>
+                    <a:lstStyle/>
+                    <a:p>
+                      <a:endParaRPr lang="en-US" noProof="0" dirty="0"/>
+                    </a:p>
+                  </a:txBody>
+                  <a:tcPr>
+                    <a:lnR w="12700" cap="flat" cmpd="sng" algn="ctr">
+                      <a:solidFill>
+                        <a:schemeClr val="tx1"/>
+                      </a:solidFill>
+                      <a:prstDash val="solid"/>
+                      <a:round/>
+                      <a:headEnd type="none" w="med" len="med"/>
+                      <a:tailEnd type="none" w="med" len="med"/>
+                    </a:lnR>
+                  </a:tcPr>
+                </a:tc>
+                <a:tc>
+                  <a:txBody>
+                    <a:bodyPr/>
+                    <a:lstStyle/>
+                    <a:p>
+                      <a:endParaRPr lang="en-US" noProof="0" dirty="0"/>
+                    </a:p>
+                  </a:txBody>
+                  <a:tcPr>
+                    <a:lnL w="12700" cap="flat" cmpd="sng" algn="ctr">
+                      <a:solidFill>
+                        <a:schemeClr val="tx1"/>
+                      </a:solidFill>
+                      <a:prstDash val="solid"/>
+                      <a:round/>
+                      <a:headEnd type="none" w="med" len="med"/>
+                      <a:tailEnd type="none" w="med" len="med"/>
+                    </a:lnL>
+                  </a:tcPr>
+                </a:tc>
+                <a:extLst>
+                  <a:ext uri="{0D108BD9-81ED-4DB2-BD59-A6C34878D82A}">
+                    <a16:rowId xmlns:a16="http://schemas.microsoft.com/office/drawing/2014/main" val="340685965"/>
+                  </a:ext>
+                </a:extLst>
+              </a:tr>
+              <a:tr h="451282">
+                <a:tc>
+                  <a:txBody>
+                    <a:bodyPr/>
+                    <a:lstStyle/>
+                    <a:p>
+                      <a:endParaRPr lang="en-US" noProof="0" dirty="0"/>
+                    </a:p>
+                  </a:txBody>
+                  <a:tcPr>
+                    <a:lnR w="12700" cap="flat" cmpd="sng" algn="ctr">
+                      <a:solidFill>
+                        <a:schemeClr val="tx1"/>
+                      </a:solidFill>
+                      <a:prstDash val="solid"/>
+                      <a:round/>
+                      <a:headEnd type="none" w="med" len="med"/>
+                      <a:tailEnd type="none" w="med" len="med"/>
+                    </a:lnR>
+                  </a:tcPr>
+                </a:tc>
+                <a:tc>
+                  <a:txBody>
+                    <a:bodyPr/>
+                    <a:lstStyle/>
+                    <a:p>
+                      <a:endParaRPr lang="en-US" noProof="0" dirty="0"/>
+                    </a:p>
+                  </a:txBody>
+                  <a:tcPr>
+                    <a:lnL w="12700" cap="flat" cmpd="sng" algn="ctr">
+                      <a:solidFill>
+                        <a:schemeClr val="tx1"/>
+                      </a:solidFill>
+                      <a:prstDash val="solid"/>
+                      <a:round/>
+                      <a:headEnd type="none" w="med" len="med"/>
+                      <a:tailEnd type="none" w="med" len="med"/>
+                    </a:lnL>
+                  </a:tcPr>
+                </a:tc>
+                <a:extLst>
+                  <a:ext uri="{0D108BD9-81ED-4DB2-BD59-A6C34878D82A}">
+                    <a16:rowId xmlns:a16="http://schemas.microsoft.com/office/drawing/2014/main" val="2064031335"/>
+                  </a:ext>
+                </a:extLst>
+              </a:tr>
+              <a:tr h="451282">
+                <a:tc>
+                  <a:txBody>
+                    <a:bodyPr/>
+                    <a:lstStyle/>
+                    <a:p>
+                      <a:endParaRPr lang="en-US" noProof="0" dirty="0"/>
+                    </a:p>
+                  </a:txBody>
+                  <a:tcPr>
+                    <a:lnR w="12700" cap="flat" cmpd="sng" algn="ctr">
+                      <a:solidFill>
+                        <a:schemeClr val="tx1"/>
+                      </a:solidFill>
+                      <a:prstDash val="solid"/>
+                      <a:round/>
+                      <a:headEnd type="none" w="med" len="med"/>
+                      <a:tailEnd type="none" w="med" len="med"/>
+                    </a:lnR>
+                  </a:tcPr>
+                </a:tc>
+                <a:tc>
+                  <a:txBody>
+                    <a:bodyPr/>
+                    <a:lstStyle/>
+                    <a:p>
+                      <a:endParaRPr lang="en-US" noProof="0" dirty="0"/>
+                    </a:p>
+                  </a:txBody>
+                  <a:tcPr>
+                    <a:lnL w="12700" cap="flat" cmpd="sng" algn="ctr">
+                      <a:solidFill>
+                        <a:schemeClr val="tx1"/>
+                      </a:solidFill>
+                      <a:prstDash val="solid"/>
+                      <a:round/>
+                      <a:headEnd type="none" w="med" len="med"/>
+                      <a:tailEnd type="none" w="med" len="med"/>
+                    </a:lnL>
+                  </a:tcPr>
+                </a:tc>
+                <a:extLst>
+                  <a:ext uri="{0D108BD9-81ED-4DB2-BD59-A6C34878D82A}">
+                    <a16:rowId xmlns:a16="http://schemas.microsoft.com/office/drawing/2014/main" val="851991289"/>
+                  </a:ext>
+                </a:extLst>
+              </a:tr>
+            </a:tbl>
+          </a:graphicData>
+        </a:graphic>
+      </p:graphicFrame>
+      <p:graphicFrame>
+        <p:nvGraphicFramePr>
+          <p:cNvPr id="4" name="Espace réservé du contenu 6">
+            <a:extLst>
+              <a:ext uri="{FF2B5EF4-FFF2-40B4-BE49-F238E27FC236}">
+                <a16:creationId xmlns:a16="http://schemas.microsoft.com/office/drawing/2014/main" id="{CA79677B-8A40-4D2D-904E-57C792068AA1}"/>
+              </a:ext>
+            </a:extLst>
+          </p:cNvPr>
+          <p:cNvGraphicFramePr>
+            <a:graphicFrameLocks/>
+          </p:cNvGraphicFramePr>
+          <p:nvPr>
+            <p:extLst>
+              <p:ext uri="{D42A27DB-BD31-4B8C-83A1-F6EECF244321}">
+                <p14:modId xmlns:p14="http://schemas.microsoft.com/office/powerpoint/2010/main" val="4105915926"/>
+              </p:ext>
+            </p:extLst>
+          </p:nvPr>
+        </p:nvGraphicFramePr>
+        <p:xfrm>
+          <a:off x="1295399" y="1981199"/>
+          <a:ext cx="9269027" cy="2256410"/>
+        </p:xfrm>
+        <a:graphic>
+          <a:graphicData uri="http://schemas.openxmlformats.org/drawingml/2006/table">
+            <a:tbl>
+              <a:tblPr firstRow="1" bandRow="1">
+                <a:tableStyleId>{69012ECD-51FC-41F1-AA8D-1B2483CD663E}</a:tableStyleId>
+              </a:tblPr>
+              <a:tblGrid>
+                <a:gridCol w="6944236">
+                  <a:extLst>
+                    <a:ext uri="{9D8B030D-6E8A-4147-A177-3AD203B41FA5}">
+                      <a16:colId xmlns:a16="http://schemas.microsoft.com/office/drawing/2014/main" val="3286242763"/>
+                    </a:ext>
+                  </a:extLst>
+                </a:gridCol>
+                <a:gridCol w="2324791">
+                  <a:extLst>
+                    <a:ext uri="{9D8B030D-6E8A-4147-A177-3AD203B41FA5}">
+                      <a16:colId xmlns:a16="http://schemas.microsoft.com/office/drawing/2014/main" val="1584885993"/>
+                    </a:ext>
+                  </a:extLst>
+                </a:gridCol>
+              </a:tblGrid>
+              <a:tr h="451282">
+                <a:tc>
+                  <a:txBody>
+                    <a:bodyPr/>
+                    <a:lstStyle/>
+                    <a:p>
+                      <a:r>
+                        <a:rPr lang="en-US" noProof="0" dirty="0"/>
+                        <a:t>Functionalities </a:t>
+                      </a:r>
+                    </a:p>
+                  </a:txBody>
+                  <a:tcPr/>
+                </a:tc>
+                <a:tc>
+                  <a:txBody>
+                    <a:bodyPr/>
+                    <a:lstStyle/>
+                    <a:p>
+                      <a:r>
+                        <a:rPr lang="en-US" noProof="0" dirty="0"/>
+                        <a:t>Work done</a:t>
+                      </a:r>
+                    </a:p>
+                  </a:txBody>
+                  <a:tcPr/>
+                </a:tc>
+                <a:extLst>
+                  <a:ext uri="{0D108BD9-81ED-4DB2-BD59-A6C34878D82A}">
+                    <a16:rowId xmlns:a16="http://schemas.microsoft.com/office/drawing/2014/main" val="3634986758"/>
+                  </a:ext>
+                </a:extLst>
+              </a:tr>
+              <a:tr h="451282">
+                <a:tc>
+                  <a:txBody>
+                    <a:bodyPr/>
+                    <a:lstStyle/>
+                    <a:p>
+                      <a:r>
+                        <a:rPr lang="en-US" noProof="0" dirty="0"/>
+                        <a:t>Post an event with title, description, pictures</a:t>
+                      </a:r>
+                    </a:p>
+                  </a:txBody>
+                  <a:tcPr/>
+                </a:tc>
+                <a:tc>
+                  <a:txBody>
+                    <a:bodyPr/>
+                    <a:lstStyle/>
+                    <a:p>
+                      <a:endParaRPr lang="en-US" noProof="0" dirty="0">
+                        <a:solidFill>
+                          <a:schemeClr val="bg1"/>
+                        </a:solidFill>
+                      </a:endParaRPr>
+                    </a:p>
+                  </a:txBody>
+                  <a:tcPr>
+                    <a:solidFill>
+                      <a:srgbClr val="FF0000"/>
+                    </a:solidFill>
+                  </a:tcPr>
+                </a:tc>
+                <a:extLst>
+                  <a:ext uri="{0D108BD9-81ED-4DB2-BD59-A6C34878D82A}">
+                    <a16:rowId xmlns:a16="http://schemas.microsoft.com/office/drawing/2014/main" val="1492406737"/>
+                  </a:ext>
+                </a:extLst>
+              </a:tr>
+              <a:tr h="451282">
+                <a:tc>
+                  <a:txBody>
+                    <a:bodyPr/>
+                    <a:lstStyle/>
+                    <a:p>
+                      <a:r>
+                        <a:rPr lang="en-US" noProof="0" dirty="0"/>
+                        <a:t>See all of the students’ ideas in the Idea Box</a:t>
+                      </a:r>
+                    </a:p>
+                  </a:txBody>
+                  <a:tcPr/>
+                </a:tc>
+                <a:tc>
+                  <a:txBody>
+                    <a:bodyPr/>
+                    <a:lstStyle/>
+                    <a:p>
+                      <a:endParaRPr lang="en-US" noProof="0" dirty="0">
+                        <a:solidFill>
+                          <a:schemeClr val="bg1"/>
+                        </a:solidFill>
+                      </a:endParaRPr>
+                    </a:p>
+                  </a:txBody>
+                  <a:tcPr>
+                    <a:solidFill>
+                      <a:schemeClr val="accent5"/>
+                    </a:solidFill>
+                  </a:tcPr>
+                </a:tc>
+                <a:extLst>
+                  <a:ext uri="{0D108BD9-81ED-4DB2-BD59-A6C34878D82A}">
+                    <a16:rowId xmlns:a16="http://schemas.microsoft.com/office/drawing/2014/main" val="340685965"/>
+                  </a:ext>
+                </a:extLst>
+              </a:tr>
+              <a:tr h="451282">
+                <a:tc>
+                  <a:txBody>
+                    <a:bodyPr/>
+                    <a:lstStyle/>
+                    <a:p>
+                      <a:r>
+                        <a:rPr lang="en-US" noProof="0" dirty="0"/>
+                        <a:t>Select an event in Idea Box and modify it</a:t>
+                      </a:r>
+                    </a:p>
+                  </a:txBody>
+                  <a:tcPr/>
+                </a:tc>
+                <a:tc>
+                  <a:txBody>
+                    <a:bodyPr/>
+                    <a:lstStyle/>
+                    <a:p>
+                      <a:endParaRPr lang="en-US" noProof="0" dirty="0">
+                        <a:solidFill>
+                          <a:schemeClr val="bg1"/>
+                        </a:solidFill>
+                      </a:endParaRPr>
+                    </a:p>
+                  </a:txBody>
+                  <a:tcPr>
+                    <a:solidFill>
+                      <a:srgbClr val="FF0000"/>
+                    </a:solidFill>
+                  </a:tcPr>
+                </a:tc>
+                <a:extLst>
+                  <a:ext uri="{0D108BD9-81ED-4DB2-BD59-A6C34878D82A}">
+                    <a16:rowId xmlns:a16="http://schemas.microsoft.com/office/drawing/2014/main" val="188191497"/>
+                  </a:ext>
+                </a:extLst>
+              </a:tr>
+              <a:tr h="451282">
+                <a:tc>
+                  <a:txBody>
+                    <a:bodyPr/>
+                    <a:lstStyle/>
+                    <a:p>
+                      <a:r>
+                        <a:rPr lang="en-US" noProof="0" dirty="0"/>
+                        <a:t>Download in PDF the list of the interested students</a:t>
+                      </a:r>
+                    </a:p>
+                  </a:txBody>
+                  <a:tcPr/>
+                </a:tc>
+                <a:tc>
+                  <a:txBody>
+                    <a:bodyPr/>
+                    <a:lstStyle/>
+                    <a:p>
+                      <a:endParaRPr lang="en-US" noProof="0" dirty="0">
+                        <a:solidFill>
+                          <a:schemeClr val="bg1"/>
+                        </a:solidFill>
+                      </a:endParaRPr>
+                    </a:p>
+                  </a:txBody>
+                  <a:tcPr>
+                    <a:solidFill>
+                      <a:srgbClr val="FF0000"/>
+                    </a:solidFill>
+                  </a:tcPr>
+                </a:tc>
+                <a:extLst>
+                  <a:ext uri="{0D108BD9-81ED-4DB2-BD59-A6C34878D82A}">
+                    <a16:rowId xmlns:a16="http://schemas.microsoft.com/office/drawing/2014/main" val="2064031335"/>
+                  </a:ext>
+                </a:extLst>
+              </a:tr>
+            </a:tbl>
+          </a:graphicData>
+        </a:graphic>
+      </p:graphicFrame>
+    </p:spTree>
+    <p:extLst>
+      <p:ext uri="{BB962C8B-B14F-4D97-AF65-F5344CB8AC3E}">
+        <p14:creationId xmlns:p14="http://schemas.microsoft.com/office/powerpoint/2010/main" val="861159324"/>
+      </p:ext>
+    </p:extLst>
+  </p:cSld>
+  <p:clrMapOvr>
+    <a:masterClrMapping/>
+  </p:clrMapOvr>
+  <mc:AlternateContent xmlns:mc="http://schemas.openxmlformats.org/markup-compatibility/2006" xmlns:p14="http://schemas.microsoft.com/office/powerpoint/2010/main">
+    <mc:Choice Requires="p14">
+      <p:transition spd="med" p14:dur="700">
+        <p:fade/>
+      </p:transition>
+    </mc:Choice>
+    <mc:Fallback xmlns="">
+      <p:transition spd="med">
+        <p:fade/>
+      </p:transition>
+    </mc:Fallback>
+  </mc:AlternateContent>
+</p:sld>
+</file>
+
+<file path=ppt/slides/slide11.xml><?xml version="1.0" encoding="utf-8"?>
+<p:sld xmlns:a="http://schemas.openxmlformats.org/drawingml/2006/main" xmlns:r="http://schemas.openxmlformats.org/officeDocument/2006/relationships" xmlns:p="http://schemas.openxmlformats.org/presentationml/2006/main">
+  <p:cSld>
+    <p:spTree>
+      <p:nvGrpSpPr>
+        <p:cNvPr id="1" name=""/>
+        <p:cNvGrpSpPr/>
+        <p:nvPr/>
+      </p:nvGrpSpPr>
+      <p:grpSpPr>
+        <a:xfrm>
+          <a:off x="0" y="0"/>
+          <a:ext cx="0" cy="0"/>
+          <a:chOff x="0" y="0"/>
+          <a:chExt cx="0" cy="0"/>
+        </a:xfrm>
+      </p:grpSpPr>
+      <p:sp>
+        <p:nvSpPr>
+          <p:cNvPr id="2" name="Titre 1"/>
+          <p:cNvSpPr>
+            <a:spLocks noGrp="1"/>
+          </p:cNvSpPr>
+          <p:nvPr>
+            <p:ph type="title"/>
+          </p:nvPr>
+        </p:nvSpPr>
+        <p:spPr/>
+        <p:txBody>
+          <a:bodyPr rtlCol="0"/>
+          <a:lstStyle/>
+          <a:p>
+            <a:pPr rtl="0"/>
+            <a:r>
+              <a:rPr lang="en-US" dirty="0"/>
+              <a:t>Functionalities | CESI Employees</a:t>
+            </a:r>
+          </a:p>
+        </p:txBody>
+      </p:sp>
+      <p:sp>
+        <p:nvSpPr>
+          <p:cNvPr id="4" name="Espace réservé du contenu 3">
+            <a:extLst>
+              <a:ext uri="{FF2B5EF4-FFF2-40B4-BE49-F238E27FC236}">
+                <a16:creationId xmlns:a16="http://schemas.microsoft.com/office/drawing/2014/main" id="{559ED4FC-74DD-45C4-9965-64C2710E0A46}"/>
+              </a:ext>
+            </a:extLst>
+          </p:cNvPr>
+          <p:cNvSpPr>
+            <a:spLocks noGrp="1"/>
+          </p:cNvSpPr>
+          <p:nvPr>
+            <p:ph idx="1"/>
+          </p:nvPr>
+        </p:nvSpPr>
+        <p:spPr/>
+        <p:txBody>
+          <a:bodyPr/>
+          <a:lstStyle/>
+          <a:p>
+            <a:endParaRPr lang="fr-FR"/>
+          </a:p>
+        </p:txBody>
+      </p:sp>
+      <p:graphicFrame>
+        <p:nvGraphicFramePr>
+          <p:cNvPr id="6" name="Espace réservé du contenu 6">
+            <a:extLst>
+              <a:ext uri="{FF2B5EF4-FFF2-40B4-BE49-F238E27FC236}">
+                <a16:creationId xmlns:a16="http://schemas.microsoft.com/office/drawing/2014/main" id="{14FC165E-EA41-470D-9C8C-904B2EB3D1C9}"/>
+              </a:ext>
+            </a:extLst>
+          </p:cNvPr>
+          <p:cNvGraphicFramePr>
+            <a:graphicFrameLocks/>
+          </p:cNvGraphicFramePr>
+          <p:nvPr>
+            <p:extLst>
+              <p:ext uri="{D42A27DB-BD31-4B8C-83A1-F6EECF244321}">
+                <p14:modId xmlns:p14="http://schemas.microsoft.com/office/powerpoint/2010/main" val="184561223"/>
               </p:ext>
             </p:extLst>
           </p:nvPr>
@@ -21923,10 +22539,18 @@
                     <a:bodyPr/>
                     <a:lstStyle/>
                     <a:p>
-                      <a:endParaRPr lang="en-US" noProof="0" dirty="0"/>
+                      <a:endParaRPr lang="en-US" noProof="0" dirty="0">
+                        <a:solidFill>
+                          <a:schemeClr val="bg1"/>
+                        </a:solidFill>
+                      </a:endParaRPr>
                     </a:p>
                   </a:txBody>
-                  <a:tcPr/>
+                  <a:tcPr>
+                    <a:solidFill>
+                      <a:srgbClr val="FF0000"/>
+                    </a:solidFill>
+                  </a:tcPr>
                 </a:tc>
                 <a:extLst>
                   <a:ext uri="{0D108BD9-81ED-4DB2-BD59-A6C34878D82A}">
@@ -21950,10 +22574,18 @@
                     <a:bodyPr/>
                     <a:lstStyle/>
                     <a:p>
-                      <a:endParaRPr lang="en-US" noProof="0" dirty="0"/>
+                      <a:endParaRPr lang="en-US" noProof="0" dirty="0">
+                        <a:solidFill>
+                          <a:schemeClr val="bg1"/>
+                        </a:solidFill>
+                      </a:endParaRPr>
                     </a:p>
                   </a:txBody>
-                  <a:tcPr/>
+                  <a:tcPr>
+                    <a:solidFill>
+                      <a:schemeClr val="accent5"/>
+                    </a:solidFill>
+                  </a:tcPr>
                 </a:tc>
                 <a:extLst>
                   <a:ext uri="{0D108BD9-81ED-4DB2-BD59-A6C34878D82A}">
@@ -21977,14 +22609,22 @@
                     <a:bodyPr/>
                     <a:lstStyle/>
                     <a:p>
-                      <a:endParaRPr lang="en-US" noProof="0" dirty="0"/>
+                      <a:endParaRPr lang="en-US" noProof="0" dirty="0">
+                        <a:solidFill>
+                          <a:schemeClr val="bg1"/>
+                        </a:solidFill>
+                      </a:endParaRPr>
                     </a:p>
                   </a:txBody>
-                  <a:tcPr/>
+                  <a:tcPr>
+                    <a:solidFill>
+                      <a:srgbClr val="FF0000"/>
+                    </a:solidFill>
+                  </a:tcPr>
                 </a:tc>
                 <a:extLst>
                   <a:ext uri="{0D108BD9-81ED-4DB2-BD59-A6C34878D82A}">
-                    <a16:rowId xmlns:a16="http://schemas.microsoft.com/office/drawing/2014/main" val="2064031335"/>
+                    <a16:rowId xmlns:a16="http://schemas.microsoft.com/office/drawing/2014/main" val="188191497"/>
                   </a:ext>
                 </a:extLst>
               </a:tr>
@@ -22004,14 +22644,22 @@
                     <a:bodyPr/>
                     <a:lstStyle/>
                     <a:p>
-                      <a:endParaRPr lang="en-US" noProof="0" dirty="0"/>
+                      <a:endParaRPr lang="en-US" noProof="0" dirty="0">
+                        <a:solidFill>
+                          <a:schemeClr val="bg1"/>
+                        </a:solidFill>
+                      </a:endParaRPr>
                     </a:p>
                   </a:txBody>
-                  <a:tcPr/>
+                  <a:tcPr>
+                    <a:solidFill>
+                      <a:srgbClr val="FF0000"/>
+                    </a:solidFill>
+                  </a:tcPr>
                 </a:tc>
                 <a:extLst>
                   <a:ext uri="{0D108BD9-81ED-4DB2-BD59-A6C34878D82A}">
-                    <a16:rowId xmlns:a16="http://schemas.microsoft.com/office/drawing/2014/main" val="851991289"/>
+                    <a16:rowId xmlns:a16="http://schemas.microsoft.com/office/drawing/2014/main" val="2064031335"/>
                   </a:ext>
                 </a:extLst>
               </a:tr>
@@ -22022,7 +22670,7 @@
     </p:spTree>
     <p:extLst>
       <p:ext uri="{BB962C8B-B14F-4D97-AF65-F5344CB8AC3E}">
-        <p14:creationId xmlns:p14="http://schemas.microsoft.com/office/powerpoint/2010/main" val="861159324"/>
+        <p14:creationId xmlns:p14="http://schemas.microsoft.com/office/powerpoint/2010/main" val="657322324"/>
       </p:ext>
     </p:extLst>
   </p:cSld>
@@ -22044,7 +22692,7 @@
 </p:sld>
 </file>
 
-<file path=ppt/slides/slide11.xml><?xml version="1.0" encoding="utf-8"?>
+<file path=ppt/slides/slide12.xml><?xml version="1.0" encoding="utf-8"?>
 <p:sld xmlns:a="http://schemas.openxmlformats.org/drawingml/2006/main" xmlns:r="http://schemas.openxmlformats.org/officeDocument/2006/relationships" xmlns:p="http://schemas.openxmlformats.org/presentationml/2006/main">
   <p:cSld>
     <p:spTree>
@@ -22079,28 +22727,52 @@
             <a:pPr rtl="0"/>
             <a:r>
               <a:rPr lang="en-US" dirty="0"/>
-              <a:t>Functionalities | CESI Employees</a:t>
+              <a:t>Functionalities | Shop</a:t>
             </a:r>
+          </a:p>
+        </p:txBody>
+      </p:sp>
+      <p:sp>
+        <p:nvSpPr>
+          <p:cNvPr id="4" name="Espace réservé du contenu 3">
+            <a:extLst>
+              <a:ext uri="{FF2B5EF4-FFF2-40B4-BE49-F238E27FC236}">
+                <a16:creationId xmlns:a16="http://schemas.microsoft.com/office/drawing/2014/main" id="{E6F8C065-C3E8-4700-B982-9FCAA70E5045}"/>
+              </a:ext>
+            </a:extLst>
+          </p:cNvPr>
+          <p:cNvSpPr>
+            <a:spLocks noGrp="1"/>
+          </p:cNvSpPr>
+          <p:nvPr>
+            <p:ph idx="1"/>
+          </p:nvPr>
+        </p:nvSpPr>
+        <p:spPr/>
+        <p:txBody>
+          <a:bodyPr/>
+          <a:lstStyle/>
+          <a:p>
+            <a:endParaRPr lang="fr-FR"/>
           </a:p>
         </p:txBody>
       </p:sp>
       <p:graphicFrame>
         <p:nvGraphicFramePr>
-          <p:cNvPr id="7" name="Espace réservé du contenu 6">
+          <p:cNvPr id="6" name="Espace réservé du contenu 6">
             <a:extLst>
               <a:ext uri="{FF2B5EF4-FFF2-40B4-BE49-F238E27FC236}">
-                <a16:creationId xmlns:a16="http://schemas.microsoft.com/office/drawing/2014/main" id="{ED3DDB86-DAA6-4EDA-BD41-D807339A77FC}"/>
+                <a16:creationId xmlns:a16="http://schemas.microsoft.com/office/drawing/2014/main" id="{496C81DE-A17C-4C62-A249-75D624E11AF2}"/>
               </a:ext>
             </a:extLst>
           </p:cNvPr>
           <p:cNvGraphicFramePr>
-            <a:graphicFrameLocks noGrp="1"/>
+            <a:graphicFrameLocks/>
           </p:cNvGraphicFramePr>
           <p:nvPr>
-            <p:ph idx="1"/>
             <p:extLst>
               <p:ext uri="{D42A27DB-BD31-4B8C-83A1-F6EECF244321}">
-                <p14:modId xmlns:p14="http://schemas.microsoft.com/office/powerpoint/2010/main" val="3719578880"/>
+                <p14:modId xmlns:p14="http://schemas.microsoft.com/office/powerpoint/2010/main" val="2035317503"/>
               </p:ext>
             </p:extLst>
           </p:nvPr>
@@ -22180,10 +22852,18 @@
                     <a:bodyPr/>
                     <a:lstStyle/>
                     <a:p>
-                      <a:endParaRPr lang="en-US" noProof="0" dirty="0"/>
+                      <a:endParaRPr lang="en-US" noProof="0" dirty="0">
+                        <a:solidFill>
+                          <a:schemeClr val="bg1"/>
+                        </a:solidFill>
+                      </a:endParaRPr>
                     </a:p>
                   </a:txBody>
-                  <a:tcPr/>
+                  <a:tcPr>
+                    <a:solidFill>
+                      <a:srgbClr val="FF0000"/>
+                    </a:solidFill>
+                  </a:tcPr>
                 </a:tc>
                 <a:extLst>
                   <a:ext uri="{0D108BD9-81ED-4DB2-BD59-A6C34878D82A}">
@@ -22207,10 +22887,18 @@
                     <a:bodyPr/>
                     <a:lstStyle/>
                     <a:p>
-                      <a:endParaRPr lang="en-US" noProof="0" dirty="0"/>
+                      <a:endParaRPr lang="en-US" noProof="0" dirty="0">
+                        <a:solidFill>
+                          <a:schemeClr val="bg1"/>
+                        </a:solidFill>
+                      </a:endParaRPr>
                     </a:p>
                   </a:txBody>
-                  <a:tcPr/>
+                  <a:tcPr>
+                    <a:solidFill>
+                      <a:schemeClr val="accent5"/>
+                    </a:solidFill>
+                  </a:tcPr>
                 </a:tc>
                 <a:extLst>
                   <a:ext uri="{0D108BD9-81ED-4DB2-BD59-A6C34878D82A}">
@@ -22234,14 +22922,22 @@
                     <a:bodyPr/>
                     <a:lstStyle/>
                     <a:p>
-                      <a:endParaRPr lang="en-US" noProof="0" dirty="0"/>
+                      <a:endParaRPr lang="en-US" noProof="0" dirty="0">
+                        <a:solidFill>
+                          <a:schemeClr val="bg1"/>
+                        </a:solidFill>
+                      </a:endParaRPr>
                     </a:p>
                   </a:txBody>
-                  <a:tcPr/>
+                  <a:tcPr>
+                    <a:solidFill>
+                      <a:srgbClr val="FF0000"/>
+                    </a:solidFill>
+                  </a:tcPr>
                 </a:tc>
                 <a:extLst>
                   <a:ext uri="{0D108BD9-81ED-4DB2-BD59-A6C34878D82A}">
-                    <a16:rowId xmlns:a16="http://schemas.microsoft.com/office/drawing/2014/main" val="2064031335"/>
+                    <a16:rowId xmlns:a16="http://schemas.microsoft.com/office/drawing/2014/main" val="188191497"/>
                   </a:ext>
                 </a:extLst>
               </a:tr>
@@ -22261,271 +22957,22 @@
                     <a:bodyPr/>
                     <a:lstStyle/>
                     <a:p>
-                      <a:endParaRPr lang="en-US" noProof="0" dirty="0"/>
+                      <a:endParaRPr lang="en-US" noProof="0" dirty="0">
+                        <a:solidFill>
+                          <a:schemeClr val="bg1"/>
+                        </a:solidFill>
+                      </a:endParaRPr>
                     </a:p>
                   </a:txBody>
-                  <a:tcPr/>
-                </a:tc>
-                <a:extLst>
-                  <a:ext uri="{0D108BD9-81ED-4DB2-BD59-A6C34878D82A}">
-                    <a16:rowId xmlns:a16="http://schemas.microsoft.com/office/drawing/2014/main" val="851991289"/>
-                  </a:ext>
-                </a:extLst>
-              </a:tr>
-            </a:tbl>
-          </a:graphicData>
-        </a:graphic>
-      </p:graphicFrame>
-    </p:spTree>
-    <p:extLst>
-      <p:ext uri="{BB962C8B-B14F-4D97-AF65-F5344CB8AC3E}">
-        <p14:creationId xmlns:p14="http://schemas.microsoft.com/office/powerpoint/2010/main" val="657322324"/>
-      </p:ext>
-    </p:extLst>
-  </p:cSld>
-  <p:clrMapOvr>
-    <a:masterClrMapping/>
-  </p:clrMapOvr>
-  <mc:AlternateContent xmlns:mc="http://schemas.openxmlformats.org/markup-compatibility/2006" xmlns:p14="http://schemas.microsoft.com/office/powerpoint/2010/main">
-    <mc:Choice Requires="p14">
-      <p:transition spd="med" p14:dur="700">
-        <p:fade/>
-      </p:transition>
-    </mc:Choice>
-    <mc:Fallback xmlns="">
-      <p:transition spd="med">
-        <p:fade/>
-      </p:transition>
-    </mc:Fallback>
-  </mc:AlternateContent>
-</p:sld>
-</file>
-
-<file path=ppt/slides/slide12.xml><?xml version="1.0" encoding="utf-8"?>
-<p:sld xmlns:a="http://schemas.openxmlformats.org/drawingml/2006/main" xmlns:r="http://schemas.openxmlformats.org/officeDocument/2006/relationships" xmlns:p="http://schemas.openxmlformats.org/presentationml/2006/main">
-  <p:cSld>
-    <p:spTree>
-      <p:nvGrpSpPr>
-        <p:cNvPr id="1" name=""/>
-        <p:cNvGrpSpPr/>
-        <p:nvPr/>
-      </p:nvGrpSpPr>
-      <p:grpSpPr>
-        <a:xfrm>
-          <a:off x="0" y="0"/>
-          <a:ext cx="0" cy="0"/>
-          <a:chOff x="0" y="0"/>
-          <a:chExt cx="0" cy="0"/>
-        </a:xfrm>
-      </p:grpSpPr>
-      <p:sp>
-        <p:nvSpPr>
-          <p:cNvPr id="2" name="Titre 1"/>
-          <p:cNvSpPr>
-            <a:spLocks noGrp="1"/>
-          </p:cNvSpPr>
-          <p:nvPr>
-            <p:ph type="title"/>
-          </p:nvPr>
-        </p:nvSpPr>
-        <p:spPr/>
-        <p:txBody>
-          <a:bodyPr rtlCol="0"/>
-          <a:lstStyle/>
-          <a:p>
-            <a:pPr rtl="0"/>
-            <a:r>
-              <a:rPr lang="en-US" dirty="0"/>
-              <a:t>Functionalities | Shop</a:t>
-            </a:r>
-          </a:p>
-        </p:txBody>
-      </p:sp>
-      <p:graphicFrame>
-        <p:nvGraphicFramePr>
-          <p:cNvPr id="7" name="Espace réservé du contenu 6">
-            <a:extLst>
-              <a:ext uri="{FF2B5EF4-FFF2-40B4-BE49-F238E27FC236}">
-                <a16:creationId xmlns:a16="http://schemas.microsoft.com/office/drawing/2014/main" id="{ED3DDB86-DAA6-4EDA-BD41-D807339A77FC}"/>
-              </a:ext>
-            </a:extLst>
-          </p:cNvPr>
-          <p:cNvGraphicFramePr>
-            <a:graphicFrameLocks noGrp="1"/>
-          </p:cNvGraphicFramePr>
-          <p:nvPr>
-            <p:ph idx="1"/>
-            <p:extLst>
-              <p:ext uri="{D42A27DB-BD31-4B8C-83A1-F6EECF244321}">
-                <p14:modId xmlns:p14="http://schemas.microsoft.com/office/powerpoint/2010/main" val="2056125559"/>
-              </p:ext>
-            </p:extLst>
-          </p:nvPr>
-        </p:nvGraphicFramePr>
-        <p:xfrm>
-          <a:off x="1295399" y="1981199"/>
-          <a:ext cx="9269027" cy="2256410"/>
-        </p:xfrm>
-        <a:graphic>
-          <a:graphicData uri="http://schemas.openxmlformats.org/drawingml/2006/table">
-            <a:tbl>
-              <a:tblPr firstRow="1" bandRow="1">
-                <a:tableStyleId>{69012ECD-51FC-41F1-AA8D-1B2483CD663E}</a:tableStyleId>
-              </a:tblPr>
-              <a:tblGrid>
-                <a:gridCol w="6944236">
-                  <a:extLst>
-                    <a:ext uri="{9D8B030D-6E8A-4147-A177-3AD203B41FA5}">
-                      <a16:colId xmlns:a16="http://schemas.microsoft.com/office/drawing/2014/main" val="3286242763"/>
-                    </a:ext>
-                  </a:extLst>
-                </a:gridCol>
-                <a:gridCol w="2324791">
-                  <a:extLst>
-                    <a:ext uri="{9D8B030D-6E8A-4147-A177-3AD203B41FA5}">
-                      <a16:colId xmlns:a16="http://schemas.microsoft.com/office/drawing/2014/main" val="1584885993"/>
-                    </a:ext>
-                  </a:extLst>
-                </a:gridCol>
-              </a:tblGrid>
-              <a:tr h="451282">
-                <a:tc>
-                  <a:txBody>
-                    <a:bodyPr/>
-                    <a:lstStyle/>
-                    <a:p>
-                      <a:r>
-                        <a:rPr lang="en-US" noProof="0" dirty="0"/>
-                        <a:t>Functionalities </a:t>
-                      </a:r>
-                    </a:p>
-                  </a:txBody>
-                  <a:tcPr/>
-                </a:tc>
-                <a:tc>
-                  <a:txBody>
-                    <a:bodyPr/>
-                    <a:lstStyle/>
-                    <a:p>
-                      <a:r>
-                        <a:rPr lang="en-US" noProof="0" dirty="0"/>
-                        <a:t>Work done</a:t>
-                      </a:r>
-                    </a:p>
-                  </a:txBody>
-                  <a:tcPr/>
-                </a:tc>
-                <a:extLst>
-                  <a:ext uri="{0D108BD9-81ED-4DB2-BD59-A6C34878D82A}">
-                    <a16:rowId xmlns:a16="http://schemas.microsoft.com/office/drawing/2014/main" val="3634986758"/>
-                  </a:ext>
-                </a:extLst>
-              </a:tr>
-              <a:tr h="451282">
-                <a:tc>
-                  <a:txBody>
-                    <a:bodyPr/>
-                    <a:lstStyle/>
-                    <a:p>
-                      <a:endParaRPr lang="en-US" noProof="0" dirty="0"/>
-                    </a:p>
-                  </a:txBody>
-                  <a:tcPr/>
-                </a:tc>
-                <a:tc>
-                  <a:txBody>
-                    <a:bodyPr/>
-                    <a:lstStyle/>
-                    <a:p>
-                      <a:endParaRPr lang="en-US" noProof="0" dirty="0"/>
-                    </a:p>
-                  </a:txBody>
-                  <a:tcPr/>
-                </a:tc>
-                <a:extLst>
-                  <a:ext uri="{0D108BD9-81ED-4DB2-BD59-A6C34878D82A}">
-                    <a16:rowId xmlns:a16="http://schemas.microsoft.com/office/drawing/2014/main" val="1492406737"/>
-                  </a:ext>
-                </a:extLst>
-              </a:tr>
-              <a:tr h="451282">
-                <a:tc>
-                  <a:txBody>
-                    <a:bodyPr/>
-                    <a:lstStyle/>
-                    <a:p>
-                      <a:endParaRPr lang="en-US" noProof="0" dirty="0"/>
-                    </a:p>
-                  </a:txBody>
-                  <a:tcPr/>
-                </a:tc>
-                <a:tc>
-                  <a:txBody>
-                    <a:bodyPr/>
-                    <a:lstStyle/>
-                    <a:p>
-                      <a:endParaRPr lang="en-US" noProof="0" dirty="0"/>
-                    </a:p>
-                  </a:txBody>
-                  <a:tcPr/>
-                </a:tc>
-                <a:extLst>
-                  <a:ext uri="{0D108BD9-81ED-4DB2-BD59-A6C34878D82A}">
-                    <a16:rowId xmlns:a16="http://schemas.microsoft.com/office/drawing/2014/main" val="340685965"/>
-                  </a:ext>
-                </a:extLst>
-              </a:tr>
-              <a:tr h="451282">
-                <a:tc>
-                  <a:txBody>
-                    <a:bodyPr/>
-                    <a:lstStyle/>
-                    <a:p>
-                      <a:endParaRPr lang="en-US" noProof="0" dirty="0"/>
-                    </a:p>
-                  </a:txBody>
-                  <a:tcPr/>
-                </a:tc>
-                <a:tc>
-                  <a:txBody>
-                    <a:bodyPr/>
-                    <a:lstStyle/>
-                    <a:p>
-                      <a:endParaRPr lang="en-US" noProof="0" dirty="0"/>
-                    </a:p>
-                  </a:txBody>
-                  <a:tcPr/>
+                  <a:tcPr>
+                    <a:solidFill>
+                      <a:srgbClr val="FF0000"/>
+                    </a:solidFill>
+                  </a:tcPr>
                 </a:tc>
                 <a:extLst>
                   <a:ext uri="{0D108BD9-81ED-4DB2-BD59-A6C34878D82A}">
                     <a16:rowId xmlns:a16="http://schemas.microsoft.com/office/drawing/2014/main" val="2064031335"/>
-                  </a:ext>
-                </a:extLst>
-              </a:tr>
-              <a:tr h="451282">
-                <a:tc>
-                  <a:txBody>
-                    <a:bodyPr/>
-                    <a:lstStyle/>
-                    <a:p>
-                      <a:endParaRPr lang="en-US" noProof="0" dirty="0"/>
-                    </a:p>
-                  </a:txBody>
-                  <a:tcPr/>
-                </a:tc>
-                <a:tc>
-                  <a:txBody>
-                    <a:bodyPr/>
-                    <a:lstStyle/>
-                    <a:p>
-                      <a:endParaRPr lang="en-US" noProof="0" dirty="0"/>
-                    </a:p>
-                  </a:txBody>
-                  <a:tcPr/>
-                </a:tc>
-                <a:extLst>
-                  <a:ext uri="{0D108BD9-81ED-4DB2-BD59-A6C34878D82A}">
-                    <a16:rowId xmlns:a16="http://schemas.microsoft.com/office/drawing/2014/main" val="851991289"/>
                   </a:ext>
                 </a:extLst>
               </a:tr>
@@ -23240,25 +23687,284 @@
       </p:sp>
       <p:sp>
         <p:nvSpPr>
-          <p:cNvPr id="3" name="Espace réservé du contenu 2">
+          <p:cNvPr id="4" name="Rectangle 3">
             <a:extLst>
               <a:ext uri="{FF2B5EF4-FFF2-40B4-BE49-F238E27FC236}">
-                <a16:creationId xmlns:a16="http://schemas.microsoft.com/office/drawing/2014/main" id="{1092E526-4468-4480-82DE-06CE731213DA}"/>
+                <a16:creationId xmlns:a16="http://schemas.microsoft.com/office/drawing/2014/main" id="{AB3BAEC5-6806-4396-9793-F64CD1A3FD0F}"/>
               </a:ext>
             </a:extLst>
           </p:cNvPr>
-          <p:cNvSpPr>
-            <a:spLocks noGrp="1"/>
-          </p:cNvSpPr>
-          <p:nvPr>
-            <p:ph idx="1"/>
-          </p:nvPr>
+          <p:cNvSpPr/>
+          <p:nvPr/>
         </p:nvSpPr>
-        <p:spPr/>
+        <p:spPr>
+          <a:xfrm>
+            <a:off x="5361331" y="3890514"/>
+            <a:ext cx="1459685" cy="1359017"/>
+          </a:xfrm>
+          <a:prstGeom prst="rect">
+            <a:avLst/>
+          </a:prstGeom>
+        </p:spPr>
+        <p:style>
+          <a:lnRef idx="0">
+            <a:schemeClr val="accent1"/>
+          </a:lnRef>
+          <a:fillRef idx="3">
+            <a:schemeClr val="accent1"/>
+          </a:fillRef>
+          <a:effectRef idx="3">
+            <a:schemeClr val="accent1"/>
+          </a:effectRef>
+          <a:fontRef idx="minor">
+            <a:schemeClr val="lt1"/>
+          </a:fontRef>
+        </p:style>
         <p:txBody>
-          <a:bodyPr/>
+          <a:bodyPr rtlCol="0" anchor="ctr"/>
           <a:lstStyle/>
           <a:p>
+            <a:pPr algn="ctr"/>
+            <a:r>
+              <a:rPr lang="fr-FR" dirty="0"/>
+              <a:t>Front end</a:t>
+            </a:r>
+          </a:p>
+        </p:txBody>
+      </p:sp>
+      <p:sp>
+        <p:nvSpPr>
+          <p:cNvPr id="5" name="Rectangle 4">
+            <a:extLst>
+              <a:ext uri="{FF2B5EF4-FFF2-40B4-BE49-F238E27FC236}">
+                <a16:creationId xmlns:a16="http://schemas.microsoft.com/office/drawing/2014/main" id="{81C2566E-59F8-42C9-8D20-BBF1F8C44BF7}"/>
+              </a:ext>
+            </a:extLst>
+          </p:cNvPr>
+          <p:cNvSpPr/>
+          <p:nvPr/>
+        </p:nvSpPr>
+        <p:spPr>
+          <a:xfrm>
+            <a:off x="7842308" y="1723816"/>
+            <a:ext cx="1459685" cy="1359017"/>
+          </a:xfrm>
+          <a:prstGeom prst="rect">
+            <a:avLst/>
+          </a:prstGeom>
+        </p:spPr>
+        <p:style>
+          <a:lnRef idx="0">
+            <a:schemeClr val="accent6"/>
+          </a:lnRef>
+          <a:fillRef idx="3">
+            <a:schemeClr val="accent6"/>
+          </a:fillRef>
+          <a:effectRef idx="3">
+            <a:schemeClr val="accent6"/>
+          </a:effectRef>
+          <a:fontRef idx="minor">
+            <a:schemeClr val="lt1"/>
+          </a:fontRef>
+        </p:style>
+        <p:txBody>
+          <a:bodyPr rtlCol="0" anchor="ctr"/>
+          <a:lstStyle/>
+          <a:p>
+            <a:pPr algn="ctr"/>
+            <a:r>
+              <a:rPr lang="fr-FR" dirty="0"/>
+              <a:t>DB</a:t>
+            </a:r>
+          </a:p>
+        </p:txBody>
+      </p:sp>
+      <p:sp>
+        <p:nvSpPr>
+          <p:cNvPr id="6" name="Rectangle 5">
+            <a:extLst>
+              <a:ext uri="{FF2B5EF4-FFF2-40B4-BE49-F238E27FC236}">
+                <a16:creationId xmlns:a16="http://schemas.microsoft.com/office/drawing/2014/main" id="{AACCB5DD-C72B-4472-A896-90D78EDF091A}"/>
+              </a:ext>
+            </a:extLst>
+          </p:cNvPr>
+          <p:cNvSpPr/>
+          <p:nvPr/>
+        </p:nvSpPr>
+        <p:spPr>
+          <a:xfrm>
+            <a:off x="2780951" y="1776368"/>
+            <a:ext cx="1459685" cy="1359017"/>
+          </a:xfrm>
+          <a:prstGeom prst="rect">
+            <a:avLst/>
+          </a:prstGeom>
+          <a:solidFill>
+            <a:schemeClr val="accent3">
+              <a:lumMod val="75000"/>
+            </a:schemeClr>
+          </a:solidFill>
+        </p:spPr>
+        <p:style>
+          <a:lnRef idx="0">
+            <a:schemeClr val="accent6"/>
+          </a:lnRef>
+          <a:fillRef idx="3">
+            <a:schemeClr val="accent6"/>
+          </a:fillRef>
+          <a:effectRef idx="3">
+            <a:schemeClr val="accent6"/>
+          </a:effectRef>
+          <a:fontRef idx="minor">
+            <a:schemeClr val="lt1"/>
+          </a:fontRef>
+        </p:style>
+        <p:txBody>
+          <a:bodyPr rtlCol="0" anchor="ctr"/>
+          <a:lstStyle/>
+          <a:p>
+            <a:pPr algn="ctr"/>
+            <a:r>
+              <a:rPr lang="fr-FR" dirty="0"/>
+              <a:t>NodeJS</a:t>
+            </a:r>
+          </a:p>
+        </p:txBody>
+      </p:sp>
+      <p:sp>
+        <p:nvSpPr>
+          <p:cNvPr id="7" name="Flèche : haut 6">
+            <a:extLst>
+              <a:ext uri="{FF2B5EF4-FFF2-40B4-BE49-F238E27FC236}">
+                <a16:creationId xmlns:a16="http://schemas.microsoft.com/office/drawing/2014/main" id="{E9478DFC-2A9A-4625-989C-AB4EBE30AEBE}"/>
+              </a:ext>
+            </a:extLst>
+          </p:cNvPr>
+          <p:cNvSpPr/>
+          <p:nvPr/>
+        </p:nvSpPr>
+        <p:spPr>
+          <a:xfrm rot="3102907">
+            <a:off x="7301244" y="2978119"/>
+            <a:ext cx="226503" cy="1189139"/>
+          </a:xfrm>
+          <a:prstGeom prst="upArrow">
+            <a:avLst/>
+          </a:prstGeom>
+        </p:spPr>
+        <p:style>
+          <a:lnRef idx="2">
+            <a:schemeClr val="accent2">
+              <a:shade val="50000"/>
+            </a:schemeClr>
+          </a:lnRef>
+          <a:fillRef idx="1">
+            <a:schemeClr val="accent2"/>
+          </a:fillRef>
+          <a:effectRef idx="0">
+            <a:schemeClr val="accent2"/>
+          </a:effectRef>
+          <a:fontRef idx="minor">
+            <a:schemeClr val="lt1"/>
+          </a:fontRef>
+        </p:style>
+        <p:txBody>
+          <a:bodyPr rtlCol="0" anchor="ctr"/>
+          <a:lstStyle/>
+          <a:p>
+            <a:pPr algn="ctr"/>
+            <a:endParaRPr lang="fr-FR"/>
+          </a:p>
+        </p:txBody>
+      </p:sp>
+      <p:sp>
+        <p:nvSpPr>
+          <p:cNvPr id="8" name="Flèche : haut 7">
+            <a:extLst>
+              <a:ext uri="{FF2B5EF4-FFF2-40B4-BE49-F238E27FC236}">
+                <a16:creationId xmlns:a16="http://schemas.microsoft.com/office/drawing/2014/main" id="{738DE69A-D77F-4331-AB7C-A0EEBF983042}"/>
+              </a:ext>
+            </a:extLst>
+          </p:cNvPr>
+          <p:cNvSpPr/>
+          <p:nvPr/>
+        </p:nvSpPr>
+        <p:spPr>
+          <a:xfrm rot="18612131">
+            <a:off x="4664252" y="2998091"/>
+            <a:ext cx="226503" cy="1189139"/>
+          </a:xfrm>
+          <a:prstGeom prst="upArrow">
+            <a:avLst/>
+          </a:prstGeom>
+        </p:spPr>
+        <p:style>
+          <a:lnRef idx="2">
+            <a:schemeClr val="accent2">
+              <a:shade val="50000"/>
+            </a:schemeClr>
+          </a:lnRef>
+          <a:fillRef idx="1">
+            <a:schemeClr val="accent2"/>
+          </a:fillRef>
+          <a:effectRef idx="0">
+            <a:schemeClr val="accent2"/>
+          </a:effectRef>
+          <a:fontRef idx="minor">
+            <a:schemeClr val="lt1"/>
+          </a:fontRef>
+        </p:style>
+        <p:txBody>
+          <a:bodyPr rtlCol="0" anchor="ctr"/>
+          <a:lstStyle/>
+          <a:p>
+            <a:pPr algn="ctr"/>
+            <a:endParaRPr lang="fr-FR"/>
+          </a:p>
+        </p:txBody>
+      </p:sp>
+      <p:sp>
+        <p:nvSpPr>
+          <p:cNvPr id="9" name="Flèche : haut 8">
+            <a:extLst>
+              <a:ext uri="{FF2B5EF4-FFF2-40B4-BE49-F238E27FC236}">
+                <a16:creationId xmlns:a16="http://schemas.microsoft.com/office/drawing/2014/main" id="{9092FE62-B499-486E-9DAA-9BE7E37AA44A}"/>
+              </a:ext>
+            </a:extLst>
+          </p:cNvPr>
+          <p:cNvSpPr/>
+          <p:nvPr/>
+        </p:nvSpPr>
+        <p:spPr>
+          <a:xfrm rot="13865923">
+            <a:off x="7125101" y="2834430"/>
+            <a:ext cx="226503" cy="1189139"/>
+          </a:xfrm>
+          <a:prstGeom prst="upArrow">
+            <a:avLst/>
+          </a:prstGeom>
+        </p:spPr>
+        <p:style>
+          <a:lnRef idx="2">
+            <a:schemeClr val="accent2">
+              <a:shade val="50000"/>
+            </a:schemeClr>
+          </a:lnRef>
+          <a:fillRef idx="1">
+            <a:schemeClr val="accent2"/>
+          </a:fillRef>
+          <a:effectRef idx="0">
+            <a:schemeClr val="accent2"/>
+          </a:effectRef>
+          <a:fontRef idx="minor">
+            <a:schemeClr val="lt1"/>
+          </a:fontRef>
+        </p:style>
+        <p:txBody>
+          <a:bodyPr rtlCol="0" anchor="ctr"/>
+          <a:lstStyle/>
+          <a:p>
+            <a:pPr algn="ctr"/>
             <a:endParaRPr lang="fr-FR"/>
           </a:p>
         </p:txBody>
